--- a/Santander/output/caretパッケージを使ったXGBoostのformula型.pptx
+++ b/Santander/output/caretパッケージを使ったXGBoostのformula型.pptx
@@ -18,14 +18,21 @@
     <p:sldId id="268" r:id="rId12"/>
     <p:sldId id="269" r:id="rId13"/>
     <p:sldId id="271" r:id="rId14"/>
-    <p:sldId id="272" r:id="rId15"/>
-    <p:sldId id="273" r:id="rId16"/>
-    <p:sldId id="276" r:id="rId17"/>
-    <p:sldId id="262" r:id="rId18"/>
-    <p:sldId id="267" r:id="rId19"/>
-    <p:sldId id="274" r:id="rId20"/>
-    <p:sldId id="275" r:id="rId21"/>
-    <p:sldId id="260" r:id="rId22"/>
+    <p:sldId id="280" r:id="rId15"/>
+    <p:sldId id="272" r:id="rId16"/>
+    <p:sldId id="273" r:id="rId17"/>
+    <p:sldId id="281" r:id="rId18"/>
+    <p:sldId id="276" r:id="rId19"/>
+    <p:sldId id="262" r:id="rId20"/>
+    <p:sldId id="267" r:id="rId21"/>
+    <p:sldId id="277" r:id="rId22"/>
+    <p:sldId id="278" r:id="rId23"/>
+    <p:sldId id="279" r:id="rId24"/>
+    <p:sldId id="274" r:id="rId25"/>
+    <p:sldId id="275" r:id="rId26"/>
+    <p:sldId id="283" r:id="rId27"/>
+    <p:sldId id="260" r:id="rId28"/>
+    <p:sldId id="284" r:id="rId29"/>
   </p:sldIdLst>
   <p:sldSz cx="12192000" cy="6858000"/>
   <p:notesSz cx="6858000" cy="9144000"/>
@@ -279,7 +286,7 @@
           <a:p>
             <a:fld id="{CC3B47A7-C307-40AF-BD89-9D477E34052E}" type="datetimeFigureOut">
               <a:rPr kumimoji="1" lang="ja-JP" altLang="en-US" smtClean="0"/>
-              <a:t>2018/8/26</a:t>
+              <a:t>2018/8/28</a:t>
             </a:fld>
             <a:endParaRPr kumimoji="1" lang="ja-JP" altLang="en-US"/>
           </a:p>
@@ -509,7 +516,7 @@
           <a:p>
             <a:fld id="{CC3B47A7-C307-40AF-BD89-9D477E34052E}" type="datetimeFigureOut">
               <a:rPr kumimoji="1" lang="ja-JP" altLang="en-US" smtClean="0"/>
-              <a:t>2018/8/26</a:t>
+              <a:t>2018/8/28</a:t>
             </a:fld>
             <a:endParaRPr kumimoji="1" lang="ja-JP" altLang="en-US"/>
           </a:p>
@@ -749,7 +756,7 @@
           <a:p>
             <a:fld id="{CC3B47A7-C307-40AF-BD89-9D477E34052E}" type="datetimeFigureOut">
               <a:rPr kumimoji="1" lang="ja-JP" altLang="en-US" smtClean="0"/>
-              <a:t>2018/8/26</a:t>
+              <a:t>2018/8/28</a:t>
             </a:fld>
             <a:endParaRPr kumimoji="1" lang="ja-JP" altLang="en-US"/>
           </a:p>
@@ -979,7 +986,7 @@
           <a:p>
             <a:fld id="{CC3B47A7-C307-40AF-BD89-9D477E34052E}" type="datetimeFigureOut">
               <a:rPr kumimoji="1" lang="ja-JP" altLang="en-US" smtClean="0"/>
-              <a:t>2018/8/26</a:t>
+              <a:t>2018/8/28</a:t>
             </a:fld>
             <a:endParaRPr kumimoji="1" lang="ja-JP" altLang="en-US"/>
           </a:p>
@@ -1254,7 +1261,7 @@
           <a:p>
             <a:fld id="{CC3B47A7-C307-40AF-BD89-9D477E34052E}" type="datetimeFigureOut">
               <a:rPr kumimoji="1" lang="ja-JP" altLang="en-US" smtClean="0"/>
-              <a:t>2018/8/26</a:t>
+              <a:t>2018/8/28</a:t>
             </a:fld>
             <a:endParaRPr kumimoji="1" lang="ja-JP" altLang="en-US"/>
           </a:p>
@@ -1583,7 +1590,7 @@
           <a:p>
             <a:fld id="{CC3B47A7-C307-40AF-BD89-9D477E34052E}" type="datetimeFigureOut">
               <a:rPr kumimoji="1" lang="ja-JP" altLang="en-US" smtClean="0"/>
-              <a:t>2018/8/26</a:t>
+              <a:t>2018/8/28</a:t>
             </a:fld>
             <a:endParaRPr kumimoji="1" lang="ja-JP" altLang="en-US"/>
           </a:p>
@@ -2059,7 +2066,7 @@
           <a:p>
             <a:fld id="{CC3B47A7-C307-40AF-BD89-9D477E34052E}" type="datetimeFigureOut">
               <a:rPr kumimoji="1" lang="ja-JP" altLang="en-US" smtClean="0"/>
-              <a:t>2018/8/26</a:t>
+              <a:t>2018/8/28</a:t>
             </a:fld>
             <a:endParaRPr kumimoji="1" lang="ja-JP" altLang="en-US"/>
           </a:p>
@@ -2200,7 +2207,7 @@
           <a:p>
             <a:fld id="{CC3B47A7-C307-40AF-BD89-9D477E34052E}" type="datetimeFigureOut">
               <a:rPr kumimoji="1" lang="ja-JP" altLang="en-US" smtClean="0"/>
-              <a:t>2018/8/26</a:t>
+              <a:t>2018/8/28</a:t>
             </a:fld>
             <a:endParaRPr kumimoji="1" lang="ja-JP" altLang="en-US"/>
           </a:p>
@@ -2313,7 +2320,7 @@
           <a:p>
             <a:fld id="{CC3B47A7-C307-40AF-BD89-9D477E34052E}" type="datetimeFigureOut">
               <a:rPr kumimoji="1" lang="ja-JP" altLang="en-US" smtClean="0"/>
-              <a:t>2018/8/26</a:t>
+              <a:t>2018/8/28</a:t>
             </a:fld>
             <a:endParaRPr kumimoji="1" lang="ja-JP" altLang="en-US"/>
           </a:p>
@@ -2656,7 +2663,7 @@
           <a:p>
             <a:fld id="{CC3B47A7-C307-40AF-BD89-9D477E34052E}" type="datetimeFigureOut">
               <a:rPr kumimoji="1" lang="ja-JP" altLang="en-US" smtClean="0"/>
-              <a:t>2018/8/26</a:t>
+              <a:t>2018/8/28</a:t>
             </a:fld>
             <a:endParaRPr kumimoji="1" lang="ja-JP" altLang="en-US"/>
           </a:p>
@@ -2944,7 +2951,7 @@
           <a:p>
             <a:fld id="{CC3B47A7-C307-40AF-BD89-9D477E34052E}" type="datetimeFigureOut">
               <a:rPr kumimoji="1" lang="ja-JP" altLang="en-US" smtClean="0"/>
-              <a:t>2018/8/26</a:t>
+              <a:t>2018/8/28</a:t>
             </a:fld>
             <a:endParaRPr kumimoji="1" lang="ja-JP" altLang="en-US"/>
           </a:p>
@@ -3217,7 +3224,7 @@
           <a:p>
             <a:fld id="{CC3B47A7-C307-40AF-BD89-9D477E34052E}" type="datetimeFigureOut">
               <a:rPr kumimoji="1" lang="ja-JP" altLang="en-US" smtClean="0"/>
-              <a:t>2018/8/26</a:t>
+              <a:t>2018/8/28</a:t>
             </a:fld>
             <a:endParaRPr kumimoji="1" lang="ja-JP" altLang="en-US"/>
           </a:p>
@@ -4000,7 +4007,25 @@
                 </a:solidFill>
                 <a:latin typeface="Lucida Console" panose="020B0609040504020204" pitchFamily="49" charset="0"/>
               </a:rPr>
-              <a:t> &lt;- function(x){</a:t>
+              <a:t> &lt;- </a:t>
+            </a:r>
+            <a:r>
+              <a:rPr lang="en-US" altLang="ja-JP" sz="1800" dirty="0">
+                <a:solidFill>
+                  <a:srgbClr val="FF0000"/>
+                </a:solidFill>
+                <a:latin typeface="Lucida Console" panose="020B0609040504020204" pitchFamily="49" charset="0"/>
+              </a:rPr>
+              <a:t>function</a:t>
+            </a:r>
+            <a:r>
+              <a:rPr lang="en-US" altLang="ja-JP" sz="1800" dirty="0">
+                <a:solidFill>
+                  <a:schemeClr val="bg1"/>
+                </a:solidFill>
+                <a:latin typeface="Lucida Console" panose="020B0609040504020204" pitchFamily="49" charset="0"/>
+              </a:rPr>
+              <a:t>(x){</a:t>
             </a:r>
           </a:p>
           <a:p>
@@ -4019,7 +4044,7 @@
             <a:r>
               <a:rPr lang="en-US" altLang="ja-JP" sz="1800" dirty="0" err="1">
                 <a:solidFill>
-                  <a:schemeClr val="bg1"/>
+                  <a:srgbClr val="00B0F0"/>
                 </a:solidFill>
                 <a:latin typeface="Lucida Console" panose="020B0609040504020204" pitchFamily="49" charset="0"/>
               </a:rPr>
@@ -4051,7 +4076,7 @@
             <a:r>
               <a:rPr lang="en-US" altLang="ja-JP" sz="1800" dirty="0" err="1">
                 <a:solidFill>
-                  <a:schemeClr val="bg1"/>
+                  <a:srgbClr val="00B0F0"/>
                 </a:solidFill>
                 <a:latin typeface="Lucida Console" panose="020B0609040504020204" pitchFamily="49" charset="0"/>
               </a:rPr>
@@ -4083,7 +4108,7 @@
             <a:r>
               <a:rPr lang="en-US" altLang="ja-JP" sz="1800" dirty="0" err="1">
                 <a:solidFill>
-                  <a:schemeClr val="bg1"/>
+                  <a:srgbClr val="00B0F0"/>
                 </a:solidFill>
                 <a:latin typeface="Lucida Console" panose="020B0609040504020204" pitchFamily="49" charset="0"/>
               </a:rPr>
@@ -4144,7 +4169,25 @@
                 </a:solidFill>
                 <a:latin typeface="Lucida Console" panose="020B0609040504020204" pitchFamily="49" charset="0"/>
               </a:rPr>
-              <a:t> &lt;- function(x){</a:t>
+              <a:t> &lt;- </a:t>
+            </a:r>
+            <a:r>
+              <a:rPr lang="en-US" altLang="ja-JP" sz="1800" dirty="0">
+                <a:solidFill>
+                  <a:srgbClr val="FF0000"/>
+                </a:solidFill>
+                <a:latin typeface="Lucida Console" panose="020B0609040504020204" pitchFamily="49" charset="0"/>
+              </a:rPr>
+              <a:t>function</a:t>
+            </a:r>
+            <a:r>
+              <a:rPr lang="en-US" altLang="ja-JP" sz="1800" dirty="0">
+                <a:solidFill>
+                  <a:schemeClr val="bg1"/>
+                </a:solidFill>
+                <a:latin typeface="Lucida Console" panose="020B0609040504020204" pitchFamily="49" charset="0"/>
+              </a:rPr>
+              <a:t>(x){</a:t>
             </a:r>
           </a:p>
           <a:p>
@@ -4158,7 +4201,25 @@
                 </a:solidFill>
                 <a:latin typeface="Lucida Console" panose="020B0609040504020204" pitchFamily="49" charset="0"/>
               </a:rPr>
-              <a:t>  var(x)!=0</a:t>
+              <a:t>  </a:t>
+            </a:r>
+            <a:r>
+              <a:rPr lang="en-US" altLang="ja-JP" sz="1800" dirty="0">
+                <a:solidFill>
+                  <a:srgbClr val="00B0F0"/>
+                </a:solidFill>
+                <a:latin typeface="Lucida Console" panose="020B0609040504020204" pitchFamily="49" charset="0"/>
+              </a:rPr>
+              <a:t>var</a:t>
+            </a:r>
+            <a:r>
+              <a:rPr lang="en-US" altLang="ja-JP" sz="1800" dirty="0">
+                <a:solidFill>
+                  <a:schemeClr val="bg1"/>
+                </a:solidFill>
+                <a:latin typeface="Lucida Console" panose="020B0609040504020204" pitchFamily="49" charset="0"/>
+              </a:rPr>
+              <a:t>(x)!=0</a:t>
             </a:r>
           </a:p>
           <a:p>
@@ -4203,8 +4264,8 @@
         </p:nvSpPr>
         <p:spPr>
           <a:xfrm>
-            <a:off x="838200" y="1690689"/>
-            <a:ext cx="10515600" cy="1148044"/>
+            <a:off x="838200" y="1690688"/>
+            <a:ext cx="10515600" cy="1530183"/>
           </a:xfrm>
           <a:prstGeom prst="rect">
             <a:avLst/>
@@ -4417,6 +4478,21 @@
             <a:r>
               <a:rPr lang="ja-JP" altLang="en-US" dirty="0"/>
               <a:t>であるような変数もついでに削る</a:t>
+            </a:r>
+            <a:endParaRPr lang="en-US" altLang="ja-JP" dirty="0"/>
+          </a:p>
+          <a:p>
+            <a:r>
+              <a:rPr lang="ja-JP" altLang="en-US" dirty="0"/>
+              <a:t>申し訳程度の</a:t>
+            </a:r>
+            <a:r>
+              <a:rPr lang="en-US" altLang="ja-JP" dirty="0"/>
+              <a:t>tidy</a:t>
+            </a:r>
+            <a:r>
+              <a:rPr lang="ja-JP" altLang="en-US" dirty="0"/>
+              <a:t>要素</a:t>
             </a:r>
           </a:p>
         </p:txBody>
@@ -4588,8 +4664,13 @@
             </a:r>
             <a:r>
               <a:rPr kumimoji="1" lang="ja-JP" altLang="en-US" dirty="0"/>
-              <a:t>分析かｋ</a:t>
-            </a:r>
+              <a:t>分析</a:t>
+            </a:r>
+            <a:r>
+              <a:rPr lang="ja-JP" altLang="en-US" dirty="0"/>
+              <a:t>するｚ</a:t>
+            </a:r>
+            <a:endParaRPr kumimoji="1" lang="ja-JP" altLang="en-US" dirty="0"/>
           </a:p>
         </p:txBody>
       </p:sp>
@@ -4659,76 +4740,75 @@
           <a:chExt cx="0" cy="0"/>
         </a:xfrm>
       </p:grpSpPr>
-      <p:sp>
-        <p:nvSpPr>
-          <p:cNvPr id="2" name="タイトル 1">
-            <a:extLst>
-              <a:ext uri="{FF2B5EF4-FFF2-40B4-BE49-F238E27FC236}">
-                <a16:creationId xmlns:a16="http://schemas.microsoft.com/office/drawing/2014/main" id="{00954662-0A65-46CC-A1A1-E4BAD326BE05}"/>
-              </a:ext>
-            </a:extLst>
-          </p:cNvPr>
-          <p:cNvSpPr>
-            <a:spLocks noGrp="1"/>
-          </p:cNvSpPr>
-          <p:nvPr>
-            <p:ph type="title"/>
-          </p:nvPr>
-        </p:nvSpPr>
-        <p:spPr/>
-        <p:txBody>
-          <a:bodyPr/>
-          <a:lstStyle/>
-          <a:p>
-            <a:r>
-              <a:rPr kumimoji="1" lang="ja-JP" altLang="en-US" dirty="0"/>
-              <a:t>しかし</a:t>
-            </a:r>
-            <a:r>
-              <a:rPr kumimoji="1" lang="en-US" altLang="ja-JP" dirty="0"/>
-              <a:t>……</a:t>
+      <p:pic>
+        <p:nvPicPr>
+          <p:cNvPr id="5" name="図 4">
+            <a:extLst>
+              <a:ext uri="{FF2B5EF4-FFF2-40B4-BE49-F238E27FC236}">
+                <a16:creationId xmlns:a16="http://schemas.microsoft.com/office/drawing/2014/main" id="{FEB5EBB7-039F-4149-8DD7-B2A7807CCFBC}"/>
+              </a:ext>
+            </a:extLst>
+          </p:cNvPr>
+          <p:cNvPicPr>
+            <a:picLocks noChangeAspect="1"/>
+          </p:cNvPicPr>
+          <p:nvPr/>
+        </p:nvPicPr>
+        <p:blipFill>
+          <a:blip r:embed="rId2">
+            <a:extLst>
+              <a:ext uri="{28A0092B-C50C-407E-A947-70E740481C1C}">
+                <a14:useLocalDpi xmlns:a14="http://schemas.microsoft.com/office/drawing/2010/main" val="0"/>
+              </a:ext>
+            </a:extLst>
+          </a:blip>
+          <a:stretch>
+            <a:fillRect/>
+          </a:stretch>
+        </p:blipFill>
+        <p:spPr>
+          <a:xfrm>
+            <a:off x="1583802" y="518615"/>
+            <a:ext cx="8523961" cy="6093725"/>
+          </a:xfrm>
+          <a:prstGeom prst="rect">
+            <a:avLst/>
+          </a:prstGeom>
+        </p:spPr>
+      </p:pic>
+      <p:sp>
+        <p:nvSpPr>
+          <p:cNvPr id="11" name="テキスト ボックス 10">
+            <a:extLst>
+              <a:ext uri="{FF2B5EF4-FFF2-40B4-BE49-F238E27FC236}">
+                <a16:creationId xmlns:a16="http://schemas.microsoft.com/office/drawing/2014/main" id="{D7671FB6-87A7-48BA-8287-F6B0F158A677}"/>
+              </a:ext>
+            </a:extLst>
+          </p:cNvPr>
+          <p:cNvSpPr txBox="1"/>
+          <p:nvPr/>
+        </p:nvSpPr>
+        <p:spPr>
+          <a:xfrm>
+            <a:off x="1596788" y="109181"/>
+            <a:ext cx="6003567" cy="369332"/>
+          </a:xfrm>
+          <a:prstGeom prst="rect">
+            <a:avLst/>
+          </a:prstGeom>
+          <a:noFill/>
+        </p:spPr>
+        <p:txBody>
+          <a:bodyPr wrap="none" rtlCol="0">
+            <a:spAutoFit/>
+          </a:bodyPr>
+          <a:lstStyle/>
+          <a:p>
+            <a:r>
+              <a:rPr lang="en-US" altLang="ja-JP" dirty="0"/>
+              <a:t>https://www.kaggle.com/titericz/the-property-by-giba</a:t>
             </a:r>
             <a:endParaRPr kumimoji="1" lang="ja-JP" altLang="en-US" dirty="0"/>
-          </a:p>
-        </p:txBody>
-      </p:sp>
-      <p:sp>
-        <p:nvSpPr>
-          <p:cNvPr id="3" name="コンテンツ プレースホルダー 2">
-            <a:extLst>
-              <a:ext uri="{FF2B5EF4-FFF2-40B4-BE49-F238E27FC236}">
-                <a16:creationId xmlns:a16="http://schemas.microsoft.com/office/drawing/2014/main" id="{AD947002-7609-4A79-A4F1-2E15E5E7DB47}"/>
-              </a:ext>
-            </a:extLst>
-          </p:cNvPr>
-          <p:cNvSpPr>
-            <a:spLocks noGrp="1"/>
-          </p:cNvSpPr>
-          <p:nvPr>
-            <p:ph idx="1"/>
-          </p:nvPr>
-        </p:nvSpPr>
-        <p:spPr/>
-        <p:txBody>
-          <a:bodyPr/>
-          <a:lstStyle/>
-          <a:p>
-            <a:r>
-              <a:rPr kumimoji="1" lang="en-US" altLang="ja-JP" dirty="0">
-                <a:solidFill>
-                  <a:srgbClr val="FF0000"/>
-                </a:solidFill>
-              </a:rPr>
-              <a:t>Leakage</a:t>
-            </a:r>
-            <a:r>
-              <a:rPr kumimoji="1" lang="ja-JP" altLang="en-US" dirty="0">
-                <a:solidFill>
-                  <a:srgbClr val="FF0000"/>
-                </a:solidFill>
-              </a:rPr>
-              <a:t>の画像を張る</a:t>
-            </a:r>
           </a:p>
         </p:txBody>
       </p:sp>
@@ -4762,199 +4842,88 @@
           <a:chExt cx="0" cy="0"/>
         </a:xfrm>
       </p:grpSpPr>
-      <p:sp>
-        <p:nvSpPr>
-          <p:cNvPr id="2" name="タイトル 1">
-            <a:extLst>
-              <a:ext uri="{FF2B5EF4-FFF2-40B4-BE49-F238E27FC236}">
-                <a16:creationId xmlns:a16="http://schemas.microsoft.com/office/drawing/2014/main" id="{69B7166A-1AE2-4F80-B2D0-8C7FF5316993}"/>
-              </a:ext>
-            </a:extLst>
-          </p:cNvPr>
-          <p:cNvSpPr>
-            <a:spLocks noGrp="1"/>
-          </p:cNvSpPr>
-          <p:nvPr>
-            <p:ph type="title"/>
-          </p:nvPr>
-        </p:nvSpPr>
-        <p:spPr/>
-        <p:txBody>
-          <a:bodyPr/>
-          <a:lstStyle/>
-          <a:p>
-            <a:r>
-              <a:rPr kumimoji="1" lang="ja-JP" altLang="en-US" dirty="0"/>
-              <a:t>しかし</a:t>
-            </a:r>
-            <a:r>
-              <a:rPr kumimoji="1" lang="en-US" altLang="ja-JP" dirty="0"/>
-              <a:t>……</a:t>
-            </a:r>
-            <a:endParaRPr kumimoji="1" lang="ja-JP" altLang="en-US" dirty="0"/>
-          </a:p>
-        </p:txBody>
-      </p:sp>
-      <p:sp>
-        <p:nvSpPr>
-          <p:cNvPr id="3" name="コンテンツ プレースホルダー 2">
-            <a:extLst>
-              <a:ext uri="{FF2B5EF4-FFF2-40B4-BE49-F238E27FC236}">
-                <a16:creationId xmlns:a16="http://schemas.microsoft.com/office/drawing/2014/main" id="{1A5CF017-AD5C-4157-884C-FA670B874BF4}"/>
-              </a:ext>
-            </a:extLst>
-          </p:cNvPr>
-          <p:cNvSpPr>
-            <a:spLocks noGrp="1"/>
-          </p:cNvSpPr>
-          <p:nvPr>
-            <p:ph idx="1"/>
-          </p:nvPr>
-        </p:nvSpPr>
-        <p:spPr/>
-        <p:txBody>
-          <a:bodyPr>
-            <a:normAutofit fontScale="92500" lnSpcReduction="10000"/>
-          </a:bodyPr>
-          <a:lstStyle/>
-          <a:p>
-            <a:r>
-              <a:rPr kumimoji="1" lang="en-US" altLang="ja-JP" dirty="0"/>
-              <a:t>Leakage</a:t>
-            </a:r>
-            <a:r>
-              <a:rPr kumimoji="1" lang="ja-JP" altLang="en-US" dirty="0"/>
-              <a:t>とは</a:t>
-            </a:r>
-            <a:endParaRPr kumimoji="1" lang="en-US" altLang="ja-JP" dirty="0"/>
-          </a:p>
-          <a:p>
-            <a:pPr marL="457200" lvl="1" indent="0">
-              <a:buNone/>
-            </a:pPr>
-            <a:r>
-              <a:rPr kumimoji="1" lang="ja-JP" altLang="en-US" dirty="0"/>
-              <a:t> 本来分析側が「知らないはず」の情報を分析モデルに組み込むこと</a:t>
-            </a:r>
-            <a:endParaRPr lang="en-US" altLang="ja-JP" dirty="0"/>
-          </a:p>
-          <a:p>
-            <a:endParaRPr lang="en-US" altLang="ja-JP" dirty="0"/>
-          </a:p>
-          <a:p>
-            <a:r>
-              <a:rPr lang="ja-JP" altLang="en-US" dirty="0"/>
-              <a:t>今回は行・列で時系列のデータだったことが発覚</a:t>
-            </a:r>
-            <a:endParaRPr lang="en-US" altLang="ja-JP" dirty="0"/>
-          </a:p>
-          <a:p>
-            <a:pPr lvl="1"/>
-            <a:r>
-              <a:rPr lang="ja-JP" altLang="en-US" dirty="0"/>
-              <a:t>行が単位時間ごとの時系列，列は説明変数のログ</a:t>
-            </a:r>
-            <a:endParaRPr lang="en-US" altLang="ja-JP" dirty="0"/>
-          </a:p>
-          <a:p>
-            <a:pPr lvl="1"/>
-            <a:r>
-              <a:rPr lang="ja-JP" altLang="en-US" dirty="0"/>
-              <a:t>使うべき変数が</a:t>
-            </a:r>
-            <a:r>
-              <a:rPr lang="en-US" altLang="ja-JP" dirty="0"/>
-              <a:t>46</a:t>
-            </a:r>
-            <a:r>
-              <a:rPr lang="ja-JP" altLang="en-US" dirty="0"/>
-              <a:t>個くらいに定まる</a:t>
-            </a:r>
-            <a:endParaRPr lang="en-US" altLang="ja-JP" dirty="0"/>
-          </a:p>
-          <a:p>
-            <a:pPr lvl="1"/>
-            <a:r>
-              <a:rPr lang="ja-JP" altLang="en-US" dirty="0"/>
-              <a:t>その変数ラベルも</a:t>
-            </a:r>
-            <a:r>
-              <a:rPr lang="en-US" altLang="ja-JP" dirty="0"/>
-              <a:t>Kernel</a:t>
-            </a:r>
-            <a:r>
-              <a:rPr lang="ja-JP" altLang="en-US" dirty="0"/>
-              <a:t>で共有される</a:t>
-            </a:r>
-            <a:endParaRPr lang="en-US" altLang="ja-JP" dirty="0"/>
-          </a:p>
-          <a:p>
-            <a:pPr lvl="1"/>
-            <a:endParaRPr lang="en-US" altLang="ja-JP" dirty="0"/>
-          </a:p>
-          <a:p>
-            <a:r>
-              <a:rPr lang="ja-JP" altLang="en-US" dirty="0"/>
-              <a:t>参考</a:t>
-            </a:r>
-            <a:endParaRPr lang="en-US" altLang="ja-JP" dirty="0"/>
-          </a:p>
-          <a:p>
-            <a:pPr lvl="1"/>
-            <a:r>
-              <a:rPr lang="en-US" altLang="ja-JP" dirty="0"/>
-              <a:t>TJO</a:t>
-            </a:r>
-            <a:r>
-              <a:rPr lang="ja-JP" altLang="en-US" dirty="0"/>
-              <a:t>先生のブログ</a:t>
-            </a:r>
-            <a:r>
-              <a:rPr lang="en-US" altLang="ja-JP" dirty="0"/>
-              <a:t>(</a:t>
-            </a:r>
-            <a:r>
-              <a:rPr lang="en-US" altLang="ja-JP" dirty="0">
-                <a:hlinkClick r:id="rId2"/>
-              </a:rPr>
-              <a:t>https://tjo.hatenablog.com/entry/2016/01/27/235620</a:t>
-            </a:r>
-            <a:r>
-              <a:rPr lang="en-US" altLang="ja-JP" dirty="0"/>
-              <a:t>)</a:t>
-            </a:r>
-          </a:p>
-          <a:p>
-            <a:pPr lvl="1"/>
-            <a:r>
-              <a:rPr lang="en-US" altLang="ja-JP" dirty="0" err="1"/>
-              <a:t>takuti</a:t>
-            </a:r>
-            <a:r>
-              <a:rPr lang="ja-JP" altLang="en-US" dirty="0"/>
-              <a:t>先生のブログ</a:t>
-            </a:r>
-            <a:r>
-              <a:rPr lang="en-US" altLang="ja-JP" dirty="0"/>
-              <a:t>(</a:t>
-            </a:r>
-            <a:r>
-              <a:rPr lang="en-US" altLang="ja-JP" dirty="0">
-                <a:hlinkClick r:id="rId3"/>
-              </a:rPr>
-              <a:t>https://takuti.me/note/leakage/</a:t>
-            </a:r>
-            <a:r>
-              <a:rPr lang="en-US" altLang="ja-JP" dirty="0"/>
-              <a:t>)</a:t>
-            </a:r>
-          </a:p>
-        </p:txBody>
-      </p:sp>
+      <p:pic>
+        <p:nvPicPr>
+          <p:cNvPr id="7" name="図 6">
+            <a:extLst>
+              <a:ext uri="{FF2B5EF4-FFF2-40B4-BE49-F238E27FC236}">
+                <a16:creationId xmlns:a16="http://schemas.microsoft.com/office/drawing/2014/main" id="{82F21AC6-82F9-499C-9F2A-DBAC8CC75319}"/>
+              </a:ext>
+            </a:extLst>
+          </p:cNvPr>
+          <p:cNvPicPr>
+            <a:picLocks noChangeAspect="1"/>
+          </p:cNvPicPr>
+          <p:nvPr/>
+        </p:nvPicPr>
+        <p:blipFill>
+          <a:blip r:embed="rId2">
+            <a:extLst>
+              <a:ext uri="{28A0092B-C50C-407E-A947-70E740481C1C}">
+                <a14:useLocalDpi xmlns:a14="http://schemas.microsoft.com/office/drawing/2010/main" val="0"/>
+              </a:ext>
+            </a:extLst>
+          </a:blip>
+          <a:stretch>
+            <a:fillRect/>
+          </a:stretch>
+        </p:blipFill>
+        <p:spPr>
+          <a:xfrm>
+            <a:off x="-29099" y="392373"/>
+            <a:ext cx="12221099" cy="6058828"/>
+          </a:xfrm>
+          <a:prstGeom prst="rect">
+            <a:avLst/>
+          </a:prstGeom>
+        </p:spPr>
+      </p:pic>
+      <p:cxnSp>
+        <p:nvCxnSpPr>
+          <p:cNvPr id="9" name="直線矢印コネクタ 8">
+            <a:extLst>
+              <a:ext uri="{FF2B5EF4-FFF2-40B4-BE49-F238E27FC236}">
+                <a16:creationId xmlns:a16="http://schemas.microsoft.com/office/drawing/2014/main" id="{AAB92361-CAC7-416E-819F-E4C0790BFF91}"/>
+              </a:ext>
+            </a:extLst>
+          </p:cNvPr>
+          <p:cNvCxnSpPr/>
+          <p:nvPr/>
+        </p:nvCxnSpPr>
+        <p:spPr>
+          <a:xfrm>
+            <a:off x="764275" y="1173707"/>
+            <a:ext cx="11177516" cy="4148920"/>
+          </a:xfrm>
+          <a:prstGeom prst="straightConnector1">
+            <a:avLst/>
+          </a:prstGeom>
+          <a:ln w="76200">
+            <a:solidFill>
+              <a:srgbClr val="FF0000"/>
+            </a:solidFill>
+            <a:tailEnd type="triangle"/>
+          </a:ln>
+        </p:spPr>
+        <p:style>
+          <a:lnRef idx="1">
+            <a:schemeClr val="accent1"/>
+          </a:lnRef>
+          <a:fillRef idx="0">
+            <a:schemeClr val="accent1"/>
+          </a:fillRef>
+          <a:effectRef idx="0">
+            <a:schemeClr val="accent1"/>
+          </a:effectRef>
+          <a:fontRef idx="minor">
+            <a:schemeClr val="tx1"/>
+          </a:fontRef>
+        </p:style>
+      </p:cxnSp>
     </p:spTree>
     <p:extLst>
       <p:ext uri="{BB962C8B-B14F-4D97-AF65-F5344CB8AC3E}">
-        <p14:creationId xmlns:p14="http://schemas.microsoft.com/office/powerpoint/2010/main" val="271675554"/>
+        <p14:creationId xmlns:p14="http://schemas.microsoft.com/office/powerpoint/2010/main" val="2687721665"/>
       </p:ext>
     </p:extLst>
   </p:cSld>
@@ -4986,7 +4955,7 @@
           <p:cNvPr id="2" name="タイトル 1">
             <a:extLst>
               <a:ext uri="{FF2B5EF4-FFF2-40B4-BE49-F238E27FC236}">
-                <a16:creationId xmlns:a16="http://schemas.microsoft.com/office/drawing/2014/main" id="{AC2F3118-39DA-4163-800B-48500C3B7849}"/>
+                <a16:creationId xmlns:a16="http://schemas.microsoft.com/office/drawing/2014/main" id="{69B7166A-1AE2-4F80-B2D0-8C7FF5316993}"/>
               </a:ext>
             </a:extLst>
           </p:cNvPr>
@@ -5003,8 +4972,12 @@
           <a:lstStyle/>
           <a:p>
             <a:r>
+              <a:rPr kumimoji="1" lang="en-US" altLang="ja-JP" dirty="0"/>
+              <a:t>Leakage</a:t>
+            </a:r>
+            <a:r>
               <a:rPr kumimoji="1" lang="ja-JP" altLang="en-US" dirty="0"/>
-              <a:t>その結果</a:t>
+              <a:t>の発覚</a:t>
             </a:r>
           </a:p>
         </p:txBody>
@@ -5014,7 +4987,7 @@
           <p:cNvPr id="3" name="コンテンツ プレースホルダー 2">
             <a:extLst>
               <a:ext uri="{FF2B5EF4-FFF2-40B4-BE49-F238E27FC236}">
-                <a16:creationId xmlns:a16="http://schemas.microsoft.com/office/drawing/2014/main" id="{3EBD520B-90AD-4A23-856C-F6136B04F22D}"/>
+                <a16:creationId xmlns:a16="http://schemas.microsoft.com/office/drawing/2014/main" id="{1A5CF017-AD5C-4157-884C-FA670B874BF4}"/>
               </a:ext>
             </a:extLst>
           </p:cNvPr>
@@ -5027,76 +5000,214 @@
         </p:nvSpPr>
         <p:spPr/>
         <p:txBody>
-          <a:bodyPr/>
-          <a:lstStyle/>
-          <a:p>
+          <a:bodyPr>
+            <a:normAutofit fontScale="92500" lnSpcReduction="20000"/>
+          </a:bodyPr>
+          <a:lstStyle/>
+          <a:p>
+            <a:r>
+              <a:rPr kumimoji="1" lang="en-US" altLang="ja-JP" dirty="0"/>
+              <a:t>Leakage</a:t>
+            </a:r>
             <a:r>
               <a:rPr kumimoji="1" lang="ja-JP" altLang="en-US" dirty="0"/>
-              <a:t>スコアレースが過熱</a:t>
+              <a:t>とは</a:t>
             </a:r>
             <a:endParaRPr kumimoji="1" lang="en-US" altLang="ja-JP" dirty="0"/>
           </a:p>
           <a:p>
-            <a:r>
-              <a:rPr lang="ja-JP" altLang="en-US" dirty="0"/>
-              <a:t>そこまで</a:t>
+            <a:pPr marL="457200" lvl="1" indent="0">
+              <a:buNone/>
+            </a:pPr>
+            <a:r>
+              <a:rPr kumimoji="1" lang="ja-JP" altLang="en-US" dirty="0"/>
+              <a:t> 本来分析側が</a:t>
+            </a:r>
+            <a:r>
+              <a:rPr kumimoji="1" lang="ja-JP" altLang="en-US" b="1" dirty="0">
+                <a:solidFill>
+                  <a:srgbClr val="FF0000"/>
+                </a:solidFill>
+              </a:rPr>
+              <a:t>「知らないはず」</a:t>
+            </a:r>
+            <a:r>
+              <a:rPr kumimoji="1" lang="ja-JP" altLang="en-US" dirty="0"/>
+              <a:t>の情報が</a:t>
+            </a:r>
+            <a:r>
+              <a:rPr kumimoji="1" lang="ja-JP" altLang="en-US" b="1" dirty="0">
+                <a:solidFill>
+                  <a:srgbClr val="FF0000"/>
+                </a:solidFill>
+              </a:rPr>
+              <a:t>漏洩し</a:t>
+            </a:r>
+            <a:r>
+              <a:rPr kumimoji="1" lang="ja-JP" altLang="en-US" dirty="0"/>
+              <a:t>分析モデルに組み込むこと</a:t>
+            </a:r>
+            <a:endParaRPr kumimoji="1" lang="en-US" altLang="ja-JP" dirty="0"/>
+          </a:p>
+          <a:p>
+            <a:pPr marL="457200" lvl="1" indent="0">
+              <a:buNone/>
+            </a:pPr>
+            <a:r>
+              <a:rPr lang="ja-JP" altLang="en-US" dirty="0"/>
+              <a:t> 過学習が起き，</a:t>
+            </a:r>
+            <a:r>
+              <a:rPr lang="ja-JP" altLang="en-US" b="1" dirty="0">
+                <a:solidFill>
+                  <a:srgbClr val="FF0000"/>
+                </a:solidFill>
+              </a:rPr>
+              <a:t>「予測が</a:t>
+            </a:r>
+            <a:r>
+              <a:rPr lang="en-US" altLang="ja-JP" b="1" dirty="0">
+                <a:solidFill>
+                  <a:srgbClr val="FF0000"/>
+                </a:solidFill>
+              </a:rPr>
+              <a:t>100%</a:t>
+            </a:r>
+            <a:r>
+              <a:rPr lang="ja-JP" altLang="en-US" b="1" dirty="0">
+                <a:solidFill>
+                  <a:srgbClr val="FF0000"/>
+                </a:solidFill>
+              </a:rPr>
+              <a:t>当たるモデル」</a:t>
+            </a:r>
+            <a:r>
+              <a:rPr lang="ja-JP" altLang="en-US" dirty="0"/>
+              <a:t>とかが生まれる要因</a:t>
+            </a:r>
+            <a:endParaRPr lang="en-US" altLang="ja-JP" dirty="0"/>
+          </a:p>
+          <a:p>
+            <a:endParaRPr lang="en-US" altLang="ja-JP" dirty="0"/>
+          </a:p>
+          <a:p>
+            <a:r>
+              <a:rPr lang="ja-JP" altLang="en-US" dirty="0"/>
+              <a:t>今回は行・列で時系列のデータだったことが発覚</a:t>
+            </a:r>
+            <a:endParaRPr lang="en-US" altLang="ja-JP" dirty="0"/>
+          </a:p>
+          <a:p>
+            <a:pPr lvl="1"/>
+            <a:r>
+              <a:rPr lang="ja-JP" altLang="en-US" dirty="0"/>
+              <a:t>行が単位時間ごとの時系列，列は説明変数のログ</a:t>
+            </a:r>
+            <a:endParaRPr lang="en-US" altLang="ja-JP" dirty="0"/>
+          </a:p>
+          <a:p>
+            <a:pPr lvl="1"/>
+            <a:r>
+              <a:rPr lang="ja-JP" altLang="en-US" dirty="0"/>
+              <a:t>使うべき変数が</a:t>
             </a:r>
             <a:r>
               <a:rPr lang="en-US" altLang="ja-JP" dirty="0"/>
-              <a:t>1.xx</a:t>
-            </a:r>
-            <a:r>
-              <a:rPr lang="ja-JP" altLang="en-US" dirty="0"/>
-              <a:t>台だったスコアが</a:t>
+              <a:t>46</a:t>
+            </a:r>
+            <a:r>
+              <a:rPr lang="ja-JP" altLang="en-US" dirty="0"/>
+              <a:t>個くらいに定まる</a:t>
+            </a:r>
+            <a:endParaRPr lang="en-US" altLang="ja-JP" dirty="0"/>
+          </a:p>
+          <a:p>
+            <a:pPr lvl="1"/>
+            <a:r>
+              <a:rPr lang="ja-JP" altLang="en-US" dirty="0"/>
+              <a:t>その変数ラベルも</a:t>
             </a:r>
             <a:r>
               <a:rPr lang="en-US" altLang="ja-JP" dirty="0"/>
-              <a:t>0.5</a:t>
-            </a:r>
-            <a:r>
-              <a:rPr lang="ja-JP" altLang="en-US" dirty="0"/>
-              <a:t>を軽く切るところまできた</a:t>
+              <a:t>Kernel</a:t>
+            </a:r>
+            <a:r>
+              <a:rPr lang="ja-JP" altLang="en-US" dirty="0"/>
+              <a:t>で共有される</a:t>
             </a:r>
             <a:endParaRPr lang="en-US" altLang="ja-JP" dirty="0"/>
           </a:p>
           <a:p>
+            <a:pPr lvl="1"/>
             <a:endParaRPr lang="en-US" altLang="ja-JP" dirty="0"/>
           </a:p>
           <a:p>
             <a:r>
-              <a:rPr lang="ja-JP" altLang="en-US" dirty="0"/>
-              <a:t>今回の</a:t>
-            </a:r>
-            <a:r>
               <a:rPr lang="en-US" altLang="ja-JP" dirty="0"/>
-              <a:t>1</a:t>
-            </a:r>
-            <a:r>
-              <a:rPr lang="ja-JP" altLang="en-US" dirty="0"/>
-              <a:t>位は</a:t>
-            </a:r>
+              <a:t>Leakage</a:t>
+            </a:r>
+            <a:r>
+              <a:rPr lang="ja-JP" altLang="en-US" dirty="0"/>
+              <a:t>に関する参考は</a:t>
+            </a:r>
+            <a:endParaRPr lang="en-US" altLang="ja-JP" dirty="0"/>
+          </a:p>
+          <a:p>
+            <a:pPr lvl="1"/>
             <a:r>
               <a:rPr lang="en-US" altLang="ja-JP" dirty="0"/>
-              <a:t>0.39</a:t>
-            </a:r>
-            <a:r>
-              <a:rPr lang="ja-JP" altLang="en-US" dirty="0"/>
-              <a:t>？</a:t>
-            </a:r>
-            <a:endParaRPr lang="en-US" altLang="ja-JP" dirty="0"/>
-          </a:p>
-          <a:p>
-            <a:endParaRPr kumimoji="1" lang="en-US" altLang="ja-JP" dirty="0"/>
-          </a:p>
-          <a:p>
-            <a:endParaRPr kumimoji="1" lang="ja-JP" altLang="en-US" dirty="0"/>
+              <a:t>TJO</a:t>
+            </a:r>
+            <a:r>
+              <a:rPr lang="ja-JP" altLang="en-US" dirty="0"/>
+              <a:t>先生のブログ</a:t>
+            </a:r>
+            <a:r>
+              <a:rPr lang="en-US" altLang="ja-JP" dirty="0"/>
+              <a:t>(</a:t>
+            </a:r>
+            <a:r>
+              <a:rPr lang="en-US" altLang="ja-JP" dirty="0">
+                <a:hlinkClick r:id="rId2"/>
+              </a:rPr>
+              <a:t>https://tjo.hatenablog.com/entry/2016/01/27/235620</a:t>
+            </a:r>
+            <a:r>
+              <a:rPr lang="en-US" altLang="ja-JP" dirty="0"/>
+              <a:t>)</a:t>
+            </a:r>
+          </a:p>
+          <a:p>
+            <a:pPr lvl="1"/>
+            <a:r>
+              <a:rPr lang="en-US" altLang="ja-JP" dirty="0" err="1"/>
+              <a:t>takuti</a:t>
+            </a:r>
+            <a:r>
+              <a:rPr lang="ja-JP" altLang="en-US" dirty="0"/>
+              <a:t>先生のブログ</a:t>
+            </a:r>
+            <a:r>
+              <a:rPr lang="en-US" altLang="ja-JP" dirty="0"/>
+              <a:t>(</a:t>
+            </a:r>
+            <a:r>
+              <a:rPr lang="en-US" altLang="ja-JP" dirty="0">
+                <a:hlinkClick r:id="rId3"/>
+              </a:rPr>
+              <a:t>https://takuti.me/note/leakage/</a:t>
+            </a:r>
+            <a:r>
+              <a:rPr lang="en-US" altLang="ja-JP" dirty="0"/>
+              <a:t>)</a:t>
+            </a:r>
           </a:p>
         </p:txBody>
       </p:sp>
     </p:spTree>
     <p:extLst>
       <p:ext uri="{BB962C8B-B14F-4D97-AF65-F5344CB8AC3E}">
-        <p14:creationId xmlns:p14="http://schemas.microsoft.com/office/powerpoint/2010/main" val="2923142730"/>
+        <p14:creationId xmlns:p14="http://schemas.microsoft.com/office/powerpoint/2010/main" val="271675554"/>
       </p:ext>
     </p:extLst>
   </p:cSld>
@@ -5128,7 +5239,7 @@
           <p:cNvPr id="2" name="タイトル 1">
             <a:extLst>
               <a:ext uri="{FF2B5EF4-FFF2-40B4-BE49-F238E27FC236}">
-                <a16:creationId xmlns:a16="http://schemas.microsoft.com/office/drawing/2014/main" id="{73419E7B-7856-4809-9834-A5D29660A3D9}"/>
+                <a16:creationId xmlns:a16="http://schemas.microsoft.com/office/drawing/2014/main" id="{AC2F3118-39DA-4163-800B-48500C3B7849}"/>
               </a:ext>
             </a:extLst>
           </p:cNvPr>
@@ -5145,18 +5256,9 @@
           <a:lstStyle/>
           <a:p>
             <a:r>
-              <a:rPr kumimoji="1" lang="en-US" altLang="ja-JP" dirty="0" err="1"/>
-              <a:t>Sorekara</a:t>
-            </a:r>
-            <a:r>
-              <a:rPr kumimoji="1" lang="en-US" altLang="ja-JP" dirty="0"/>
-              <a:t> do </a:t>
-            </a:r>
-            <a:r>
-              <a:rPr kumimoji="1" lang="en-US" altLang="ja-JP" dirty="0" err="1"/>
-              <a:t>Shitano</a:t>
-            </a:r>
-            <a:endParaRPr kumimoji="1" lang="ja-JP" altLang="en-US" dirty="0"/>
+              <a:rPr kumimoji="1" lang="ja-JP" altLang="en-US" dirty="0"/>
+              <a:t>その結果</a:t>
+            </a:r>
           </a:p>
         </p:txBody>
       </p:sp>
@@ -5165,7 +5267,7 @@
           <p:cNvPr id="3" name="コンテンツ プレースホルダー 2">
             <a:extLst>
               <a:ext uri="{FF2B5EF4-FFF2-40B4-BE49-F238E27FC236}">
-                <a16:creationId xmlns:a16="http://schemas.microsoft.com/office/drawing/2014/main" id="{5BB0540A-C58A-4290-B188-2683CFEA1B61}"/>
+                <a16:creationId xmlns:a16="http://schemas.microsoft.com/office/drawing/2014/main" id="{3EBD520B-90AD-4A23-856C-F6136B04F22D}"/>
               </a:ext>
             </a:extLst>
           </p:cNvPr>
@@ -5183,56 +5285,64 @@
           <a:p>
             <a:r>
               <a:rPr kumimoji="1" lang="ja-JP" altLang="en-US" dirty="0"/>
-              <a:t>いろいろグレーゾーンにやり始める</a:t>
+              <a:t>スコアレースが過熱</a:t>
             </a:r>
             <a:endParaRPr kumimoji="1" lang="en-US" altLang="ja-JP" dirty="0"/>
           </a:p>
           <a:p>
-            <a:pPr lvl="1"/>
+            <a:endParaRPr lang="en-US" altLang="ja-JP" dirty="0"/>
+          </a:p>
+          <a:p>
+            <a:r>
+              <a:rPr lang="ja-JP" altLang="en-US" dirty="0"/>
+              <a:t>そこまで</a:t>
+            </a:r>
             <a:r>
               <a:rPr lang="en-US" altLang="ja-JP" dirty="0"/>
-              <a:t>Leakage</a:t>
-            </a:r>
-            <a:r>
-              <a:rPr lang="ja-JP" altLang="en-US" dirty="0"/>
-              <a:t>の変数を使ったり</a:t>
+              <a:t>1.xx</a:t>
+            </a:r>
+            <a:r>
+              <a:rPr lang="ja-JP" altLang="en-US" dirty="0"/>
+              <a:t>台だったランキングが</a:t>
+            </a:r>
+            <a:r>
+              <a:rPr lang="en-US" altLang="ja-JP" dirty="0"/>
+              <a:t>0.5</a:t>
+            </a:r>
+            <a:r>
+              <a:rPr lang="ja-JP" altLang="en-US" dirty="0"/>
+              <a:t>を軽く切る</a:t>
             </a:r>
             <a:endParaRPr lang="en-US" altLang="ja-JP" dirty="0"/>
           </a:p>
           <a:p>
-            <a:pPr lvl="1"/>
+            <a:endParaRPr lang="en-US" altLang="ja-JP" dirty="0"/>
+          </a:p>
+          <a:p>
+            <a:r>
+              <a:rPr lang="ja-JP" altLang="en-US" dirty="0"/>
+              <a:t>今回の</a:t>
+            </a:r>
             <a:r>
               <a:rPr lang="en-US" altLang="ja-JP" dirty="0"/>
-              <a:t>Kernel</a:t>
-            </a:r>
-            <a:r>
-              <a:rPr lang="ja-JP" altLang="en-US" dirty="0"/>
-              <a:t>で公開されている</a:t>
+              <a:t>1</a:t>
+            </a:r>
+            <a:r>
+              <a:rPr lang="ja-JP" altLang="en-US" dirty="0"/>
+              <a:t>位は</a:t>
             </a:r>
             <a:r>
               <a:rPr lang="en-US" altLang="ja-JP" dirty="0"/>
-              <a:t>Submission</a:t>
-            </a:r>
-            <a:r>
-              <a:rPr lang="ja-JP" altLang="en-US" dirty="0"/>
-              <a:t>のスコアを借りてスコア精度高めたり</a:t>
-            </a:r>
-            <a:r>
-              <a:rPr lang="en-US" altLang="ja-JP" dirty="0"/>
-              <a:t>(Blending)</a:t>
-            </a:r>
+              <a:t>0.47</a:t>
+            </a:r>
+            <a:r>
+              <a:rPr lang="ja-JP" altLang="en-US" dirty="0"/>
+              <a:t>くらい</a:t>
+            </a:r>
+            <a:endParaRPr lang="en-US" altLang="ja-JP" dirty="0"/>
           </a:p>
           <a:p>
             <a:endParaRPr kumimoji="1" lang="en-US" altLang="ja-JP" dirty="0"/>
-          </a:p>
-          <a:p>
-            <a:endParaRPr lang="en-US" altLang="ja-JP" dirty="0"/>
-          </a:p>
-          <a:p>
-            <a:endParaRPr kumimoji="1" lang="en-US" altLang="ja-JP" dirty="0"/>
-          </a:p>
-          <a:p>
-            <a:endParaRPr lang="en-US" altLang="ja-JP" dirty="0"/>
           </a:p>
           <a:p>
             <a:endParaRPr kumimoji="1" lang="ja-JP" altLang="en-US" dirty="0"/>
@@ -5242,7 +5352,7 @@
     </p:spTree>
     <p:extLst>
       <p:ext uri="{BB962C8B-B14F-4D97-AF65-F5344CB8AC3E}">
-        <p14:creationId xmlns:p14="http://schemas.microsoft.com/office/powerpoint/2010/main" val="1661220227"/>
+        <p14:creationId xmlns:p14="http://schemas.microsoft.com/office/powerpoint/2010/main" val="2923142730"/>
       </p:ext>
     </p:extLst>
   </p:cSld>
@@ -5274,7 +5384,7 @@
           <p:cNvPr id="2" name="タイトル 1">
             <a:extLst>
               <a:ext uri="{FF2B5EF4-FFF2-40B4-BE49-F238E27FC236}">
-                <a16:creationId xmlns:a16="http://schemas.microsoft.com/office/drawing/2014/main" id="{3578C37A-2873-48A8-B7BC-DD5ECD9E3EB6}"/>
+                <a16:creationId xmlns:a16="http://schemas.microsoft.com/office/drawing/2014/main" id="{E6EE7905-7A85-4C7F-872B-ADE11F7CFDC4}"/>
               </a:ext>
             </a:extLst>
           </p:cNvPr>
@@ -5291,38 +5401,18 @@
           <a:lstStyle/>
           <a:p>
             <a:r>
-              <a:rPr kumimoji="1" lang="en-US" altLang="ja-JP" dirty="0" err="1"/>
-              <a:t>XGBoost</a:t>
-            </a:r>
-            <a:r>
               <a:rPr kumimoji="1" lang="ja-JP" altLang="en-US" dirty="0"/>
-              <a:t>　</a:t>
-            </a:r>
-            <a:r>
-              <a:rPr kumimoji="1" lang="en-US" altLang="ja-JP" u="sng" dirty="0">
-                <a:solidFill>
-                  <a:schemeClr val="accent1"/>
-                </a:solidFill>
-              </a:rPr>
-              <a:t>#</a:t>
-            </a:r>
-            <a:r>
-              <a:rPr kumimoji="1" lang="ja-JP" altLang="en-US" u="sng" dirty="0">
-                <a:solidFill>
-                  <a:schemeClr val="accent1"/>
-                </a:solidFill>
-              </a:rPr>
-              <a:t>とは</a:t>
-            </a:r>
-          </a:p>
-        </p:txBody>
-      </p:sp>
-      <p:sp>
-        <p:nvSpPr>
-          <p:cNvPr id="3" name="コンテンツ プレースホルダー 2">
-            <a:extLst>
-              <a:ext uri="{FF2B5EF4-FFF2-40B4-BE49-F238E27FC236}">
-                <a16:creationId xmlns:a16="http://schemas.microsoft.com/office/drawing/2014/main" id="{00A0FAAB-A4EE-4530-955E-2993814B2E09}"/>
+              <a:t>伝えたいこと ②</a:t>
+            </a:r>
+          </a:p>
+        </p:txBody>
+      </p:sp>
+      <p:sp>
+        <p:nvSpPr>
+          <p:cNvPr id="4" name="コンテンツ プレースホルダー 2">
+            <a:extLst>
+              <a:ext uri="{FF2B5EF4-FFF2-40B4-BE49-F238E27FC236}">
+                <a16:creationId xmlns:a16="http://schemas.microsoft.com/office/drawing/2014/main" id="{B66DA3F1-627B-4397-BE2D-9718143713C6}"/>
               </a:ext>
             </a:extLst>
           </p:cNvPr>
@@ -5333,78 +5423,40 @@
             <p:ph idx="1"/>
           </p:nvPr>
         </p:nvSpPr>
-        <p:spPr/>
-        <p:txBody>
-          <a:bodyPr/>
-          <a:lstStyle/>
-          <a:p>
-            <a:r>
-              <a:rPr kumimoji="1" lang="ja-JP" altLang="en-US" strike="sngStrike" dirty="0"/>
-              <a:t>実はよく知らない</a:t>
-            </a:r>
-            <a:endParaRPr kumimoji="1" lang="en-US" altLang="ja-JP" strike="sngStrike" dirty="0"/>
-          </a:p>
-          <a:p>
-            <a:r>
-              <a:rPr lang="ja-JP" altLang="en-US" dirty="0"/>
-              <a:t>乱暴に言えば</a:t>
-            </a:r>
-            <a:r>
-              <a:rPr lang="en-US" altLang="ja-JP" dirty="0"/>
-              <a:t>Random Forest</a:t>
-            </a:r>
-            <a:r>
-              <a:rPr lang="ja-JP" altLang="en-US" dirty="0"/>
-              <a:t>の仲間</a:t>
-            </a:r>
-            <a:endParaRPr lang="en-US" altLang="ja-JP" dirty="0"/>
-          </a:p>
-          <a:p>
-            <a:pPr lvl="1"/>
-            <a:r>
-              <a:rPr kumimoji="1" lang="en-US" altLang="ja-JP" dirty="0"/>
-              <a:t>Random Forest</a:t>
-            </a:r>
-            <a:r>
-              <a:rPr kumimoji="1" lang="ja-JP" altLang="en-US" dirty="0"/>
-              <a:t>はバギング族</a:t>
-            </a:r>
-            <a:endParaRPr kumimoji="1" lang="en-US" altLang="ja-JP" dirty="0"/>
-          </a:p>
-          <a:p>
-            <a:pPr lvl="2"/>
-            <a:r>
-              <a:rPr lang="ja-JP" altLang="en-US" dirty="0"/>
-              <a:t>過学習</a:t>
-            </a:r>
-            <a:r>
-              <a:rPr lang="en-US" altLang="ja-JP" dirty="0"/>
-              <a:t>(Overfitting)</a:t>
-            </a:r>
-            <a:r>
-              <a:rPr lang="ja-JP" altLang="en-US" dirty="0"/>
-              <a:t>しやすく，</a:t>
-            </a:r>
-            <a:endParaRPr kumimoji="1" lang="en-US" altLang="ja-JP" dirty="0"/>
-          </a:p>
-          <a:p>
-            <a:pPr lvl="1"/>
-            <a:r>
-              <a:rPr lang="en-US" altLang="ja-JP" dirty="0" err="1"/>
-              <a:t>XGBoost</a:t>
-            </a:r>
-            <a:r>
-              <a:rPr lang="ja-JP" altLang="en-US" dirty="0"/>
-              <a:t>はブースティング族</a:t>
-            </a:r>
-            <a:endParaRPr kumimoji="1" lang="en-US" altLang="ja-JP" dirty="0"/>
+        <p:spPr>
+          <a:xfrm>
+            <a:off x="838200" y="3429000"/>
+            <a:ext cx="10515600" cy="849336"/>
+          </a:xfrm>
+        </p:spPr>
+        <p:txBody>
+          <a:bodyPr>
+            <a:normAutofit/>
+          </a:bodyPr>
+          <a:lstStyle/>
+          <a:p>
+            <a:pPr marL="0" indent="0" algn="ctr">
+              <a:buNone/>
+            </a:pPr>
+            <a:r>
+              <a:rPr kumimoji="1" lang="en-US" altLang="ja-JP" sz="4800" dirty="0"/>
+              <a:t>Leakage</a:t>
+            </a:r>
+            <a:r>
+              <a:rPr kumimoji="1" lang="ja-JP" altLang="en-US" sz="4800" dirty="0" err="1"/>
+              <a:t>には</a:t>
+            </a:r>
+            <a:r>
+              <a:rPr kumimoji="1" lang="ja-JP" altLang="en-US" sz="4800" dirty="0"/>
+              <a:t>気をつけよう！</a:t>
+            </a:r>
           </a:p>
         </p:txBody>
       </p:sp>
     </p:spTree>
     <p:extLst>
       <p:ext uri="{BB962C8B-B14F-4D97-AF65-F5344CB8AC3E}">
-        <p14:creationId xmlns:p14="http://schemas.microsoft.com/office/powerpoint/2010/main" val="3741952175"/>
+        <p14:creationId xmlns:p14="http://schemas.microsoft.com/office/powerpoint/2010/main" val="2825303980"/>
       </p:ext>
     </p:extLst>
   </p:cSld>
@@ -5436,7 +5488,7 @@
           <p:cNvPr id="2" name="タイトル 1">
             <a:extLst>
               <a:ext uri="{FF2B5EF4-FFF2-40B4-BE49-F238E27FC236}">
-                <a16:creationId xmlns:a16="http://schemas.microsoft.com/office/drawing/2014/main" id="{9537C136-C7F9-413D-A821-4D7BF752D200}"/>
+                <a16:creationId xmlns:a16="http://schemas.microsoft.com/office/drawing/2014/main" id="{73419E7B-7856-4809-9834-A5D29660A3D9}"/>
               </a:ext>
             </a:extLst>
           </p:cNvPr>
@@ -5453,69 +5505,178 @@
           <a:lstStyle/>
           <a:p>
             <a:r>
+              <a:rPr kumimoji="1" lang="en-US" altLang="ja-JP" dirty="0" err="1"/>
+              <a:t>Sorekara</a:t>
+            </a:r>
+            <a:r>
+              <a:rPr kumimoji="1" lang="en-US" altLang="ja-JP" dirty="0"/>
+              <a:t> do </a:t>
+            </a:r>
+            <a:r>
+              <a:rPr kumimoji="1" lang="en-US" altLang="ja-JP" dirty="0" err="1"/>
+              <a:t>Shitano</a:t>
+            </a:r>
+            <a:endParaRPr kumimoji="1" lang="ja-JP" altLang="en-US" dirty="0"/>
+          </a:p>
+        </p:txBody>
+      </p:sp>
+      <p:sp>
+        <p:nvSpPr>
+          <p:cNvPr id="3" name="コンテンツ プレースホルダー 2">
+            <a:extLst>
+              <a:ext uri="{FF2B5EF4-FFF2-40B4-BE49-F238E27FC236}">
+                <a16:creationId xmlns:a16="http://schemas.microsoft.com/office/drawing/2014/main" id="{5BB0540A-C58A-4290-B188-2683CFEA1B61}"/>
+              </a:ext>
+            </a:extLst>
+          </p:cNvPr>
+          <p:cNvSpPr>
+            <a:spLocks noGrp="1"/>
+          </p:cNvSpPr>
+          <p:nvPr>
+            <p:ph idx="1"/>
+          </p:nvPr>
+        </p:nvSpPr>
+        <p:spPr/>
+        <p:txBody>
+          <a:bodyPr/>
+          <a:lstStyle/>
+          <a:p>
+            <a:r>
+              <a:rPr kumimoji="1" lang="ja-JP" altLang="en-US" dirty="0"/>
+              <a:t>いろいろグレーゾーンに染まり始める</a:t>
+            </a:r>
+            <a:endParaRPr kumimoji="1" lang="en-US" altLang="ja-JP" dirty="0"/>
+          </a:p>
+          <a:p>
+            <a:pPr lvl="1"/>
+            <a:r>
+              <a:rPr lang="en-US" altLang="ja-JP" dirty="0"/>
+              <a:t>Leakage</a:t>
+            </a:r>
+            <a:r>
+              <a:rPr lang="ja-JP" altLang="en-US" dirty="0"/>
+              <a:t>の変数を使ったり</a:t>
+            </a:r>
+            <a:endParaRPr lang="en-US" altLang="ja-JP" dirty="0"/>
+          </a:p>
+          <a:p>
+            <a:pPr lvl="1"/>
+            <a:r>
+              <a:rPr lang="en-US" altLang="ja-JP" dirty="0"/>
+              <a:t>Kernel</a:t>
+            </a:r>
+            <a:r>
+              <a:rPr lang="ja-JP" altLang="en-US" dirty="0"/>
+              <a:t>で公開されている</a:t>
+            </a:r>
+            <a:r>
+              <a:rPr lang="en-US" altLang="ja-JP" dirty="0"/>
+              <a:t>Submission</a:t>
+            </a:r>
+            <a:r>
+              <a:rPr lang="ja-JP" altLang="en-US" dirty="0"/>
+              <a:t>のスコアを借りてスコア精度高めたり</a:t>
+            </a:r>
+            <a:r>
+              <a:rPr lang="en-US" altLang="ja-JP" dirty="0"/>
+              <a:t>(Blending)</a:t>
+            </a:r>
+          </a:p>
+          <a:p>
+            <a:endParaRPr kumimoji="1" lang="en-US" altLang="ja-JP" dirty="0"/>
+          </a:p>
+          <a:p>
+            <a:r>
+              <a:rPr lang="ja-JP" altLang="en-US" dirty="0"/>
+              <a:t>方法はいろいろ</a:t>
+            </a:r>
+            <a:endParaRPr lang="en-US" altLang="ja-JP" dirty="0"/>
+          </a:p>
+          <a:p>
+            <a:pPr lvl="1"/>
+            <a:r>
+              <a:rPr lang="en-US" altLang="ja-JP" dirty="0"/>
+              <a:t>0</a:t>
+            </a:r>
+            <a:r>
+              <a:rPr lang="ja-JP" altLang="en-US" dirty="0"/>
+              <a:t>に偏ったデータなので負の二項回帰</a:t>
+            </a:r>
+            <a:r>
+              <a:rPr lang="en-US" altLang="ja-JP" dirty="0"/>
+              <a:t>(RMSLE:</a:t>
+            </a:r>
+            <a:r>
+              <a:rPr lang="ja-JP" altLang="en-US" dirty="0"/>
+              <a:t> </a:t>
+            </a:r>
+            <a:r>
+              <a:rPr lang="en-US" altLang="ja-JP" dirty="0"/>
+              <a:t>1.98)</a:t>
+            </a:r>
+          </a:p>
+          <a:p>
+            <a:pPr lvl="1"/>
+            <a:r>
+              <a:rPr lang="ja-JP" altLang="en-US" dirty="0"/>
+              <a:t>機械学習らしくランダムフォレスト  </a:t>
+            </a:r>
+            <a:r>
+              <a:rPr lang="en-US" altLang="ja-JP" dirty="0"/>
+              <a:t>(RMSLE:</a:t>
+            </a:r>
+            <a:r>
+              <a:rPr lang="ja-JP" altLang="en-US" dirty="0"/>
+              <a:t> </a:t>
+            </a:r>
+            <a:r>
+              <a:rPr lang="en-US" altLang="ja-JP" dirty="0"/>
+              <a:t>1.47)</a:t>
+            </a:r>
+          </a:p>
+          <a:p>
+            <a:pPr lvl="1"/>
+            <a:r>
+              <a:rPr lang="en-US" altLang="ja-JP" dirty="0"/>
+              <a:t>caret</a:t>
+            </a:r>
+            <a:r>
+              <a:rPr lang="ja-JP" altLang="en-US" dirty="0"/>
+              <a:t>パッケージによる</a:t>
+            </a:r>
+            <a:r>
               <a:rPr lang="en-US" altLang="ja-JP" dirty="0" err="1"/>
-              <a:t>XGBoost</a:t>
-            </a:r>
-            <a:r>
-              <a:rPr lang="ja-JP" altLang="en-US" dirty="0"/>
-              <a:t>　</a:t>
-            </a:r>
-            <a:r>
-              <a:rPr lang="en-US" altLang="ja-JP" u="sng" dirty="0">
-                <a:solidFill>
-                  <a:schemeClr val="accent1"/>
-                </a:solidFill>
-              </a:rPr>
-              <a:t>#</a:t>
-            </a:r>
-            <a:r>
-              <a:rPr lang="ja-JP" altLang="en-US" u="sng" dirty="0">
-                <a:solidFill>
-                  <a:schemeClr val="accent1"/>
-                </a:solidFill>
-              </a:rPr>
-              <a:t>とは</a:t>
-            </a:r>
+              <a:t>xgboost</a:t>
+            </a:r>
+            <a:r>
+              <a:rPr lang="ja-JP" altLang="en-US" dirty="0"/>
+              <a:t>         </a:t>
+            </a:r>
+            <a:r>
+              <a:rPr lang="en-US" altLang="ja-JP" dirty="0"/>
+              <a:t>(RMSLE: 1.39)</a:t>
+            </a:r>
+            <a:r>
+              <a:rPr lang="ja-JP" altLang="en-US" dirty="0"/>
+              <a:t>←ハイスコア</a:t>
+            </a:r>
+            <a:endParaRPr lang="en-US" altLang="ja-JP" dirty="0"/>
+          </a:p>
+          <a:p>
+            <a:endParaRPr kumimoji="1" lang="en-US" altLang="ja-JP" dirty="0"/>
+          </a:p>
+          <a:p>
+            <a:endParaRPr lang="en-US" altLang="ja-JP" dirty="0"/>
+          </a:p>
+          <a:p>
             <a:endParaRPr kumimoji="1" lang="ja-JP" altLang="en-US" dirty="0"/>
-          </a:p>
-        </p:txBody>
-      </p:sp>
-      <p:sp>
-        <p:nvSpPr>
-          <p:cNvPr id="3" name="コンテンツ プレースホルダー 2">
-            <a:extLst>
-              <a:ext uri="{FF2B5EF4-FFF2-40B4-BE49-F238E27FC236}">
-                <a16:creationId xmlns:a16="http://schemas.microsoft.com/office/drawing/2014/main" id="{2A51D2F8-1DAD-46DC-B800-89B342C3579B}"/>
-              </a:ext>
-            </a:extLst>
-          </p:cNvPr>
-          <p:cNvSpPr>
-            <a:spLocks noGrp="1"/>
-          </p:cNvSpPr>
-          <p:nvPr>
-            <p:ph idx="1"/>
-          </p:nvPr>
-        </p:nvSpPr>
-        <p:spPr/>
-        <p:txBody>
-          <a:bodyPr/>
-          <a:lstStyle/>
-          <a:p>
-            <a:r>
-              <a:rPr kumimoji="1" lang="ja-JP" altLang="en-US">
-                <a:solidFill>
-                  <a:srgbClr val="FF0000"/>
-                </a:solidFill>
-              </a:rPr>
-              <a:t>数式含めた説明</a:t>
-            </a:r>
           </a:p>
         </p:txBody>
       </p:sp>
     </p:spTree>
     <p:extLst>
       <p:ext uri="{BB962C8B-B14F-4D97-AF65-F5344CB8AC3E}">
-        <p14:creationId xmlns:p14="http://schemas.microsoft.com/office/powerpoint/2010/main" val="816231524"/>
+        <p14:creationId xmlns:p14="http://schemas.microsoft.com/office/powerpoint/2010/main" val="1661220227"/>
       </p:ext>
     </p:extLst>
   </p:cSld>
@@ -5547,7 +5708,7 @@
           <p:cNvPr id="2" name="タイトル 1">
             <a:extLst>
               <a:ext uri="{FF2B5EF4-FFF2-40B4-BE49-F238E27FC236}">
-                <a16:creationId xmlns:a16="http://schemas.microsoft.com/office/drawing/2014/main" id="{EFC91B52-1AC0-4ED3-9116-C8A8A3044F51}"/>
+                <a16:creationId xmlns:a16="http://schemas.microsoft.com/office/drawing/2014/main" id="{3578C37A-2873-48A8-B7BC-DD5ECD9E3EB6}"/>
               </a:ext>
             </a:extLst>
           </p:cNvPr>
@@ -5564,52 +5725,120 @@
           <a:lstStyle/>
           <a:p>
             <a:r>
-              <a:rPr lang="ja-JP" altLang="en-US" dirty="0"/>
-              <a:t>きぬいとの結果</a:t>
-            </a:r>
-            <a:endParaRPr kumimoji="1" lang="ja-JP" altLang="en-US" dirty="0"/>
-          </a:p>
-        </p:txBody>
-      </p:sp>
-      <p:pic>
-        <p:nvPicPr>
-          <p:cNvPr id="9" name="コンテンツ プレースホルダー 8">
-            <a:extLst>
-              <a:ext uri="{FF2B5EF4-FFF2-40B4-BE49-F238E27FC236}">
-                <a16:creationId xmlns:a16="http://schemas.microsoft.com/office/drawing/2014/main" id="{34424399-2553-4286-BCFB-F128CB2DD918}"/>
-              </a:ext>
-            </a:extLst>
-          </p:cNvPr>
-          <p:cNvPicPr>
-            <a:picLocks noGrp="1" noChangeAspect="1"/>
-          </p:cNvPicPr>
+              <a:rPr kumimoji="1" lang="en-US" altLang="ja-JP" dirty="0" err="1"/>
+              <a:t>XGBoost</a:t>
+            </a:r>
+            <a:r>
+              <a:rPr kumimoji="1" lang="ja-JP" altLang="en-US" dirty="0"/>
+              <a:t>　</a:t>
+            </a:r>
+            <a:r>
+              <a:rPr kumimoji="1" lang="en-US" altLang="ja-JP" u="sng" dirty="0">
+                <a:solidFill>
+                  <a:schemeClr val="accent1"/>
+                </a:solidFill>
+              </a:rPr>
+              <a:t>#</a:t>
+            </a:r>
+            <a:r>
+              <a:rPr kumimoji="1" lang="ja-JP" altLang="en-US" u="sng" dirty="0">
+                <a:solidFill>
+                  <a:schemeClr val="accent1"/>
+                </a:solidFill>
+              </a:rPr>
+              <a:t>とは</a:t>
+            </a:r>
+          </a:p>
+        </p:txBody>
+      </p:sp>
+      <p:sp>
+        <p:nvSpPr>
+          <p:cNvPr id="3" name="コンテンツ プレースホルダー 2">
+            <a:extLst>
+              <a:ext uri="{FF2B5EF4-FFF2-40B4-BE49-F238E27FC236}">
+                <a16:creationId xmlns:a16="http://schemas.microsoft.com/office/drawing/2014/main" id="{00A0FAAB-A4EE-4530-955E-2993814B2E09}"/>
+              </a:ext>
+            </a:extLst>
+          </p:cNvPr>
+          <p:cNvSpPr>
+            <a:spLocks noGrp="1"/>
+          </p:cNvSpPr>
           <p:nvPr>
             <p:ph idx="1"/>
           </p:nvPr>
-        </p:nvPicPr>
-        <p:blipFill>
-          <a:blip r:embed="rId2">
-            <a:extLst>
-              <a:ext uri="{28A0092B-C50C-407E-A947-70E740481C1C}">
-                <a14:useLocalDpi xmlns:a14="http://schemas.microsoft.com/office/drawing/2010/main" val="0"/>
-              </a:ext>
-            </a:extLst>
-          </a:blip>
-          <a:stretch>
-            <a:fillRect/>
-          </a:stretch>
-        </p:blipFill>
-        <p:spPr>
-          <a:xfrm>
-            <a:off x="4003342" y="1472486"/>
-            <a:ext cx="4185316" cy="5248684"/>
-          </a:xfrm>
-        </p:spPr>
-      </p:pic>
+        </p:nvSpPr>
+        <p:spPr/>
+        <p:txBody>
+          <a:bodyPr/>
+          <a:lstStyle/>
+          <a:p>
+            <a:r>
+              <a:rPr kumimoji="1" lang="ja-JP" altLang="en-US" strike="sngStrike" dirty="0"/>
+              <a:t>実はよく知らない</a:t>
+            </a:r>
+            <a:endParaRPr kumimoji="1" lang="en-US" altLang="ja-JP" strike="sngStrike" dirty="0"/>
+          </a:p>
+          <a:p>
+            <a:r>
+              <a:rPr lang="ja-JP" altLang="en-US" dirty="0"/>
+              <a:t>乱暴に言えば</a:t>
+            </a:r>
+            <a:r>
+              <a:rPr lang="en-US" altLang="ja-JP" dirty="0"/>
+              <a:t>Random Forest</a:t>
+            </a:r>
+            <a:r>
+              <a:rPr lang="ja-JP" altLang="en-US" dirty="0"/>
+              <a:t>の仲間</a:t>
+            </a:r>
+            <a:endParaRPr lang="en-US" altLang="ja-JP" dirty="0"/>
+          </a:p>
+          <a:p>
+            <a:pPr lvl="1"/>
+            <a:r>
+              <a:rPr kumimoji="1" lang="en-US" altLang="ja-JP" dirty="0"/>
+              <a:t>Random Forest</a:t>
+            </a:r>
+            <a:r>
+              <a:rPr kumimoji="1" lang="ja-JP" altLang="en-US" dirty="0"/>
+              <a:t>はバギング族</a:t>
+            </a:r>
+            <a:endParaRPr kumimoji="1" lang="en-US" altLang="ja-JP" dirty="0"/>
+          </a:p>
+          <a:p>
+            <a:pPr lvl="2"/>
+            <a:r>
+              <a:rPr lang="ja-JP" altLang="en-US" dirty="0"/>
+              <a:t>過学習</a:t>
+            </a:r>
+            <a:r>
+              <a:rPr lang="en-US" altLang="ja-JP" dirty="0"/>
+              <a:t>(Overfitting)</a:t>
+            </a:r>
+            <a:r>
+              <a:rPr lang="ja-JP" altLang="en-US" dirty="0"/>
+              <a:t>しやすく，</a:t>
+            </a:r>
+            <a:endParaRPr kumimoji="1" lang="en-US" altLang="ja-JP" dirty="0"/>
+          </a:p>
+          <a:p>
+            <a:pPr lvl="1"/>
+            <a:r>
+              <a:rPr lang="en-US" altLang="ja-JP" dirty="0" err="1"/>
+              <a:t>XGBoost</a:t>
+            </a:r>
+            <a:r>
+              <a:rPr lang="ja-JP" altLang="en-US" dirty="0"/>
+              <a:t>はブースティング族</a:t>
+            </a:r>
+            <a:endParaRPr kumimoji="1" lang="en-US" altLang="ja-JP" dirty="0"/>
+          </a:p>
+        </p:txBody>
+      </p:sp>
     </p:spTree>
     <p:extLst>
       <p:ext uri="{BB962C8B-B14F-4D97-AF65-F5344CB8AC3E}">
-        <p14:creationId xmlns:p14="http://schemas.microsoft.com/office/powerpoint/2010/main" val="3404170882"/>
+        <p14:creationId xmlns:p14="http://schemas.microsoft.com/office/powerpoint/2010/main" val="3741952175"/>
       </p:ext>
     </p:extLst>
   </p:cSld>
@@ -5658,8 +5887,16 @@
           <a:lstStyle/>
           <a:p>
             <a:r>
+              <a:rPr lang="en-US" altLang="ja-JP" dirty="0"/>
+              <a:t>(@</a:t>
+            </a:r>
+            <a:r>
+              <a:rPr kumimoji="1" lang="en-US" altLang="ja-JP" dirty="0"/>
+              <a:t>0_u0)</a:t>
+            </a:r>
+            <a:r>
               <a:rPr kumimoji="1" lang="ja-JP" altLang="en-US" dirty="0"/>
-              <a:t>誰？</a:t>
+              <a:t> ← 誰？</a:t>
             </a:r>
           </a:p>
         </p:txBody>
@@ -5774,9 +6011,59 @@
             </a:r>
             <a:r>
               <a:rPr lang="ja-JP" altLang="en-US" dirty="0"/>
-              <a:t>希少らしいぜ」つって探した</a:t>
+              <a:t>希少らしいぜ」つってつけました</a:t>
             </a:r>
             <a:endParaRPr lang="en-US" altLang="ja-JP" dirty="0"/>
+          </a:p>
+          <a:p>
+            <a:pPr lvl="1"/>
+            <a:r>
+              <a:rPr lang="ja-JP" altLang="en-US" dirty="0">
+                <a:solidFill>
+                  <a:schemeClr val="bg1">
+                    <a:lumMod val="50000"/>
+                  </a:schemeClr>
+                </a:solidFill>
+              </a:rPr>
+              <a:t>あまり意識してないけど</a:t>
+            </a:r>
+            <a:r>
+              <a:rPr lang="en-US" altLang="ja-JP" dirty="0">
+                <a:solidFill>
+                  <a:schemeClr val="bg1">
+                    <a:lumMod val="50000"/>
+                  </a:schemeClr>
+                </a:solidFill>
+              </a:rPr>
+              <a:t>(@0_u0)</a:t>
+            </a:r>
+            <a:r>
+              <a:rPr lang="ja-JP" altLang="en-US" dirty="0" err="1">
+                <a:solidFill>
+                  <a:schemeClr val="bg1">
+                    <a:lumMod val="50000"/>
+                  </a:schemeClr>
+                </a:solidFill>
+              </a:rPr>
+              <a:t>って</a:t>
+            </a:r>
+            <a:r>
+              <a:rPr lang="ja-JP" altLang="en-US" dirty="0">
+                <a:solidFill>
+                  <a:schemeClr val="bg1">
+                    <a:lumMod val="50000"/>
+                  </a:schemeClr>
+                </a:solidFill>
+              </a:rPr>
+              <a:t>顔に見えるらしい</a:t>
+            </a:r>
+            <a:endParaRPr lang="en-US" altLang="ja-JP" dirty="0">
+              <a:solidFill>
+                <a:schemeClr val="bg1">
+                  <a:lumMod val="50000"/>
+                </a:schemeClr>
+              </a:solidFill>
+            </a:endParaRPr>
           </a:p>
           <a:p>
             <a:endParaRPr kumimoji="1" lang="en-US" altLang="ja-JP" dirty="0"/>
@@ -5806,7 +6093,7 @@
           <a:p>
             <a:r>
               <a:rPr lang="ja-JP" altLang="en-US" dirty="0"/>
-              <a:t>新卒労働者ですが常に新転地募集してます</a:t>
+              <a:t>何とは言わないが転活してます</a:t>
             </a:r>
             <a:endParaRPr lang="en-US" altLang="ja-JP" dirty="0"/>
           </a:p>
@@ -5856,7 +6143,7 @@
           <p:cNvPr id="2" name="タイトル 1">
             <a:extLst>
               <a:ext uri="{FF2B5EF4-FFF2-40B4-BE49-F238E27FC236}">
-                <a16:creationId xmlns:a16="http://schemas.microsoft.com/office/drawing/2014/main" id="{4A5480D8-FBAC-4C37-B4EC-8178DE22B6B4}"/>
+                <a16:creationId xmlns:a16="http://schemas.microsoft.com/office/drawing/2014/main" id="{9537C136-C7F9-413D-A821-4D7BF752D200}"/>
               </a:ext>
             </a:extLst>
           </p:cNvPr>
@@ -5873,52 +6160,69 @@
           <a:lstStyle/>
           <a:p>
             <a:r>
-              <a:rPr lang="ja-JP" altLang="en-US" dirty="0"/>
-              <a:t>きぬいとの結果</a:t>
+              <a:rPr lang="en-US" altLang="ja-JP" dirty="0" err="1"/>
+              <a:t>XGBoost</a:t>
+            </a:r>
+            <a:r>
+              <a:rPr lang="ja-JP" altLang="en-US" dirty="0"/>
+              <a:t>　</a:t>
+            </a:r>
+            <a:r>
+              <a:rPr lang="en-US" altLang="ja-JP" u="sng" dirty="0">
+                <a:solidFill>
+                  <a:schemeClr val="accent1"/>
+                </a:solidFill>
+              </a:rPr>
+              <a:t>#</a:t>
+            </a:r>
+            <a:r>
+              <a:rPr lang="ja-JP" altLang="en-US" u="sng" dirty="0">
+                <a:solidFill>
+                  <a:schemeClr val="accent1"/>
+                </a:solidFill>
+              </a:rPr>
+              <a:t>とは</a:t>
             </a:r>
             <a:endParaRPr kumimoji="1" lang="ja-JP" altLang="en-US" dirty="0"/>
           </a:p>
         </p:txBody>
       </p:sp>
-      <p:pic>
-        <p:nvPicPr>
-          <p:cNvPr id="5" name="コンテンツ プレースホルダー 4">
-            <a:extLst>
-              <a:ext uri="{FF2B5EF4-FFF2-40B4-BE49-F238E27FC236}">
-                <a16:creationId xmlns:a16="http://schemas.microsoft.com/office/drawing/2014/main" id="{E142784B-BB06-449B-872C-685DC47A0D84}"/>
-              </a:ext>
-            </a:extLst>
-          </p:cNvPr>
-          <p:cNvPicPr>
-            <a:picLocks noGrp="1" noChangeAspect="1"/>
-          </p:cNvPicPr>
+      <p:sp>
+        <p:nvSpPr>
+          <p:cNvPr id="3" name="コンテンツ プレースホルダー 2">
+            <a:extLst>
+              <a:ext uri="{FF2B5EF4-FFF2-40B4-BE49-F238E27FC236}">
+                <a16:creationId xmlns:a16="http://schemas.microsoft.com/office/drawing/2014/main" id="{2A51D2F8-1DAD-46DC-B800-89B342C3579B}"/>
+              </a:ext>
+            </a:extLst>
+          </p:cNvPr>
+          <p:cNvSpPr>
+            <a:spLocks noGrp="1"/>
+          </p:cNvSpPr>
           <p:nvPr>
             <p:ph idx="1"/>
           </p:nvPr>
-        </p:nvPicPr>
-        <p:blipFill>
-          <a:blip r:embed="rId2">
-            <a:extLst>
-              <a:ext uri="{28A0092B-C50C-407E-A947-70E740481C1C}">
-                <a14:useLocalDpi xmlns:a14="http://schemas.microsoft.com/office/drawing/2010/main" val="0"/>
-              </a:ext>
-            </a:extLst>
-          </a:blip>
-          <a:stretch>
-            <a:fillRect/>
-          </a:stretch>
-        </p:blipFill>
-        <p:spPr>
-          <a:xfrm>
-            <a:off x="3757684" y="1662978"/>
-            <a:ext cx="4676632" cy="4676632"/>
-          </a:xfrm>
-        </p:spPr>
-      </p:pic>
+        </p:nvSpPr>
+        <p:spPr/>
+        <p:txBody>
+          <a:bodyPr/>
+          <a:lstStyle/>
+          <a:p>
+            <a:r>
+              <a:rPr kumimoji="1" lang="ja-JP" altLang="en-US">
+                <a:solidFill>
+                  <a:srgbClr val="FF0000"/>
+                </a:solidFill>
+              </a:rPr>
+              <a:t>数式含めた説明</a:t>
+            </a:r>
+          </a:p>
+        </p:txBody>
+      </p:sp>
     </p:spTree>
     <p:extLst>
       <p:ext uri="{BB962C8B-B14F-4D97-AF65-F5344CB8AC3E}">
-        <p14:creationId xmlns:p14="http://schemas.microsoft.com/office/powerpoint/2010/main" val="804622375"/>
+        <p14:creationId xmlns:p14="http://schemas.microsoft.com/office/powerpoint/2010/main" val="816231524"/>
       </p:ext>
     </p:extLst>
   </p:cSld>
@@ -5950,6 +6254,1454 @@
           <p:cNvPr id="2" name="タイトル 1">
             <a:extLst>
               <a:ext uri="{FF2B5EF4-FFF2-40B4-BE49-F238E27FC236}">
+                <a16:creationId xmlns:a16="http://schemas.microsoft.com/office/drawing/2014/main" id="{59B1D5F8-C984-4937-AE7A-D6E3C2A80AE0}"/>
+              </a:ext>
+            </a:extLst>
+          </p:cNvPr>
+          <p:cNvSpPr>
+            <a:spLocks noGrp="1"/>
+          </p:cNvSpPr>
+          <p:nvPr>
+            <p:ph type="title"/>
+          </p:nvPr>
+        </p:nvSpPr>
+        <p:spPr/>
+        <p:txBody>
+          <a:bodyPr/>
+          <a:lstStyle/>
+          <a:p>
+            <a:r>
+              <a:rPr kumimoji="1" lang="en-US" altLang="ja-JP" dirty="0"/>
+              <a:t>caret</a:t>
+            </a:r>
+            <a:r>
+              <a:rPr kumimoji="1" lang="ja-JP" altLang="en-US" dirty="0"/>
+              <a:t>パッケージによる実装</a:t>
+            </a:r>
+          </a:p>
+        </p:txBody>
+      </p:sp>
+      <p:sp>
+        <p:nvSpPr>
+          <p:cNvPr id="3" name="コンテンツ プレースホルダー 2">
+            <a:extLst>
+              <a:ext uri="{FF2B5EF4-FFF2-40B4-BE49-F238E27FC236}">
+                <a16:creationId xmlns:a16="http://schemas.microsoft.com/office/drawing/2014/main" id="{6EA5C827-EF9B-4B32-91B3-3D1ABA44CBD5}"/>
+              </a:ext>
+            </a:extLst>
+          </p:cNvPr>
+          <p:cNvSpPr>
+            <a:spLocks noGrp="1"/>
+          </p:cNvSpPr>
+          <p:nvPr>
+            <p:ph idx="1"/>
+          </p:nvPr>
+        </p:nvSpPr>
+        <p:spPr/>
+        <p:txBody>
+          <a:bodyPr/>
+          <a:lstStyle/>
+          <a:p>
+            <a:r>
+              <a:rPr kumimoji="1" lang="en-US" altLang="ja-JP" dirty="0"/>
+              <a:t>caret</a:t>
+            </a:r>
+            <a:r>
+              <a:rPr kumimoji="1" lang="ja-JP" altLang="en-US" dirty="0"/>
+              <a:t>パッケージ？</a:t>
+            </a:r>
+            <a:endParaRPr kumimoji="1" lang="en-US" altLang="ja-JP" dirty="0"/>
+          </a:p>
+          <a:p>
+            <a:pPr lvl="1"/>
+            <a:r>
+              <a:rPr kumimoji="1" lang="ja-JP" altLang="en-US" dirty="0"/>
+              <a:t>機械学習の手法を</a:t>
+            </a:r>
+            <a:r>
+              <a:rPr kumimoji="1" lang="ja-JP" altLang="en-US" b="1" dirty="0"/>
+              <a:t>統一的</a:t>
+            </a:r>
+            <a:r>
+              <a:rPr kumimoji="1" lang="ja-JP" altLang="en-US" dirty="0"/>
+              <a:t>に扱うことができる</a:t>
+            </a:r>
+            <a:endParaRPr kumimoji="1" lang="en-US" altLang="ja-JP" dirty="0"/>
+          </a:p>
+          <a:p>
+            <a:pPr lvl="2"/>
+            <a:r>
+              <a:rPr lang="ja-JP" altLang="en-US" dirty="0"/>
+              <a:t>目的変数と特徴量を</a:t>
+            </a:r>
+            <a:r>
+              <a:rPr lang="en-US" altLang="ja-JP" dirty="0"/>
+              <a:t>formula</a:t>
+            </a:r>
+            <a:r>
+              <a:rPr lang="ja-JP" altLang="en-US" dirty="0"/>
+              <a:t>型で実装できる</a:t>
+            </a:r>
+            <a:endParaRPr kumimoji="1" lang="en-US" altLang="ja-JP" dirty="0"/>
+          </a:p>
+          <a:p>
+            <a:pPr lvl="2"/>
+            <a:r>
+              <a:rPr lang="en-US" altLang="ja-JP" dirty="0" err="1"/>
+              <a:t>randomForest</a:t>
+            </a:r>
+            <a:r>
+              <a:rPr lang="ja-JP" altLang="en-US" dirty="0"/>
+              <a:t>や</a:t>
+            </a:r>
+            <a:r>
+              <a:rPr lang="en-US" altLang="ja-JP" dirty="0"/>
+              <a:t>SVM</a:t>
+            </a:r>
+            <a:r>
+              <a:rPr lang="ja-JP" altLang="en-US" dirty="0"/>
+              <a:t>や</a:t>
+            </a:r>
+            <a:r>
+              <a:rPr lang="en-US" altLang="ja-JP" dirty="0" err="1"/>
+              <a:t>XGBoost</a:t>
+            </a:r>
+            <a:r>
+              <a:rPr lang="ja-JP" altLang="en-US" dirty="0"/>
+              <a:t>を引数として指定できる</a:t>
+            </a:r>
+            <a:endParaRPr lang="en-US" altLang="ja-JP" dirty="0"/>
+          </a:p>
+          <a:p>
+            <a:pPr lvl="1"/>
+            <a:endParaRPr lang="en-US" altLang="ja-JP" dirty="0"/>
+          </a:p>
+          <a:p>
+            <a:pPr lvl="1"/>
+            <a:r>
+              <a:rPr lang="ja-JP" altLang="en-US" dirty="0"/>
+              <a:t>そのための</a:t>
+            </a:r>
+            <a:r>
+              <a:rPr lang="en-US" altLang="ja-JP" dirty="0"/>
+              <a:t>caret::train()</a:t>
+            </a:r>
+            <a:endParaRPr kumimoji="1" lang="ja-JP" altLang="en-US" dirty="0"/>
+          </a:p>
+        </p:txBody>
+      </p:sp>
+    </p:spTree>
+    <p:extLst>
+      <p:ext uri="{BB962C8B-B14F-4D97-AF65-F5344CB8AC3E}">
+        <p14:creationId xmlns:p14="http://schemas.microsoft.com/office/powerpoint/2010/main" val="2655447739"/>
+      </p:ext>
+    </p:extLst>
+  </p:cSld>
+  <p:clrMapOvr>
+    <a:masterClrMapping/>
+  </p:clrMapOvr>
+</p:sld>
+</file>
+
+<file path=ppt/slides/slide22.xml><?xml version="1.0" encoding="utf-8"?>
+<p:sld xmlns:a="http://schemas.openxmlformats.org/drawingml/2006/main" xmlns:r="http://schemas.openxmlformats.org/officeDocument/2006/relationships" xmlns:p="http://schemas.openxmlformats.org/presentationml/2006/main">
+  <p:cSld>
+    <p:spTree>
+      <p:nvGrpSpPr>
+        <p:cNvPr id="1" name=""/>
+        <p:cNvGrpSpPr/>
+        <p:nvPr/>
+      </p:nvGrpSpPr>
+      <p:grpSpPr>
+        <a:xfrm>
+          <a:off x="0" y="0"/>
+          <a:ext cx="0" cy="0"/>
+          <a:chOff x="0" y="0"/>
+          <a:chExt cx="0" cy="0"/>
+        </a:xfrm>
+      </p:grpSpPr>
+      <p:sp>
+        <p:nvSpPr>
+          <p:cNvPr id="2" name="タイトル 1">
+            <a:extLst>
+              <a:ext uri="{FF2B5EF4-FFF2-40B4-BE49-F238E27FC236}">
+                <a16:creationId xmlns:a16="http://schemas.microsoft.com/office/drawing/2014/main" id="{59B1D5F8-C984-4937-AE7A-D6E3C2A80AE0}"/>
+              </a:ext>
+            </a:extLst>
+          </p:cNvPr>
+          <p:cNvSpPr>
+            <a:spLocks noGrp="1"/>
+          </p:cNvSpPr>
+          <p:nvPr>
+            <p:ph type="title"/>
+          </p:nvPr>
+        </p:nvSpPr>
+        <p:spPr/>
+        <p:txBody>
+          <a:bodyPr/>
+          <a:lstStyle/>
+          <a:p>
+            <a:r>
+              <a:rPr kumimoji="1" lang="en-US" altLang="ja-JP" dirty="0"/>
+              <a:t>caret</a:t>
+            </a:r>
+            <a:r>
+              <a:rPr kumimoji="1" lang="ja-JP" altLang="en-US" dirty="0"/>
+              <a:t>パッケージによる実装</a:t>
+            </a:r>
+          </a:p>
+        </p:txBody>
+      </p:sp>
+      <p:sp>
+        <p:nvSpPr>
+          <p:cNvPr id="3" name="コンテンツ プレースホルダー 2">
+            <a:extLst>
+              <a:ext uri="{FF2B5EF4-FFF2-40B4-BE49-F238E27FC236}">
+                <a16:creationId xmlns:a16="http://schemas.microsoft.com/office/drawing/2014/main" id="{6EA5C827-EF9B-4B32-91B3-3D1ABA44CBD5}"/>
+              </a:ext>
+            </a:extLst>
+          </p:cNvPr>
+          <p:cNvSpPr>
+            <a:spLocks noGrp="1"/>
+          </p:cNvSpPr>
+          <p:nvPr>
+            <p:ph idx="1"/>
+          </p:nvPr>
+        </p:nvSpPr>
+        <p:spPr>
+          <a:xfrm>
+            <a:off x="838200" y="1825624"/>
+            <a:ext cx="10515600" cy="5032375"/>
+          </a:xfrm>
+          <a:solidFill>
+            <a:schemeClr val="tx1">
+              <a:lumMod val="85000"/>
+              <a:lumOff val="15000"/>
+            </a:schemeClr>
+          </a:solidFill>
+        </p:spPr>
+        <p:txBody>
+          <a:bodyPr>
+            <a:normAutofit/>
+          </a:bodyPr>
+          <a:lstStyle/>
+          <a:p>
+            <a:r>
+              <a:rPr kumimoji="1" lang="en-US" altLang="ja-JP" sz="2000" dirty="0">
+                <a:solidFill>
+                  <a:schemeClr val="bg1"/>
+                </a:solidFill>
+                <a:latin typeface="Lucida Console" panose="020B0609040504020204" pitchFamily="49" charset="0"/>
+              </a:rPr>
+              <a:t>data = </a:t>
+            </a:r>
+            <a:r>
+              <a:rPr kumimoji="1" lang="en-US" altLang="ja-JP" sz="2000" dirty="0" err="1">
+                <a:solidFill>
+                  <a:schemeClr val="bg1"/>
+                </a:solidFill>
+                <a:latin typeface="Lucida Console" panose="020B0609040504020204" pitchFamily="49" charset="0"/>
+              </a:rPr>
+              <a:t>UseData</a:t>
+            </a:r>
+            <a:r>
+              <a:rPr kumimoji="1" lang="en-US" altLang="ja-JP" sz="2000" dirty="0">
+                <a:solidFill>
+                  <a:schemeClr val="bg1"/>
+                </a:solidFill>
+                <a:latin typeface="Lucida Console" panose="020B0609040504020204" pitchFamily="49" charset="0"/>
+              </a:rPr>
+              <a:t> #</a:t>
+            </a:r>
+            <a:r>
+              <a:rPr kumimoji="1" lang="ja-JP" altLang="en-US" sz="2000" dirty="0">
+                <a:solidFill>
+                  <a:schemeClr val="bg1"/>
+                </a:solidFill>
+                <a:latin typeface="Lucida Console" panose="020B0609040504020204" pitchFamily="49" charset="0"/>
+              </a:rPr>
+              <a:t>学習データ</a:t>
+            </a:r>
+            <a:endParaRPr kumimoji="1" lang="en-US" altLang="ja-JP" sz="2000" dirty="0">
+              <a:solidFill>
+                <a:schemeClr val="bg1"/>
+              </a:solidFill>
+              <a:latin typeface="Lucida Console" panose="020B0609040504020204" pitchFamily="49" charset="0"/>
+            </a:endParaRPr>
+          </a:p>
+          <a:p>
+            <a:r>
+              <a:rPr kumimoji="1" lang="en-US" altLang="ja-JP" sz="2000" dirty="0">
+                <a:solidFill>
+                  <a:srgbClr val="00B0F0"/>
+                </a:solidFill>
+                <a:latin typeface="Lucida Console" panose="020B0609040504020204" pitchFamily="49" charset="0"/>
+              </a:rPr>
+              <a:t>caret</a:t>
+            </a:r>
+            <a:r>
+              <a:rPr lang="en-US" altLang="ja-JP" sz="2000" dirty="0">
+                <a:solidFill>
+                  <a:srgbClr val="00B0F0"/>
+                </a:solidFill>
+                <a:latin typeface="Lucida Console" panose="020B0609040504020204" pitchFamily="49" charset="0"/>
+              </a:rPr>
+              <a:t>::train</a:t>
+            </a:r>
+            <a:r>
+              <a:rPr lang="en-US" altLang="ja-JP" sz="2000" dirty="0">
+                <a:solidFill>
+                  <a:schemeClr val="bg1"/>
+                </a:solidFill>
+                <a:latin typeface="Lucida Console" panose="020B0609040504020204" pitchFamily="49" charset="0"/>
+              </a:rPr>
+              <a:t>(target ~. , method = </a:t>
+            </a:r>
+            <a:r>
+              <a:rPr lang="en-US" altLang="ja-JP" sz="2000" dirty="0">
+                <a:solidFill>
+                  <a:srgbClr val="FFFF00"/>
+                </a:solidFill>
+                <a:latin typeface="Lucida Console" panose="020B0609040504020204" pitchFamily="49" charset="0"/>
+              </a:rPr>
+              <a:t>“</a:t>
+            </a:r>
+            <a:r>
+              <a:rPr lang="en-US" altLang="ja-JP" sz="2000" dirty="0" err="1">
+                <a:solidFill>
+                  <a:srgbClr val="FFFF00"/>
+                </a:solidFill>
+                <a:latin typeface="Lucida Console" panose="020B0609040504020204" pitchFamily="49" charset="0"/>
+              </a:rPr>
+              <a:t>xgbLinear</a:t>
+            </a:r>
+            <a:r>
+              <a:rPr lang="en-US" altLang="ja-JP" sz="2000" dirty="0">
+                <a:solidFill>
+                  <a:srgbClr val="FFFF00"/>
+                </a:solidFill>
+                <a:latin typeface="Lucida Console" panose="020B0609040504020204" pitchFamily="49" charset="0"/>
+              </a:rPr>
+              <a:t>”</a:t>
+            </a:r>
+            <a:r>
+              <a:rPr lang="en-US" altLang="ja-JP" sz="2000" dirty="0">
+                <a:solidFill>
+                  <a:schemeClr val="bg1"/>
+                </a:solidFill>
+                <a:latin typeface="Lucida Console" panose="020B0609040504020204" pitchFamily="49" charset="0"/>
+              </a:rPr>
+              <a:t>, data = </a:t>
+            </a:r>
+            <a:r>
+              <a:rPr lang="en-US" altLang="ja-JP" sz="2000" dirty="0" err="1">
+                <a:solidFill>
+                  <a:schemeClr val="bg1"/>
+                </a:solidFill>
+                <a:latin typeface="Lucida Console" panose="020B0609040504020204" pitchFamily="49" charset="0"/>
+              </a:rPr>
+              <a:t>UseData</a:t>
+            </a:r>
+            <a:r>
+              <a:rPr lang="en-US" altLang="ja-JP" sz="2000" dirty="0">
+                <a:solidFill>
+                  <a:schemeClr val="bg1"/>
+                </a:solidFill>
+                <a:latin typeface="Lucida Console" panose="020B0609040504020204" pitchFamily="49" charset="0"/>
+              </a:rPr>
+              <a:t>, </a:t>
+            </a:r>
+            <a:r>
+              <a:rPr lang="en-US" altLang="ja-JP" sz="2000" dirty="0" err="1">
+                <a:solidFill>
+                  <a:schemeClr val="bg1"/>
+                </a:solidFill>
+                <a:latin typeface="Lucida Console" panose="020B0609040504020204" pitchFamily="49" charset="0"/>
+              </a:rPr>
+              <a:t>trControl</a:t>
+            </a:r>
+            <a:r>
+              <a:rPr lang="en-US" altLang="ja-JP" sz="2000" dirty="0">
+                <a:solidFill>
+                  <a:schemeClr val="bg1"/>
+                </a:solidFill>
+                <a:latin typeface="Lucida Console" panose="020B0609040504020204" pitchFamily="49" charset="0"/>
+              </a:rPr>
+              <a:t> = </a:t>
+            </a:r>
+            <a:r>
+              <a:rPr lang="en-US" altLang="ja-JP" sz="2000" dirty="0" err="1">
+                <a:solidFill>
+                  <a:srgbClr val="00B0F0"/>
+                </a:solidFill>
+                <a:latin typeface="Lucida Console" panose="020B0609040504020204" pitchFamily="49" charset="0"/>
+              </a:rPr>
+              <a:t>trainControl</a:t>
+            </a:r>
+            <a:r>
+              <a:rPr lang="en-US" altLang="ja-JP" sz="2000" dirty="0">
+                <a:solidFill>
+                  <a:schemeClr val="bg1"/>
+                </a:solidFill>
+                <a:latin typeface="Lucida Console" panose="020B0609040504020204" pitchFamily="49" charset="0"/>
+              </a:rPr>
+              <a:t>(method = cv))</a:t>
+            </a:r>
+          </a:p>
+          <a:p>
+            <a:pPr marL="457200" lvl="1" indent="0">
+              <a:buNone/>
+            </a:pPr>
+            <a:r>
+              <a:rPr lang="en-US" altLang="ja-JP" sz="1600" dirty="0">
+                <a:solidFill>
+                  <a:schemeClr val="bg1"/>
+                </a:solidFill>
+                <a:latin typeface="Lucida Console" panose="020B0609040504020204" pitchFamily="49" charset="0"/>
+              </a:rPr>
+              <a:t># “.”</a:t>
+            </a:r>
+            <a:r>
+              <a:rPr lang="ja-JP" altLang="en-US" sz="1600" dirty="0">
+                <a:solidFill>
+                  <a:schemeClr val="bg1"/>
+                </a:solidFill>
+                <a:latin typeface="Lucida Console" panose="020B0609040504020204" pitchFamily="49" charset="0"/>
+              </a:rPr>
+              <a:t>で「データフレーム内のすべての特徴量」を指定できる．</a:t>
+            </a:r>
+            <a:endParaRPr lang="en-US" altLang="ja-JP" sz="1600" dirty="0">
+              <a:solidFill>
+                <a:schemeClr val="bg1"/>
+              </a:solidFill>
+              <a:latin typeface="Lucida Console" panose="020B0609040504020204" pitchFamily="49" charset="0"/>
+            </a:endParaRPr>
+          </a:p>
+          <a:p>
+            <a:pPr marL="457200" lvl="1" indent="0">
+              <a:buNone/>
+            </a:pPr>
+            <a:r>
+              <a:rPr lang="en-US" altLang="ja-JP" sz="1600" dirty="0">
+                <a:solidFill>
+                  <a:schemeClr val="bg1"/>
+                </a:solidFill>
+                <a:latin typeface="Lucida Console" panose="020B0609040504020204" pitchFamily="49" charset="0"/>
+              </a:rPr>
+              <a:t># </a:t>
+            </a:r>
+            <a:r>
+              <a:rPr lang="en-US" altLang="ja-JP" sz="1600" dirty="0" err="1">
+                <a:solidFill>
+                  <a:srgbClr val="00B0F0"/>
+                </a:solidFill>
+                <a:latin typeface="Lucida Console" panose="020B0609040504020204" pitchFamily="49" charset="0"/>
+              </a:rPr>
+              <a:t>trainControl</a:t>
+            </a:r>
+            <a:r>
+              <a:rPr lang="en-US" altLang="ja-JP" sz="1600" dirty="0">
+                <a:solidFill>
+                  <a:schemeClr val="bg1"/>
+                </a:solidFill>
+                <a:latin typeface="Lucida Console" panose="020B0609040504020204" pitchFamily="49" charset="0"/>
+              </a:rPr>
+              <a:t>()</a:t>
+            </a:r>
+            <a:r>
+              <a:rPr lang="ja-JP" altLang="en-US" sz="1600" dirty="0">
+                <a:solidFill>
+                  <a:schemeClr val="bg1"/>
+                </a:solidFill>
+                <a:latin typeface="Lucida Console" panose="020B0609040504020204" pitchFamily="49" charset="0"/>
+              </a:rPr>
+              <a:t>関数で交差検証も実行してくれる</a:t>
+            </a:r>
+            <a:r>
+              <a:rPr lang="en-US" altLang="ja-JP" sz="1600" dirty="0">
+                <a:solidFill>
+                  <a:schemeClr val="bg1"/>
+                </a:solidFill>
+                <a:latin typeface="Lucida Console" panose="020B0609040504020204" pitchFamily="49" charset="0"/>
+              </a:rPr>
+              <a:t>.</a:t>
+            </a:r>
+          </a:p>
+          <a:p>
+            <a:pPr marL="457200" lvl="1" indent="0">
+              <a:buNone/>
+            </a:pPr>
+            <a:r>
+              <a:rPr lang="en-US" altLang="ja-JP" sz="1600" dirty="0">
+                <a:solidFill>
+                  <a:schemeClr val="bg1"/>
+                </a:solidFill>
+                <a:latin typeface="Lucida Console" panose="020B0609040504020204" pitchFamily="49" charset="0"/>
+              </a:rPr>
+              <a:t># </a:t>
+            </a:r>
+            <a:r>
+              <a:rPr lang="ja-JP" altLang="en-US" sz="1600" dirty="0">
+                <a:solidFill>
+                  <a:schemeClr val="bg1"/>
+                </a:solidFill>
+                <a:latin typeface="Lucida Console" panose="020B0609040504020204" pitchFamily="49" charset="0"/>
+              </a:rPr>
+              <a:t>ハイパーパラメータのチューニングも</a:t>
+            </a:r>
+            <a:r>
+              <a:rPr lang="en-US" altLang="ja-JP" sz="1600" dirty="0" err="1">
+                <a:solidFill>
+                  <a:schemeClr val="bg1"/>
+                </a:solidFill>
+                <a:latin typeface="Lucida Console" panose="020B0609040504020204" pitchFamily="49" charset="0"/>
+              </a:rPr>
+              <a:t>tuneLength</a:t>
+            </a:r>
+            <a:r>
+              <a:rPr lang="ja-JP" altLang="en-US" sz="1600" dirty="0">
+                <a:solidFill>
+                  <a:schemeClr val="bg1"/>
+                </a:solidFill>
+                <a:latin typeface="Lucida Console" panose="020B0609040504020204" pitchFamily="49" charset="0"/>
+              </a:rPr>
+              <a:t>や</a:t>
+            </a:r>
+            <a:r>
+              <a:rPr lang="en-US" altLang="ja-JP" sz="1600" dirty="0" err="1">
+                <a:solidFill>
+                  <a:schemeClr val="bg1"/>
+                </a:solidFill>
+                <a:latin typeface="Lucida Console" panose="020B0609040504020204" pitchFamily="49" charset="0"/>
+              </a:rPr>
+              <a:t>tuneGrid</a:t>
+            </a:r>
+            <a:r>
+              <a:rPr lang="ja-JP" altLang="en-US" sz="1600" dirty="0">
+                <a:solidFill>
+                  <a:schemeClr val="bg1"/>
+                </a:solidFill>
+                <a:latin typeface="Lucida Console" panose="020B0609040504020204" pitchFamily="49" charset="0"/>
+              </a:rPr>
+              <a:t>を引数にして設定可能</a:t>
+            </a:r>
+            <a:endParaRPr lang="en-US" altLang="ja-JP" sz="1600" dirty="0">
+              <a:solidFill>
+                <a:schemeClr val="bg1"/>
+              </a:solidFill>
+              <a:latin typeface="Lucida Console" panose="020B0609040504020204" pitchFamily="49" charset="0"/>
+            </a:endParaRPr>
+          </a:p>
+          <a:p>
+            <a:pPr marL="457200" lvl="1" indent="0">
+              <a:buNone/>
+            </a:pPr>
+            <a:r>
+              <a:rPr lang="en-US" altLang="ja-JP" sz="1600" dirty="0">
+                <a:solidFill>
+                  <a:schemeClr val="bg1"/>
+                </a:solidFill>
+                <a:latin typeface="Lucida Console" panose="020B0609040504020204" pitchFamily="49" charset="0"/>
+              </a:rPr>
+              <a:t># </a:t>
+            </a:r>
+            <a:r>
+              <a:rPr lang="ja-JP" altLang="en-US" sz="1600" dirty="0">
+                <a:solidFill>
+                  <a:schemeClr val="bg1"/>
+                </a:solidFill>
+                <a:latin typeface="Lucida Console" panose="020B0609040504020204" pitchFamily="49" charset="0"/>
+              </a:rPr>
+              <a:t>構造が全部一緒なので，データフレームを統一して方法別の予測結果の比較が簡単</a:t>
+            </a:r>
+            <a:endParaRPr lang="en-US" altLang="ja-JP" sz="1600" dirty="0">
+              <a:solidFill>
+                <a:schemeClr val="bg1"/>
+              </a:solidFill>
+              <a:latin typeface="Lucida Console" panose="020B0609040504020204" pitchFamily="49" charset="0"/>
+            </a:endParaRPr>
+          </a:p>
+          <a:p>
+            <a:endParaRPr kumimoji="1" lang="en-US" altLang="ja-JP" sz="2000" dirty="0">
+              <a:solidFill>
+                <a:schemeClr val="bg1"/>
+              </a:solidFill>
+              <a:latin typeface="Lucida Console" panose="020B0609040504020204" pitchFamily="49" charset="0"/>
+            </a:endParaRPr>
+          </a:p>
+          <a:p>
+            <a:r>
+              <a:rPr lang="en-US" altLang="ja-JP" sz="2000" dirty="0">
+                <a:solidFill>
+                  <a:schemeClr val="bg1"/>
+                </a:solidFill>
+                <a:latin typeface="Lucida Console" panose="020B0609040504020204" pitchFamily="49" charset="0"/>
+              </a:rPr>
+              <a:t>method</a:t>
+            </a:r>
+            <a:r>
+              <a:rPr lang="ja-JP" altLang="en-US" sz="2000" dirty="0" err="1">
+                <a:solidFill>
+                  <a:schemeClr val="bg1"/>
+                </a:solidFill>
+                <a:latin typeface="Lucida Console" panose="020B0609040504020204" pitchFamily="49" charset="0"/>
+              </a:rPr>
+              <a:t>には</a:t>
+            </a:r>
+            <a:r>
+              <a:rPr lang="ja-JP" altLang="en-US" sz="2000" dirty="0">
+                <a:solidFill>
+                  <a:schemeClr val="bg1"/>
+                </a:solidFill>
+                <a:latin typeface="Lucida Console" panose="020B0609040504020204" pitchFamily="49" charset="0"/>
+              </a:rPr>
+              <a:t>いろいろな方法が使えたりする．</a:t>
+            </a:r>
+            <a:endParaRPr lang="en-US" altLang="ja-JP" sz="2000" dirty="0">
+              <a:solidFill>
+                <a:schemeClr val="bg1"/>
+              </a:solidFill>
+              <a:latin typeface="Lucida Console" panose="020B0609040504020204" pitchFamily="49" charset="0"/>
+            </a:endParaRPr>
+          </a:p>
+          <a:p>
+            <a:pPr marL="457200" lvl="1" indent="0">
+              <a:buNone/>
+            </a:pPr>
+            <a:r>
+              <a:rPr lang="en-US" altLang="ja-JP" sz="1600" dirty="0">
+                <a:solidFill>
+                  <a:schemeClr val="bg1"/>
+                </a:solidFill>
+                <a:latin typeface="Lucida Console" panose="020B0609040504020204" pitchFamily="49" charset="0"/>
+              </a:rPr>
+              <a:t># </a:t>
+            </a:r>
+            <a:r>
+              <a:rPr lang="en-US" altLang="ja-JP" sz="1600" dirty="0" err="1">
+                <a:solidFill>
+                  <a:schemeClr val="bg1"/>
+                </a:solidFill>
+                <a:latin typeface="Lucida Console" panose="020B0609040504020204" pitchFamily="49" charset="0"/>
+              </a:rPr>
+              <a:t>xgboost</a:t>
+            </a:r>
+            <a:r>
+              <a:rPr lang="en-US" altLang="ja-JP" sz="1600" dirty="0">
+                <a:solidFill>
+                  <a:schemeClr val="bg1"/>
+                </a:solidFill>
+                <a:latin typeface="Lucida Console" panose="020B0609040504020204" pitchFamily="49" charset="0"/>
+              </a:rPr>
+              <a:t>(</a:t>
+            </a:r>
+            <a:r>
+              <a:rPr lang="ja-JP" altLang="en-US" sz="1600" dirty="0">
+                <a:solidFill>
+                  <a:schemeClr val="bg1"/>
+                </a:solidFill>
+                <a:latin typeface="Lucida Console" panose="020B0609040504020204" pitchFamily="49" charset="0"/>
+              </a:rPr>
+              <a:t>分類</a:t>
+            </a:r>
+            <a:r>
+              <a:rPr lang="en-US" altLang="ja-JP" sz="1600" dirty="0">
+                <a:solidFill>
+                  <a:schemeClr val="bg1"/>
+                </a:solidFill>
+                <a:latin typeface="Lucida Console" panose="020B0609040504020204" pitchFamily="49" charset="0"/>
+              </a:rPr>
+              <a:t>Tree</a:t>
+            </a:r>
+            <a:r>
+              <a:rPr lang="ja-JP" altLang="en-US" sz="1600" dirty="0">
+                <a:solidFill>
+                  <a:schemeClr val="bg1"/>
+                </a:solidFill>
+                <a:latin typeface="Lucida Console" panose="020B0609040504020204" pitchFamily="49" charset="0"/>
+              </a:rPr>
+              <a:t>・回帰</a:t>
+            </a:r>
+            <a:r>
+              <a:rPr lang="en-US" altLang="ja-JP" sz="1600" dirty="0">
+                <a:solidFill>
+                  <a:schemeClr val="bg1"/>
+                </a:solidFill>
+                <a:latin typeface="Lucida Console" panose="020B0609040504020204" pitchFamily="49" charset="0"/>
+              </a:rPr>
+              <a:t>Linear</a:t>
+            </a:r>
+            <a:r>
+              <a:rPr lang="ja-JP" altLang="en-US" sz="1600" dirty="0">
+                <a:solidFill>
+                  <a:schemeClr val="bg1"/>
+                </a:solidFill>
+                <a:latin typeface="Lucida Console" panose="020B0609040504020204" pitchFamily="49" charset="0"/>
+              </a:rPr>
+              <a:t>で指定する名前が違う</a:t>
+            </a:r>
+            <a:r>
+              <a:rPr lang="en-US" altLang="ja-JP" sz="1600" dirty="0">
+                <a:solidFill>
+                  <a:schemeClr val="bg1"/>
+                </a:solidFill>
+                <a:latin typeface="Lucida Console" panose="020B0609040504020204" pitchFamily="49" charset="0"/>
+              </a:rPr>
+              <a:t>), </a:t>
+            </a:r>
+            <a:r>
+              <a:rPr lang="en-US" altLang="ja-JP" sz="1600" dirty="0" err="1">
+                <a:solidFill>
+                  <a:schemeClr val="bg1"/>
+                </a:solidFill>
+                <a:latin typeface="Lucida Console" panose="020B0609040504020204" pitchFamily="49" charset="0"/>
+              </a:rPr>
+              <a:t>randomForest</a:t>
+            </a:r>
+            <a:endParaRPr lang="en-US" altLang="ja-JP" sz="1600" dirty="0">
+              <a:solidFill>
+                <a:schemeClr val="bg1"/>
+              </a:solidFill>
+              <a:latin typeface="Lucida Console" panose="020B0609040504020204" pitchFamily="49" charset="0"/>
+            </a:endParaRPr>
+          </a:p>
+          <a:p>
+            <a:pPr marL="457200" lvl="1" indent="0">
+              <a:buNone/>
+            </a:pPr>
+            <a:r>
+              <a:rPr lang="en-US" altLang="ja-JP" sz="1600" dirty="0">
+                <a:solidFill>
+                  <a:schemeClr val="bg1"/>
+                </a:solidFill>
+                <a:latin typeface="Lucida Console" panose="020B0609040504020204" pitchFamily="49" charset="0"/>
+              </a:rPr>
+              <a:t># L1, L2</a:t>
+            </a:r>
+            <a:r>
+              <a:rPr lang="ja-JP" altLang="en-US" sz="1600" dirty="0">
+                <a:solidFill>
+                  <a:schemeClr val="bg1"/>
+                </a:solidFill>
+                <a:latin typeface="Lucida Console" panose="020B0609040504020204" pitchFamily="49" charset="0"/>
+              </a:rPr>
+              <a:t>正則化回帰もできる</a:t>
+            </a:r>
+            <a:endParaRPr lang="en-US" altLang="ja-JP" sz="1600" dirty="0">
+              <a:solidFill>
+                <a:schemeClr val="bg1"/>
+              </a:solidFill>
+              <a:latin typeface="Lucida Console" panose="020B0609040504020204" pitchFamily="49" charset="0"/>
+            </a:endParaRPr>
+          </a:p>
+          <a:p>
+            <a:pPr marL="457200" lvl="1" indent="0">
+              <a:buNone/>
+            </a:pPr>
+            <a:r>
+              <a:rPr lang="en-US" altLang="ja-JP" sz="1600" dirty="0">
+                <a:solidFill>
+                  <a:schemeClr val="bg1"/>
+                </a:solidFill>
+                <a:latin typeface="Lucida Console" panose="020B0609040504020204" pitchFamily="49" charset="0"/>
+              </a:rPr>
+              <a:t># </a:t>
+            </a:r>
+            <a:r>
+              <a:rPr lang="ja-JP" altLang="en-US" sz="1600" dirty="0">
+                <a:solidFill>
+                  <a:schemeClr val="bg1"/>
+                </a:solidFill>
+                <a:latin typeface="Lucida Console" panose="020B0609040504020204" pitchFamily="49" charset="0"/>
+              </a:rPr>
+              <a:t>その他の方法は</a:t>
+            </a:r>
+            <a:r>
+              <a:rPr lang="en-US" altLang="ja-JP" sz="1600" dirty="0">
+                <a:solidFill>
+                  <a:schemeClr val="bg1"/>
+                </a:solidFill>
+                <a:latin typeface="Lucida Console" panose="020B0609040504020204" pitchFamily="49" charset="0"/>
+                <a:hlinkClick r:id="rId2"/>
+              </a:rPr>
+              <a:t>http://topepo.github.io/caret/train-models-by-tag.html</a:t>
+            </a:r>
+            <a:r>
+              <a:rPr lang="ja-JP" altLang="en-US" sz="1600" dirty="0">
+                <a:solidFill>
+                  <a:schemeClr val="bg1"/>
+                </a:solidFill>
+                <a:latin typeface="Lucida Console" panose="020B0609040504020204" pitchFamily="49" charset="0"/>
+              </a:rPr>
+              <a:t>を参照．</a:t>
+            </a:r>
+            <a:endParaRPr lang="en-US" altLang="ja-JP" sz="1600" dirty="0">
+              <a:solidFill>
+                <a:schemeClr val="bg1"/>
+              </a:solidFill>
+              <a:latin typeface="Lucida Console" panose="020B0609040504020204" pitchFamily="49" charset="0"/>
+            </a:endParaRPr>
+          </a:p>
+          <a:p>
+            <a:pPr lvl="1"/>
+            <a:endParaRPr lang="en-US" altLang="ja-JP" sz="1600" dirty="0">
+              <a:solidFill>
+                <a:schemeClr val="bg1"/>
+              </a:solidFill>
+              <a:latin typeface="Lucida Console" panose="020B0609040504020204" pitchFamily="49" charset="0"/>
+            </a:endParaRPr>
+          </a:p>
+          <a:p>
+            <a:r>
+              <a:rPr lang="ja-JP" altLang="en-US" sz="2000" dirty="0">
+                <a:solidFill>
+                  <a:schemeClr val="bg1"/>
+                </a:solidFill>
+                <a:latin typeface="Lucida Console" panose="020B0609040504020204" pitchFamily="49" charset="0"/>
+              </a:rPr>
+              <a:t>予測は</a:t>
+            </a:r>
+            <a:r>
+              <a:rPr lang="en-US" altLang="ja-JP" sz="2000" dirty="0">
+                <a:solidFill>
+                  <a:srgbClr val="00B0F0"/>
+                </a:solidFill>
+                <a:latin typeface="Lucida Console" panose="020B0609040504020204" pitchFamily="49" charset="0"/>
+              </a:rPr>
+              <a:t>predict</a:t>
+            </a:r>
+            <a:r>
+              <a:rPr lang="en-US" altLang="ja-JP" sz="2000" dirty="0">
+                <a:solidFill>
+                  <a:schemeClr val="bg1"/>
+                </a:solidFill>
+                <a:latin typeface="Lucida Console" panose="020B0609040504020204" pitchFamily="49" charset="0"/>
+              </a:rPr>
+              <a:t>(model, </a:t>
+            </a:r>
+            <a:r>
+              <a:rPr lang="en-US" altLang="ja-JP" sz="2000" dirty="0" err="1">
+                <a:solidFill>
+                  <a:schemeClr val="bg1"/>
+                </a:solidFill>
+                <a:latin typeface="Lucida Console" panose="020B0609040504020204" pitchFamily="49" charset="0"/>
+              </a:rPr>
+              <a:t>newdata</a:t>
+            </a:r>
+            <a:r>
+              <a:rPr lang="en-US" altLang="ja-JP" sz="2000" dirty="0">
+                <a:solidFill>
+                  <a:schemeClr val="bg1"/>
+                </a:solidFill>
+                <a:latin typeface="Lucida Console" panose="020B0609040504020204" pitchFamily="49" charset="0"/>
+              </a:rPr>
+              <a:t> = </a:t>
+            </a:r>
+            <a:r>
+              <a:rPr lang="en-US" altLang="ja-JP" sz="2000" dirty="0" err="1">
+                <a:solidFill>
+                  <a:schemeClr val="bg1"/>
+                </a:solidFill>
+                <a:latin typeface="Lucida Console" panose="020B0609040504020204" pitchFamily="49" charset="0"/>
+              </a:rPr>
+              <a:t>TestData</a:t>
+            </a:r>
+            <a:r>
+              <a:rPr lang="en-US" altLang="ja-JP" sz="2000" dirty="0">
+                <a:solidFill>
+                  <a:schemeClr val="bg1"/>
+                </a:solidFill>
+                <a:latin typeface="Lucida Console" panose="020B0609040504020204" pitchFamily="49" charset="0"/>
+              </a:rPr>
+              <a:t>)</a:t>
+            </a:r>
+            <a:endParaRPr kumimoji="1" lang="ja-JP" altLang="en-US" sz="2000" dirty="0">
+              <a:solidFill>
+                <a:schemeClr val="bg1"/>
+              </a:solidFill>
+              <a:latin typeface="Lucida Console" panose="020B0609040504020204" pitchFamily="49" charset="0"/>
+            </a:endParaRPr>
+          </a:p>
+        </p:txBody>
+      </p:sp>
+    </p:spTree>
+    <p:extLst>
+      <p:ext uri="{BB962C8B-B14F-4D97-AF65-F5344CB8AC3E}">
+        <p14:creationId xmlns:p14="http://schemas.microsoft.com/office/powerpoint/2010/main" val="294830899"/>
+      </p:ext>
+    </p:extLst>
+  </p:cSld>
+  <p:clrMapOvr>
+    <a:masterClrMapping/>
+  </p:clrMapOvr>
+</p:sld>
+</file>
+
+<file path=ppt/slides/slide23.xml><?xml version="1.0" encoding="utf-8"?>
+<p:sld xmlns:a="http://schemas.openxmlformats.org/drawingml/2006/main" xmlns:r="http://schemas.openxmlformats.org/officeDocument/2006/relationships" xmlns:p="http://schemas.openxmlformats.org/presentationml/2006/main">
+  <p:cSld>
+    <p:spTree>
+      <p:nvGrpSpPr>
+        <p:cNvPr id="1" name=""/>
+        <p:cNvGrpSpPr/>
+        <p:nvPr/>
+      </p:nvGrpSpPr>
+      <p:grpSpPr>
+        <a:xfrm>
+          <a:off x="0" y="0"/>
+          <a:ext cx="0" cy="0"/>
+          <a:chOff x="0" y="0"/>
+          <a:chExt cx="0" cy="0"/>
+        </a:xfrm>
+      </p:grpSpPr>
+      <p:sp>
+        <p:nvSpPr>
+          <p:cNvPr id="2" name="タイトル 1">
+            <a:extLst>
+              <a:ext uri="{FF2B5EF4-FFF2-40B4-BE49-F238E27FC236}">
+                <a16:creationId xmlns:a16="http://schemas.microsoft.com/office/drawing/2014/main" id="{59B1D5F8-C984-4937-AE7A-D6E3C2A80AE0}"/>
+              </a:ext>
+            </a:extLst>
+          </p:cNvPr>
+          <p:cNvSpPr>
+            <a:spLocks noGrp="1"/>
+          </p:cNvSpPr>
+          <p:nvPr>
+            <p:ph type="title"/>
+          </p:nvPr>
+        </p:nvSpPr>
+        <p:spPr/>
+        <p:txBody>
+          <a:bodyPr/>
+          <a:lstStyle/>
+          <a:p>
+            <a:r>
+              <a:rPr kumimoji="1" lang="en-US" altLang="ja-JP" dirty="0"/>
+              <a:t>caret</a:t>
+            </a:r>
+            <a:r>
+              <a:rPr kumimoji="1" lang="ja-JP" altLang="en-US" dirty="0"/>
+              <a:t>パッケージによる実装</a:t>
+            </a:r>
+          </a:p>
+        </p:txBody>
+      </p:sp>
+      <p:sp>
+        <p:nvSpPr>
+          <p:cNvPr id="3" name="コンテンツ プレースホルダー 2">
+            <a:extLst>
+              <a:ext uri="{FF2B5EF4-FFF2-40B4-BE49-F238E27FC236}">
+                <a16:creationId xmlns:a16="http://schemas.microsoft.com/office/drawing/2014/main" id="{6EA5C827-EF9B-4B32-91B3-3D1ABA44CBD5}"/>
+              </a:ext>
+            </a:extLst>
+          </p:cNvPr>
+          <p:cNvSpPr>
+            <a:spLocks noGrp="1"/>
+          </p:cNvSpPr>
+          <p:nvPr>
+            <p:ph idx="1"/>
+          </p:nvPr>
+        </p:nvSpPr>
+        <p:spPr>
+          <a:noFill/>
+        </p:spPr>
+        <p:txBody>
+          <a:bodyPr>
+            <a:normAutofit/>
+          </a:bodyPr>
+          <a:lstStyle/>
+          <a:p>
+            <a:r>
+              <a:rPr kumimoji="1" lang="ja-JP" altLang="en-US" dirty="0">
+                <a:latin typeface="+mj-lt"/>
+              </a:rPr>
+              <a:t>計算量が多いと実行が終わらない</a:t>
+            </a:r>
+            <a:endParaRPr kumimoji="1" lang="en-US" altLang="ja-JP" dirty="0">
+              <a:latin typeface="+mj-lt"/>
+            </a:endParaRPr>
+          </a:p>
+          <a:p>
+            <a:pPr lvl="1"/>
+            <a:r>
+              <a:rPr lang="ja-JP" altLang="en-US" dirty="0" err="1">
+                <a:latin typeface="+mj-lt"/>
+              </a:rPr>
+              <a:t>きぬ</a:t>
+            </a:r>
+            <a:r>
+              <a:rPr lang="ja-JP" altLang="en-US" dirty="0">
+                <a:latin typeface="+mj-lt"/>
+              </a:rPr>
+              <a:t>いと環境</a:t>
+            </a:r>
+            <a:r>
+              <a:rPr lang="en-US" altLang="ja-JP" dirty="0">
+                <a:latin typeface="+mj-lt"/>
+              </a:rPr>
+              <a:t>(Memory: 8GB</a:t>
+            </a:r>
+            <a:r>
+              <a:rPr lang="ja-JP" altLang="en-US" dirty="0">
+                <a:latin typeface="+mj-lt"/>
+              </a:rPr>
+              <a:t> </a:t>
+            </a:r>
+            <a:r>
+              <a:rPr lang="en-US" altLang="ja-JP" dirty="0">
+                <a:latin typeface="+mj-lt"/>
+              </a:rPr>
+              <a:t>CPU: Core</a:t>
+            </a:r>
+            <a:r>
+              <a:rPr lang="ja-JP" altLang="en-US" dirty="0">
+                <a:latin typeface="+mj-lt"/>
+              </a:rPr>
+              <a:t> </a:t>
+            </a:r>
+            <a:r>
+              <a:rPr lang="en-US" altLang="ja-JP" dirty="0">
+                <a:latin typeface="+mj-lt"/>
+              </a:rPr>
+              <a:t>i5)</a:t>
+            </a:r>
+            <a:r>
+              <a:rPr lang="ja-JP" altLang="en-US" dirty="0">
+                <a:latin typeface="+mj-lt"/>
+              </a:rPr>
+              <a:t>だと交差検証つき</a:t>
+            </a:r>
+            <a:r>
+              <a:rPr lang="en-US" altLang="ja-JP" dirty="0" err="1">
+                <a:latin typeface="+mj-lt"/>
+              </a:rPr>
+              <a:t>xgboost</a:t>
+            </a:r>
+            <a:r>
+              <a:rPr lang="ja-JP" altLang="en-US" dirty="0">
+                <a:latin typeface="+mj-lt"/>
+              </a:rPr>
+              <a:t>に</a:t>
+            </a:r>
+            <a:r>
+              <a:rPr lang="en-US" altLang="ja-JP" dirty="0">
+                <a:latin typeface="+mj-lt"/>
+              </a:rPr>
+              <a:t>5</a:t>
+            </a:r>
+            <a:r>
+              <a:rPr lang="ja-JP" altLang="en-US" dirty="0">
+                <a:latin typeface="+mj-lt"/>
+              </a:rPr>
+              <a:t>時間かかる</a:t>
+            </a:r>
+            <a:endParaRPr lang="en-US" altLang="ja-JP" dirty="0">
+              <a:latin typeface="+mj-lt"/>
+            </a:endParaRPr>
+          </a:p>
+          <a:p>
+            <a:pPr lvl="1"/>
+            <a:r>
+              <a:rPr lang="en-US" altLang="ja-JP" dirty="0">
+                <a:latin typeface="+mj-lt"/>
+              </a:rPr>
+              <a:t>PC</a:t>
+            </a:r>
+            <a:r>
+              <a:rPr lang="ja-JP" altLang="en-US" dirty="0">
+                <a:latin typeface="+mj-lt"/>
+              </a:rPr>
+              <a:t>の買い替え </a:t>
+            </a:r>
+            <a:r>
+              <a:rPr lang="en-US" altLang="ja-JP" dirty="0">
+                <a:latin typeface="+mj-lt"/>
+              </a:rPr>
+              <a:t>or </a:t>
+            </a:r>
+            <a:r>
+              <a:rPr lang="en-US" altLang="ja-JP" dirty="0" err="1">
+                <a:latin typeface="+mj-lt"/>
+              </a:rPr>
+              <a:t>doParallel</a:t>
+            </a:r>
+            <a:r>
+              <a:rPr lang="ja-JP" altLang="en-US" dirty="0">
+                <a:latin typeface="+mj-lt"/>
+              </a:rPr>
+              <a:t>パッケージによる並列計算で乗り切れ</a:t>
+            </a:r>
+            <a:endParaRPr lang="en-US" altLang="ja-JP" dirty="0">
+              <a:latin typeface="+mj-lt"/>
+            </a:endParaRPr>
+          </a:p>
+          <a:p>
+            <a:pPr lvl="1"/>
+            <a:endParaRPr lang="en-US" altLang="ja-JP" dirty="0">
+              <a:latin typeface="+mj-lt"/>
+            </a:endParaRPr>
+          </a:p>
+          <a:p>
+            <a:r>
+              <a:rPr lang="en-US" altLang="ja-JP" dirty="0" err="1">
+                <a:latin typeface="+mj-lt"/>
+              </a:rPr>
+              <a:t>xgboost</a:t>
+            </a:r>
+            <a:r>
+              <a:rPr lang="ja-JP" altLang="en-US" dirty="0">
+                <a:latin typeface="+mj-lt"/>
+              </a:rPr>
+              <a:t>パッケージと結果がちょっと変わる？</a:t>
+            </a:r>
+            <a:endParaRPr lang="en-US" altLang="ja-JP" dirty="0">
+              <a:latin typeface="+mj-lt"/>
+            </a:endParaRPr>
+          </a:p>
+          <a:p>
+            <a:pPr lvl="1"/>
+            <a:r>
+              <a:rPr lang="en-US" altLang="ja-JP" dirty="0" err="1">
+                <a:latin typeface="+mj-lt"/>
+              </a:rPr>
+              <a:t>xgboost</a:t>
+            </a:r>
+            <a:r>
+              <a:rPr lang="ja-JP" altLang="en-US" dirty="0">
+                <a:latin typeface="+mj-lt"/>
+              </a:rPr>
+              <a:t>パッケージ未体験なので風の噂レベル</a:t>
+            </a:r>
+            <a:endParaRPr lang="en-US" altLang="ja-JP" dirty="0">
+              <a:latin typeface="+mj-lt"/>
+            </a:endParaRPr>
+          </a:p>
+          <a:p>
+            <a:endParaRPr kumimoji="1" lang="ja-JP" altLang="en-US" dirty="0">
+              <a:latin typeface="+mj-lt"/>
+            </a:endParaRPr>
+          </a:p>
+        </p:txBody>
+      </p:sp>
+    </p:spTree>
+    <p:extLst>
+      <p:ext uri="{BB962C8B-B14F-4D97-AF65-F5344CB8AC3E}">
+        <p14:creationId xmlns:p14="http://schemas.microsoft.com/office/powerpoint/2010/main" val="349532007"/>
+      </p:ext>
+    </p:extLst>
+  </p:cSld>
+  <p:clrMapOvr>
+    <a:masterClrMapping/>
+  </p:clrMapOvr>
+</p:sld>
+</file>
+
+<file path=ppt/slides/slide24.xml><?xml version="1.0" encoding="utf-8"?>
+<p:sld xmlns:a="http://schemas.openxmlformats.org/drawingml/2006/main" xmlns:r="http://schemas.openxmlformats.org/officeDocument/2006/relationships" xmlns:p="http://schemas.openxmlformats.org/presentationml/2006/main">
+  <p:cSld>
+    <p:spTree>
+      <p:nvGrpSpPr>
+        <p:cNvPr id="1" name=""/>
+        <p:cNvGrpSpPr/>
+        <p:nvPr/>
+      </p:nvGrpSpPr>
+      <p:grpSpPr>
+        <a:xfrm>
+          <a:off x="0" y="0"/>
+          <a:ext cx="0" cy="0"/>
+          <a:chOff x="0" y="0"/>
+          <a:chExt cx="0" cy="0"/>
+        </a:xfrm>
+      </p:grpSpPr>
+      <p:sp>
+        <p:nvSpPr>
+          <p:cNvPr id="2" name="タイトル 1">
+            <a:extLst>
+              <a:ext uri="{FF2B5EF4-FFF2-40B4-BE49-F238E27FC236}">
+                <a16:creationId xmlns:a16="http://schemas.microsoft.com/office/drawing/2014/main" id="{EFC91B52-1AC0-4ED3-9116-C8A8A3044F51}"/>
+              </a:ext>
+            </a:extLst>
+          </p:cNvPr>
+          <p:cNvSpPr>
+            <a:spLocks noGrp="1"/>
+          </p:cNvSpPr>
+          <p:nvPr>
+            <p:ph type="title"/>
+          </p:nvPr>
+        </p:nvSpPr>
+        <p:spPr/>
+        <p:txBody>
+          <a:bodyPr/>
+          <a:lstStyle/>
+          <a:p>
+            <a:r>
+              <a:rPr lang="ja-JP" altLang="en-US" dirty="0"/>
+              <a:t>きぬいとの結果</a:t>
+            </a:r>
+            <a:endParaRPr kumimoji="1" lang="ja-JP" altLang="en-US" dirty="0"/>
+          </a:p>
+        </p:txBody>
+      </p:sp>
+      <p:pic>
+        <p:nvPicPr>
+          <p:cNvPr id="6" name="コンテンツ プレースホルダー 5">
+            <a:extLst>
+              <a:ext uri="{FF2B5EF4-FFF2-40B4-BE49-F238E27FC236}">
+                <a16:creationId xmlns:a16="http://schemas.microsoft.com/office/drawing/2014/main" id="{776312E4-90F8-491A-B2FF-6CBEF1A3BA09}"/>
+              </a:ext>
+            </a:extLst>
+          </p:cNvPr>
+          <p:cNvPicPr>
+            <a:picLocks noGrp="1" noChangeAspect="1"/>
+          </p:cNvPicPr>
+          <p:nvPr>
+            <p:ph idx="1"/>
+          </p:nvPr>
+        </p:nvPicPr>
+        <p:blipFill>
+          <a:blip r:embed="rId2">
+            <a:extLst>
+              <a:ext uri="{28A0092B-C50C-407E-A947-70E740481C1C}">
+                <a14:useLocalDpi xmlns:a14="http://schemas.microsoft.com/office/drawing/2010/main" val="0"/>
+              </a:ext>
+            </a:extLst>
+          </a:blip>
+          <a:stretch>
+            <a:fillRect/>
+          </a:stretch>
+        </p:blipFill>
+        <p:spPr>
+          <a:xfrm>
+            <a:off x="248780" y="2659950"/>
+            <a:ext cx="11694439" cy="1538100"/>
+          </a:xfrm>
+        </p:spPr>
+      </p:pic>
+    </p:spTree>
+    <p:extLst>
+      <p:ext uri="{BB962C8B-B14F-4D97-AF65-F5344CB8AC3E}">
+        <p14:creationId xmlns:p14="http://schemas.microsoft.com/office/powerpoint/2010/main" val="3404170882"/>
+      </p:ext>
+    </p:extLst>
+  </p:cSld>
+  <p:clrMapOvr>
+    <a:masterClrMapping/>
+  </p:clrMapOvr>
+</p:sld>
+</file>
+
+<file path=ppt/slides/slide25.xml><?xml version="1.0" encoding="utf-8"?>
+<p:sld xmlns:a="http://schemas.openxmlformats.org/drawingml/2006/main" xmlns:r="http://schemas.openxmlformats.org/officeDocument/2006/relationships" xmlns:p="http://schemas.openxmlformats.org/presentationml/2006/main">
+  <p:cSld>
+    <p:spTree>
+      <p:nvGrpSpPr>
+        <p:cNvPr id="1" name=""/>
+        <p:cNvGrpSpPr/>
+        <p:nvPr/>
+      </p:nvGrpSpPr>
+      <p:grpSpPr>
+        <a:xfrm>
+          <a:off x="0" y="0"/>
+          <a:ext cx="0" cy="0"/>
+          <a:chOff x="0" y="0"/>
+          <a:chExt cx="0" cy="0"/>
+        </a:xfrm>
+      </p:grpSpPr>
+      <p:sp>
+        <p:nvSpPr>
+          <p:cNvPr id="2" name="タイトル 1">
+            <a:extLst>
+              <a:ext uri="{FF2B5EF4-FFF2-40B4-BE49-F238E27FC236}">
+                <a16:creationId xmlns:a16="http://schemas.microsoft.com/office/drawing/2014/main" id="{4A5480D8-FBAC-4C37-B4EC-8178DE22B6B4}"/>
+              </a:ext>
+            </a:extLst>
+          </p:cNvPr>
+          <p:cNvSpPr>
+            <a:spLocks noGrp="1"/>
+          </p:cNvSpPr>
+          <p:nvPr>
+            <p:ph type="title"/>
+          </p:nvPr>
+        </p:nvSpPr>
+        <p:spPr/>
+        <p:txBody>
+          <a:bodyPr/>
+          <a:lstStyle/>
+          <a:p>
+            <a:r>
+              <a:rPr lang="ja-JP" altLang="en-US" dirty="0"/>
+              <a:t>きぬいとの結果</a:t>
+            </a:r>
+            <a:endParaRPr kumimoji="1" lang="ja-JP" altLang="en-US" dirty="0"/>
+          </a:p>
+        </p:txBody>
+      </p:sp>
+      <p:pic>
+        <p:nvPicPr>
+          <p:cNvPr id="5" name="コンテンツ プレースホルダー 4">
+            <a:extLst>
+              <a:ext uri="{FF2B5EF4-FFF2-40B4-BE49-F238E27FC236}">
+                <a16:creationId xmlns:a16="http://schemas.microsoft.com/office/drawing/2014/main" id="{E142784B-BB06-449B-872C-685DC47A0D84}"/>
+              </a:ext>
+            </a:extLst>
+          </p:cNvPr>
+          <p:cNvPicPr>
+            <a:picLocks noGrp="1" noChangeAspect="1"/>
+          </p:cNvPicPr>
+          <p:nvPr>
+            <p:ph idx="1"/>
+          </p:nvPr>
+        </p:nvPicPr>
+        <p:blipFill>
+          <a:blip r:embed="rId2">
+            <a:extLst>
+              <a:ext uri="{28A0092B-C50C-407E-A947-70E740481C1C}">
+                <a14:useLocalDpi xmlns:a14="http://schemas.microsoft.com/office/drawing/2010/main" val="0"/>
+              </a:ext>
+            </a:extLst>
+          </a:blip>
+          <a:stretch>
+            <a:fillRect/>
+          </a:stretch>
+        </p:blipFill>
+        <p:spPr>
+          <a:xfrm>
+            <a:off x="3757684" y="1662978"/>
+            <a:ext cx="4676632" cy="4676632"/>
+          </a:xfrm>
+        </p:spPr>
+      </p:pic>
+    </p:spTree>
+    <p:extLst>
+      <p:ext uri="{BB962C8B-B14F-4D97-AF65-F5344CB8AC3E}">
+        <p14:creationId xmlns:p14="http://schemas.microsoft.com/office/powerpoint/2010/main" val="804622375"/>
+      </p:ext>
+    </p:extLst>
+  </p:cSld>
+  <p:clrMapOvr>
+    <a:masterClrMapping/>
+  </p:clrMapOvr>
+</p:sld>
+</file>
+
+<file path=ppt/slides/slide26.xml><?xml version="1.0" encoding="utf-8"?>
+<p:sld xmlns:a="http://schemas.openxmlformats.org/drawingml/2006/main" xmlns:r="http://schemas.openxmlformats.org/officeDocument/2006/relationships" xmlns:p="http://schemas.openxmlformats.org/presentationml/2006/main">
+  <p:cSld>
+    <p:spTree>
+      <p:nvGrpSpPr>
+        <p:cNvPr id="1" name=""/>
+        <p:cNvGrpSpPr/>
+        <p:nvPr/>
+      </p:nvGrpSpPr>
+      <p:grpSpPr>
+        <a:xfrm>
+          <a:off x="0" y="0"/>
+          <a:ext cx="0" cy="0"/>
+          <a:chOff x="0" y="0"/>
+          <a:chExt cx="0" cy="0"/>
+        </a:xfrm>
+      </p:grpSpPr>
+      <p:sp>
+        <p:nvSpPr>
+          <p:cNvPr id="2" name="タイトル 1">
+            <a:extLst>
+              <a:ext uri="{FF2B5EF4-FFF2-40B4-BE49-F238E27FC236}">
+                <a16:creationId xmlns:a16="http://schemas.microsoft.com/office/drawing/2014/main" id="{E6EE7905-7A85-4C7F-872B-ADE11F7CFDC4}"/>
+              </a:ext>
+            </a:extLst>
+          </p:cNvPr>
+          <p:cNvSpPr>
+            <a:spLocks noGrp="1"/>
+          </p:cNvSpPr>
+          <p:nvPr>
+            <p:ph type="title"/>
+          </p:nvPr>
+        </p:nvSpPr>
+        <p:spPr/>
+        <p:txBody>
+          <a:bodyPr/>
+          <a:lstStyle/>
+          <a:p>
+            <a:r>
+              <a:rPr kumimoji="1" lang="ja-JP" altLang="en-US" dirty="0"/>
+              <a:t>伝えたいこと ③</a:t>
+            </a:r>
+          </a:p>
+        </p:txBody>
+      </p:sp>
+      <p:sp>
+        <p:nvSpPr>
+          <p:cNvPr id="4" name="コンテンツ プレースホルダー 2">
+            <a:extLst>
+              <a:ext uri="{FF2B5EF4-FFF2-40B4-BE49-F238E27FC236}">
+                <a16:creationId xmlns:a16="http://schemas.microsoft.com/office/drawing/2014/main" id="{B66DA3F1-627B-4397-BE2D-9718143713C6}"/>
+              </a:ext>
+            </a:extLst>
+          </p:cNvPr>
+          <p:cNvSpPr>
+            <a:spLocks noGrp="1"/>
+          </p:cNvSpPr>
+          <p:nvPr>
+            <p:ph idx="1"/>
+          </p:nvPr>
+        </p:nvSpPr>
+        <p:spPr>
+          <a:xfrm>
+            <a:off x="838200" y="3429000"/>
+            <a:ext cx="10515600" cy="849336"/>
+          </a:xfrm>
+        </p:spPr>
+        <p:txBody>
+          <a:bodyPr>
+            <a:normAutofit/>
+          </a:bodyPr>
+          <a:lstStyle/>
+          <a:p>
+            <a:pPr marL="0" indent="0" algn="ctr">
+              <a:buNone/>
+            </a:pPr>
+            <a:r>
+              <a:rPr kumimoji="1" lang="ja-JP" altLang="en-US" sz="4800" dirty="0"/>
+              <a:t>身の程を知ろう！</a:t>
+            </a:r>
+          </a:p>
+        </p:txBody>
+      </p:sp>
+    </p:spTree>
+    <p:extLst>
+      <p:ext uri="{BB962C8B-B14F-4D97-AF65-F5344CB8AC3E}">
+        <p14:creationId xmlns:p14="http://schemas.microsoft.com/office/powerpoint/2010/main" val="2781922293"/>
+      </p:ext>
+    </p:extLst>
+  </p:cSld>
+  <p:clrMapOvr>
+    <a:masterClrMapping/>
+  </p:clrMapOvr>
+</p:sld>
+</file>
+
+<file path=ppt/slides/slide27.xml><?xml version="1.0" encoding="utf-8"?>
+<p:sld xmlns:a="http://schemas.openxmlformats.org/drawingml/2006/main" xmlns:r="http://schemas.openxmlformats.org/officeDocument/2006/relationships" xmlns:p="http://schemas.openxmlformats.org/presentationml/2006/main">
+  <p:cSld>
+    <p:spTree>
+      <p:nvGrpSpPr>
+        <p:cNvPr id="1" name=""/>
+        <p:cNvGrpSpPr/>
+        <p:nvPr/>
+      </p:nvGrpSpPr>
+      <p:grpSpPr>
+        <a:xfrm>
+          <a:off x="0" y="0"/>
+          <a:ext cx="0" cy="0"/>
+          <a:chOff x="0" y="0"/>
+          <a:chExt cx="0" cy="0"/>
+        </a:xfrm>
+      </p:grpSpPr>
+      <p:sp>
+        <p:nvSpPr>
+          <p:cNvPr id="2" name="タイトル 1">
+            <a:extLst>
+              <a:ext uri="{FF2B5EF4-FFF2-40B4-BE49-F238E27FC236}">
                 <a16:creationId xmlns:a16="http://schemas.microsoft.com/office/drawing/2014/main" id="{8FB2311D-21B2-4BB7-9124-D48C2A66EF82}"/>
               </a:ext>
             </a:extLst>
@@ -6040,6 +7792,74 @@
     <p:extLst>
       <p:ext uri="{BB962C8B-B14F-4D97-AF65-F5344CB8AC3E}">
         <p14:creationId xmlns:p14="http://schemas.microsoft.com/office/powerpoint/2010/main" val="1815235112"/>
+      </p:ext>
+    </p:extLst>
+  </p:cSld>
+  <p:clrMapOvr>
+    <a:masterClrMapping/>
+  </p:clrMapOvr>
+</p:sld>
+</file>
+
+<file path=ppt/slides/slide28.xml><?xml version="1.0" encoding="utf-8"?>
+<p:sld xmlns:a="http://schemas.openxmlformats.org/drawingml/2006/main" xmlns:r="http://schemas.openxmlformats.org/officeDocument/2006/relationships" xmlns:p="http://schemas.openxmlformats.org/presentationml/2006/main">
+  <p:cSld>
+    <p:spTree>
+      <p:nvGrpSpPr>
+        <p:cNvPr id="1" name=""/>
+        <p:cNvGrpSpPr/>
+        <p:nvPr/>
+      </p:nvGrpSpPr>
+      <p:grpSpPr>
+        <a:xfrm>
+          <a:off x="0" y="0"/>
+          <a:ext cx="0" cy="0"/>
+          <a:chOff x="0" y="0"/>
+          <a:chExt cx="0" cy="0"/>
+        </a:xfrm>
+      </p:grpSpPr>
+      <p:sp>
+        <p:nvSpPr>
+          <p:cNvPr id="4" name="コンテンツ プレースホルダー 2">
+            <a:extLst>
+              <a:ext uri="{FF2B5EF4-FFF2-40B4-BE49-F238E27FC236}">
+                <a16:creationId xmlns:a16="http://schemas.microsoft.com/office/drawing/2014/main" id="{1FCEE7CE-FC4E-405D-96DC-5CDD8B785267}"/>
+              </a:ext>
+            </a:extLst>
+          </p:cNvPr>
+          <p:cNvSpPr>
+            <a:spLocks noGrp="1"/>
+          </p:cNvSpPr>
+          <p:nvPr>
+            <p:ph idx="1"/>
+          </p:nvPr>
+        </p:nvSpPr>
+        <p:spPr>
+          <a:xfrm>
+            <a:off x="838200" y="3429000"/>
+            <a:ext cx="10515600" cy="849336"/>
+          </a:xfrm>
+        </p:spPr>
+        <p:txBody>
+          <a:bodyPr>
+            <a:normAutofit/>
+          </a:bodyPr>
+          <a:lstStyle/>
+          <a:p>
+            <a:pPr marL="0" indent="0" algn="ctr">
+              <a:buNone/>
+            </a:pPr>
+            <a:r>
+              <a:rPr kumimoji="1" lang="ja-JP" altLang="en-US" sz="4800" dirty="0"/>
+              <a:t>えんじょい！</a:t>
+            </a:r>
+          </a:p>
+        </p:txBody>
+      </p:sp>
+    </p:spTree>
+    <p:extLst>
+      <p:ext uri="{BB962C8B-B14F-4D97-AF65-F5344CB8AC3E}">
+        <p14:creationId xmlns:p14="http://schemas.microsoft.com/office/powerpoint/2010/main" val="2723383035"/>
       </p:ext>
     </p:extLst>
   </p:cSld>
@@ -6789,8 +8609,8 @@
         </p:blipFill>
         <p:spPr>
           <a:xfrm>
-            <a:off x="1784131" y="2344327"/>
-            <a:ext cx="8623738" cy="4513673"/>
+            <a:off x="1059927" y="2224584"/>
+            <a:ext cx="10072146" cy="5094351"/>
           </a:xfrm>
           <a:prstGeom prst="rect">
             <a:avLst/>
@@ -6825,7 +8645,7 @@
         </p:blipFill>
         <p:spPr>
           <a:xfrm>
-            <a:off x="3380390" y="3229563"/>
+            <a:off x="2943216" y="3139939"/>
             <a:ext cx="3934810" cy="3632132"/>
           </a:xfrm>
           <a:prstGeom prst="rect">
@@ -6847,7 +8667,7 @@
         </p:nvSpPr>
         <p:spPr>
           <a:xfrm>
-            <a:off x="8475260" y="3330054"/>
+            <a:off x="8907591" y="3330054"/>
             <a:ext cx="259307" cy="3527946"/>
           </a:xfrm>
           <a:prstGeom prst="rect">

--- a/Santander/output/caretパッケージを使ったXGBoostのformula型.pptx
+++ b/Santander/output/caretパッケージを使ったXGBoostのformula型.pptx
@@ -6573,7 +6573,7 @@
                 </a:solidFill>
                 <a:latin typeface="Lucida Console" panose="020B0609040504020204" pitchFamily="49" charset="0"/>
               </a:rPr>
-              <a:t>xgbLinear</a:t>
+              <a:t>xgbTree</a:t>
             </a:r>
             <a:r>
               <a:rPr lang="en-US" altLang="ja-JP" sz="2000" dirty="0">
@@ -6837,7 +6837,7 @@
                 </a:solidFill>
                 <a:latin typeface="Lucida Console" panose="020B0609040504020204" pitchFamily="49" charset="0"/>
               </a:rPr>
-              <a:t>method</a:t>
+              <a:t>Method</a:t>
             </a:r>
             <a:r>
               <a:rPr lang="ja-JP" altLang="en-US" sz="2000" dirty="0" err="1">
@@ -6887,13 +6887,13 @@
               <a:t>xgboost</a:t>
             </a:r>
             <a:r>
-              <a:rPr lang="en-US" altLang="ja-JP" sz="1600" dirty="0">
+              <a:rPr lang="en-US" altLang="ja-JP" sz="1600">
                 <a:solidFill>
                   <a:schemeClr val="bg1"/>
                 </a:solidFill>
                 <a:latin typeface="Lucida Console" panose="020B0609040504020204" pitchFamily="49" charset="0"/>
               </a:rPr>
-              <a:t>(</a:t>
+              <a:t>(Tree</a:t>
             </a:r>
             <a:r>
               <a:rPr lang="ja-JP" altLang="en-US" sz="1600" dirty="0">
@@ -6902,25 +6902,7 @@
                 </a:solidFill>
                 <a:latin typeface="Lucida Console" panose="020B0609040504020204" pitchFamily="49" charset="0"/>
               </a:rPr>
-              <a:t>分類</a:t>
-            </a:r>
-            <a:r>
-              <a:rPr lang="en-US" altLang="ja-JP" sz="1600" dirty="0">
-                <a:solidFill>
-                  <a:schemeClr val="bg1"/>
-                </a:solidFill>
-                <a:latin typeface="Lucida Console" panose="020B0609040504020204" pitchFamily="49" charset="0"/>
-              </a:rPr>
-              <a:t>Tree</a:t>
-            </a:r>
-            <a:r>
-              <a:rPr lang="ja-JP" altLang="en-US" sz="1600" dirty="0">
-                <a:solidFill>
-                  <a:schemeClr val="bg1"/>
-                </a:solidFill>
-                <a:latin typeface="Lucida Console" panose="020B0609040504020204" pitchFamily="49" charset="0"/>
-              </a:rPr>
-              <a:t>・回帰</a:t>
+              <a:t>・</a:t>
             </a:r>
             <a:r>
               <a:rPr lang="en-US" altLang="ja-JP" sz="1600" dirty="0">

--- a/Santander/output/caretパッケージを使ったXGBoostのformula型.pptx
+++ b/Santander/output/caretパッケージを使ったXGBoostのformula型.pptx
@@ -24,7 +24,7 @@
     <p:sldId id="281" r:id="rId18"/>
     <p:sldId id="276" r:id="rId19"/>
     <p:sldId id="262" r:id="rId20"/>
-    <p:sldId id="267" r:id="rId21"/>
+    <p:sldId id="285" r:id="rId21"/>
     <p:sldId id="277" r:id="rId22"/>
     <p:sldId id="278" r:id="rId23"/>
     <p:sldId id="279" r:id="rId24"/>
@@ -33,6 +33,7 @@
     <p:sldId id="283" r:id="rId27"/>
     <p:sldId id="260" r:id="rId28"/>
     <p:sldId id="284" r:id="rId29"/>
+    <p:sldId id="267" r:id="rId30"/>
   </p:sldIdLst>
   <p:sldSz cx="12192000" cy="6858000"/>
   <p:notesSz cx="6858000" cy="9144000"/>
@@ -286,7 +287,7 @@
           <a:p>
             <a:fld id="{CC3B47A7-C307-40AF-BD89-9D477E34052E}" type="datetimeFigureOut">
               <a:rPr kumimoji="1" lang="ja-JP" altLang="en-US" smtClean="0"/>
-              <a:t>2018/8/28</a:t>
+              <a:t>2018/9/1</a:t>
             </a:fld>
             <a:endParaRPr kumimoji="1" lang="ja-JP" altLang="en-US"/>
           </a:p>
@@ -516,7 +517,7 @@
           <a:p>
             <a:fld id="{CC3B47A7-C307-40AF-BD89-9D477E34052E}" type="datetimeFigureOut">
               <a:rPr kumimoji="1" lang="ja-JP" altLang="en-US" smtClean="0"/>
-              <a:t>2018/8/28</a:t>
+              <a:t>2018/9/1</a:t>
             </a:fld>
             <a:endParaRPr kumimoji="1" lang="ja-JP" altLang="en-US"/>
           </a:p>
@@ -756,7 +757,7 @@
           <a:p>
             <a:fld id="{CC3B47A7-C307-40AF-BD89-9D477E34052E}" type="datetimeFigureOut">
               <a:rPr kumimoji="1" lang="ja-JP" altLang="en-US" smtClean="0"/>
-              <a:t>2018/8/28</a:t>
+              <a:t>2018/9/1</a:t>
             </a:fld>
             <a:endParaRPr kumimoji="1" lang="ja-JP" altLang="en-US"/>
           </a:p>
@@ -986,7 +987,7 @@
           <a:p>
             <a:fld id="{CC3B47A7-C307-40AF-BD89-9D477E34052E}" type="datetimeFigureOut">
               <a:rPr kumimoji="1" lang="ja-JP" altLang="en-US" smtClean="0"/>
-              <a:t>2018/8/28</a:t>
+              <a:t>2018/9/1</a:t>
             </a:fld>
             <a:endParaRPr kumimoji="1" lang="ja-JP" altLang="en-US"/>
           </a:p>
@@ -1261,7 +1262,7 @@
           <a:p>
             <a:fld id="{CC3B47A7-C307-40AF-BD89-9D477E34052E}" type="datetimeFigureOut">
               <a:rPr kumimoji="1" lang="ja-JP" altLang="en-US" smtClean="0"/>
-              <a:t>2018/8/28</a:t>
+              <a:t>2018/9/1</a:t>
             </a:fld>
             <a:endParaRPr kumimoji="1" lang="ja-JP" altLang="en-US"/>
           </a:p>
@@ -1590,7 +1591,7 @@
           <a:p>
             <a:fld id="{CC3B47A7-C307-40AF-BD89-9D477E34052E}" type="datetimeFigureOut">
               <a:rPr kumimoji="1" lang="ja-JP" altLang="en-US" smtClean="0"/>
-              <a:t>2018/8/28</a:t>
+              <a:t>2018/9/1</a:t>
             </a:fld>
             <a:endParaRPr kumimoji="1" lang="ja-JP" altLang="en-US"/>
           </a:p>
@@ -2066,7 +2067,7 @@
           <a:p>
             <a:fld id="{CC3B47A7-C307-40AF-BD89-9D477E34052E}" type="datetimeFigureOut">
               <a:rPr kumimoji="1" lang="ja-JP" altLang="en-US" smtClean="0"/>
-              <a:t>2018/8/28</a:t>
+              <a:t>2018/9/1</a:t>
             </a:fld>
             <a:endParaRPr kumimoji="1" lang="ja-JP" altLang="en-US"/>
           </a:p>
@@ -2207,7 +2208,7 @@
           <a:p>
             <a:fld id="{CC3B47A7-C307-40AF-BD89-9D477E34052E}" type="datetimeFigureOut">
               <a:rPr kumimoji="1" lang="ja-JP" altLang="en-US" smtClean="0"/>
-              <a:t>2018/8/28</a:t>
+              <a:t>2018/9/1</a:t>
             </a:fld>
             <a:endParaRPr kumimoji="1" lang="ja-JP" altLang="en-US"/>
           </a:p>
@@ -2320,7 +2321,7 @@
           <a:p>
             <a:fld id="{CC3B47A7-C307-40AF-BD89-9D477E34052E}" type="datetimeFigureOut">
               <a:rPr kumimoji="1" lang="ja-JP" altLang="en-US" smtClean="0"/>
-              <a:t>2018/8/28</a:t>
+              <a:t>2018/9/1</a:t>
             </a:fld>
             <a:endParaRPr kumimoji="1" lang="ja-JP" altLang="en-US"/>
           </a:p>
@@ -2663,7 +2664,7 @@
           <a:p>
             <a:fld id="{CC3B47A7-C307-40AF-BD89-9D477E34052E}" type="datetimeFigureOut">
               <a:rPr kumimoji="1" lang="ja-JP" altLang="en-US" smtClean="0"/>
-              <a:t>2018/8/28</a:t>
+              <a:t>2018/9/1</a:t>
             </a:fld>
             <a:endParaRPr kumimoji="1" lang="ja-JP" altLang="en-US"/>
           </a:p>
@@ -2951,7 +2952,7 @@
           <a:p>
             <a:fld id="{CC3B47A7-C307-40AF-BD89-9D477E34052E}" type="datetimeFigureOut">
               <a:rPr kumimoji="1" lang="ja-JP" altLang="en-US" smtClean="0"/>
-              <a:t>2018/8/28</a:t>
+              <a:t>2018/9/1</a:t>
             </a:fld>
             <a:endParaRPr kumimoji="1" lang="ja-JP" altLang="en-US"/>
           </a:p>
@@ -3224,7 +3225,7 @@
           <a:p>
             <a:fld id="{CC3B47A7-C307-40AF-BD89-9D477E34052E}" type="datetimeFigureOut">
               <a:rPr kumimoji="1" lang="ja-JP" altLang="en-US" smtClean="0"/>
-              <a:t>2018/8/28</a:t>
+              <a:t>2018/9/1</a:t>
             </a:fld>
             <a:endParaRPr kumimoji="1" lang="ja-JP" altLang="en-US"/>
           </a:p>
@@ -5776,6 +5777,14 @@
               <a:rPr kumimoji="1" lang="ja-JP" altLang="en-US" strike="sngStrike" dirty="0"/>
               <a:t>実はよく知らない</a:t>
             </a:r>
+            <a:r>
+              <a:rPr lang="en-US" altLang="ja-JP" dirty="0" err="1"/>
+              <a:t>eXtreme</a:t>
+            </a:r>
+            <a:r>
+              <a:rPr lang="en-US" altLang="ja-JP" dirty="0"/>
+              <a:t> Gradient Boost</a:t>
+            </a:r>
             <a:endParaRPr kumimoji="1" lang="en-US" altLang="ja-JP" strike="sngStrike" dirty="0"/>
           </a:p>
           <a:p>
@@ -5789,49 +5798,102 @@
             </a:r>
             <a:r>
               <a:rPr lang="ja-JP" altLang="en-US" dirty="0"/>
-              <a:t>の仲間</a:t>
+              <a:t>と勾配</a:t>
+            </a:r>
+            <a:r>
+              <a:rPr lang="en-US" altLang="ja-JP" dirty="0"/>
+              <a:t>Boosting</a:t>
+            </a:r>
+            <a:r>
+              <a:rPr lang="ja-JP" altLang="en-US" dirty="0"/>
+              <a:t>の合わせ技</a:t>
             </a:r>
             <a:endParaRPr lang="en-US" altLang="ja-JP" dirty="0"/>
           </a:p>
           <a:p>
             <a:pPr lvl="1"/>
             <a:r>
-              <a:rPr kumimoji="1" lang="en-US" altLang="ja-JP" dirty="0"/>
+              <a:rPr lang="ja-JP" altLang="en-US" dirty="0"/>
+              <a:t>機械学習の合わせ技で生まれた手法を「アンサンブル学習」という</a:t>
+            </a:r>
+            <a:endParaRPr lang="en-US" altLang="ja-JP" dirty="0"/>
+          </a:p>
+          <a:p>
+            <a:pPr lvl="1"/>
+            <a:r>
+              <a:rPr lang="en-US" altLang="ja-JP" dirty="0"/>
               <a:t>Random Forest</a:t>
             </a:r>
             <a:r>
-              <a:rPr kumimoji="1" lang="ja-JP" altLang="en-US" dirty="0"/>
-              <a:t>はバギング族</a:t>
-            </a:r>
-            <a:endParaRPr kumimoji="1" lang="en-US" altLang="ja-JP" dirty="0"/>
-          </a:p>
-          <a:p>
-            <a:pPr lvl="2"/>
-            <a:r>
-              <a:rPr lang="ja-JP" altLang="en-US" dirty="0"/>
-              <a:t>過学習</a:t>
+              <a:rPr lang="ja-JP" altLang="en-US" dirty="0" err="1"/>
+              <a:t>は過</a:t>
+            </a:r>
+            <a:r>
+              <a:rPr lang="ja-JP" altLang="en-US" dirty="0"/>
+              <a:t>学習になりやすい</a:t>
             </a:r>
             <a:r>
               <a:rPr lang="en-US" altLang="ja-JP" dirty="0"/>
-              <a:t>(Overfitting)</a:t>
-            </a:r>
-            <a:r>
-              <a:rPr lang="ja-JP" altLang="en-US" dirty="0"/>
-              <a:t>しやすく，</a:t>
-            </a:r>
-            <a:endParaRPr kumimoji="1" lang="en-US" altLang="ja-JP" dirty="0"/>
+              <a:t>(</a:t>
+            </a:r>
+            <a:r>
+              <a:rPr lang="ja-JP" altLang="en-US" dirty="0"/>
+              <a:t>パラメタチューニングが多くないため</a:t>
+            </a:r>
+            <a:r>
+              <a:rPr lang="en-US" altLang="ja-JP" dirty="0"/>
+              <a:t>)</a:t>
+            </a:r>
           </a:p>
           <a:p>
             <a:pPr lvl="1"/>
+            <a:r>
+              <a:rPr lang="ja-JP" altLang="en-US" dirty="0"/>
+              <a:t>勾配</a:t>
+            </a:r>
+            <a:r>
+              <a:rPr lang="en-US" altLang="ja-JP" dirty="0"/>
+              <a:t>Boosting</a:t>
+            </a:r>
+            <a:r>
+              <a:rPr lang="ja-JP" altLang="en-US" dirty="0"/>
+              <a:t>は予測が正確だけどパラメタチューニングがしんどい</a:t>
+            </a:r>
+            <a:endParaRPr lang="en-US" altLang="ja-JP" dirty="0"/>
+          </a:p>
+          <a:p>
+            <a:pPr lvl="1"/>
+            <a:endParaRPr lang="en-US" altLang="ja-JP" dirty="0"/>
+          </a:p>
+          <a:p>
             <a:r>
               <a:rPr lang="en-US" altLang="ja-JP" dirty="0" err="1"/>
               <a:t>XGBoost</a:t>
             </a:r>
             <a:r>
               <a:rPr lang="ja-JP" altLang="en-US" dirty="0"/>
-              <a:t>はブースティング族</a:t>
-            </a:r>
-            <a:endParaRPr kumimoji="1" lang="en-US" altLang="ja-JP" dirty="0"/>
+              <a:t>は</a:t>
+            </a:r>
+            <a:r>
+              <a:rPr lang="en-US" altLang="ja-JP" dirty="0"/>
+              <a:t>……	</a:t>
+            </a:r>
+          </a:p>
+          <a:p>
+            <a:pPr lvl="1"/>
+            <a:r>
+              <a:rPr lang="ja-JP" altLang="en-US" dirty="0"/>
+              <a:t>スパースデータに強い</a:t>
+            </a:r>
+            <a:endParaRPr lang="en-US" altLang="ja-JP" dirty="0"/>
+          </a:p>
+          <a:p>
+            <a:pPr lvl="1"/>
+            <a:r>
+              <a:rPr lang="ja-JP" altLang="en-US" dirty="0"/>
+              <a:t>計算が速い</a:t>
+            </a:r>
+            <a:endParaRPr lang="en-US" altLang="ja-JP" dirty="0"/>
           </a:p>
         </p:txBody>
       </p:sp>
@@ -6143,7 +6205,7 @@
           <p:cNvPr id="2" name="タイトル 1">
             <a:extLst>
               <a:ext uri="{FF2B5EF4-FFF2-40B4-BE49-F238E27FC236}">
-                <a16:creationId xmlns:a16="http://schemas.microsoft.com/office/drawing/2014/main" id="{9537C136-C7F9-413D-A821-4D7BF752D200}"/>
+                <a16:creationId xmlns:a16="http://schemas.microsoft.com/office/drawing/2014/main" id="{1B121C75-323C-46E8-82C4-1A70A9AF1EFB}"/>
               </a:ext>
             </a:extLst>
           </p:cNvPr>
@@ -6159,29 +6221,21 @@
           <a:bodyPr/>
           <a:lstStyle/>
           <a:p>
+            <a:r>
+              <a:rPr kumimoji="1" lang="en-US" altLang="ja-JP" dirty="0"/>
+              <a:t>R</a:t>
+            </a:r>
+            <a:r>
+              <a:rPr kumimoji="1" lang="ja-JP" altLang="en-US" dirty="0"/>
+              <a:t>で</a:t>
+            </a:r>
             <a:r>
               <a:rPr lang="en-US" altLang="ja-JP" dirty="0" err="1"/>
               <a:t>XGBoost</a:t>
             </a:r>
             <a:r>
               <a:rPr lang="ja-JP" altLang="en-US" dirty="0"/>
-              <a:t>　</a:t>
-            </a:r>
-            <a:r>
-              <a:rPr lang="en-US" altLang="ja-JP" u="sng" dirty="0">
-                <a:solidFill>
-                  <a:schemeClr val="accent1"/>
-                </a:solidFill>
-              </a:rPr>
-              <a:t>#</a:t>
-            </a:r>
-            <a:r>
-              <a:rPr lang="ja-JP" altLang="en-US" u="sng" dirty="0">
-                <a:solidFill>
-                  <a:schemeClr val="accent1"/>
-                </a:solidFill>
-              </a:rPr>
-              <a:t>とは</a:t>
+              <a:t>したいとき</a:t>
             </a:r>
             <a:endParaRPr kumimoji="1" lang="ja-JP" altLang="en-US" dirty="0"/>
           </a:p>
@@ -6192,7 +6246,7 @@
           <p:cNvPr id="3" name="コンテンツ プレースホルダー 2">
             <a:extLst>
               <a:ext uri="{FF2B5EF4-FFF2-40B4-BE49-F238E27FC236}">
-                <a16:creationId xmlns:a16="http://schemas.microsoft.com/office/drawing/2014/main" id="{2A51D2F8-1DAD-46DC-B800-89B342C3579B}"/>
+                <a16:creationId xmlns:a16="http://schemas.microsoft.com/office/drawing/2014/main" id="{7AC89A91-70F9-4965-BA9F-DEDE01C4B4A4}"/>
               </a:ext>
             </a:extLst>
           </p:cNvPr>
@@ -6203,26 +6257,207 @@
             <p:ph idx="1"/>
           </p:nvPr>
         </p:nvSpPr>
-        <p:spPr/>
-        <p:txBody>
-          <a:bodyPr/>
-          <a:lstStyle/>
-          <a:p>
-            <a:r>
-              <a:rPr kumimoji="1" lang="ja-JP" altLang="en-US">
-                <a:solidFill>
-                  <a:srgbClr val="FF0000"/>
-                </a:solidFill>
-              </a:rPr>
-              <a:t>数式含めた説明</a:t>
-            </a:r>
+        <p:spPr>
+          <a:xfrm>
+            <a:off x="838200" y="1825624"/>
+            <a:ext cx="10515600" cy="5134733"/>
+          </a:xfrm>
+        </p:spPr>
+        <p:txBody>
+          <a:bodyPr>
+            <a:normAutofit/>
+          </a:bodyPr>
+          <a:lstStyle/>
+          <a:p>
+            <a:r>
+              <a:rPr kumimoji="1" lang="en-US" altLang="ja-JP" dirty="0" err="1"/>
+              <a:t>xgboost</a:t>
+            </a:r>
+            <a:r>
+              <a:rPr kumimoji="1" lang="ja-JP" altLang="en-US" dirty="0"/>
+              <a:t>パッケージがある</a:t>
+            </a:r>
+            <a:endParaRPr kumimoji="1" lang="en-US" altLang="ja-JP" dirty="0"/>
+          </a:p>
+          <a:p>
+            <a:pPr lvl="1"/>
+            <a:r>
+              <a:rPr lang="ja-JP" altLang="en-US" dirty="0"/>
+              <a:t>分析するデータは</a:t>
+            </a:r>
+            <a:r>
+              <a:rPr lang="en-US" altLang="ja-JP" dirty="0"/>
+              <a:t>matrix</a:t>
+            </a:r>
+            <a:r>
+              <a:rPr lang="ja-JP" altLang="en-US" dirty="0"/>
+              <a:t>型でないといけない</a:t>
+            </a:r>
+            <a:endParaRPr lang="en-US" altLang="ja-JP" dirty="0"/>
+          </a:p>
+          <a:p>
+            <a:pPr lvl="2"/>
+            <a:r>
+              <a:rPr lang="ja-JP" altLang="en-US" dirty="0"/>
+              <a:t>大きなデータを扱う場合</a:t>
+            </a:r>
+            <a:r>
+              <a:rPr lang="en-US" altLang="ja-JP" dirty="0"/>
+              <a:t>matrix</a:t>
+            </a:r>
+            <a:r>
+              <a:rPr lang="ja-JP" altLang="en-US" dirty="0"/>
+              <a:t>型が有効</a:t>
+            </a:r>
+            <a:endParaRPr lang="en-US" altLang="ja-JP" dirty="0"/>
+          </a:p>
+          <a:p>
+            <a:pPr lvl="2"/>
+            <a:r>
+              <a:rPr lang="ja-JP" altLang="en-US" dirty="0"/>
+              <a:t>「機械学習」「ビッグデータ」「えーあい」という文脈ではこのフォーマットはアリ</a:t>
+            </a:r>
+            <a:endParaRPr lang="en-US" altLang="ja-JP" dirty="0"/>
+          </a:p>
+          <a:p>
+            <a:pPr lvl="2"/>
+            <a:endParaRPr lang="en-US" altLang="ja-JP" dirty="0"/>
+          </a:p>
+          <a:p>
+            <a:pPr lvl="1"/>
+            <a:r>
+              <a:rPr lang="en-US" altLang="ja-JP" dirty="0" err="1"/>
+              <a:t>lm</a:t>
+            </a:r>
+            <a:r>
+              <a:rPr lang="en-US" altLang="ja-JP" dirty="0"/>
+              <a:t>()</a:t>
+            </a:r>
+            <a:r>
+              <a:rPr lang="ja-JP" altLang="en-US" dirty="0"/>
+              <a:t>関数及び</a:t>
+            </a:r>
+            <a:r>
+              <a:rPr lang="en-US" altLang="ja-JP" dirty="0" err="1"/>
+              <a:t>glm</a:t>
+            </a:r>
+            <a:r>
+              <a:rPr lang="en-US" altLang="ja-JP" dirty="0"/>
+              <a:t>()</a:t>
+            </a:r>
+            <a:r>
+              <a:rPr lang="ja-JP" altLang="en-US" dirty="0"/>
+              <a:t>関数による回帰</a:t>
+            </a:r>
+            <a:r>
+              <a:rPr lang="en-US" altLang="ja-JP" dirty="0"/>
+              <a:t>: </a:t>
+            </a:r>
+            <a:r>
+              <a:rPr lang="en-US" altLang="ja-JP" dirty="0" err="1"/>
+              <a:t>data.frame</a:t>
+            </a:r>
+            <a:r>
+              <a:rPr lang="ja-JP" altLang="en-US" dirty="0"/>
+              <a:t>型</a:t>
+            </a:r>
+            <a:endParaRPr lang="en-US" altLang="ja-JP" dirty="0"/>
+          </a:p>
+          <a:p>
+            <a:pPr lvl="1"/>
+            <a:r>
+              <a:rPr lang="en-US" altLang="ja-JP" dirty="0" err="1"/>
+              <a:t>randomForest</a:t>
+            </a:r>
+            <a:r>
+              <a:rPr lang="ja-JP" altLang="en-US" dirty="0"/>
+              <a:t>パッケージ</a:t>
+            </a:r>
+            <a:r>
+              <a:rPr lang="en-US" altLang="ja-JP" dirty="0"/>
+              <a:t>: </a:t>
+            </a:r>
+            <a:r>
+              <a:rPr lang="en-US" altLang="ja-JP" dirty="0" err="1"/>
+              <a:t>data.frame</a:t>
+            </a:r>
+            <a:r>
+              <a:rPr lang="ja-JP" altLang="en-US" dirty="0"/>
+              <a:t>型</a:t>
+            </a:r>
+            <a:endParaRPr lang="en-US" altLang="ja-JP" dirty="0"/>
+          </a:p>
+          <a:p>
+            <a:pPr lvl="1"/>
+            <a:r>
+              <a:rPr kumimoji="1" lang="ja-JP" altLang="en-US" dirty="0" err="1"/>
+              <a:t>きぬ</a:t>
+            </a:r>
+            <a:r>
+              <a:rPr kumimoji="1" lang="ja-JP" altLang="en-US" dirty="0"/>
+              <a:t>いとが使い慣れている</a:t>
+            </a:r>
+            <a:r>
+              <a:rPr kumimoji="1" lang="en-US" altLang="ja-JP" dirty="0"/>
+              <a:t>: </a:t>
+            </a:r>
+            <a:r>
+              <a:rPr kumimoji="1" lang="en-US" altLang="ja-JP" dirty="0" err="1"/>
+              <a:t>data.frame</a:t>
+            </a:r>
+            <a:r>
+              <a:rPr kumimoji="1" lang="ja-JP" altLang="en-US" dirty="0"/>
+              <a:t>型</a:t>
+            </a:r>
+            <a:endParaRPr kumimoji="1" lang="en-US" altLang="ja-JP" dirty="0"/>
+          </a:p>
+          <a:p>
+            <a:endParaRPr lang="en-US" altLang="ja-JP" dirty="0"/>
+          </a:p>
+          <a:p>
+            <a:pPr marL="0" indent="0" algn="ctr">
+              <a:buNone/>
+            </a:pPr>
+            <a:r>
+              <a:rPr kumimoji="1" lang="ja-JP" altLang="en-US" sz="3200" dirty="0"/>
+              <a:t>モデル間比較とかしてみたいし</a:t>
+            </a:r>
+            <a:endParaRPr kumimoji="1" lang="en-US" altLang="ja-JP" sz="3200" dirty="0"/>
+          </a:p>
+          <a:p>
+            <a:pPr marL="0" indent="0" algn="ctr">
+              <a:buNone/>
+            </a:pPr>
+            <a:r>
+              <a:rPr lang="en-US" altLang="ja-JP" sz="3200" dirty="0" err="1"/>
+              <a:t>data.frame</a:t>
+            </a:r>
+            <a:r>
+              <a:rPr lang="ja-JP" altLang="en-US" sz="3200" dirty="0"/>
+              <a:t>型で</a:t>
+            </a:r>
+            <a:r>
+              <a:rPr lang="en-US" altLang="ja-JP" sz="3200" dirty="0" err="1"/>
+              <a:t>XGBoost</a:t>
+            </a:r>
+            <a:r>
+              <a:rPr lang="ja-JP" altLang="en-US" sz="3200" dirty="0"/>
+              <a:t>実装できたりしない？</a:t>
+            </a:r>
+            <a:endParaRPr kumimoji="1" lang="en-US" altLang="ja-JP" sz="3200" dirty="0"/>
+          </a:p>
+          <a:p>
+            <a:endParaRPr lang="en-US" altLang="ja-JP" dirty="0"/>
+          </a:p>
+          <a:p>
+            <a:endParaRPr kumimoji="1" lang="ja-JP" altLang="en-US" dirty="0"/>
           </a:p>
         </p:txBody>
       </p:sp>
     </p:spTree>
     <p:extLst>
       <p:ext uri="{BB962C8B-B14F-4D97-AF65-F5344CB8AC3E}">
-        <p14:creationId xmlns:p14="http://schemas.microsoft.com/office/powerpoint/2010/main" val="816231524"/>
+        <p14:creationId xmlns:p14="http://schemas.microsoft.com/office/powerpoint/2010/main" val="70788854"/>
       </p:ext>
     </p:extLst>
   </p:cSld>
@@ -6332,6 +6567,18 @@
             <a:pPr lvl="2"/>
             <a:r>
               <a:rPr lang="ja-JP" altLang="en-US" dirty="0"/>
+              <a:t>指定する引数</a:t>
+            </a:r>
+            <a:r>
+              <a:rPr kumimoji="1" lang="ja-JP" altLang="en-US" dirty="0"/>
+              <a:t>のフォーマットが一貫している</a:t>
+            </a:r>
+            <a:endParaRPr kumimoji="1" lang="en-US" altLang="ja-JP" dirty="0"/>
+          </a:p>
+          <a:p>
+            <a:pPr lvl="2"/>
+            <a:r>
+              <a:rPr lang="ja-JP" altLang="en-US" dirty="0"/>
               <a:t>目的変数と特徴量を</a:t>
             </a:r>
             <a:r>
@@ -6347,28 +6594,24 @@
           <a:p>
             <a:pPr lvl="2"/>
             <a:r>
-              <a:rPr lang="en-US" altLang="ja-JP" dirty="0" err="1"/>
-              <a:t>randomForest</a:t>
-            </a:r>
-            <a:r>
-              <a:rPr lang="ja-JP" altLang="en-US" dirty="0"/>
-              <a:t>や</a:t>
-            </a:r>
-            <a:r>
-              <a:rPr lang="en-US" altLang="ja-JP" dirty="0"/>
-              <a:t>SVM</a:t>
-            </a:r>
-            <a:r>
-              <a:rPr lang="ja-JP" altLang="en-US" dirty="0"/>
-              <a:t>や</a:t>
-            </a:r>
-            <a:r>
-              <a:rPr lang="en-US" altLang="ja-JP" dirty="0" err="1"/>
-              <a:t>XGBoost</a:t>
-            </a:r>
-            <a:r>
-              <a:rPr lang="ja-JP" altLang="en-US" dirty="0"/>
-              <a:t>を引数として指定できる</a:t>
+              <a:rPr lang="ja-JP" altLang="en-US" dirty="0"/>
+              <a:t>方法は</a:t>
+            </a:r>
+            <a:r>
+              <a:rPr lang="en-US" altLang="ja-JP" dirty="0">
+                <a:solidFill>
+                  <a:schemeClr val="bg1"/>
+                </a:solidFill>
+                <a:highlight>
+                  <a:srgbClr val="000000"/>
+                </a:highlight>
+                <a:latin typeface="Lucida Console" panose="020B0609040504020204" pitchFamily="49" charset="0"/>
+              </a:rPr>
+              <a:t>method</a:t>
+            </a:r>
+            <a:r>
+              <a:rPr lang="ja-JP" altLang="en-US" dirty="0"/>
+              <a:t>引数で指定できる</a:t>
             </a:r>
             <a:endParaRPr lang="en-US" altLang="ja-JP" dirty="0"/>
           </a:p>
@@ -6377,10 +6620,9 @@
             <a:endParaRPr lang="en-US" altLang="ja-JP" dirty="0"/>
           </a:p>
           <a:p>
-            <a:pPr lvl="1"/>
-            <a:r>
-              <a:rPr lang="ja-JP" altLang="en-US" dirty="0"/>
-              <a:t>そのための</a:t>
+            <a:r>
+              <a:rPr lang="ja-JP" altLang="en-US" dirty="0"/>
+              <a:t>どう使う？→</a:t>
             </a:r>
             <a:r>
               <a:rPr lang="en-US" altLang="ja-JP" dirty="0"/>
@@ -7199,9 +7441,36 @@
               </a:rPr>
               <a:t>計算量が多いと実行が終わらない</a:t>
             </a:r>
-            <a:endParaRPr kumimoji="1" lang="en-US" altLang="ja-JP" dirty="0">
-              <a:latin typeface="+mj-lt"/>
-            </a:endParaRPr>
+            <a:r>
+              <a:rPr kumimoji="1" lang="en-US" altLang="ja-JP" dirty="0">
+                <a:latin typeface="+mj-lt"/>
+              </a:rPr>
+              <a:t>(</a:t>
+            </a:r>
+            <a:r>
+              <a:rPr kumimoji="1" lang="ja-JP" altLang="en-US" dirty="0">
+                <a:latin typeface="+mj-lt"/>
+              </a:rPr>
+              <a:t>計算</a:t>
+            </a:r>
+            <a:r>
+              <a:rPr kumimoji="1" lang="en-US" altLang="ja-JP" dirty="0">
+                <a:latin typeface="+mj-lt"/>
+              </a:rPr>
+              <a:t>……</a:t>
+            </a:r>
+            <a:r>
+              <a:rPr kumimoji="1" lang="ja-JP" altLang="en-US" dirty="0">
+                <a:latin typeface="+mj-lt"/>
+              </a:rPr>
+              <a:t>速いか？</a:t>
+            </a:r>
+            <a:r>
+              <a:rPr kumimoji="1" lang="en-US" altLang="ja-JP" dirty="0">
+                <a:latin typeface="+mj-lt"/>
+              </a:rPr>
+              <a:t>)</a:t>
+            </a:r>
           </a:p>
           <a:p>
             <a:pPr lvl="1"/>
@@ -7842,6 +8111,117 @@
     <p:extLst>
       <p:ext uri="{BB962C8B-B14F-4D97-AF65-F5344CB8AC3E}">
         <p14:creationId xmlns:p14="http://schemas.microsoft.com/office/powerpoint/2010/main" val="2723383035"/>
+      </p:ext>
+    </p:extLst>
+  </p:cSld>
+  <p:clrMapOvr>
+    <a:masterClrMapping/>
+  </p:clrMapOvr>
+</p:sld>
+</file>
+
+<file path=ppt/slides/slide29.xml><?xml version="1.0" encoding="utf-8"?>
+<p:sld xmlns:a="http://schemas.openxmlformats.org/drawingml/2006/main" xmlns:r="http://schemas.openxmlformats.org/officeDocument/2006/relationships" xmlns:p="http://schemas.openxmlformats.org/presentationml/2006/main" show="0">
+  <p:cSld>
+    <p:spTree>
+      <p:nvGrpSpPr>
+        <p:cNvPr id="1" name=""/>
+        <p:cNvGrpSpPr/>
+        <p:nvPr/>
+      </p:nvGrpSpPr>
+      <p:grpSpPr>
+        <a:xfrm>
+          <a:off x="0" y="0"/>
+          <a:ext cx="0" cy="0"/>
+          <a:chOff x="0" y="0"/>
+          <a:chExt cx="0" cy="0"/>
+        </a:xfrm>
+      </p:grpSpPr>
+      <p:sp>
+        <p:nvSpPr>
+          <p:cNvPr id="2" name="タイトル 1">
+            <a:extLst>
+              <a:ext uri="{FF2B5EF4-FFF2-40B4-BE49-F238E27FC236}">
+                <a16:creationId xmlns:a16="http://schemas.microsoft.com/office/drawing/2014/main" id="{9537C136-C7F9-413D-A821-4D7BF752D200}"/>
+              </a:ext>
+            </a:extLst>
+          </p:cNvPr>
+          <p:cNvSpPr>
+            <a:spLocks noGrp="1"/>
+          </p:cNvSpPr>
+          <p:nvPr>
+            <p:ph type="title"/>
+          </p:nvPr>
+        </p:nvSpPr>
+        <p:spPr/>
+        <p:txBody>
+          <a:bodyPr/>
+          <a:lstStyle/>
+          <a:p>
+            <a:r>
+              <a:rPr lang="en-US" altLang="ja-JP" dirty="0" err="1"/>
+              <a:t>XGBoost</a:t>
+            </a:r>
+            <a:r>
+              <a:rPr lang="ja-JP" altLang="en-US" dirty="0"/>
+              <a:t>　</a:t>
+            </a:r>
+            <a:r>
+              <a:rPr lang="en-US" altLang="ja-JP" u="sng" dirty="0">
+                <a:solidFill>
+                  <a:schemeClr val="accent1"/>
+                </a:solidFill>
+              </a:rPr>
+              <a:t>#</a:t>
+            </a:r>
+            <a:r>
+              <a:rPr lang="ja-JP" altLang="en-US" u="sng" dirty="0">
+                <a:solidFill>
+                  <a:schemeClr val="accent1"/>
+                </a:solidFill>
+              </a:rPr>
+              <a:t>とは</a:t>
+            </a:r>
+            <a:endParaRPr kumimoji="1" lang="ja-JP" altLang="en-US" dirty="0"/>
+          </a:p>
+        </p:txBody>
+      </p:sp>
+      <p:sp>
+        <p:nvSpPr>
+          <p:cNvPr id="3" name="コンテンツ プレースホルダー 2">
+            <a:extLst>
+              <a:ext uri="{FF2B5EF4-FFF2-40B4-BE49-F238E27FC236}">
+                <a16:creationId xmlns:a16="http://schemas.microsoft.com/office/drawing/2014/main" id="{2A51D2F8-1DAD-46DC-B800-89B342C3579B}"/>
+              </a:ext>
+            </a:extLst>
+          </p:cNvPr>
+          <p:cNvSpPr>
+            <a:spLocks noGrp="1"/>
+          </p:cNvSpPr>
+          <p:nvPr>
+            <p:ph idx="1"/>
+          </p:nvPr>
+        </p:nvSpPr>
+        <p:spPr/>
+        <p:txBody>
+          <a:bodyPr/>
+          <a:lstStyle/>
+          <a:p>
+            <a:r>
+              <a:rPr kumimoji="1" lang="ja-JP" altLang="en-US">
+                <a:solidFill>
+                  <a:srgbClr val="FF0000"/>
+                </a:solidFill>
+              </a:rPr>
+              <a:t>数式含めた説明</a:t>
+            </a:r>
+          </a:p>
+        </p:txBody>
+      </p:sp>
+    </p:spTree>
+    <p:extLst>
+      <p:ext uri="{BB962C8B-B14F-4D97-AF65-F5344CB8AC3E}">
+        <p14:creationId xmlns:p14="http://schemas.microsoft.com/office/powerpoint/2010/main" val="816231524"/>
       </p:ext>
     </p:extLst>
   </p:cSld>

--- a/Santander/output/caretパッケージを使ったXGBoostのformula型.pptx
+++ b/Santander/output/caretパッケージを使ったXGBoostのformula型.pptx
@@ -5,35 +5,39 @@
     <p:sldMasterId id="2147483648" r:id="rId1"/>
   </p:sldMasterIdLst>
   <p:sldIdLst>
-    <p:sldId id="256" r:id="rId2"/>
-    <p:sldId id="257" r:id="rId3"/>
-    <p:sldId id="258" r:id="rId4"/>
-    <p:sldId id="259" r:id="rId5"/>
-    <p:sldId id="264" r:id="rId6"/>
-    <p:sldId id="265" r:id="rId7"/>
-    <p:sldId id="266" r:id="rId8"/>
-    <p:sldId id="261" r:id="rId9"/>
-    <p:sldId id="270" r:id="rId10"/>
-    <p:sldId id="263" r:id="rId11"/>
-    <p:sldId id="268" r:id="rId12"/>
-    <p:sldId id="269" r:id="rId13"/>
-    <p:sldId id="271" r:id="rId14"/>
-    <p:sldId id="280" r:id="rId15"/>
-    <p:sldId id="272" r:id="rId16"/>
-    <p:sldId id="273" r:id="rId17"/>
-    <p:sldId id="281" r:id="rId18"/>
-    <p:sldId id="276" r:id="rId19"/>
-    <p:sldId id="262" r:id="rId20"/>
-    <p:sldId id="285" r:id="rId21"/>
-    <p:sldId id="277" r:id="rId22"/>
-    <p:sldId id="278" r:id="rId23"/>
-    <p:sldId id="279" r:id="rId24"/>
-    <p:sldId id="274" r:id="rId25"/>
-    <p:sldId id="275" r:id="rId26"/>
-    <p:sldId id="283" r:id="rId27"/>
-    <p:sldId id="260" r:id="rId28"/>
-    <p:sldId id="284" r:id="rId29"/>
-    <p:sldId id="267" r:id="rId30"/>
+    <p:sldId id="287" r:id="rId2"/>
+    <p:sldId id="256" r:id="rId3"/>
+    <p:sldId id="257" r:id="rId4"/>
+    <p:sldId id="258" r:id="rId5"/>
+    <p:sldId id="288" r:id="rId6"/>
+    <p:sldId id="259" r:id="rId7"/>
+    <p:sldId id="264" r:id="rId8"/>
+    <p:sldId id="265" r:id="rId9"/>
+    <p:sldId id="266" r:id="rId10"/>
+    <p:sldId id="261" r:id="rId11"/>
+    <p:sldId id="270" r:id="rId12"/>
+    <p:sldId id="263" r:id="rId13"/>
+    <p:sldId id="268" r:id="rId14"/>
+    <p:sldId id="269" r:id="rId15"/>
+    <p:sldId id="271" r:id="rId16"/>
+    <p:sldId id="280" r:id="rId17"/>
+    <p:sldId id="289" r:id="rId18"/>
+    <p:sldId id="272" r:id="rId19"/>
+    <p:sldId id="273" r:id="rId20"/>
+    <p:sldId id="281" r:id="rId21"/>
+    <p:sldId id="276" r:id="rId22"/>
+    <p:sldId id="262" r:id="rId23"/>
+    <p:sldId id="285" r:id="rId24"/>
+    <p:sldId id="277" r:id="rId25"/>
+    <p:sldId id="278" r:id="rId26"/>
+    <p:sldId id="279" r:id="rId27"/>
+    <p:sldId id="274" r:id="rId28"/>
+    <p:sldId id="275" r:id="rId29"/>
+    <p:sldId id="283" r:id="rId30"/>
+    <p:sldId id="286" r:id="rId31"/>
+    <p:sldId id="260" r:id="rId32"/>
+    <p:sldId id="284" r:id="rId33"/>
+    <p:sldId id="267" r:id="rId34"/>
   </p:sldIdLst>
   <p:sldSz cx="12192000" cy="6858000"/>
   <p:notesSz cx="6858000" cy="9144000"/>
@@ -3727,7 +3731,7 @@
     </p:spTree>
     <p:extLst>
       <p:ext uri="{BB962C8B-B14F-4D97-AF65-F5344CB8AC3E}">
-        <p14:creationId xmlns:p14="http://schemas.microsoft.com/office/powerpoint/2010/main" val="2037582596"/>
+        <p14:creationId xmlns:p14="http://schemas.microsoft.com/office/powerpoint/2010/main" val="1404033981"/>
       </p:ext>
     </p:extLst>
   </p:cSld>
@@ -3759,7 +3763,7 @@
           <p:cNvPr id="2" name="タイトル 1">
             <a:extLst>
               <a:ext uri="{FF2B5EF4-FFF2-40B4-BE49-F238E27FC236}">
-                <a16:creationId xmlns:a16="http://schemas.microsoft.com/office/drawing/2014/main" id="{A9CCBE1A-1B90-4621-A0C1-9A7E17BE8EB4}"/>
+                <a16:creationId xmlns:a16="http://schemas.microsoft.com/office/drawing/2014/main" id="{B942817F-E73A-4FCA-B05B-5E4595DF0722}"/>
               </a:ext>
             </a:extLst>
           </p:cNvPr>
@@ -3776,122 +3780,200 @@
           <a:lstStyle/>
           <a:p>
             <a:r>
-              <a:rPr lang="en-US" altLang="ja-JP" dirty="0" err="1"/>
-              <a:t>Sorekara</a:t>
+              <a:rPr kumimoji="1" lang="en-US" altLang="ja-JP" dirty="0"/>
+              <a:t>Santander</a:t>
+            </a:r>
+            <a:r>
+              <a:rPr kumimoji="1" lang="ja-JP" altLang="en-US" dirty="0"/>
+              <a:t> </a:t>
+            </a:r>
+            <a:r>
+              <a:rPr kumimoji="1" lang="en-US" altLang="ja-JP" u="sng" dirty="0">
+                <a:solidFill>
+                  <a:schemeClr val="accent1"/>
+                </a:solidFill>
+              </a:rPr>
+              <a:t>#</a:t>
+            </a:r>
+            <a:r>
+              <a:rPr kumimoji="1" lang="ja-JP" altLang="en-US" u="sng" dirty="0">
+                <a:solidFill>
+                  <a:schemeClr val="accent1"/>
+                </a:solidFill>
+              </a:rPr>
+              <a:t>とは</a:t>
+            </a:r>
+          </a:p>
+        </p:txBody>
+      </p:sp>
+      <p:sp>
+        <p:nvSpPr>
+          <p:cNvPr id="3" name="コンテンツ プレースホルダー 2">
+            <a:extLst>
+              <a:ext uri="{FF2B5EF4-FFF2-40B4-BE49-F238E27FC236}">
+                <a16:creationId xmlns:a16="http://schemas.microsoft.com/office/drawing/2014/main" id="{0F44ADD1-307A-4171-B41D-8C51FF129C26}"/>
+              </a:ext>
+            </a:extLst>
+          </p:cNvPr>
+          <p:cNvSpPr>
+            <a:spLocks noGrp="1"/>
+          </p:cNvSpPr>
+          <p:nvPr>
+            <p:ph idx="1"/>
+          </p:nvPr>
+        </p:nvSpPr>
+        <p:spPr/>
+        <p:txBody>
+          <a:bodyPr>
+            <a:normAutofit/>
+          </a:bodyPr>
+          <a:lstStyle/>
+          <a:p>
+            <a:r>
+              <a:rPr kumimoji="1" lang="ja-JP" altLang="en-US" dirty="0"/>
+              <a:t>匿名化された提供データを使って「ターゲットスコア」を予測する</a:t>
+            </a:r>
+            <a:endParaRPr kumimoji="1" lang="en-US" altLang="ja-JP" dirty="0"/>
+          </a:p>
+          <a:p>
+            <a:pPr lvl="1"/>
+            <a:r>
+              <a:rPr kumimoji="1" lang="ja-JP" altLang="en-US" dirty="0"/>
+              <a:t>回帰分析っぽいフレームワーク</a:t>
+            </a:r>
+            <a:endParaRPr kumimoji="1" lang="en-US" altLang="ja-JP" dirty="0"/>
+          </a:p>
+          <a:p>
+            <a:pPr lvl="1"/>
+            <a:r>
+              <a:rPr kumimoji="1" lang="ja-JP" altLang="en-US" dirty="0"/>
+              <a:t>画像認識や複数のデータマージなどのないシンプルな課題</a:t>
+            </a:r>
+            <a:endParaRPr kumimoji="1" lang="en-US" altLang="ja-JP" dirty="0"/>
+          </a:p>
+          <a:p>
+            <a:pPr lvl="1"/>
+            <a:r>
+              <a:rPr lang="ja-JP" altLang="en-US" dirty="0"/>
+              <a:t>ポンコツ</a:t>
             </a:r>
             <a:r>
               <a:rPr lang="en-US" altLang="ja-JP" dirty="0"/>
-              <a:t> do </a:t>
-            </a:r>
-            <a:r>
-              <a:rPr lang="en-US" altLang="ja-JP" dirty="0" err="1"/>
-              <a:t>Shitano</a:t>
-            </a:r>
-            <a:endParaRPr kumimoji="1" lang="ja-JP" altLang="en-US" dirty="0"/>
-          </a:p>
-        </p:txBody>
-      </p:sp>
-      <p:sp>
-        <p:nvSpPr>
-          <p:cNvPr id="3" name="コンテンツ プレースホルダー 2">
-            <a:extLst>
-              <a:ext uri="{FF2B5EF4-FFF2-40B4-BE49-F238E27FC236}">
-                <a16:creationId xmlns:a16="http://schemas.microsoft.com/office/drawing/2014/main" id="{B8CE7792-ABAD-48C5-8FB0-2FA1AC875628}"/>
-              </a:ext>
-            </a:extLst>
-          </p:cNvPr>
-          <p:cNvSpPr>
-            <a:spLocks noGrp="1"/>
-          </p:cNvSpPr>
-          <p:nvPr>
-            <p:ph idx="1"/>
-          </p:nvPr>
-        </p:nvSpPr>
-        <p:spPr/>
-        <p:txBody>
-          <a:bodyPr/>
-          <a:lstStyle/>
-          <a:p>
+              <a:t>PC</a:t>
+            </a:r>
+            <a:r>
+              <a:rPr lang="ja-JP" altLang="en-US" dirty="0"/>
+              <a:t>でも</a:t>
+            </a:r>
+            <a:r>
+              <a:rPr lang="en-US" altLang="ja-JP" dirty="0"/>
+              <a:t>(</a:t>
+            </a:r>
+            <a:r>
+              <a:rPr lang="ja-JP" altLang="en-US" dirty="0"/>
+              <a:t>ギリ</a:t>
+            </a:r>
+            <a:r>
+              <a:rPr lang="en-US" altLang="ja-JP" dirty="0"/>
+              <a:t>)</a:t>
+            </a:r>
+            <a:r>
+              <a:rPr lang="ja-JP" altLang="en-US" dirty="0"/>
+              <a:t>やっていける</a:t>
+            </a:r>
+            <a:endParaRPr kumimoji="1" lang="en-US" altLang="ja-JP" dirty="0"/>
+          </a:p>
+          <a:p>
+            <a:pPr lvl="2"/>
+            <a:r>
+              <a:rPr lang="ja-JP" altLang="en-US" dirty="0"/>
+              <a:t>別コンペの</a:t>
+            </a:r>
+            <a:r>
+              <a:rPr lang="en-US" altLang="ja-JP" dirty="0"/>
+              <a:t>Home Credit</a:t>
+            </a:r>
+            <a:r>
+              <a:rPr lang="ja-JP" altLang="en-US" dirty="0" err="1"/>
+              <a:t>はメ</a:t>
+            </a:r>
+            <a:r>
+              <a:rPr lang="ja-JP" altLang="en-US" dirty="0"/>
+              <a:t>モリが足りなくて断念しました</a:t>
+            </a:r>
+            <a:endParaRPr lang="en-US" altLang="ja-JP" dirty="0"/>
+          </a:p>
+          <a:p>
+            <a:pPr lvl="2"/>
+            <a:r>
+              <a:rPr lang="ja-JP" altLang="en-US" dirty="0"/>
+              <a:t>そんなときは</a:t>
+            </a:r>
+            <a:r>
+              <a:rPr lang="en-US" altLang="ja-JP" dirty="0"/>
+              <a:t>AWS</a:t>
+            </a:r>
+            <a:r>
+              <a:rPr lang="ja-JP" altLang="en-US" dirty="0"/>
+              <a:t>とか</a:t>
+            </a:r>
+            <a:r>
+              <a:rPr lang="en-US" altLang="ja-JP" dirty="0"/>
+              <a:t>GCP</a:t>
+            </a:r>
+            <a:r>
+              <a:rPr lang="ja-JP" altLang="en-US" dirty="0"/>
+              <a:t>とか使おう，勉強した上で．</a:t>
+            </a:r>
+            <a:endParaRPr lang="en-US" altLang="ja-JP" dirty="0"/>
+          </a:p>
+          <a:p>
+            <a:pPr lvl="2"/>
+            <a:endParaRPr lang="en-US" altLang="ja-JP" dirty="0"/>
+          </a:p>
+          <a:p>
+            <a:r>
+              <a:rPr kumimoji="1" lang="en-US" altLang="ja-JP" dirty="0"/>
+              <a:t>4000×4000</a:t>
+            </a:r>
             <a:r>
               <a:rPr kumimoji="1" lang="ja-JP" altLang="en-US" dirty="0"/>
-              <a:t>意味のあるデータを選び出す</a:t>
+              <a:t>の規模のスパースなデータ構造</a:t>
             </a:r>
             <a:endParaRPr kumimoji="1" lang="en-US" altLang="ja-JP" dirty="0"/>
           </a:p>
           <a:p>
             <a:pPr lvl="1"/>
             <a:r>
+              <a:rPr lang="ja-JP" altLang="en-US" dirty="0"/>
+              <a:t>スパース</a:t>
+            </a:r>
+            <a:r>
               <a:rPr lang="en-US" altLang="ja-JP" dirty="0"/>
-              <a:t>Kaggle:</a:t>
-            </a:r>
-            <a:r>
-              <a:rPr lang="ja-JP" altLang="en-US" dirty="0"/>
-              <a:t> </a:t>
-            </a:r>
-            <a:r>
-              <a:rPr lang="en-US" altLang="ja-JP" dirty="0"/>
-              <a:t>Kernel</a:t>
-            </a:r>
-            <a:r>
-              <a:rPr lang="ja-JP" altLang="en-US" dirty="0"/>
-              <a:t>という知識の集まる場がある</a:t>
-            </a:r>
-            <a:endParaRPr lang="en-US" altLang="ja-JP" dirty="0"/>
-          </a:p>
-          <a:p>
-            <a:pPr lvl="1"/>
-            <a:r>
-              <a:rPr lang="ja-JP" altLang="en-US" dirty="0"/>
-              <a:t>そこで「分散が</a:t>
+              <a:t>:</a:t>
+            </a:r>
+            <a:r>
+              <a:rPr lang="ja-JP" altLang="en-US" dirty="0"/>
+              <a:t> データの値がほとんど</a:t>
             </a:r>
             <a:r>
               <a:rPr lang="en-US" altLang="ja-JP" dirty="0"/>
               <a:t>0</a:t>
             </a:r>
-            <a:r>
-              <a:rPr lang="ja-JP" altLang="en-US" dirty="0" err="1"/>
-              <a:t>だっ</a:t>
-            </a:r>
-            <a:r>
-              <a:rPr lang="ja-JP" altLang="en-US" dirty="0"/>
-              <a:t>たり目的変数との相関が</a:t>
-            </a:r>
-            <a:r>
-              <a:rPr lang="en-US" altLang="ja-JP" dirty="0"/>
-              <a:t>0</a:t>
-            </a:r>
-            <a:r>
-              <a:rPr lang="ja-JP" altLang="en-US" dirty="0" err="1"/>
-              <a:t>だっ</a:t>
-            </a:r>
-            <a:r>
-              <a:rPr lang="ja-JP" altLang="en-US" dirty="0"/>
-              <a:t>たりするやつ」を使わないことにするといいらしい</a:t>
-            </a:r>
-            <a:endParaRPr lang="en-US" altLang="ja-JP" dirty="0"/>
-          </a:p>
-          <a:p>
-            <a:endParaRPr lang="en-US" altLang="ja-JP" dirty="0"/>
-          </a:p>
-          <a:p>
-            <a:r>
-              <a:rPr lang="ja-JP" altLang="en-US" dirty="0"/>
-              <a:t>こんなことをしました</a:t>
-            </a:r>
-            <a:endParaRPr lang="en-US" altLang="ja-JP" dirty="0"/>
-          </a:p>
-          <a:p>
-            <a:endParaRPr kumimoji="1" lang="en-US" altLang="ja-JP" dirty="0"/>
-          </a:p>
-          <a:p>
-            <a:endParaRPr kumimoji="1" lang="ja-JP" altLang="en-US" dirty="0"/>
+          </a:p>
+          <a:p>
+            <a:pPr lvl="1"/>
+            <a:r>
+              <a:rPr kumimoji="1" lang="ja-JP" altLang="en-US" dirty="0"/>
+              <a:t>「意味のある」データを見つけ出す必要がある</a:t>
+            </a:r>
           </a:p>
         </p:txBody>
       </p:sp>
     </p:spTree>
     <p:extLst>
       <p:ext uri="{BB962C8B-B14F-4D97-AF65-F5344CB8AC3E}">
-        <p14:creationId xmlns:p14="http://schemas.microsoft.com/office/powerpoint/2010/main" val="1637464974"/>
+        <p14:creationId xmlns:p14="http://schemas.microsoft.com/office/powerpoint/2010/main" val="3991080685"/>
       </p:ext>
     </p:extLst>
   </p:cSld>
@@ -3923,6 +4005,537 @@
           <p:cNvPr id="2" name="タイトル 1">
             <a:extLst>
               <a:ext uri="{FF2B5EF4-FFF2-40B4-BE49-F238E27FC236}">
+                <a16:creationId xmlns:a16="http://schemas.microsoft.com/office/drawing/2014/main" id="{90B749DB-F9AD-4C68-9297-F707F6B90637}"/>
+              </a:ext>
+            </a:extLst>
+          </p:cNvPr>
+          <p:cNvSpPr>
+            <a:spLocks noGrp="1"/>
+          </p:cNvSpPr>
+          <p:nvPr>
+            <p:ph type="title"/>
+          </p:nvPr>
+        </p:nvSpPr>
+        <p:spPr/>
+        <p:txBody>
+          <a:bodyPr/>
+          <a:lstStyle/>
+          <a:p>
+            <a:r>
+              <a:rPr lang="en-US" altLang="ja-JP" dirty="0"/>
+              <a:t>Santander</a:t>
+            </a:r>
+            <a:r>
+              <a:rPr lang="ja-JP" altLang="en-US" dirty="0"/>
+              <a:t> </a:t>
+            </a:r>
+            <a:r>
+              <a:rPr lang="en-US" altLang="ja-JP" u="sng" dirty="0">
+                <a:solidFill>
+                  <a:schemeClr val="accent1"/>
+                </a:solidFill>
+              </a:rPr>
+              <a:t>#</a:t>
+            </a:r>
+            <a:r>
+              <a:rPr lang="ja-JP" altLang="en-US" u="sng" dirty="0">
+                <a:solidFill>
+                  <a:schemeClr val="accent1"/>
+                </a:solidFill>
+              </a:rPr>
+              <a:t>とは</a:t>
+            </a:r>
+            <a:endParaRPr kumimoji="1" lang="ja-JP" altLang="en-US" dirty="0"/>
+          </a:p>
+        </p:txBody>
+      </p:sp>
+      <p:sp>
+        <p:nvSpPr>
+          <p:cNvPr id="3" name="コンテンツ プレースホルダー 2">
+            <a:extLst>
+              <a:ext uri="{FF2B5EF4-FFF2-40B4-BE49-F238E27FC236}">
+                <a16:creationId xmlns:a16="http://schemas.microsoft.com/office/drawing/2014/main" id="{DD13A690-D736-4950-82A8-26D551BACBA3}"/>
+              </a:ext>
+            </a:extLst>
+          </p:cNvPr>
+          <p:cNvSpPr>
+            <a:spLocks noGrp="1"/>
+          </p:cNvSpPr>
+          <p:nvPr>
+            <p:ph idx="1"/>
+          </p:nvPr>
+        </p:nvSpPr>
+        <p:spPr>
+          <a:xfrm>
+            <a:off x="838201" y="1825625"/>
+            <a:ext cx="4429836" cy="1054053"/>
+          </a:xfrm>
+        </p:spPr>
+        <p:txBody>
+          <a:bodyPr/>
+          <a:lstStyle/>
+          <a:p>
+            <a:r>
+              <a:rPr kumimoji="1" lang="ja-JP" altLang="en-US" dirty="0"/>
+              <a:t>本当にスパースなのか？</a:t>
+            </a:r>
+            <a:endParaRPr kumimoji="1" lang="en-US" altLang="ja-JP" dirty="0"/>
+          </a:p>
+          <a:p>
+            <a:pPr lvl="1"/>
+            <a:r>
+              <a:rPr kumimoji="1" lang="en-US" altLang="ja-JP" dirty="0"/>
+              <a:t>0</a:t>
+            </a:r>
+            <a:r>
+              <a:rPr kumimoji="1" lang="ja-JP" altLang="en-US" dirty="0"/>
+              <a:t>が多そう</a:t>
+            </a:r>
+          </a:p>
+        </p:txBody>
+      </p:sp>
+      <p:pic>
+        <p:nvPicPr>
+          <p:cNvPr id="4" name="図 3">
+            <a:extLst>
+              <a:ext uri="{FF2B5EF4-FFF2-40B4-BE49-F238E27FC236}">
+                <a16:creationId xmlns:a16="http://schemas.microsoft.com/office/drawing/2014/main" id="{21E7B457-0B3B-4A88-A234-A5DFABBE4504}"/>
+              </a:ext>
+            </a:extLst>
+          </p:cNvPr>
+          <p:cNvPicPr>
+            <a:picLocks noChangeAspect="1"/>
+          </p:cNvPicPr>
+          <p:nvPr/>
+        </p:nvPicPr>
+        <p:blipFill>
+          <a:blip r:embed="rId2">
+            <a:extLst>
+              <a:ext uri="{28A0092B-C50C-407E-A947-70E740481C1C}">
+                <a14:useLocalDpi xmlns:a14="http://schemas.microsoft.com/office/drawing/2010/main" val="0"/>
+              </a:ext>
+            </a:extLst>
+          </a:blip>
+          <a:stretch>
+            <a:fillRect/>
+          </a:stretch>
+        </p:blipFill>
+        <p:spPr>
+          <a:xfrm>
+            <a:off x="750379" y="2879676"/>
+            <a:ext cx="3768852" cy="2385572"/>
+          </a:xfrm>
+          <a:prstGeom prst="rect">
+            <a:avLst/>
+          </a:prstGeom>
+        </p:spPr>
+      </p:pic>
+      <p:pic>
+        <p:nvPicPr>
+          <p:cNvPr id="6" name="図 5">
+            <a:extLst>
+              <a:ext uri="{FF2B5EF4-FFF2-40B4-BE49-F238E27FC236}">
+                <a16:creationId xmlns:a16="http://schemas.microsoft.com/office/drawing/2014/main" id="{86715F06-E464-4C19-A147-9824CD3A869D}"/>
+              </a:ext>
+            </a:extLst>
+          </p:cNvPr>
+          <p:cNvPicPr>
+            <a:picLocks noChangeAspect="1"/>
+          </p:cNvPicPr>
+          <p:nvPr/>
+        </p:nvPicPr>
+        <p:blipFill>
+          <a:blip r:embed="rId3">
+            <a:extLst>
+              <a:ext uri="{28A0092B-C50C-407E-A947-70E740481C1C}">
+                <a14:useLocalDpi xmlns:a14="http://schemas.microsoft.com/office/drawing/2010/main" val="0"/>
+              </a:ext>
+            </a:extLst>
+          </a:blip>
+          <a:stretch>
+            <a:fillRect/>
+          </a:stretch>
+        </p:blipFill>
+        <p:spPr>
+          <a:xfrm>
+            <a:off x="4603538" y="2875882"/>
+            <a:ext cx="3768851" cy="2385571"/>
+          </a:xfrm>
+          <a:prstGeom prst="rect">
+            <a:avLst/>
+          </a:prstGeom>
+        </p:spPr>
+      </p:pic>
+      <p:pic>
+        <p:nvPicPr>
+          <p:cNvPr id="8" name="図 7">
+            <a:extLst>
+              <a:ext uri="{FF2B5EF4-FFF2-40B4-BE49-F238E27FC236}">
+                <a16:creationId xmlns:a16="http://schemas.microsoft.com/office/drawing/2014/main" id="{A407D86B-4730-4AB4-A8ED-60939DA1880A}"/>
+              </a:ext>
+            </a:extLst>
+          </p:cNvPr>
+          <p:cNvPicPr>
+            <a:picLocks noChangeAspect="1"/>
+          </p:cNvPicPr>
+          <p:nvPr/>
+        </p:nvPicPr>
+        <p:blipFill>
+          <a:blip r:embed="rId4">
+            <a:extLst>
+              <a:ext uri="{28A0092B-C50C-407E-A947-70E740481C1C}">
+                <a14:useLocalDpi xmlns:a14="http://schemas.microsoft.com/office/drawing/2010/main" val="0"/>
+              </a:ext>
+            </a:extLst>
+          </a:blip>
+          <a:stretch>
+            <a:fillRect/>
+          </a:stretch>
+        </p:blipFill>
+        <p:spPr>
+          <a:xfrm>
+            <a:off x="8423148" y="2875882"/>
+            <a:ext cx="3768851" cy="2385571"/>
+          </a:xfrm>
+          <a:prstGeom prst="rect">
+            <a:avLst/>
+          </a:prstGeom>
+        </p:spPr>
+      </p:pic>
+      <p:sp>
+        <p:nvSpPr>
+          <p:cNvPr id="9" name="テキスト ボックス 8">
+            <a:extLst>
+              <a:ext uri="{FF2B5EF4-FFF2-40B4-BE49-F238E27FC236}">
+                <a16:creationId xmlns:a16="http://schemas.microsoft.com/office/drawing/2014/main" id="{CB269DCA-2655-480E-9E6C-BB12EF2871C3}"/>
+              </a:ext>
+            </a:extLst>
+          </p:cNvPr>
+          <p:cNvSpPr txBox="1"/>
+          <p:nvPr/>
+        </p:nvSpPr>
+        <p:spPr>
+          <a:xfrm>
+            <a:off x="1822379" y="5265250"/>
+            <a:ext cx="1800493" cy="369332"/>
+          </a:xfrm>
+          <a:prstGeom prst="rect">
+            <a:avLst/>
+          </a:prstGeom>
+          <a:noFill/>
+        </p:spPr>
+        <p:txBody>
+          <a:bodyPr wrap="none" rtlCol="0">
+            <a:spAutoFit/>
+          </a:bodyPr>
+          <a:lstStyle/>
+          <a:p>
+            <a:r>
+              <a:rPr kumimoji="1" lang="ja-JP" altLang="en-US" dirty="0"/>
+              <a:t>今回の目的変数</a:t>
+            </a:r>
+          </a:p>
+        </p:txBody>
+      </p:sp>
+      <p:sp>
+        <p:nvSpPr>
+          <p:cNvPr id="10" name="テキスト ボックス 9">
+            <a:extLst>
+              <a:ext uri="{FF2B5EF4-FFF2-40B4-BE49-F238E27FC236}">
+                <a16:creationId xmlns:a16="http://schemas.microsoft.com/office/drawing/2014/main" id="{17D336D4-B5B5-4E92-8BFC-F716CAA3AA65}"/>
+              </a:ext>
+            </a:extLst>
+          </p:cNvPr>
+          <p:cNvSpPr txBox="1"/>
+          <p:nvPr/>
+        </p:nvSpPr>
+        <p:spPr>
+          <a:xfrm>
+            <a:off x="7668883" y="5265250"/>
+            <a:ext cx="2672526" cy="369332"/>
+          </a:xfrm>
+          <a:prstGeom prst="rect">
+            <a:avLst/>
+          </a:prstGeom>
+          <a:noFill/>
+        </p:spPr>
+        <p:txBody>
+          <a:bodyPr wrap="none" rtlCol="0">
+            <a:spAutoFit/>
+          </a:bodyPr>
+          <a:lstStyle/>
+          <a:p>
+            <a:r>
+              <a:rPr kumimoji="1" lang="ja-JP" altLang="en-US" dirty="0"/>
+              <a:t>今回の説明変数</a:t>
+            </a:r>
+            <a:r>
+              <a:rPr kumimoji="1" lang="en-US" altLang="ja-JP" dirty="0"/>
+              <a:t>(</a:t>
+            </a:r>
+            <a:r>
+              <a:rPr kumimoji="1" lang="ja-JP" altLang="en-US" dirty="0"/>
+              <a:t>の一部</a:t>
+            </a:r>
+            <a:r>
+              <a:rPr kumimoji="1" lang="en-US" altLang="ja-JP" dirty="0"/>
+              <a:t>)</a:t>
+            </a:r>
+            <a:endParaRPr kumimoji="1" lang="ja-JP" altLang="en-US" dirty="0"/>
+          </a:p>
+        </p:txBody>
+      </p:sp>
+      <p:sp>
+        <p:nvSpPr>
+          <p:cNvPr id="11" name="正方形/長方形 10">
+            <a:extLst>
+              <a:ext uri="{FF2B5EF4-FFF2-40B4-BE49-F238E27FC236}">
+                <a16:creationId xmlns:a16="http://schemas.microsoft.com/office/drawing/2014/main" id="{F2F2BB01-A2FB-4B17-A33C-B5DD4C74EB49}"/>
+              </a:ext>
+            </a:extLst>
+          </p:cNvPr>
+          <p:cNvSpPr/>
+          <p:nvPr/>
+        </p:nvSpPr>
+        <p:spPr>
+          <a:xfrm>
+            <a:off x="4657810" y="2879678"/>
+            <a:ext cx="7534189" cy="2385570"/>
+          </a:xfrm>
+          <a:prstGeom prst="rect">
+            <a:avLst/>
+          </a:prstGeom>
+          <a:noFill/>
+          <a:ln>
+            <a:solidFill>
+              <a:srgbClr val="FF0000"/>
+            </a:solidFill>
+          </a:ln>
+        </p:spPr>
+        <p:style>
+          <a:lnRef idx="2">
+            <a:schemeClr val="accent1">
+              <a:shade val="50000"/>
+            </a:schemeClr>
+          </a:lnRef>
+          <a:fillRef idx="1">
+            <a:schemeClr val="accent1"/>
+          </a:fillRef>
+          <a:effectRef idx="0">
+            <a:schemeClr val="accent1"/>
+          </a:effectRef>
+          <a:fontRef idx="minor">
+            <a:schemeClr val="lt1"/>
+          </a:fontRef>
+        </p:style>
+        <p:txBody>
+          <a:bodyPr rtlCol="0" anchor="ctr"/>
+          <a:lstStyle/>
+          <a:p>
+            <a:pPr algn="ctr"/>
+            <a:endParaRPr kumimoji="1" lang="ja-JP" altLang="en-US"/>
+          </a:p>
+        </p:txBody>
+      </p:sp>
+    </p:spTree>
+    <p:extLst>
+      <p:ext uri="{BB962C8B-B14F-4D97-AF65-F5344CB8AC3E}">
+        <p14:creationId xmlns:p14="http://schemas.microsoft.com/office/powerpoint/2010/main" val="976237417"/>
+      </p:ext>
+    </p:extLst>
+  </p:cSld>
+  <p:clrMapOvr>
+    <a:masterClrMapping/>
+  </p:clrMapOvr>
+</p:sld>
+</file>
+
+<file path=ppt/slides/slide12.xml><?xml version="1.0" encoding="utf-8"?>
+<p:sld xmlns:a="http://schemas.openxmlformats.org/drawingml/2006/main" xmlns:r="http://schemas.openxmlformats.org/officeDocument/2006/relationships" xmlns:p="http://schemas.openxmlformats.org/presentationml/2006/main">
+  <p:cSld>
+    <p:spTree>
+      <p:nvGrpSpPr>
+        <p:cNvPr id="1" name=""/>
+        <p:cNvGrpSpPr/>
+        <p:nvPr/>
+      </p:nvGrpSpPr>
+      <p:grpSpPr>
+        <a:xfrm>
+          <a:off x="0" y="0"/>
+          <a:ext cx="0" cy="0"/>
+          <a:chOff x="0" y="0"/>
+          <a:chExt cx="0" cy="0"/>
+        </a:xfrm>
+      </p:grpSpPr>
+      <p:sp>
+        <p:nvSpPr>
+          <p:cNvPr id="2" name="タイトル 1">
+            <a:extLst>
+              <a:ext uri="{FF2B5EF4-FFF2-40B4-BE49-F238E27FC236}">
+                <a16:creationId xmlns:a16="http://schemas.microsoft.com/office/drawing/2014/main" id="{A9CCBE1A-1B90-4621-A0C1-9A7E17BE8EB4}"/>
+              </a:ext>
+            </a:extLst>
+          </p:cNvPr>
+          <p:cNvSpPr>
+            <a:spLocks noGrp="1"/>
+          </p:cNvSpPr>
+          <p:nvPr>
+            <p:ph type="title"/>
+          </p:nvPr>
+        </p:nvSpPr>
+        <p:spPr/>
+        <p:txBody>
+          <a:bodyPr/>
+          <a:lstStyle/>
+          <a:p>
+            <a:r>
+              <a:rPr lang="en-US" altLang="ja-JP" dirty="0" err="1"/>
+              <a:t>Sorekara</a:t>
+            </a:r>
+            <a:r>
+              <a:rPr lang="en-US" altLang="ja-JP" dirty="0"/>
+              <a:t> do </a:t>
+            </a:r>
+            <a:r>
+              <a:rPr lang="en-US" altLang="ja-JP" dirty="0" err="1"/>
+              <a:t>Shitano</a:t>
+            </a:r>
+            <a:endParaRPr kumimoji="1" lang="ja-JP" altLang="en-US" dirty="0"/>
+          </a:p>
+        </p:txBody>
+      </p:sp>
+      <p:sp>
+        <p:nvSpPr>
+          <p:cNvPr id="3" name="コンテンツ プレースホルダー 2">
+            <a:extLst>
+              <a:ext uri="{FF2B5EF4-FFF2-40B4-BE49-F238E27FC236}">
+                <a16:creationId xmlns:a16="http://schemas.microsoft.com/office/drawing/2014/main" id="{B8CE7792-ABAD-48C5-8FB0-2FA1AC875628}"/>
+              </a:ext>
+            </a:extLst>
+          </p:cNvPr>
+          <p:cNvSpPr>
+            <a:spLocks noGrp="1"/>
+          </p:cNvSpPr>
+          <p:nvPr>
+            <p:ph idx="1"/>
+          </p:nvPr>
+        </p:nvSpPr>
+        <p:spPr/>
+        <p:txBody>
+          <a:bodyPr/>
+          <a:lstStyle/>
+          <a:p>
+            <a:r>
+              <a:rPr kumimoji="1" lang="ja-JP" altLang="en-US" dirty="0"/>
+              <a:t>意味のあるデータを選び出す</a:t>
+            </a:r>
+            <a:endParaRPr kumimoji="1" lang="en-US" altLang="ja-JP" dirty="0"/>
+          </a:p>
+          <a:p>
+            <a:pPr lvl="1"/>
+            <a:r>
+              <a:rPr lang="en-US" altLang="ja-JP" dirty="0"/>
+              <a:t>Kaggle:</a:t>
+            </a:r>
+            <a:r>
+              <a:rPr lang="ja-JP" altLang="en-US" dirty="0"/>
+              <a:t> </a:t>
+            </a:r>
+            <a:r>
+              <a:rPr lang="en-US" altLang="ja-JP" dirty="0"/>
+              <a:t>Kernel</a:t>
+            </a:r>
+            <a:r>
+              <a:rPr lang="ja-JP" altLang="en-US" dirty="0"/>
+              <a:t>という知識の集まる場がある</a:t>
+            </a:r>
+            <a:endParaRPr lang="en-US" altLang="ja-JP" dirty="0"/>
+          </a:p>
+          <a:p>
+            <a:pPr lvl="1"/>
+            <a:r>
+              <a:rPr lang="ja-JP" altLang="en-US" dirty="0"/>
+              <a:t>そこで「分散が</a:t>
+            </a:r>
+            <a:r>
+              <a:rPr lang="en-US" altLang="ja-JP" dirty="0"/>
+              <a:t>0</a:t>
+            </a:r>
+            <a:r>
+              <a:rPr lang="ja-JP" altLang="en-US" dirty="0" err="1"/>
+              <a:t>だっ</a:t>
+            </a:r>
+            <a:r>
+              <a:rPr lang="ja-JP" altLang="en-US" dirty="0"/>
+              <a:t>たり目的変数との相関が</a:t>
+            </a:r>
+            <a:r>
+              <a:rPr lang="en-US" altLang="ja-JP" dirty="0"/>
+              <a:t>0</a:t>
+            </a:r>
+            <a:r>
+              <a:rPr lang="ja-JP" altLang="en-US" dirty="0" err="1"/>
+              <a:t>だっ</a:t>
+            </a:r>
+            <a:r>
+              <a:rPr lang="ja-JP" altLang="en-US" dirty="0"/>
+              <a:t>たりするやつ」を使わないことにするといいらしい</a:t>
+            </a:r>
+            <a:endParaRPr lang="en-US" altLang="ja-JP" dirty="0"/>
+          </a:p>
+          <a:p>
+            <a:endParaRPr lang="en-US" altLang="ja-JP" dirty="0"/>
+          </a:p>
+          <a:p>
+            <a:r>
+              <a:rPr lang="ja-JP" altLang="en-US" dirty="0"/>
+              <a:t>こんなことをしました</a:t>
+            </a:r>
+            <a:endParaRPr lang="en-US" altLang="ja-JP" dirty="0"/>
+          </a:p>
+          <a:p>
+            <a:endParaRPr kumimoji="1" lang="en-US" altLang="ja-JP" dirty="0"/>
+          </a:p>
+          <a:p>
+            <a:endParaRPr kumimoji="1" lang="ja-JP" altLang="en-US" dirty="0"/>
+          </a:p>
+        </p:txBody>
+      </p:sp>
+    </p:spTree>
+    <p:extLst>
+      <p:ext uri="{BB962C8B-B14F-4D97-AF65-F5344CB8AC3E}">
+        <p14:creationId xmlns:p14="http://schemas.microsoft.com/office/powerpoint/2010/main" val="1637464974"/>
+      </p:ext>
+    </p:extLst>
+  </p:cSld>
+  <p:clrMapOvr>
+    <a:masterClrMapping/>
+  </p:clrMapOvr>
+</p:sld>
+</file>
+
+<file path=ppt/slides/slide13.xml><?xml version="1.0" encoding="utf-8"?>
+<p:sld xmlns:a="http://schemas.openxmlformats.org/drawingml/2006/main" xmlns:r="http://schemas.openxmlformats.org/officeDocument/2006/relationships" xmlns:p="http://schemas.openxmlformats.org/presentationml/2006/main">
+  <p:cSld>
+    <p:spTree>
+      <p:nvGrpSpPr>
+        <p:cNvPr id="1" name=""/>
+        <p:cNvGrpSpPr/>
+        <p:nvPr/>
+      </p:nvGrpSpPr>
+      <p:grpSpPr>
+        <a:xfrm>
+          <a:off x="0" y="0"/>
+          <a:ext cx="0" cy="0"/>
+          <a:chOff x="0" y="0"/>
+          <a:chExt cx="0" cy="0"/>
+        </a:xfrm>
+      </p:grpSpPr>
+      <p:sp>
+        <p:nvSpPr>
+          <p:cNvPr id="2" name="タイトル 1">
+            <a:extLst>
+              <a:ext uri="{FF2B5EF4-FFF2-40B4-BE49-F238E27FC236}">
                 <a16:creationId xmlns:a16="http://schemas.microsoft.com/office/drawing/2014/main" id="{69EDEA49-C57E-499F-8223-15C3BFEAD3CB}"/>
               </a:ext>
             </a:extLst>
@@ -4511,7 +5124,7 @@
 </p:sld>
 </file>
 
-<file path=ppt/slides/slide12.xml><?xml version="1.0" encoding="utf-8"?>
+<file path=ppt/slides/slide14.xml><?xml version="1.0" encoding="utf-8"?>
 <p:sld xmlns:a="http://schemas.openxmlformats.org/drawingml/2006/main" xmlns:r="http://schemas.openxmlformats.org/officeDocument/2006/relationships" xmlns:p="http://schemas.openxmlformats.org/presentationml/2006/main">
   <p:cSld>
     <p:spTree>
@@ -4724,7 +5337,7 @@
 </p:sld>
 </file>
 
-<file path=ppt/slides/slide13.xml><?xml version="1.0" encoding="utf-8"?>
+<file path=ppt/slides/slide15.xml><?xml version="1.0" encoding="utf-8"?>
 <p:sld xmlns:a="http://schemas.openxmlformats.org/drawingml/2006/main" xmlns:r="http://schemas.openxmlformats.org/officeDocument/2006/relationships" xmlns:p="http://schemas.openxmlformats.org/presentationml/2006/main">
   <p:cSld>
     <p:spTree>
@@ -4826,7 +5439,7 @@
 </p:sld>
 </file>
 
-<file path=ppt/slides/slide14.xml><?xml version="1.0" encoding="utf-8"?>
+<file path=ppt/slides/slide16.xml><?xml version="1.0" encoding="utf-8"?>
 <p:sld xmlns:a="http://schemas.openxmlformats.org/drawingml/2006/main" xmlns:r="http://schemas.openxmlformats.org/officeDocument/2006/relationships" xmlns:p="http://schemas.openxmlformats.org/presentationml/2006/main">
   <p:cSld>
     <p:spTree>
@@ -4934,435 +5547,6 @@
 </p:sld>
 </file>
 
-<file path=ppt/slides/slide15.xml><?xml version="1.0" encoding="utf-8"?>
-<p:sld xmlns:a="http://schemas.openxmlformats.org/drawingml/2006/main" xmlns:r="http://schemas.openxmlformats.org/officeDocument/2006/relationships" xmlns:p="http://schemas.openxmlformats.org/presentationml/2006/main">
-  <p:cSld>
-    <p:spTree>
-      <p:nvGrpSpPr>
-        <p:cNvPr id="1" name=""/>
-        <p:cNvGrpSpPr/>
-        <p:nvPr/>
-      </p:nvGrpSpPr>
-      <p:grpSpPr>
-        <a:xfrm>
-          <a:off x="0" y="0"/>
-          <a:ext cx="0" cy="0"/>
-          <a:chOff x="0" y="0"/>
-          <a:chExt cx="0" cy="0"/>
-        </a:xfrm>
-      </p:grpSpPr>
-      <p:sp>
-        <p:nvSpPr>
-          <p:cNvPr id="2" name="タイトル 1">
-            <a:extLst>
-              <a:ext uri="{FF2B5EF4-FFF2-40B4-BE49-F238E27FC236}">
-                <a16:creationId xmlns:a16="http://schemas.microsoft.com/office/drawing/2014/main" id="{69B7166A-1AE2-4F80-B2D0-8C7FF5316993}"/>
-              </a:ext>
-            </a:extLst>
-          </p:cNvPr>
-          <p:cNvSpPr>
-            <a:spLocks noGrp="1"/>
-          </p:cNvSpPr>
-          <p:nvPr>
-            <p:ph type="title"/>
-          </p:nvPr>
-        </p:nvSpPr>
-        <p:spPr/>
-        <p:txBody>
-          <a:bodyPr/>
-          <a:lstStyle/>
-          <a:p>
-            <a:r>
-              <a:rPr kumimoji="1" lang="en-US" altLang="ja-JP" dirty="0"/>
-              <a:t>Leakage</a:t>
-            </a:r>
-            <a:r>
-              <a:rPr kumimoji="1" lang="ja-JP" altLang="en-US" dirty="0"/>
-              <a:t>の発覚</a:t>
-            </a:r>
-          </a:p>
-        </p:txBody>
-      </p:sp>
-      <p:sp>
-        <p:nvSpPr>
-          <p:cNvPr id="3" name="コンテンツ プレースホルダー 2">
-            <a:extLst>
-              <a:ext uri="{FF2B5EF4-FFF2-40B4-BE49-F238E27FC236}">
-                <a16:creationId xmlns:a16="http://schemas.microsoft.com/office/drawing/2014/main" id="{1A5CF017-AD5C-4157-884C-FA670B874BF4}"/>
-              </a:ext>
-            </a:extLst>
-          </p:cNvPr>
-          <p:cNvSpPr>
-            <a:spLocks noGrp="1"/>
-          </p:cNvSpPr>
-          <p:nvPr>
-            <p:ph idx="1"/>
-          </p:nvPr>
-        </p:nvSpPr>
-        <p:spPr/>
-        <p:txBody>
-          <a:bodyPr>
-            <a:normAutofit fontScale="92500" lnSpcReduction="20000"/>
-          </a:bodyPr>
-          <a:lstStyle/>
-          <a:p>
-            <a:r>
-              <a:rPr kumimoji="1" lang="en-US" altLang="ja-JP" dirty="0"/>
-              <a:t>Leakage</a:t>
-            </a:r>
-            <a:r>
-              <a:rPr kumimoji="1" lang="ja-JP" altLang="en-US" dirty="0"/>
-              <a:t>とは</a:t>
-            </a:r>
-            <a:endParaRPr kumimoji="1" lang="en-US" altLang="ja-JP" dirty="0"/>
-          </a:p>
-          <a:p>
-            <a:pPr marL="457200" lvl="1" indent="0">
-              <a:buNone/>
-            </a:pPr>
-            <a:r>
-              <a:rPr kumimoji="1" lang="ja-JP" altLang="en-US" dirty="0"/>
-              <a:t> 本来分析側が</a:t>
-            </a:r>
-            <a:r>
-              <a:rPr kumimoji="1" lang="ja-JP" altLang="en-US" b="1" dirty="0">
-                <a:solidFill>
-                  <a:srgbClr val="FF0000"/>
-                </a:solidFill>
-              </a:rPr>
-              <a:t>「知らないはず」</a:t>
-            </a:r>
-            <a:r>
-              <a:rPr kumimoji="1" lang="ja-JP" altLang="en-US" dirty="0"/>
-              <a:t>の情報が</a:t>
-            </a:r>
-            <a:r>
-              <a:rPr kumimoji="1" lang="ja-JP" altLang="en-US" b="1" dirty="0">
-                <a:solidFill>
-                  <a:srgbClr val="FF0000"/>
-                </a:solidFill>
-              </a:rPr>
-              <a:t>漏洩し</a:t>
-            </a:r>
-            <a:r>
-              <a:rPr kumimoji="1" lang="ja-JP" altLang="en-US" dirty="0"/>
-              <a:t>分析モデルに組み込むこと</a:t>
-            </a:r>
-            <a:endParaRPr kumimoji="1" lang="en-US" altLang="ja-JP" dirty="0"/>
-          </a:p>
-          <a:p>
-            <a:pPr marL="457200" lvl="1" indent="0">
-              <a:buNone/>
-            </a:pPr>
-            <a:r>
-              <a:rPr lang="ja-JP" altLang="en-US" dirty="0"/>
-              <a:t> 過学習が起き，</a:t>
-            </a:r>
-            <a:r>
-              <a:rPr lang="ja-JP" altLang="en-US" b="1" dirty="0">
-                <a:solidFill>
-                  <a:srgbClr val="FF0000"/>
-                </a:solidFill>
-              </a:rPr>
-              <a:t>「予測が</a:t>
-            </a:r>
-            <a:r>
-              <a:rPr lang="en-US" altLang="ja-JP" b="1" dirty="0">
-                <a:solidFill>
-                  <a:srgbClr val="FF0000"/>
-                </a:solidFill>
-              </a:rPr>
-              <a:t>100%</a:t>
-            </a:r>
-            <a:r>
-              <a:rPr lang="ja-JP" altLang="en-US" b="1" dirty="0">
-                <a:solidFill>
-                  <a:srgbClr val="FF0000"/>
-                </a:solidFill>
-              </a:rPr>
-              <a:t>当たるモデル」</a:t>
-            </a:r>
-            <a:r>
-              <a:rPr lang="ja-JP" altLang="en-US" dirty="0"/>
-              <a:t>とかが生まれる要因</a:t>
-            </a:r>
-            <a:endParaRPr lang="en-US" altLang="ja-JP" dirty="0"/>
-          </a:p>
-          <a:p>
-            <a:endParaRPr lang="en-US" altLang="ja-JP" dirty="0"/>
-          </a:p>
-          <a:p>
-            <a:r>
-              <a:rPr lang="ja-JP" altLang="en-US" dirty="0"/>
-              <a:t>今回は行・列で時系列のデータだったことが発覚</a:t>
-            </a:r>
-            <a:endParaRPr lang="en-US" altLang="ja-JP" dirty="0"/>
-          </a:p>
-          <a:p>
-            <a:pPr lvl="1"/>
-            <a:r>
-              <a:rPr lang="ja-JP" altLang="en-US" dirty="0"/>
-              <a:t>行が単位時間ごとの時系列，列は説明変数のログ</a:t>
-            </a:r>
-            <a:endParaRPr lang="en-US" altLang="ja-JP" dirty="0"/>
-          </a:p>
-          <a:p>
-            <a:pPr lvl="1"/>
-            <a:r>
-              <a:rPr lang="ja-JP" altLang="en-US" dirty="0"/>
-              <a:t>使うべき変数が</a:t>
-            </a:r>
-            <a:r>
-              <a:rPr lang="en-US" altLang="ja-JP" dirty="0"/>
-              <a:t>46</a:t>
-            </a:r>
-            <a:r>
-              <a:rPr lang="ja-JP" altLang="en-US" dirty="0"/>
-              <a:t>個くらいに定まる</a:t>
-            </a:r>
-            <a:endParaRPr lang="en-US" altLang="ja-JP" dirty="0"/>
-          </a:p>
-          <a:p>
-            <a:pPr lvl="1"/>
-            <a:r>
-              <a:rPr lang="ja-JP" altLang="en-US" dirty="0"/>
-              <a:t>その変数ラベルも</a:t>
-            </a:r>
-            <a:r>
-              <a:rPr lang="en-US" altLang="ja-JP" dirty="0"/>
-              <a:t>Kernel</a:t>
-            </a:r>
-            <a:r>
-              <a:rPr lang="ja-JP" altLang="en-US" dirty="0"/>
-              <a:t>で共有される</a:t>
-            </a:r>
-            <a:endParaRPr lang="en-US" altLang="ja-JP" dirty="0"/>
-          </a:p>
-          <a:p>
-            <a:pPr lvl="1"/>
-            <a:endParaRPr lang="en-US" altLang="ja-JP" dirty="0"/>
-          </a:p>
-          <a:p>
-            <a:r>
-              <a:rPr lang="en-US" altLang="ja-JP" dirty="0"/>
-              <a:t>Leakage</a:t>
-            </a:r>
-            <a:r>
-              <a:rPr lang="ja-JP" altLang="en-US" dirty="0"/>
-              <a:t>に関する参考は</a:t>
-            </a:r>
-            <a:endParaRPr lang="en-US" altLang="ja-JP" dirty="0"/>
-          </a:p>
-          <a:p>
-            <a:pPr lvl="1"/>
-            <a:r>
-              <a:rPr lang="en-US" altLang="ja-JP" dirty="0"/>
-              <a:t>TJO</a:t>
-            </a:r>
-            <a:r>
-              <a:rPr lang="ja-JP" altLang="en-US" dirty="0"/>
-              <a:t>先生のブログ</a:t>
-            </a:r>
-            <a:r>
-              <a:rPr lang="en-US" altLang="ja-JP" dirty="0"/>
-              <a:t>(</a:t>
-            </a:r>
-            <a:r>
-              <a:rPr lang="en-US" altLang="ja-JP" dirty="0">
-                <a:hlinkClick r:id="rId2"/>
-              </a:rPr>
-              <a:t>https://tjo.hatenablog.com/entry/2016/01/27/235620</a:t>
-            </a:r>
-            <a:r>
-              <a:rPr lang="en-US" altLang="ja-JP" dirty="0"/>
-              <a:t>)</a:t>
-            </a:r>
-          </a:p>
-          <a:p>
-            <a:pPr lvl="1"/>
-            <a:r>
-              <a:rPr lang="en-US" altLang="ja-JP" dirty="0" err="1"/>
-              <a:t>takuti</a:t>
-            </a:r>
-            <a:r>
-              <a:rPr lang="ja-JP" altLang="en-US" dirty="0"/>
-              <a:t>先生のブログ</a:t>
-            </a:r>
-            <a:r>
-              <a:rPr lang="en-US" altLang="ja-JP" dirty="0"/>
-              <a:t>(</a:t>
-            </a:r>
-            <a:r>
-              <a:rPr lang="en-US" altLang="ja-JP" dirty="0">
-                <a:hlinkClick r:id="rId3"/>
-              </a:rPr>
-              <a:t>https://takuti.me/note/leakage/</a:t>
-            </a:r>
-            <a:r>
-              <a:rPr lang="en-US" altLang="ja-JP" dirty="0"/>
-              <a:t>)</a:t>
-            </a:r>
-          </a:p>
-        </p:txBody>
-      </p:sp>
-    </p:spTree>
-    <p:extLst>
-      <p:ext uri="{BB962C8B-B14F-4D97-AF65-F5344CB8AC3E}">
-        <p14:creationId xmlns:p14="http://schemas.microsoft.com/office/powerpoint/2010/main" val="271675554"/>
-      </p:ext>
-    </p:extLst>
-  </p:cSld>
-  <p:clrMapOvr>
-    <a:masterClrMapping/>
-  </p:clrMapOvr>
-</p:sld>
-</file>
-
-<file path=ppt/slides/slide16.xml><?xml version="1.0" encoding="utf-8"?>
-<p:sld xmlns:a="http://schemas.openxmlformats.org/drawingml/2006/main" xmlns:r="http://schemas.openxmlformats.org/officeDocument/2006/relationships" xmlns:p="http://schemas.openxmlformats.org/presentationml/2006/main">
-  <p:cSld>
-    <p:spTree>
-      <p:nvGrpSpPr>
-        <p:cNvPr id="1" name=""/>
-        <p:cNvGrpSpPr/>
-        <p:nvPr/>
-      </p:nvGrpSpPr>
-      <p:grpSpPr>
-        <a:xfrm>
-          <a:off x="0" y="0"/>
-          <a:ext cx="0" cy="0"/>
-          <a:chOff x="0" y="0"/>
-          <a:chExt cx="0" cy="0"/>
-        </a:xfrm>
-      </p:grpSpPr>
-      <p:sp>
-        <p:nvSpPr>
-          <p:cNvPr id="2" name="タイトル 1">
-            <a:extLst>
-              <a:ext uri="{FF2B5EF4-FFF2-40B4-BE49-F238E27FC236}">
-                <a16:creationId xmlns:a16="http://schemas.microsoft.com/office/drawing/2014/main" id="{AC2F3118-39DA-4163-800B-48500C3B7849}"/>
-              </a:ext>
-            </a:extLst>
-          </p:cNvPr>
-          <p:cNvSpPr>
-            <a:spLocks noGrp="1"/>
-          </p:cNvSpPr>
-          <p:nvPr>
-            <p:ph type="title"/>
-          </p:nvPr>
-        </p:nvSpPr>
-        <p:spPr/>
-        <p:txBody>
-          <a:bodyPr/>
-          <a:lstStyle/>
-          <a:p>
-            <a:r>
-              <a:rPr kumimoji="1" lang="ja-JP" altLang="en-US" dirty="0"/>
-              <a:t>その結果</a:t>
-            </a:r>
-          </a:p>
-        </p:txBody>
-      </p:sp>
-      <p:sp>
-        <p:nvSpPr>
-          <p:cNvPr id="3" name="コンテンツ プレースホルダー 2">
-            <a:extLst>
-              <a:ext uri="{FF2B5EF4-FFF2-40B4-BE49-F238E27FC236}">
-                <a16:creationId xmlns:a16="http://schemas.microsoft.com/office/drawing/2014/main" id="{3EBD520B-90AD-4A23-856C-F6136B04F22D}"/>
-              </a:ext>
-            </a:extLst>
-          </p:cNvPr>
-          <p:cNvSpPr>
-            <a:spLocks noGrp="1"/>
-          </p:cNvSpPr>
-          <p:nvPr>
-            <p:ph idx="1"/>
-          </p:nvPr>
-        </p:nvSpPr>
-        <p:spPr/>
-        <p:txBody>
-          <a:bodyPr/>
-          <a:lstStyle/>
-          <a:p>
-            <a:r>
-              <a:rPr kumimoji="1" lang="ja-JP" altLang="en-US" dirty="0"/>
-              <a:t>スコアレースが過熱</a:t>
-            </a:r>
-            <a:endParaRPr kumimoji="1" lang="en-US" altLang="ja-JP" dirty="0"/>
-          </a:p>
-          <a:p>
-            <a:endParaRPr lang="en-US" altLang="ja-JP" dirty="0"/>
-          </a:p>
-          <a:p>
-            <a:r>
-              <a:rPr lang="ja-JP" altLang="en-US" dirty="0"/>
-              <a:t>そこまで</a:t>
-            </a:r>
-            <a:r>
-              <a:rPr lang="en-US" altLang="ja-JP" dirty="0"/>
-              <a:t>1.xx</a:t>
-            </a:r>
-            <a:r>
-              <a:rPr lang="ja-JP" altLang="en-US" dirty="0"/>
-              <a:t>台だったランキングが</a:t>
-            </a:r>
-            <a:r>
-              <a:rPr lang="en-US" altLang="ja-JP" dirty="0"/>
-              <a:t>0.5</a:t>
-            </a:r>
-            <a:r>
-              <a:rPr lang="ja-JP" altLang="en-US" dirty="0"/>
-              <a:t>を軽く切る</a:t>
-            </a:r>
-            <a:endParaRPr lang="en-US" altLang="ja-JP" dirty="0"/>
-          </a:p>
-          <a:p>
-            <a:endParaRPr lang="en-US" altLang="ja-JP" dirty="0"/>
-          </a:p>
-          <a:p>
-            <a:r>
-              <a:rPr lang="ja-JP" altLang="en-US" dirty="0"/>
-              <a:t>今回の</a:t>
-            </a:r>
-            <a:r>
-              <a:rPr lang="en-US" altLang="ja-JP" dirty="0"/>
-              <a:t>1</a:t>
-            </a:r>
-            <a:r>
-              <a:rPr lang="ja-JP" altLang="en-US" dirty="0"/>
-              <a:t>位は</a:t>
-            </a:r>
-            <a:r>
-              <a:rPr lang="en-US" altLang="ja-JP" dirty="0"/>
-              <a:t>0.47</a:t>
-            </a:r>
-            <a:r>
-              <a:rPr lang="ja-JP" altLang="en-US" dirty="0"/>
-              <a:t>くらい</a:t>
-            </a:r>
-            <a:endParaRPr lang="en-US" altLang="ja-JP" dirty="0"/>
-          </a:p>
-          <a:p>
-            <a:endParaRPr kumimoji="1" lang="en-US" altLang="ja-JP" dirty="0"/>
-          </a:p>
-          <a:p>
-            <a:endParaRPr kumimoji="1" lang="ja-JP" altLang="en-US" dirty="0"/>
-          </a:p>
-        </p:txBody>
-      </p:sp>
-    </p:spTree>
-    <p:extLst>
-      <p:ext uri="{BB962C8B-B14F-4D97-AF65-F5344CB8AC3E}">
-        <p14:creationId xmlns:p14="http://schemas.microsoft.com/office/powerpoint/2010/main" val="2923142730"/>
-      </p:ext>
-    </p:extLst>
-  </p:cSld>
-  <p:clrMapOvr>
-    <a:masterClrMapping/>
-  </p:clrMapOvr>
-</p:sld>
-</file>
-
 <file path=ppt/slides/slide17.xml><?xml version="1.0" encoding="utf-8"?>
 <p:sld xmlns:a="http://schemas.openxmlformats.org/drawingml/2006/main" xmlns:r="http://schemas.openxmlformats.org/officeDocument/2006/relationships" xmlns:p="http://schemas.openxmlformats.org/presentationml/2006/main">
   <p:cSld>
@@ -5380,84 +5564,45 @@
           <a:chExt cx="0" cy="0"/>
         </a:xfrm>
       </p:grpSpPr>
-      <p:sp>
-        <p:nvSpPr>
-          <p:cNvPr id="2" name="タイトル 1">
-            <a:extLst>
-              <a:ext uri="{FF2B5EF4-FFF2-40B4-BE49-F238E27FC236}">
-                <a16:creationId xmlns:a16="http://schemas.microsoft.com/office/drawing/2014/main" id="{E6EE7905-7A85-4C7F-872B-ADE11F7CFDC4}"/>
-              </a:ext>
-            </a:extLst>
-          </p:cNvPr>
-          <p:cNvSpPr>
-            <a:spLocks noGrp="1"/>
-          </p:cNvSpPr>
-          <p:nvPr>
-            <p:ph type="title"/>
-          </p:nvPr>
-        </p:nvSpPr>
-        <p:spPr/>
-        <p:txBody>
-          <a:bodyPr/>
-          <a:lstStyle/>
-          <a:p>
-            <a:r>
-              <a:rPr kumimoji="1" lang="ja-JP" altLang="en-US" dirty="0"/>
-              <a:t>伝えたいこと ②</a:t>
-            </a:r>
-          </a:p>
-        </p:txBody>
-      </p:sp>
-      <p:sp>
-        <p:nvSpPr>
-          <p:cNvPr id="4" name="コンテンツ プレースホルダー 2">
-            <a:extLst>
-              <a:ext uri="{FF2B5EF4-FFF2-40B4-BE49-F238E27FC236}">
-                <a16:creationId xmlns:a16="http://schemas.microsoft.com/office/drawing/2014/main" id="{B66DA3F1-627B-4397-BE2D-9718143713C6}"/>
-              </a:ext>
-            </a:extLst>
-          </p:cNvPr>
-          <p:cNvSpPr>
-            <a:spLocks noGrp="1"/>
-          </p:cNvSpPr>
+      <p:pic>
+        <p:nvPicPr>
+          <p:cNvPr id="5" name="コンテンツ プレースホルダー 4">
+            <a:extLst>
+              <a:ext uri="{FF2B5EF4-FFF2-40B4-BE49-F238E27FC236}">
+                <a16:creationId xmlns:a16="http://schemas.microsoft.com/office/drawing/2014/main" id="{A8546917-570C-427C-81E0-6E73B9F7922E}"/>
+              </a:ext>
+            </a:extLst>
+          </p:cNvPr>
+          <p:cNvPicPr>
+            <a:picLocks noGrp="1" noChangeAspect="1"/>
+          </p:cNvPicPr>
           <p:nvPr>
             <p:ph idx="1"/>
           </p:nvPr>
-        </p:nvSpPr>
+        </p:nvPicPr>
+        <p:blipFill>
+          <a:blip r:embed="rId2">
+            <a:extLst>
+              <a:ext uri="{28A0092B-C50C-407E-A947-70E740481C1C}">
+                <a14:useLocalDpi xmlns:a14="http://schemas.microsoft.com/office/drawing/2010/main" val="0"/>
+              </a:ext>
+            </a:extLst>
+          </a:blip>
+          <a:stretch>
+            <a:fillRect/>
+          </a:stretch>
+        </p:blipFill>
         <p:spPr>
           <a:xfrm>
-            <a:off x="838200" y="3429000"/>
-            <a:ext cx="10515600" cy="849336"/>
+            <a:off x="2232254" y="1825625"/>
+            <a:ext cx="7727492" cy="4351338"/>
           </a:xfrm>
         </p:spPr>
-        <p:txBody>
-          <a:bodyPr>
-            <a:normAutofit/>
-          </a:bodyPr>
-          <a:lstStyle/>
-          <a:p>
-            <a:pPr marL="0" indent="0" algn="ctr">
-              <a:buNone/>
-            </a:pPr>
-            <a:r>
-              <a:rPr kumimoji="1" lang="en-US" altLang="ja-JP" sz="4800" dirty="0"/>
-              <a:t>Leakage</a:t>
-            </a:r>
-            <a:r>
-              <a:rPr kumimoji="1" lang="ja-JP" altLang="en-US" sz="4800" dirty="0" err="1"/>
-              <a:t>には</a:t>
-            </a:r>
-            <a:r>
-              <a:rPr kumimoji="1" lang="ja-JP" altLang="en-US" sz="4800" dirty="0"/>
-              <a:t>気をつけよう！</a:t>
-            </a:r>
-          </a:p>
-        </p:txBody>
-      </p:sp>
+      </p:pic>
     </p:spTree>
     <p:extLst>
       <p:ext uri="{BB962C8B-B14F-4D97-AF65-F5344CB8AC3E}">
-        <p14:creationId xmlns:p14="http://schemas.microsoft.com/office/powerpoint/2010/main" val="2825303980"/>
+        <p14:creationId xmlns:p14="http://schemas.microsoft.com/office/powerpoint/2010/main" val="2479047104"/>
       </p:ext>
     </p:extLst>
   </p:cSld>
@@ -5489,7 +5634,7 @@
           <p:cNvPr id="2" name="タイトル 1">
             <a:extLst>
               <a:ext uri="{FF2B5EF4-FFF2-40B4-BE49-F238E27FC236}">
-                <a16:creationId xmlns:a16="http://schemas.microsoft.com/office/drawing/2014/main" id="{73419E7B-7856-4809-9834-A5D29660A3D9}"/>
+                <a16:creationId xmlns:a16="http://schemas.microsoft.com/office/drawing/2014/main" id="{69B7166A-1AE2-4F80-B2D0-8C7FF5316993}"/>
               </a:ext>
             </a:extLst>
           </p:cNvPr>
@@ -5506,18 +5651,13 @@
           <a:lstStyle/>
           <a:p>
             <a:r>
-              <a:rPr kumimoji="1" lang="en-US" altLang="ja-JP" dirty="0" err="1"/>
-              <a:t>Sorekara</a:t>
-            </a:r>
-            <a:r>
               <a:rPr kumimoji="1" lang="en-US" altLang="ja-JP" dirty="0"/>
-              <a:t> do </a:t>
-            </a:r>
-            <a:r>
-              <a:rPr kumimoji="1" lang="en-US" altLang="ja-JP" dirty="0" err="1"/>
-              <a:t>Shitano</a:t>
-            </a:r>
-            <a:endParaRPr kumimoji="1" lang="ja-JP" altLang="en-US" dirty="0"/>
+              <a:t>Leakage</a:t>
+            </a:r>
+            <a:r>
+              <a:rPr kumimoji="1" lang="ja-JP" altLang="en-US" dirty="0"/>
+              <a:t>の発覚</a:t>
+            </a:r>
           </a:p>
         </p:txBody>
       </p:sp>
@@ -5526,7 +5666,7 @@
           <p:cNvPr id="3" name="コンテンツ プレースホルダー 2">
             <a:extLst>
               <a:ext uri="{FF2B5EF4-FFF2-40B4-BE49-F238E27FC236}">
-                <a16:creationId xmlns:a16="http://schemas.microsoft.com/office/drawing/2014/main" id="{5BB0540A-C58A-4290-B188-2683CFEA1B61}"/>
+                <a16:creationId xmlns:a16="http://schemas.microsoft.com/office/drawing/2014/main" id="{1A5CF017-AD5C-4157-884C-FA670B874BF4}"/>
               </a:ext>
             </a:extLst>
           </p:cNvPr>
@@ -5539,24 +5679,155 @@
         </p:nvSpPr>
         <p:spPr/>
         <p:txBody>
-          <a:bodyPr/>
-          <a:lstStyle/>
-          <a:p>
+          <a:bodyPr>
+            <a:normAutofit fontScale="92500" lnSpcReduction="20000"/>
+          </a:bodyPr>
+          <a:lstStyle/>
+          <a:p>
+            <a:r>
+              <a:rPr kumimoji="1" lang="en-US" altLang="ja-JP" dirty="0"/>
+              <a:t>Leakage</a:t>
+            </a:r>
             <a:r>
               <a:rPr kumimoji="1" lang="ja-JP" altLang="en-US" dirty="0"/>
-              <a:t>いろいろグレーゾーンに染まり始める</a:t>
+              <a:t>とは</a:t>
             </a:r>
             <a:endParaRPr kumimoji="1" lang="en-US" altLang="ja-JP" dirty="0"/>
           </a:p>
           <a:p>
+            <a:pPr marL="457200" lvl="1" indent="0">
+              <a:buNone/>
+            </a:pPr>
+            <a:r>
+              <a:rPr kumimoji="1" lang="ja-JP" altLang="en-US" dirty="0"/>
+              <a:t> 本来分析側が</a:t>
+            </a:r>
+            <a:r>
+              <a:rPr kumimoji="1" lang="ja-JP" altLang="en-US" b="1" dirty="0">
+                <a:solidFill>
+                  <a:srgbClr val="FF0000"/>
+                </a:solidFill>
+              </a:rPr>
+              <a:t>「知らないはず」</a:t>
+            </a:r>
+            <a:r>
+              <a:rPr kumimoji="1" lang="ja-JP" altLang="en-US" dirty="0"/>
+              <a:t>の情報が</a:t>
+            </a:r>
+            <a:r>
+              <a:rPr kumimoji="1" lang="ja-JP" altLang="en-US" b="1" dirty="0">
+                <a:solidFill>
+                  <a:srgbClr val="FF0000"/>
+                </a:solidFill>
+              </a:rPr>
+              <a:t>漏洩し</a:t>
+            </a:r>
+            <a:r>
+              <a:rPr kumimoji="1" lang="ja-JP" altLang="en-US" dirty="0"/>
+              <a:t>分析モデルに組み込むこと</a:t>
+            </a:r>
+            <a:endParaRPr kumimoji="1" lang="en-US" altLang="ja-JP" dirty="0"/>
+          </a:p>
+          <a:p>
+            <a:pPr marL="457200" lvl="1" indent="0">
+              <a:buNone/>
+            </a:pPr>
+            <a:r>
+              <a:rPr lang="ja-JP" altLang="en-US" dirty="0"/>
+              <a:t> 過学習が起き，</a:t>
+            </a:r>
+            <a:r>
+              <a:rPr lang="ja-JP" altLang="en-US" b="1" dirty="0">
+                <a:solidFill>
+                  <a:srgbClr val="FF0000"/>
+                </a:solidFill>
+              </a:rPr>
+              <a:t>「予測が</a:t>
+            </a:r>
+            <a:r>
+              <a:rPr lang="en-US" altLang="ja-JP" b="1" dirty="0">
+                <a:solidFill>
+                  <a:srgbClr val="FF0000"/>
+                </a:solidFill>
+              </a:rPr>
+              <a:t>100%</a:t>
+            </a:r>
+            <a:r>
+              <a:rPr lang="ja-JP" altLang="en-US" b="1" dirty="0">
+                <a:solidFill>
+                  <a:srgbClr val="FF0000"/>
+                </a:solidFill>
+              </a:rPr>
+              <a:t>当たるモデル」</a:t>
+            </a:r>
+            <a:r>
+              <a:rPr lang="ja-JP" altLang="en-US" dirty="0"/>
+              <a:t>とかが生まれる要因</a:t>
+            </a:r>
+            <a:endParaRPr lang="en-US" altLang="ja-JP" dirty="0"/>
+          </a:p>
+          <a:p>
+            <a:endParaRPr lang="en-US" altLang="ja-JP" dirty="0"/>
+          </a:p>
+          <a:p>
+            <a:r>
+              <a:rPr lang="ja-JP" altLang="en-US" dirty="0"/>
+              <a:t>今回は行・列で時系列のデータだったことが発覚</a:t>
+            </a:r>
+            <a:endParaRPr lang="en-US" altLang="ja-JP" dirty="0"/>
+          </a:p>
+          <a:p>
             <a:pPr lvl="1"/>
+            <a:r>
+              <a:rPr lang="ja-JP" altLang="en-US" dirty="0"/>
+              <a:t>行が単位時間ごとの時系列，列は説明変数のログ</a:t>
+            </a:r>
+            <a:endParaRPr lang="en-US" altLang="ja-JP" dirty="0"/>
+          </a:p>
+          <a:p>
+            <a:pPr lvl="1"/>
+            <a:r>
+              <a:rPr lang="ja-JP" altLang="en-US" dirty="0"/>
+              <a:t>使うべき変数が</a:t>
+            </a:r>
+            <a:r>
+              <a:rPr lang="en-US" altLang="ja-JP" dirty="0"/>
+              <a:t>46</a:t>
+            </a:r>
+            <a:r>
+              <a:rPr lang="ja-JP" altLang="en-US" dirty="0"/>
+              <a:t>個くらいに定まる</a:t>
+            </a:r>
+            <a:endParaRPr lang="en-US" altLang="ja-JP" dirty="0"/>
+          </a:p>
+          <a:p>
+            <a:pPr lvl="1"/>
+            <a:r>
+              <a:rPr lang="ja-JP" altLang="en-US" dirty="0"/>
+              <a:t>その変数ラベルも</a:t>
+            </a:r>
+            <a:r>
+              <a:rPr lang="en-US" altLang="ja-JP" dirty="0"/>
+              <a:t>Kernel</a:t>
+            </a:r>
+            <a:r>
+              <a:rPr lang="ja-JP" altLang="en-US" dirty="0"/>
+              <a:t>で共有される</a:t>
+            </a:r>
+            <a:endParaRPr lang="en-US" altLang="ja-JP" dirty="0"/>
+          </a:p>
+          <a:p>
+            <a:pPr lvl="1"/>
+            <a:endParaRPr lang="en-US" altLang="ja-JP" dirty="0"/>
+          </a:p>
+          <a:p>
             <a:r>
               <a:rPr lang="en-US" altLang="ja-JP" dirty="0"/>
               <a:t>Leakage</a:t>
             </a:r>
             <a:r>
               <a:rPr lang="ja-JP" altLang="en-US" dirty="0"/>
-              <a:t>の変数を使ったり</a:t>
+              <a:t>に関する参考は</a:t>
             </a:r>
             <a:endParaRPr lang="en-US" altLang="ja-JP" dirty="0"/>
           </a:p>
@@ -5564,120 +5835,58 @@
             <a:pPr lvl="1"/>
             <a:r>
               <a:rPr lang="en-US" altLang="ja-JP" dirty="0"/>
-              <a:t>Kernel</a:t>
-            </a:r>
-            <a:r>
-              <a:rPr lang="ja-JP" altLang="en-US" dirty="0"/>
-              <a:t>で公開されている</a:t>
+              <a:t>TJO</a:t>
+            </a:r>
+            <a:r>
+              <a:rPr lang="ja-JP" altLang="en-US" dirty="0"/>
+              <a:t>先生のブログ</a:t>
             </a:r>
             <a:r>
               <a:rPr lang="en-US" altLang="ja-JP" dirty="0"/>
-              <a:t>Submission</a:t>
-            </a:r>
-            <a:r>
-              <a:rPr lang="ja-JP" altLang="en-US" dirty="0"/>
-              <a:t>のスコアを借りてスコア精度高めたり</a:t>
+              <a:t>(</a:t>
+            </a:r>
+            <a:r>
+              <a:rPr lang="en-US" altLang="ja-JP" dirty="0">
+                <a:hlinkClick r:id="rId2"/>
+              </a:rPr>
+              <a:t>https://tjo.hatenablog.com/entry/2016/01/27/235620</a:t>
             </a:r>
             <a:r>
               <a:rPr lang="en-US" altLang="ja-JP" dirty="0"/>
-              <a:t>(Blending)</a:t>
-            </a:r>
-          </a:p>
-          <a:p>
-            <a:endParaRPr kumimoji="1" lang="en-US" altLang="ja-JP" dirty="0"/>
-          </a:p>
-          <a:p>
-            <a:r>
-              <a:rPr lang="ja-JP" altLang="en-US" dirty="0"/>
-              <a:t>方法はいろいろ</a:t>
-            </a:r>
-            <a:endParaRPr lang="en-US" altLang="ja-JP" dirty="0"/>
+              <a:t>)</a:t>
+            </a:r>
           </a:p>
           <a:p>
             <a:pPr lvl="1"/>
             <a:r>
+              <a:rPr lang="en-US" altLang="ja-JP" dirty="0" err="1"/>
+              <a:t>takuti</a:t>
+            </a:r>
+            <a:r>
+              <a:rPr lang="ja-JP" altLang="en-US" dirty="0"/>
+              <a:t>先生のブログ</a:t>
+            </a:r>
+            <a:r>
               <a:rPr lang="en-US" altLang="ja-JP" dirty="0"/>
-              <a:t>0</a:t>
-            </a:r>
-            <a:r>
-              <a:rPr lang="ja-JP" altLang="en-US" dirty="0"/>
-              <a:t>に偏ったデータなので負の二項回帰</a:t>
+              <a:t>(</a:t>
+            </a:r>
+            <a:r>
+              <a:rPr lang="en-US" altLang="ja-JP" dirty="0">
+                <a:hlinkClick r:id="rId3"/>
+              </a:rPr>
+              <a:t>https://takuti.me/note/leakage/</a:t>
             </a:r>
             <a:r>
               <a:rPr lang="en-US" altLang="ja-JP" dirty="0"/>
-              <a:t>(RMSLE:</a:t>
-            </a:r>
-            <a:r>
-              <a:rPr lang="ja-JP" altLang="en-US" dirty="0"/>
-              <a:t> </a:t>
-            </a:r>
-            <a:r>
-              <a:rPr lang="en-US" altLang="ja-JP" dirty="0"/>
-              <a:t>1.98)</a:t>
-            </a:r>
-          </a:p>
-          <a:p>
-            <a:pPr lvl="1"/>
-            <a:r>
-              <a:rPr lang="ja-JP" altLang="en-US" dirty="0"/>
-              <a:t>機械学習らしくランダムフォレスト  </a:t>
-            </a:r>
-            <a:r>
-              <a:rPr lang="en-US" altLang="ja-JP" dirty="0"/>
-              <a:t>(RMSLE:</a:t>
-            </a:r>
-            <a:r>
-              <a:rPr lang="ja-JP" altLang="en-US" dirty="0"/>
-              <a:t> </a:t>
-            </a:r>
-            <a:r>
-              <a:rPr lang="en-US" altLang="ja-JP" dirty="0"/>
-              <a:t>1.47)</a:t>
-            </a:r>
-          </a:p>
-          <a:p>
-            <a:pPr lvl="1"/>
-            <a:r>
-              <a:rPr lang="en-US" altLang="ja-JP" dirty="0"/>
-              <a:t>caret</a:t>
-            </a:r>
-            <a:r>
-              <a:rPr lang="ja-JP" altLang="en-US" dirty="0"/>
-              <a:t>パッケージによる</a:t>
-            </a:r>
-            <a:r>
-              <a:rPr lang="en-US" altLang="ja-JP" dirty="0" err="1"/>
-              <a:t>xgboost</a:t>
-            </a:r>
-            <a:r>
-              <a:rPr lang="ja-JP" altLang="en-US" dirty="0"/>
-              <a:t>         </a:t>
-            </a:r>
-            <a:r>
-              <a:rPr lang="en-US" altLang="ja-JP" dirty="0"/>
-              <a:t>(RMSLE: 1.39)</a:t>
-            </a:r>
-            <a:r>
-              <a:rPr lang="ja-JP" altLang="en-US" dirty="0"/>
-              <a:t>←ハイスコア</a:t>
-            </a:r>
-            <a:endParaRPr lang="en-US" altLang="ja-JP" dirty="0"/>
-          </a:p>
-          <a:p>
-            <a:endParaRPr kumimoji="1" lang="en-US" altLang="ja-JP" dirty="0"/>
-          </a:p>
-          <a:p>
-            <a:endParaRPr lang="en-US" altLang="ja-JP" dirty="0"/>
-          </a:p>
-          <a:p>
-            <a:endParaRPr kumimoji="1" lang="ja-JP" altLang="en-US" dirty="0"/>
+              <a:t>)</a:t>
+            </a:r>
           </a:p>
         </p:txBody>
       </p:sp>
     </p:spTree>
     <p:extLst>
       <p:ext uri="{BB962C8B-B14F-4D97-AF65-F5344CB8AC3E}">
-        <p14:creationId xmlns:p14="http://schemas.microsoft.com/office/powerpoint/2010/main" val="1661220227"/>
+        <p14:creationId xmlns:p14="http://schemas.microsoft.com/office/powerpoint/2010/main" val="271675554"/>
       </p:ext>
     </p:extLst>
   </p:cSld>
@@ -5709,7 +5918,7 @@
           <p:cNvPr id="2" name="タイトル 1">
             <a:extLst>
               <a:ext uri="{FF2B5EF4-FFF2-40B4-BE49-F238E27FC236}">
-                <a16:creationId xmlns:a16="http://schemas.microsoft.com/office/drawing/2014/main" id="{3578C37A-2873-48A8-B7BC-DD5ECD9E3EB6}"/>
+                <a16:creationId xmlns:a16="http://schemas.microsoft.com/office/drawing/2014/main" id="{AC2F3118-39DA-4163-800B-48500C3B7849}"/>
               </a:ext>
             </a:extLst>
           </p:cNvPr>
@@ -5726,28 +5935,8 @@
           <a:lstStyle/>
           <a:p>
             <a:r>
-              <a:rPr kumimoji="1" lang="en-US" altLang="ja-JP" dirty="0" err="1"/>
-              <a:t>XGBoost</a:t>
-            </a:r>
-            <a:r>
               <a:rPr kumimoji="1" lang="ja-JP" altLang="en-US" dirty="0"/>
-              <a:t>　</a:t>
-            </a:r>
-            <a:r>
-              <a:rPr kumimoji="1" lang="en-US" altLang="ja-JP" u="sng" dirty="0">
-                <a:solidFill>
-                  <a:schemeClr val="accent1"/>
-                </a:solidFill>
-              </a:rPr>
-              <a:t>#</a:t>
-            </a:r>
-            <a:r>
-              <a:rPr kumimoji="1" lang="ja-JP" altLang="en-US" u="sng" dirty="0">
-                <a:solidFill>
-                  <a:schemeClr val="accent1"/>
-                </a:solidFill>
-              </a:rPr>
-              <a:t>とは</a:t>
+              <a:t>その結果？</a:t>
             </a:r>
           </a:p>
         </p:txBody>
@@ -5757,7 +5946,7 @@
           <p:cNvPr id="3" name="コンテンツ プレースホルダー 2">
             <a:extLst>
               <a:ext uri="{FF2B5EF4-FFF2-40B4-BE49-F238E27FC236}">
-                <a16:creationId xmlns:a16="http://schemas.microsoft.com/office/drawing/2014/main" id="{00A0FAAB-A4EE-4530-955E-2993814B2E09}"/>
+                <a16:creationId xmlns:a16="http://schemas.microsoft.com/office/drawing/2014/main" id="{3EBD520B-90AD-4A23-856C-F6136B04F22D}"/>
               </a:ext>
             </a:extLst>
           </p:cNvPr>
@@ -5774,133 +5963,75 @@
           <a:lstStyle/>
           <a:p>
             <a:r>
-              <a:rPr kumimoji="1" lang="ja-JP" altLang="en-US" strike="sngStrike" dirty="0"/>
-              <a:t>実はよく知らない</a:t>
-            </a:r>
-            <a:r>
-              <a:rPr lang="en-US" altLang="ja-JP" dirty="0" err="1"/>
-              <a:t>eXtreme</a:t>
+              <a:rPr kumimoji="1" lang="ja-JP" altLang="en-US" dirty="0"/>
+              <a:t>スコアレースが過熱</a:t>
+            </a:r>
+            <a:endParaRPr kumimoji="1" lang="en-US" altLang="ja-JP" dirty="0"/>
+          </a:p>
+          <a:p>
+            <a:endParaRPr lang="en-US" altLang="ja-JP" dirty="0"/>
+          </a:p>
+          <a:p>
+            <a:r>
+              <a:rPr lang="ja-JP" altLang="en-US" dirty="0"/>
+              <a:t>そこまで</a:t>
             </a:r>
             <a:r>
               <a:rPr lang="en-US" altLang="ja-JP" dirty="0"/>
-              <a:t> Gradient Boost</a:t>
-            </a:r>
-            <a:endParaRPr kumimoji="1" lang="en-US" altLang="ja-JP" strike="sngStrike" dirty="0"/>
-          </a:p>
-          <a:p>
-            <a:r>
-              <a:rPr lang="ja-JP" altLang="en-US" dirty="0"/>
-              <a:t>乱暴に言えば</a:t>
+              <a:t>1.xx</a:t>
+            </a:r>
+            <a:r>
+              <a:rPr lang="ja-JP" altLang="en-US" dirty="0"/>
+              <a:t>台だったランキングが</a:t>
             </a:r>
             <a:r>
               <a:rPr lang="en-US" altLang="ja-JP" dirty="0"/>
-              <a:t>Random Forest</a:t>
-            </a:r>
-            <a:r>
-              <a:rPr lang="ja-JP" altLang="en-US" dirty="0"/>
-              <a:t>と勾配</a:t>
+              <a:t>0.5</a:t>
+            </a:r>
+            <a:r>
+              <a:rPr lang="ja-JP" altLang="en-US" dirty="0"/>
+              <a:t>を軽く切る</a:t>
+            </a:r>
+            <a:endParaRPr lang="en-US" altLang="ja-JP" dirty="0"/>
+          </a:p>
+          <a:p>
+            <a:endParaRPr lang="en-US" altLang="ja-JP" dirty="0"/>
+          </a:p>
+          <a:p>
+            <a:r>
+              <a:rPr lang="ja-JP" altLang="en-US" dirty="0"/>
+              <a:t>今回の</a:t>
             </a:r>
             <a:r>
               <a:rPr lang="en-US" altLang="ja-JP" dirty="0"/>
-              <a:t>Boosting</a:t>
-            </a:r>
-            <a:r>
-              <a:rPr lang="ja-JP" altLang="en-US" dirty="0"/>
-              <a:t>の合わせ技</a:t>
+              <a:t>1</a:t>
+            </a:r>
+            <a:r>
+              <a:rPr lang="ja-JP" altLang="en-US" dirty="0"/>
+              <a:t>位は</a:t>
+            </a:r>
+            <a:r>
+              <a:rPr lang="en-US" altLang="ja-JP" dirty="0"/>
+              <a:t>0.47</a:t>
+            </a:r>
+            <a:r>
+              <a:rPr lang="ja-JP" altLang="en-US" dirty="0"/>
+              <a:t>くらい</a:t>
             </a:r>
             <a:endParaRPr lang="en-US" altLang="ja-JP" dirty="0"/>
           </a:p>
           <a:p>
-            <a:pPr lvl="1"/>
-            <a:r>
-              <a:rPr lang="ja-JP" altLang="en-US" dirty="0"/>
-              <a:t>機械学習の合わせ技で生まれた手法を「アンサンブル学習」という</a:t>
-            </a:r>
-            <a:endParaRPr lang="en-US" altLang="ja-JP" dirty="0"/>
-          </a:p>
-          <a:p>
-            <a:pPr lvl="1"/>
-            <a:r>
-              <a:rPr lang="en-US" altLang="ja-JP" dirty="0"/>
-              <a:t>Random Forest</a:t>
-            </a:r>
-            <a:r>
-              <a:rPr lang="ja-JP" altLang="en-US" dirty="0" err="1"/>
-              <a:t>は過</a:t>
-            </a:r>
-            <a:r>
-              <a:rPr lang="ja-JP" altLang="en-US" dirty="0"/>
-              <a:t>学習になりやすい</a:t>
-            </a:r>
-            <a:r>
-              <a:rPr lang="en-US" altLang="ja-JP" dirty="0"/>
-              <a:t>(</a:t>
-            </a:r>
-            <a:r>
-              <a:rPr lang="ja-JP" altLang="en-US" dirty="0"/>
-              <a:t>パラメタチューニングが多くないため</a:t>
-            </a:r>
-            <a:r>
-              <a:rPr lang="en-US" altLang="ja-JP" dirty="0"/>
-              <a:t>)</a:t>
-            </a:r>
-          </a:p>
-          <a:p>
-            <a:pPr lvl="1"/>
-            <a:r>
-              <a:rPr lang="ja-JP" altLang="en-US" dirty="0"/>
-              <a:t>勾配</a:t>
-            </a:r>
-            <a:r>
-              <a:rPr lang="en-US" altLang="ja-JP" dirty="0"/>
-              <a:t>Boosting</a:t>
-            </a:r>
-            <a:r>
-              <a:rPr lang="ja-JP" altLang="en-US" dirty="0"/>
-              <a:t>は予測が正確だけどパラメタチューニングがしんどい</a:t>
-            </a:r>
-            <a:endParaRPr lang="en-US" altLang="ja-JP" dirty="0"/>
-          </a:p>
-          <a:p>
-            <a:pPr lvl="1"/>
-            <a:endParaRPr lang="en-US" altLang="ja-JP" dirty="0"/>
-          </a:p>
-          <a:p>
-            <a:r>
-              <a:rPr lang="en-US" altLang="ja-JP" dirty="0" err="1"/>
-              <a:t>XGBoost</a:t>
-            </a:r>
-            <a:r>
-              <a:rPr lang="ja-JP" altLang="en-US" dirty="0"/>
-              <a:t>は</a:t>
-            </a:r>
-            <a:r>
-              <a:rPr lang="en-US" altLang="ja-JP" dirty="0"/>
-              <a:t>……	</a:t>
-            </a:r>
-          </a:p>
-          <a:p>
-            <a:pPr lvl="1"/>
-            <a:r>
-              <a:rPr lang="ja-JP" altLang="en-US" dirty="0"/>
-              <a:t>スパースデータに強い</a:t>
-            </a:r>
-            <a:endParaRPr lang="en-US" altLang="ja-JP" dirty="0"/>
-          </a:p>
-          <a:p>
-            <a:pPr lvl="1"/>
-            <a:r>
-              <a:rPr lang="ja-JP" altLang="en-US" dirty="0"/>
-              <a:t>計算が速い</a:t>
-            </a:r>
-            <a:endParaRPr lang="en-US" altLang="ja-JP" dirty="0"/>
+            <a:endParaRPr kumimoji="1" lang="en-US" altLang="ja-JP" dirty="0"/>
+          </a:p>
+          <a:p>
+            <a:endParaRPr kumimoji="1" lang="ja-JP" altLang="en-US" dirty="0"/>
           </a:p>
         </p:txBody>
       </p:sp>
     </p:spTree>
     <p:extLst>
       <p:ext uri="{BB962C8B-B14F-4D97-AF65-F5344CB8AC3E}">
-        <p14:creationId xmlns:p14="http://schemas.microsoft.com/office/powerpoint/2010/main" val="3741952175"/>
+        <p14:creationId xmlns:p14="http://schemas.microsoft.com/office/powerpoint/2010/main" val="2923142730"/>
       </p:ext>
     </p:extLst>
   </p:cSld>
@@ -5932,248 +6063,212 @@
           <p:cNvPr id="2" name="タイトル 1">
             <a:extLst>
               <a:ext uri="{FF2B5EF4-FFF2-40B4-BE49-F238E27FC236}">
-                <a16:creationId xmlns:a16="http://schemas.microsoft.com/office/drawing/2014/main" id="{6B70544A-6868-48A1-BAF6-91E9CBFEB99F}"/>
-              </a:ext>
-            </a:extLst>
-          </p:cNvPr>
-          <p:cNvSpPr>
-            <a:spLocks noGrp="1"/>
-          </p:cNvSpPr>
-          <p:nvPr>
-            <p:ph type="title"/>
+                <a16:creationId xmlns:a16="http://schemas.microsoft.com/office/drawing/2014/main" id="{A9131580-9D30-4F40-989B-AECE41CEDF28}"/>
+              </a:ext>
+            </a:extLst>
+          </p:cNvPr>
+          <p:cNvSpPr>
+            <a:spLocks noGrp="1"/>
+          </p:cNvSpPr>
+          <p:nvPr>
+            <p:ph type="ctrTitle"/>
           </p:nvPr>
         </p:nvSpPr>
         <p:spPr/>
         <p:txBody>
+          <a:bodyPr>
+            <a:normAutofit/>
+          </a:bodyPr>
+          <a:lstStyle/>
+          <a:p>
+            <a:r>
+              <a:rPr kumimoji="1" lang="en-US" altLang="ja-JP" dirty="0">
+                <a:solidFill>
+                  <a:schemeClr val="bg1">
+                    <a:lumMod val="85000"/>
+                  </a:schemeClr>
+                </a:solidFill>
+              </a:rPr>
+              <a:t>caret</a:t>
+            </a:r>
+            <a:r>
+              <a:rPr kumimoji="1" lang="ja-JP" altLang="en-US" dirty="0">
+                <a:solidFill>
+                  <a:schemeClr val="bg1">
+                    <a:lumMod val="85000"/>
+                  </a:schemeClr>
+                </a:solidFill>
+              </a:rPr>
+              <a:t>パッケージを使った</a:t>
+            </a:r>
+            <a:r>
+              <a:rPr kumimoji="1" lang="en-US" altLang="ja-JP" dirty="0" err="1">
+                <a:solidFill>
+                  <a:schemeClr val="bg1">
+                    <a:lumMod val="85000"/>
+                  </a:schemeClr>
+                </a:solidFill>
+              </a:rPr>
+              <a:t>XGBoost</a:t>
+            </a:r>
+            <a:r>
+              <a:rPr kumimoji="1" lang="ja-JP" altLang="en-US" dirty="0">
+                <a:solidFill>
+                  <a:schemeClr val="bg1">
+                    <a:lumMod val="85000"/>
+                  </a:schemeClr>
+                </a:solidFill>
+              </a:rPr>
+              <a:t>の</a:t>
+            </a:r>
+            <a:r>
+              <a:rPr kumimoji="1" lang="en-US" altLang="ja-JP" dirty="0">
+                <a:solidFill>
+                  <a:schemeClr val="bg1">
+                    <a:lumMod val="85000"/>
+                  </a:schemeClr>
+                </a:solidFill>
+              </a:rPr>
+              <a:t>formula</a:t>
+            </a:r>
+            <a:r>
+              <a:rPr kumimoji="1" lang="ja-JP" altLang="en-US" dirty="0">
+                <a:solidFill>
+                  <a:schemeClr val="bg1">
+                    <a:lumMod val="85000"/>
+                  </a:schemeClr>
+                </a:solidFill>
+              </a:rPr>
+              <a:t>型実装</a:t>
+            </a:r>
+          </a:p>
+        </p:txBody>
+      </p:sp>
+      <p:sp>
+        <p:nvSpPr>
+          <p:cNvPr id="3" name="字幕 2">
+            <a:extLst>
+              <a:ext uri="{FF2B5EF4-FFF2-40B4-BE49-F238E27FC236}">
+                <a16:creationId xmlns:a16="http://schemas.microsoft.com/office/drawing/2014/main" id="{C713F71D-C794-4AEB-8F16-EC4B9C370335}"/>
+              </a:ext>
+            </a:extLst>
+          </p:cNvPr>
+          <p:cNvSpPr>
+            <a:spLocks noGrp="1"/>
+          </p:cNvSpPr>
+          <p:nvPr>
+            <p:ph type="subTitle" idx="1"/>
+          </p:nvPr>
+        </p:nvSpPr>
+        <p:spPr>
+          <a:xfrm>
+            <a:off x="1524000" y="3602038"/>
+            <a:ext cx="9144000" cy="1655762"/>
+          </a:xfrm>
+        </p:spPr>
+        <p:txBody>
           <a:bodyPr/>
           <a:lstStyle/>
           <a:p>
             <a:r>
-              <a:rPr lang="en-US" altLang="ja-JP" dirty="0"/>
-              <a:t>(@</a:t>
-            </a:r>
-            <a:r>
-              <a:rPr kumimoji="1" lang="en-US" altLang="ja-JP" dirty="0"/>
-              <a:t>0_u0)</a:t>
-            </a:r>
-            <a:r>
-              <a:rPr kumimoji="1" lang="ja-JP" altLang="en-US" dirty="0"/>
-              <a:t> ← 誰？</a:t>
-            </a:r>
-          </a:p>
-        </p:txBody>
-      </p:sp>
-      <p:sp>
-        <p:nvSpPr>
-          <p:cNvPr id="3" name="コンテンツ プレースホルダー 2">
-            <a:extLst>
-              <a:ext uri="{FF2B5EF4-FFF2-40B4-BE49-F238E27FC236}">
-                <a16:creationId xmlns:a16="http://schemas.microsoft.com/office/drawing/2014/main" id="{E501AFCB-C103-4119-818D-82AC867C104F}"/>
-              </a:ext>
-            </a:extLst>
-          </p:cNvPr>
-          <p:cNvSpPr>
-            <a:spLocks noGrp="1"/>
-          </p:cNvSpPr>
-          <p:nvPr>
-            <p:ph idx="1"/>
-          </p:nvPr>
-        </p:nvSpPr>
-        <p:spPr/>
-        <p:txBody>
-          <a:bodyPr/>
-          <a:lstStyle/>
-          <a:p>
-            <a:r>
-              <a:rPr kumimoji="1" lang="en-US" altLang="ja-JP" dirty="0" err="1"/>
+              <a:rPr kumimoji="1" lang="en-US" altLang="ja-JP" dirty="0" err="1">
+                <a:solidFill>
+                  <a:schemeClr val="bg1">
+                    <a:lumMod val="85000"/>
+                  </a:schemeClr>
+                </a:solidFill>
+              </a:rPr>
               <a:t>Kien</a:t>
             </a:r>
             <a:r>
-              <a:rPr kumimoji="1" lang="en-US" altLang="ja-JP" dirty="0"/>
-              <a:t>. Y. Knot(</a:t>
-            </a:r>
-            <a:r>
-              <a:rPr kumimoji="1" lang="ja-JP" altLang="en-US" dirty="0"/>
-              <a:t>と書いて「きぬいと」と読む</a:t>
-            </a:r>
-            <a:r>
-              <a:rPr kumimoji="1" lang="en-US" altLang="ja-JP" dirty="0"/>
-              <a:t>)</a:t>
-            </a:r>
-          </a:p>
-          <a:p>
-            <a:pPr lvl="1"/>
-            <a:r>
-              <a:rPr lang="en-US" altLang="ja-JP" dirty="0"/>
-              <a:t>『</a:t>
-            </a:r>
-            <a:r>
-              <a:rPr lang="ja-JP" altLang="en-US" dirty="0" err="1"/>
-              <a:t>きぬ</a:t>
-            </a:r>
-            <a:r>
-              <a:rPr lang="ja-JP" altLang="en-US" dirty="0"/>
-              <a:t>いと</a:t>
-            </a:r>
-            <a:r>
-              <a:rPr lang="en-US" altLang="ja-JP" dirty="0"/>
-              <a:t>』</a:t>
-            </a:r>
-            <a:r>
-              <a:rPr lang="ja-JP" altLang="en-US" dirty="0" err="1"/>
-              <a:t>っぽく</a:t>
-            </a:r>
-            <a:r>
-              <a:rPr lang="ja-JP" altLang="en-US" dirty="0"/>
-              <a:t>読ませてかつ英語っぽい表記を追求した結果</a:t>
-            </a:r>
-            <a:endParaRPr lang="en-US" altLang="ja-JP" dirty="0"/>
-          </a:p>
-          <a:p>
-            <a:pPr lvl="1"/>
-            <a:r>
-              <a:rPr lang="ja-JP" altLang="en-US" dirty="0"/>
-              <a:t>「きぬいと」呼ばれに慣れすぎて，実名で呼ばれるとダメになる</a:t>
-            </a:r>
-            <a:endParaRPr lang="en-US" altLang="ja-JP" dirty="0"/>
-          </a:p>
-          <a:p>
-            <a:pPr lvl="1"/>
-            <a:r>
-              <a:rPr lang="en-US" altLang="ja-JP" dirty="0"/>
-              <a:t>ID</a:t>
-            </a:r>
-            <a:r>
-              <a:rPr lang="ja-JP" altLang="en-US" dirty="0"/>
-              <a:t>の</a:t>
-            </a:r>
-            <a:r>
-              <a:rPr lang="en-US" altLang="ja-JP" dirty="0"/>
-              <a:t>0_u0</a:t>
-            </a:r>
-            <a:r>
-              <a:rPr lang="ja-JP" altLang="en-US" dirty="0"/>
-              <a:t>は「</a:t>
-            </a:r>
-            <a:r>
-              <a:rPr lang="en-US" altLang="ja-JP" dirty="0"/>
-              <a:t>4</a:t>
-            </a:r>
-            <a:r>
-              <a:rPr lang="ja-JP" altLang="en-US" dirty="0"/>
-              <a:t>文字</a:t>
-            </a:r>
-            <a:r>
-              <a:rPr lang="en-US" altLang="ja-JP" dirty="0"/>
-              <a:t>ID</a:t>
-            </a:r>
-            <a:r>
-              <a:rPr lang="ja-JP" altLang="en-US" dirty="0" err="1"/>
-              <a:t>って</a:t>
-            </a:r>
-            <a:r>
-              <a:rPr lang="ja-JP" altLang="en-US" dirty="0"/>
-              <a:t>希少らしいぜ」つってつけました</a:t>
-            </a:r>
-            <a:endParaRPr lang="en-US" altLang="ja-JP" dirty="0"/>
-          </a:p>
-          <a:p>
-            <a:pPr lvl="1"/>
-            <a:r>
-              <a:rPr lang="ja-JP" altLang="en-US" dirty="0">
+              <a:rPr kumimoji="1" lang="en-US" altLang="ja-JP" dirty="0">
                 <a:solidFill>
                   <a:schemeClr val="bg1">
-                    <a:lumMod val="50000"/>
+                    <a:lumMod val="85000"/>
                   </a:schemeClr>
                 </a:solidFill>
               </a:rPr>
-              <a:t>あまり意識してないけど</a:t>
-            </a:r>
-            <a:r>
-              <a:rPr lang="en-US" altLang="ja-JP" dirty="0">
-                <a:solidFill>
-                  <a:schemeClr val="bg1">
-                    <a:lumMod val="50000"/>
-                  </a:schemeClr>
-                </a:solidFill>
-              </a:rPr>
-              <a:t>(@0_u0)</a:t>
-            </a:r>
-            <a:r>
-              <a:rPr lang="ja-JP" altLang="en-US" dirty="0" err="1">
-                <a:solidFill>
-                  <a:schemeClr val="bg1">
-                    <a:lumMod val="50000"/>
-                  </a:schemeClr>
-                </a:solidFill>
-              </a:rPr>
-              <a:t>って</a:t>
-            </a:r>
-            <a:r>
-              <a:rPr lang="ja-JP" altLang="en-US" dirty="0">
-                <a:solidFill>
-                  <a:schemeClr val="bg1">
-                    <a:lumMod val="50000"/>
-                  </a:schemeClr>
-                </a:solidFill>
-              </a:rPr>
-              <a:t>顔に見えるらしい</a:t>
-            </a:r>
-            <a:endParaRPr lang="en-US" altLang="ja-JP" dirty="0">
-              <a:solidFill>
-                <a:schemeClr val="bg1">
-                  <a:lumMod val="50000"/>
-                </a:schemeClr>
-              </a:solidFill>
-            </a:endParaRPr>
-          </a:p>
-          <a:p>
-            <a:endParaRPr kumimoji="1" lang="en-US" altLang="ja-JP" dirty="0"/>
-          </a:p>
-          <a:p>
-            <a:r>
-              <a:rPr lang="en-US" altLang="ja-JP" dirty="0"/>
-              <a:t>mstdn.jp</a:t>
-            </a:r>
-            <a:r>
-              <a:rPr lang="ja-JP" altLang="en-US" dirty="0"/>
-              <a:t>でも同</a:t>
-            </a:r>
-            <a:r>
-              <a:rPr lang="en-US" altLang="ja-JP" dirty="0"/>
-              <a:t>ID(@0_u0)</a:t>
-            </a:r>
-            <a:r>
-              <a:rPr lang="ja-JP" altLang="en-US" dirty="0" err="1"/>
-              <a:t>です</a:t>
-            </a:r>
-            <a:endParaRPr lang="en-US" altLang="ja-JP" dirty="0"/>
-          </a:p>
-          <a:p>
-            <a:endParaRPr lang="en-US" altLang="ja-JP" dirty="0"/>
-          </a:p>
-          <a:p>
-            <a:r>
-              <a:rPr lang="ja-JP" altLang="en-US" dirty="0"/>
-              <a:t>何とは言わないが転活してます</a:t>
-            </a:r>
-            <a:endParaRPr lang="en-US" altLang="ja-JP" dirty="0"/>
-          </a:p>
-          <a:p>
-            <a:endParaRPr kumimoji="1" lang="en-US" altLang="ja-JP" dirty="0"/>
-          </a:p>
-          <a:p>
-            <a:endParaRPr lang="en-US" altLang="ja-JP" dirty="0"/>
-          </a:p>
-          <a:p>
-            <a:endParaRPr kumimoji="1" lang="ja-JP" altLang="en-US" dirty="0"/>
+              <a:t> Y. Knot(@0_u0)</a:t>
+            </a:r>
+          </a:p>
+        </p:txBody>
+      </p:sp>
+      <p:pic>
+        <p:nvPicPr>
+          <p:cNvPr id="4" name="図 3">
+            <a:extLst>
+              <a:ext uri="{FF2B5EF4-FFF2-40B4-BE49-F238E27FC236}">
+                <a16:creationId xmlns:a16="http://schemas.microsoft.com/office/drawing/2014/main" id="{ADF7CE93-C80F-4175-8161-C36D8DA4B04F}"/>
+              </a:ext>
+            </a:extLst>
+          </p:cNvPr>
+          <p:cNvPicPr>
+            <a:picLocks noChangeAspect="1"/>
+          </p:cNvPicPr>
+          <p:nvPr/>
+        </p:nvPicPr>
+        <p:blipFill>
+          <a:blip r:embed="rId2">
+            <a:extLst>
+              <a:ext uri="{28A0092B-C50C-407E-A947-70E740481C1C}">
+                <a14:useLocalDpi xmlns:a14="http://schemas.microsoft.com/office/drawing/2010/main" val="0"/>
+              </a:ext>
+            </a:extLst>
+          </a:blip>
+          <a:stretch>
+            <a:fillRect/>
+          </a:stretch>
+        </p:blipFill>
+        <p:spPr>
+          <a:xfrm>
+            <a:off x="4603845" y="1122363"/>
+            <a:ext cx="2984310" cy="2984310"/>
+          </a:xfrm>
+          <a:prstGeom prst="rect">
+            <a:avLst/>
+          </a:prstGeom>
+        </p:spPr>
+      </p:pic>
+      <p:sp>
+        <p:nvSpPr>
+          <p:cNvPr id="5" name="テキスト ボックス 4">
+            <a:extLst>
+              <a:ext uri="{FF2B5EF4-FFF2-40B4-BE49-F238E27FC236}">
+                <a16:creationId xmlns:a16="http://schemas.microsoft.com/office/drawing/2014/main" id="{5CB515DF-4529-4AB7-B232-C0A64B36B524}"/>
+              </a:ext>
+            </a:extLst>
+          </p:cNvPr>
+          <p:cNvSpPr txBox="1"/>
+          <p:nvPr/>
+        </p:nvSpPr>
+        <p:spPr>
+          <a:xfrm>
+            <a:off x="5157281" y="4198748"/>
+            <a:ext cx="1877437" cy="1107996"/>
+          </a:xfrm>
+          <a:prstGeom prst="rect">
+            <a:avLst/>
+          </a:prstGeom>
+          <a:noFill/>
+        </p:spPr>
+        <p:txBody>
+          <a:bodyPr wrap="none" rtlCol="0">
+            <a:spAutoFit/>
+          </a:bodyPr>
+          <a:lstStyle/>
+          <a:p>
+            <a:r>
+              <a:rPr lang="ja-JP" altLang="en-US" sz="6600" dirty="0"/>
+              <a:t>誰？</a:t>
+            </a:r>
+            <a:endParaRPr kumimoji="1" lang="ja-JP" altLang="en-US" sz="6600" dirty="0"/>
           </a:p>
         </p:txBody>
       </p:sp>
     </p:spTree>
     <p:extLst>
       <p:ext uri="{BB962C8B-B14F-4D97-AF65-F5344CB8AC3E}">
-        <p14:creationId xmlns:p14="http://schemas.microsoft.com/office/powerpoint/2010/main" val="4037509654"/>
+        <p14:creationId xmlns:p14="http://schemas.microsoft.com/office/powerpoint/2010/main" val="2037582596"/>
       </p:ext>
     </p:extLst>
   </p:cSld>
@@ -6205,7 +6300,7 @@
           <p:cNvPr id="2" name="タイトル 1">
             <a:extLst>
               <a:ext uri="{FF2B5EF4-FFF2-40B4-BE49-F238E27FC236}">
-                <a16:creationId xmlns:a16="http://schemas.microsoft.com/office/drawing/2014/main" id="{1B121C75-323C-46E8-82C4-1A70A9AF1EFB}"/>
+                <a16:creationId xmlns:a16="http://schemas.microsoft.com/office/drawing/2014/main" id="{E6EE7905-7A85-4C7F-872B-ADE11F7CFDC4}"/>
               </a:ext>
             </a:extLst>
           </p:cNvPr>
@@ -6222,31 +6317,18 @@
           <a:lstStyle/>
           <a:p>
             <a:r>
-              <a:rPr kumimoji="1" lang="en-US" altLang="ja-JP" dirty="0"/>
-              <a:t>R</a:t>
-            </a:r>
-            <a:r>
               <a:rPr kumimoji="1" lang="ja-JP" altLang="en-US" dirty="0"/>
-              <a:t>で</a:t>
-            </a:r>
-            <a:r>
-              <a:rPr lang="en-US" altLang="ja-JP" dirty="0" err="1"/>
-              <a:t>XGBoost</a:t>
-            </a:r>
-            <a:r>
-              <a:rPr lang="ja-JP" altLang="en-US" dirty="0"/>
-              <a:t>したいとき</a:t>
-            </a:r>
-            <a:endParaRPr kumimoji="1" lang="ja-JP" altLang="en-US" dirty="0"/>
-          </a:p>
-        </p:txBody>
-      </p:sp>
-      <p:sp>
-        <p:nvSpPr>
-          <p:cNvPr id="3" name="コンテンツ プレースホルダー 2">
-            <a:extLst>
-              <a:ext uri="{FF2B5EF4-FFF2-40B4-BE49-F238E27FC236}">
-                <a16:creationId xmlns:a16="http://schemas.microsoft.com/office/drawing/2014/main" id="{7AC89A91-70F9-4965-BA9F-DEDE01C4B4A4}"/>
+              <a:t>伝えたいこと ②</a:t>
+            </a:r>
+          </a:p>
+        </p:txBody>
+      </p:sp>
+      <p:sp>
+        <p:nvSpPr>
+          <p:cNvPr id="4" name="コンテンツ プレースホルダー 2">
+            <a:extLst>
+              <a:ext uri="{FF2B5EF4-FFF2-40B4-BE49-F238E27FC236}">
+                <a16:creationId xmlns:a16="http://schemas.microsoft.com/office/drawing/2014/main" id="{B66DA3F1-627B-4397-BE2D-9718143713C6}"/>
               </a:ext>
             </a:extLst>
           </p:cNvPr>
@@ -6259,8 +6341,8 @@
         </p:nvSpPr>
         <p:spPr>
           <a:xfrm>
-            <a:off x="838200" y="1825624"/>
-            <a:ext cx="10515600" cy="5134733"/>
+            <a:off x="838200" y="3442648"/>
+            <a:ext cx="10515600" cy="1593376"/>
           </a:xfrm>
         </p:spPr>
         <p:txBody>
@@ -6269,195 +6351,35 @@
           </a:bodyPr>
           <a:lstStyle/>
           <a:p>
-            <a:r>
-              <a:rPr kumimoji="1" lang="en-US" altLang="ja-JP" dirty="0" err="1"/>
-              <a:t>xgboost</a:t>
-            </a:r>
-            <a:r>
-              <a:rPr kumimoji="1" lang="ja-JP" altLang="en-US" dirty="0"/>
-              <a:t>パッケージがある</a:t>
-            </a:r>
-            <a:endParaRPr kumimoji="1" lang="en-US" altLang="ja-JP" dirty="0"/>
-          </a:p>
-          <a:p>
-            <a:pPr lvl="1"/>
-            <a:r>
-              <a:rPr lang="ja-JP" altLang="en-US" dirty="0"/>
-              <a:t>分析するデータは</a:t>
-            </a:r>
-            <a:r>
-              <a:rPr lang="en-US" altLang="ja-JP" dirty="0"/>
-              <a:t>matrix</a:t>
-            </a:r>
-            <a:r>
-              <a:rPr lang="ja-JP" altLang="en-US" dirty="0"/>
-              <a:t>型でないといけない</a:t>
-            </a:r>
-            <a:endParaRPr lang="en-US" altLang="ja-JP" dirty="0"/>
-          </a:p>
-          <a:p>
-            <a:pPr lvl="2"/>
-            <a:r>
-              <a:rPr lang="ja-JP" altLang="en-US" dirty="0"/>
-              <a:t>大きなデータを扱う場合</a:t>
-            </a:r>
-            <a:r>
-              <a:rPr lang="en-US" altLang="ja-JP" dirty="0"/>
-              <a:t>matrix</a:t>
-            </a:r>
-            <a:r>
-              <a:rPr lang="ja-JP" altLang="en-US" dirty="0"/>
-              <a:t>型が有効</a:t>
-            </a:r>
-            <a:endParaRPr lang="en-US" altLang="ja-JP" dirty="0"/>
-          </a:p>
-          <a:p>
-            <a:pPr lvl="2"/>
-            <a:r>
-              <a:rPr lang="ja-JP" altLang="en-US" dirty="0"/>
-              <a:t>「機械学習」「ビッグデータ」「えーあい」という文脈ではこのフォーマットはアリ</a:t>
-            </a:r>
-            <a:endParaRPr lang="en-US" altLang="ja-JP" dirty="0"/>
-          </a:p>
-          <a:p>
-            <a:pPr lvl="2"/>
-            <a:endParaRPr lang="en-US" altLang="ja-JP" dirty="0"/>
-          </a:p>
-          <a:p>
-            <a:pPr lvl="1"/>
-            <a:r>
-              <a:rPr lang="en-US" altLang="ja-JP" dirty="0" err="1"/>
-              <a:t>lm</a:t>
-            </a:r>
-            <a:r>
-              <a:rPr lang="en-US" altLang="ja-JP" dirty="0"/>
-              <a:t>()</a:t>
-            </a:r>
-            <a:r>
-              <a:rPr lang="ja-JP" altLang="en-US" dirty="0"/>
-              <a:t>関数及び</a:t>
-            </a:r>
-            <a:r>
-              <a:rPr lang="en-US" altLang="ja-JP" dirty="0" err="1"/>
-              <a:t>glm</a:t>
-            </a:r>
-            <a:r>
-              <a:rPr lang="en-US" altLang="ja-JP" dirty="0"/>
-              <a:t>()</a:t>
-            </a:r>
-            <a:r>
-              <a:rPr lang="ja-JP" altLang="en-US" dirty="0"/>
-              <a:t>関数による回帰</a:t>
-            </a:r>
-            <a:r>
-              <a:rPr lang="en-US" altLang="ja-JP" dirty="0"/>
-              <a:t>: </a:t>
-            </a:r>
-            <a:r>
-              <a:rPr lang="en-US" altLang="ja-JP" dirty="0" err="1"/>
-              <a:t>data.frame</a:t>
-            </a:r>
-            <a:r>
-              <a:rPr lang="ja-JP" altLang="en-US" dirty="0"/>
-              <a:t>型</a:t>
-            </a:r>
-            <a:endParaRPr lang="en-US" altLang="ja-JP" dirty="0"/>
-          </a:p>
-          <a:p>
-            <a:pPr lvl="1"/>
-            <a:r>
-              <a:rPr lang="en-US" altLang="ja-JP" dirty="0" err="1"/>
-              <a:t>randomForest</a:t>
-            </a:r>
-            <a:r>
-              <a:rPr lang="ja-JP" altLang="en-US" dirty="0"/>
-              <a:t>パッケージ</a:t>
-            </a:r>
-            <a:r>
-              <a:rPr lang="en-US" altLang="ja-JP" dirty="0"/>
-              <a:t>: </a:t>
-            </a:r>
-            <a:r>
-              <a:rPr lang="en-US" altLang="ja-JP" dirty="0" err="1"/>
-              <a:t>data.frame</a:t>
-            </a:r>
-            <a:r>
-              <a:rPr lang="ja-JP" altLang="en-US" dirty="0"/>
-              <a:t>型</a:t>
-            </a:r>
-            <a:endParaRPr lang="en-US" altLang="ja-JP" dirty="0"/>
-          </a:p>
-          <a:p>
-            <a:pPr lvl="1"/>
-            <a:r>
-              <a:rPr kumimoji="1" lang="ja-JP" altLang="en-US" dirty="0" err="1"/>
-              <a:t>きぬ</a:t>
-            </a:r>
-            <a:r>
-              <a:rPr kumimoji="1" lang="ja-JP" altLang="en-US" dirty="0"/>
-              <a:t>いとが使い慣れている</a:t>
-            </a:r>
-            <a:r>
-              <a:rPr kumimoji="1" lang="en-US" altLang="ja-JP" dirty="0"/>
-              <a:t>: </a:t>
-            </a:r>
-            <a:r>
-              <a:rPr kumimoji="1" lang="en-US" altLang="ja-JP" dirty="0" err="1"/>
-              <a:t>data.frame</a:t>
-            </a:r>
-            <a:r>
-              <a:rPr kumimoji="1" lang="ja-JP" altLang="en-US" dirty="0"/>
-              <a:t>型</a:t>
-            </a:r>
-            <a:endParaRPr kumimoji="1" lang="en-US" altLang="ja-JP" dirty="0"/>
-          </a:p>
-          <a:p>
-            <a:endParaRPr lang="en-US" altLang="ja-JP" dirty="0"/>
-          </a:p>
-          <a:p>
             <a:pPr marL="0" indent="0" algn="ctr">
               <a:buNone/>
             </a:pPr>
             <a:r>
-              <a:rPr kumimoji="1" lang="ja-JP" altLang="en-US" sz="3200" dirty="0"/>
-              <a:t>モデル間比較とかしてみたいし</a:t>
-            </a:r>
-            <a:endParaRPr kumimoji="1" lang="en-US" altLang="ja-JP" sz="3200" dirty="0"/>
+              <a:rPr kumimoji="1" lang="en-US" altLang="ja-JP" sz="4800" dirty="0"/>
+              <a:t>Leakage</a:t>
+            </a:r>
+            <a:r>
+              <a:rPr kumimoji="1" lang="ja-JP" altLang="en-US" sz="4800" dirty="0" err="1"/>
+              <a:t>には</a:t>
+            </a:r>
+            <a:r>
+              <a:rPr kumimoji="1" lang="ja-JP" altLang="en-US" sz="4800" dirty="0"/>
+              <a:t>気をつけよう！</a:t>
+            </a:r>
+            <a:endParaRPr kumimoji="1" lang="en-US" altLang="ja-JP" sz="4800" dirty="0"/>
           </a:p>
           <a:p>
             <a:pPr marL="0" indent="0" algn="ctr">
               <a:buNone/>
             </a:pPr>
-            <a:r>
-              <a:rPr lang="en-US" altLang="ja-JP" sz="3200" dirty="0" err="1"/>
-              <a:t>data.frame</a:t>
-            </a:r>
-            <a:r>
-              <a:rPr lang="ja-JP" altLang="en-US" sz="3200" dirty="0"/>
-              <a:t>型で</a:t>
-            </a:r>
-            <a:r>
-              <a:rPr lang="en-US" altLang="ja-JP" sz="3200" dirty="0" err="1"/>
-              <a:t>XGBoost</a:t>
-            </a:r>
-            <a:r>
-              <a:rPr lang="ja-JP" altLang="en-US" sz="3200" dirty="0"/>
-              <a:t>実装できたりしない？</a:t>
-            </a:r>
-            <a:endParaRPr kumimoji="1" lang="en-US" altLang="ja-JP" sz="3200" dirty="0"/>
-          </a:p>
-          <a:p>
-            <a:endParaRPr lang="en-US" altLang="ja-JP" dirty="0"/>
-          </a:p>
-          <a:p>
-            <a:endParaRPr kumimoji="1" lang="ja-JP" altLang="en-US" dirty="0"/>
+            <a:endParaRPr kumimoji="1" lang="ja-JP" altLang="en-US" sz="2400" dirty="0"/>
           </a:p>
         </p:txBody>
       </p:sp>
     </p:spTree>
     <p:extLst>
       <p:ext uri="{BB962C8B-B14F-4D97-AF65-F5344CB8AC3E}">
-        <p14:creationId xmlns:p14="http://schemas.microsoft.com/office/powerpoint/2010/main" val="70788854"/>
+        <p14:creationId xmlns:p14="http://schemas.microsoft.com/office/powerpoint/2010/main" val="2825303980"/>
       </p:ext>
     </p:extLst>
   </p:cSld>
@@ -6489,7 +6411,7 @@
           <p:cNvPr id="2" name="タイトル 1">
             <a:extLst>
               <a:ext uri="{FF2B5EF4-FFF2-40B4-BE49-F238E27FC236}">
-                <a16:creationId xmlns:a16="http://schemas.microsoft.com/office/drawing/2014/main" id="{59B1D5F8-C984-4937-AE7A-D6E3C2A80AE0}"/>
+                <a16:creationId xmlns:a16="http://schemas.microsoft.com/office/drawing/2014/main" id="{73419E7B-7856-4809-9834-A5D29660A3D9}"/>
               </a:ext>
             </a:extLst>
           </p:cNvPr>
@@ -6506,128 +6428,170 @@
           <a:lstStyle/>
           <a:p>
             <a:r>
+              <a:rPr kumimoji="1" lang="en-US" altLang="ja-JP" dirty="0" err="1"/>
+              <a:t>Sorekara</a:t>
+            </a:r>
+            <a:r>
               <a:rPr kumimoji="1" lang="en-US" altLang="ja-JP" dirty="0"/>
+              <a:t> do </a:t>
+            </a:r>
+            <a:r>
+              <a:rPr kumimoji="1" lang="en-US" altLang="ja-JP" dirty="0" err="1"/>
+              <a:t>Shitano</a:t>
+            </a:r>
+            <a:endParaRPr kumimoji="1" lang="ja-JP" altLang="en-US" dirty="0"/>
+          </a:p>
+        </p:txBody>
+      </p:sp>
+      <p:sp>
+        <p:nvSpPr>
+          <p:cNvPr id="3" name="コンテンツ プレースホルダー 2">
+            <a:extLst>
+              <a:ext uri="{FF2B5EF4-FFF2-40B4-BE49-F238E27FC236}">
+                <a16:creationId xmlns:a16="http://schemas.microsoft.com/office/drawing/2014/main" id="{5BB0540A-C58A-4290-B188-2683CFEA1B61}"/>
+              </a:ext>
+            </a:extLst>
+          </p:cNvPr>
+          <p:cNvSpPr>
+            <a:spLocks noGrp="1"/>
+          </p:cNvSpPr>
+          <p:nvPr>
+            <p:ph idx="1"/>
+          </p:nvPr>
+        </p:nvSpPr>
+        <p:spPr/>
+        <p:txBody>
+          <a:bodyPr/>
+          <a:lstStyle/>
+          <a:p>
+            <a:r>
+              <a:rPr lang="ja-JP" altLang="en-US" dirty="0"/>
+              <a:t>使える情報は何でも使った</a:t>
+            </a:r>
+            <a:endParaRPr lang="en-US" altLang="ja-JP" dirty="0"/>
+          </a:p>
+          <a:p>
+            <a:pPr lvl="1"/>
+            <a:r>
+              <a:rPr lang="en-US" altLang="ja-JP" dirty="0"/>
+              <a:t>Leakage</a:t>
+            </a:r>
+            <a:r>
+              <a:rPr lang="ja-JP" altLang="en-US" dirty="0"/>
+              <a:t>の変数を使ったり</a:t>
+            </a:r>
+            <a:endParaRPr lang="en-US" altLang="ja-JP" dirty="0"/>
+          </a:p>
+          <a:p>
+            <a:pPr lvl="1"/>
+            <a:r>
+              <a:rPr lang="en-US" altLang="ja-JP" dirty="0"/>
+              <a:t>Kernel</a:t>
+            </a:r>
+            <a:r>
+              <a:rPr lang="ja-JP" altLang="en-US" dirty="0"/>
+              <a:t>で公開されている</a:t>
+            </a:r>
+            <a:r>
+              <a:rPr lang="en-US" altLang="ja-JP" dirty="0"/>
+              <a:t>Submission</a:t>
+            </a:r>
+            <a:r>
+              <a:rPr lang="ja-JP" altLang="en-US" dirty="0"/>
+              <a:t>のスコアを借りてスコア精度高めたり</a:t>
+            </a:r>
+            <a:r>
+              <a:rPr lang="en-US" altLang="ja-JP" dirty="0"/>
+              <a:t>(Blending)</a:t>
+            </a:r>
+          </a:p>
+          <a:p>
+            <a:endParaRPr kumimoji="1" lang="en-US" altLang="ja-JP" dirty="0"/>
+          </a:p>
+          <a:p>
+            <a:r>
+              <a:rPr lang="ja-JP" altLang="en-US" dirty="0"/>
+              <a:t>方法はいろいろ採用した</a:t>
+            </a:r>
+            <a:endParaRPr lang="en-US" altLang="ja-JP" dirty="0"/>
+          </a:p>
+          <a:p>
+            <a:pPr lvl="1"/>
+            <a:r>
+              <a:rPr lang="en-US" altLang="ja-JP" dirty="0"/>
+              <a:t>0</a:t>
+            </a:r>
+            <a:r>
+              <a:rPr lang="ja-JP" altLang="en-US" dirty="0"/>
+              <a:t>に偏ったデータなので負の二項回帰</a:t>
+            </a:r>
+            <a:r>
+              <a:rPr lang="en-US" altLang="ja-JP" dirty="0"/>
+              <a:t>(RMSLE:</a:t>
+            </a:r>
+            <a:r>
+              <a:rPr lang="ja-JP" altLang="en-US" dirty="0"/>
+              <a:t> </a:t>
+            </a:r>
+            <a:r>
+              <a:rPr lang="en-US" altLang="ja-JP" dirty="0"/>
+              <a:t>1.98)</a:t>
+            </a:r>
+          </a:p>
+          <a:p>
+            <a:pPr lvl="1"/>
+            <a:r>
+              <a:rPr lang="ja-JP" altLang="en-US" dirty="0"/>
+              <a:t>機械学習らしくランダムフォレスト  </a:t>
+            </a:r>
+            <a:r>
+              <a:rPr lang="en-US" altLang="ja-JP" dirty="0"/>
+              <a:t>(RMSLE:</a:t>
+            </a:r>
+            <a:r>
+              <a:rPr lang="ja-JP" altLang="en-US" dirty="0"/>
+              <a:t> </a:t>
+            </a:r>
+            <a:r>
+              <a:rPr lang="en-US" altLang="ja-JP" dirty="0"/>
+              <a:t>1.47)</a:t>
+            </a:r>
+          </a:p>
+          <a:p>
+            <a:pPr lvl="1"/>
+            <a:r>
+              <a:rPr lang="en-US" altLang="ja-JP" dirty="0"/>
               <a:t>caret</a:t>
             </a:r>
             <a:r>
-              <a:rPr kumimoji="1" lang="ja-JP" altLang="en-US" dirty="0"/>
-              <a:t>パッケージによる実装</a:t>
-            </a:r>
-          </a:p>
-        </p:txBody>
-      </p:sp>
-      <p:sp>
-        <p:nvSpPr>
-          <p:cNvPr id="3" name="コンテンツ プレースホルダー 2">
-            <a:extLst>
-              <a:ext uri="{FF2B5EF4-FFF2-40B4-BE49-F238E27FC236}">
-                <a16:creationId xmlns:a16="http://schemas.microsoft.com/office/drawing/2014/main" id="{6EA5C827-EF9B-4B32-91B3-3D1ABA44CBD5}"/>
-              </a:ext>
-            </a:extLst>
-          </p:cNvPr>
-          <p:cNvSpPr>
-            <a:spLocks noGrp="1"/>
-          </p:cNvSpPr>
-          <p:nvPr>
-            <p:ph idx="1"/>
-          </p:nvPr>
-        </p:nvSpPr>
-        <p:spPr/>
-        <p:txBody>
-          <a:bodyPr/>
-          <a:lstStyle/>
-          <a:p>
-            <a:r>
-              <a:rPr kumimoji="1" lang="en-US" altLang="ja-JP" dirty="0"/>
-              <a:t>caret</a:t>
-            </a:r>
-            <a:r>
-              <a:rPr kumimoji="1" lang="ja-JP" altLang="en-US" dirty="0"/>
-              <a:t>パッケージ？</a:t>
-            </a:r>
+              <a:rPr lang="ja-JP" altLang="en-US" dirty="0"/>
+              <a:t>パッケージによる</a:t>
+            </a:r>
+            <a:r>
+              <a:rPr lang="en-US" altLang="ja-JP" dirty="0" err="1"/>
+              <a:t>xgboost</a:t>
+            </a:r>
+            <a:r>
+              <a:rPr lang="ja-JP" altLang="en-US" dirty="0"/>
+              <a:t>         </a:t>
+            </a:r>
+            <a:r>
+              <a:rPr lang="en-US" altLang="ja-JP" dirty="0"/>
+              <a:t>(RMSLE: 1.39)</a:t>
+            </a:r>
+            <a:r>
+              <a:rPr lang="ja-JP" altLang="en-US" dirty="0"/>
+              <a:t>←ハイスコア</a:t>
+            </a:r>
+            <a:endParaRPr lang="en-US" altLang="ja-JP" dirty="0"/>
+          </a:p>
+          <a:p>
             <a:endParaRPr kumimoji="1" lang="en-US" altLang="ja-JP" dirty="0"/>
           </a:p>
           <a:p>
-            <a:pPr lvl="1"/>
-            <a:r>
-              <a:rPr kumimoji="1" lang="ja-JP" altLang="en-US" dirty="0"/>
-              <a:t>機械学習の手法を</a:t>
-            </a:r>
-            <a:r>
-              <a:rPr kumimoji="1" lang="ja-JP" altLang="en-US" b="1" dirty="0"/>
-              <a:t>統一的</a:t>
-            </a:r>
-            <a:r>
-              <a:rPr kumimoji="1" lang="ja-JP" altLang="en-US" dirty="0"/>
-              <a:t>に扱うことができる</a:t>
-            </a:r>
-            <a:endParaRPr kumimoji="1" lang="en-US" altLang="ja-JP" dirty="0"/>
-          </a:p>
-          <a:p>
-            <a:pPr lvl="2"/>
-            <a:r>
-              <a:rPr lang="ja-JP" altLang="en-US" dirty="0"/>
-              <a:t>指定する引数</a:t>
-            </a:r>
-            <a:r>
-              <a:rPr kumimoji="1" lang="ja-JP" altLang="en-US" dirty="0"/>
-              <a:t>のフォーマットが一貫している</a:t>
-            </a:r>
-            <a:endParaRPr kumimoji="1" lang="en-US" altLang="ja-JP" dirty="0"/>
-          </a:p>
-          <a:p>
-            <a:pPr lvl="2"/>
-            <a:r>
-              <a:rPr lang="ja-JP" altLang="en-US" dirty="0"/>
-              <a:t>目的変数と特徴量を</a:t>
-            </a:r>
-            <a:r>
-              <a:rPr lang="en-US" altLang="ja-JP" dirty="0"/>
-              <a:t>formula</a:t>
-            </a:r>
-            <a:r>
-              <a:rPr lang="ja-JP" altLang="en-US" dirty="0"/>
-              <a:t>型で実装できる</a:t>
-            </a:r>
-            <a:endParaRPr kumimoji="1" lang="en-US" altLang="ja-JP" dirty="0"/>
-          </a:p>
-          <a:p>
-            <a:pPr lvl="2"/>
-            <a:r>
-              <a:rPr lang="ja-JP" altLang="en-US" dirty="0"/>
-              <a:t>方法は</a:t>
-            </a:r>
-            <a:r>
-              <a:rPr lang="en-US" altLang="ja-JP" dirty="0">
-                <a:solidFill>
-                  <a:schemeClr val="bg1"/>
-                </a:solidFill>
-                <a:highlight>
-                  <a:srgbClr val="000000"/>
-                </a:highlight>
-                <a:latin typeface="Lucida Console" panose="020B0609040504020204" pitchFamily="49" charset="0"/>
-              </a:rPr>
-              <a:t>method</a:t>
-            </a:r>
-            <a:r>
-              <a:rPr lang="ja-JP" altLang="en-US" dirty="0"/>
-              <a:t>引数で指定できる</a:t>
-            </a:r>
             <a:endParaRPr lang="en-US" altLang="ja-JP" dirty="0"/>
           </a:p>
           <a:p>
-            <a:pPr lvl="1"/>
-            <a:endParaRPr lang="en-US" altLang="ja-JP" dirty="0"/>
-          </a:p>
-          <a:p>
-            <a:r>
-              <a:rPr lang="ja-JP" altLang="en-US" dirty="0"/>
-              <a:t>どう使う？→</a:t>
-            </a:r>
-            <a:r>
-              <a:rPr lang="en-US" altLang="ja-JP" dirty="0"/>
-              <a:t>caret::train()</a:t>
-            </a:r>
             <a:endParaRPr kumimoji="1" lang="ja-JP" altLang="en-US" dirty="0"/>
           </a:p>
         </p:txBody>
@@ -6635,7 +6599,7 @@
     </p:spTree>
     <p:extLst>
       <p:ext uri="{BB962C8B-B14F-4D97-AF65-F5344CB8AC3E}">
-        <p14:creationId xmlns:p14="http://schemas.microsoft.com/office/powerpoint/2010/main" val="2655447739"/>
+        <p14:creationId xmlns:p14="http://schemas.microsoft.com/office/powerpoint/2010/main" val="1661220227"/>
       </p:ext>
     </p:extLst>
   </p:cSld>
@@ -6667,7 +6631,7 @@
           <p:cNvPr id="2" name="タイトル 1">
             <a:extLst>
               <a:ext uri="{FF2B5EF4-FFF2-40B4-BE49-F238E27FC236}">
-                <a16:creationId xmlns:a16="http://schemas.microsoft.com/office/drawing/2014/main" id="{59B1D5F8-C984-4937-AE7A-D6E3C2A80AE0}"/>
+                <a16:creationId xmlns:a16="http://schemas.microsoft.com/office/drawing/2014/main" id="{3578C37A-2873-48A8-B7BC-DD5ECD9E3EB6}"/>
               </a:ext>
             </a:extLst>
           </p:cNvPr>
@@ -6684,12 +6648,28 @@
           <a:lstStyle/>
           <a:p>
             <a:r>
-              <a:rPr kumimoji="1" lang="en-US" altLang="ja-JP" dirty="0"/>
-              <a:t>caret</a:t>
+              <a:rPr kumimoji="1" lang="en-US" altLang="ja-JP" dirty="0" err="1"/>
+              <a:t>XGBoost</a:t>
             </a:r>
             <a:r>
               <a:rPr kumimoji="1" lang="ja-JP" altLang="en-US" dirty="0"/>
-              <a:t>パッケージによる実装</a:t>
+              <a:t>　</a:t>
+            </a:r>
+            <a:r>
+              <a:rPr kumimoji="1" lang="en-US" altLang="ja-JP" u="sng" dirty="0">
+                <a:solidFill>
+                  <a:schemeClr val="accent1"/>
+                </a:solidFill>
+              </a:rPr>
+              <a:t>#</a:t>
+            </a:r>
+            <a:r>
+              <a:rPr kumimoji="1" lang="ja-JP" altLang="en-US" u="sng" dirty="0">
+                <a:solidFill>
+                  <a:schemeClr val="accent1"/>
+                </a:solidFill>
+              </a:rPr>
+              <a:t>とは</a:t>
             </a:r>
           </a:p>
         </p:txBody>
@@ -6699,7 +6679,7 @@
           <p:cNvPr id="3" name="コンテンツ プレースホルダー 2">
             <a:extLst>
               <a:ext uri="{FF2B5EF4-FFF2-40B4-BE49-F238E27FC236}">
-                <a16:creationId xmlns:a16="http://schemas.microsoft.com/office/drawing/2014/main" id="{6EA5C827-EF9B-4B32-91B3-3D1ABA44CBD5}"/>
+                <a16:creationId xmlns:a16="http://schemas.microsoft.com/office/drawing/2014/main" id="{00A0FAAB-A4EE-4530-955E-2993814B2E09}"/>
               </a:ext>
             </a:extLst>
           </p:cNvPr>
@@ -6710,648 +6690,131 @@
             <p:ph idx="1"/>
           </p:nvPr>
         </p:nvSpPr>
-        <p:spPr>
-          <a:xfrm>
-            <a:off x="838200" y="1825624"/>
-            <a:ext cx="10515600" cy="5032375"/>
-          </a:xfrm>
-          <a:solidFill>
-            <a:schemeClr val="tx1">
-              <a:lumMod val="85000"/>
-              <a:lumOff val="15000"/>
-            </a:schemeClr>
-          </a:solidFill>
-        </p:spPr>
-        <p:txBody>
-          <a:bodyPr>
-            <a:normAutofit/>
-          </a:bodyPr>
-          <a:lstStyle/>
-          <a:p>
-            <a:r>
-              <a:rPr kumimoji="1" lang="en-US" altLang="ja-JP" sz="2000" dirty="0">
-                <a:solidFill>
-                  <a:schemeClr val="bg1"/>
-                </a:solidFill>
-                <a:latin typeface="Lucida Console" panose="020B0609040504020204" pitchFamily="49" charset="0"/>
-              </a:rPr>
-              <a:t>data = </a:t>
-            </a:r>
-            <a:r>
-              <a:rPr kumimoji="1" lang="en-US" altLang="ja-JP" sz="2000" dirty="0" err="1">
-                <a:solidFill>
-                  <a:schemeClr val="bg1"/>
-                </a:solidFill>
-                <a:latin typeface="Lucida Console" panose="020B0609040504020204" pitchFamily="49" charset="0"/>
-              </a:rPr>
-              <a:t>UseData</a:t>
-            </a:r>
-            <a:r>
-              <a:rPr kumimoji="1" lang="en-US" altLang="ja-JP" sz="2000" dirty="0">
-                <a:solidFill>
-                  <a:schemeClr val="bg1"/>
-                </a:solidFill>
-                <a:latin typeface="Lucida Console" panose="020B0609040504020204" pitchFamily="49" charset="0"/>
-              </a:rPr>
-              <a:t> #</a:t>
-            </a:r>
-            <a:r>
-              <a:rPr kumimoji="1" lang="ja-JP" altLang="en-US" sz="2000" dirty="0">
-                <a:solidFill>
-                  <a:schemeClr val="bg1"/>
-                </a:solidFill>
-                <a:latin typeface="Lucida Console" panose="020B0609040504020204" pitchFamily="49" charset="0"/>
-              </a:rPr>
-              <a:t>学習データ</a:t>
-            </a:r>
-            <a:endParaRPr kumimoji="1" lang="en-US" altLang="ja-JP" sz="2000" dirty="0">
-              <a:solidFill>
-                <a:schemeClr val="bg1"/>
-              </a:solidFill>
-              <a:latin typeface="Lucida Console" panose="020B0609040504020204" pitchFamily="49" charset="0"/>
-            </a:endParaRPr>
-          </a:p>
-          <a:p>
-            <a:r>
-              <a:rPr kumimoji="1" lang="en-US" altLang="ja-JP" sz="2000" dirty="0">
-                <a:solidFill>
-                  <a:srgbClr val="00B0F0"/>
-                </a:solidFill>
-                <a:latin typeface="Lucida Console" panose="020B0609040504020204" pitchFamily="49" charset="0"/>
-              </a:rPr>
-              <a:t>caret</a:t>
-            </a:r>
-            <a:r>
-              <a:rPr lang="en-US" altLang="ja-JP" sz="2000" dirty="0">
-                <a:solidFill>
-                  <a:srgbClr val="00B0F0"/>
-                </a:solidFill>
-                <a:latin typeface="Lucida Console" panose="020B0609040504020204" pitchFamily="49" charset="0"/>
-              </a:rPr>
-              <a:t>::train</a:t>
-            </a:r>
-            <a:r>
-              <a:rPr lang="en-US" altLang="ja-JP" sz="2000" dirty="0">
-                <a:solidFill>
-                  <a:schemeClr val="bg1"/>
-                </a:solidFill>
-                <a:latin typeface="Lucida Console" panose="020B0609040504020204" pitchFamily="49" charset="0"/>
-              </a:rPr>
-              <a:t>(target ~. , method = </a:t>
-            </a:r>
-            <a:r>
-              <a:rPr lang="en-US" altLang="ja-JP" sz="2000" dirty="0">
-                <a:solidFill>
-                  <a:srgbClr val="FFFF00"/>
-                </a:solidFill>
-                <a:latin typeface="Lucida Console" panose="020B0609040504020204" pitchFamily="49" charset="0"/>
-              </a:rPr>
-              <a:t>“</a:t>
-            </a:r>
-            <a:r>
-              <a:rPr lang="en-US" altLang="ja-JP" sz="2000" dirty="0" err="1">
-                <a:solidFill>
-                  <a:srgbClr val="FFFF00"/>
-                </a:solidFill>
-                <a:latin typeface="Lucida Console" panose="020B0609040504020204" pitchFamily="49" charset="0"/>
-              </a:rPr>
-              <a:t>xgbTree</a:t>
-            </a:r>
-            <a:r>
-              <a:rPr lang="en-US" altLang="ja-JP" sz="2000" dirty="0">
-                <a:solidFill>
-                  <a:srgbClr val="FFFF00"/>
-                </a:solidFill>
-                <a:latin typeface="Lucida Console" panose="020B0609040504020204" pitchFamily="49" charset="0"/>
-              </a:rPr>
-              <a:t>”</a:t>
-            </a:r>
-            <a:r>
-              <a:rPr lang="en-US" altLang="ja-JP" sz="2000" dirty="0">
-                <a:solidFill>
-                  <a:schemeClr val="bg1"/>
-                </a:solidFill>
-                <a:latin typeface="Lucida Console" panose="020B0609040504020204" pitchFamily="49" charset="0"/>
-              </a:rPr>
-              <a:t>, data = </a:t>
-            </a:r>
-            <a:r>
-              <a:rPr lang="en-US" altLang="ja-JP" sz="2000" dirty="0" err="1">
-                <a:solidFill>
-                  <a:schemeClr val="bg1"/>
-                </a:solidFill>
-                <a:latin typeface="Lucida Console" panose="020B0609040504020204" pitchFamily="49" charset="0"/>
-              </a:rPr>
-              <a:t>UseData</a:t>
-            </a:r>
-            <a:r>
-              <a:rPr lang="en-US" altLang="ja-JP" sz="2000" dirty="0">
-                <a:solidFill>
-                  <a:schemeClr val="bg1"/>
-                </a:solidFill>
-                <a:latin typeface="Lucida Console" panose="020B0609040504020204" pitchFamily="49" charset="0"/>
-              </a:rPr>
-              <a:t>, </a:t>
-            </a:r>
-            <a:r>
-              <a:rPr lang="en-US" altLang="ja-JP" sz="2000" dirty="0" err="1">
-                <a:solidFill>
-                  <a:schemeClr val="bg1"/>
-                </a:solidFill>
-                <a:latin typeface="Lucida Console" panose="020B0609040504020204" pitchFamily="49" charset="0"/>
-              </a:rPr>
-              <a:t>trControl</a:t>
-            </a:r>
-            <a:r>
-              <a:rPr lang="en-US" altLang="ja-JP" sz="2000" dirty="0">
-                <a:solidFill>
-                  <a:schemeClr val="bg1"/>
-                </a:solidFill>
-                <a:latin typeface="Lucida Console" panose="020B0609040504020204" pitchFamily="49" charset="0"/>
-              </a:rPr>
-              <a:t> = </a:t>
-            </a:r>
-            <a:r>
-              <a:rPr lang="en-US" altLang="ja-JP" sz="2000" dirty="0" err="1">
-                <a:solidFill>
-                  <a:srgbClr val="00B0F0"/>
-                </a:solidFill>
-                <a:latin typeface="Lucida Console" panose="020B0609040504020204" pitchFamily="49" charset="0"/>
-              </a:rPr>
-              <a:t>trainControl</a:t>
-            </a:r>
-            <a:r>
-              <a:rPr lang="en-US" altLang="ja-JP" sz="2000" dirty="0">
-                <a:solidFill>
-                  <a:schemeClr val="bg1"/>
-                </a:solidFill>
-                <a:latin typeface="Lucida Console" panose="020B0609040504020204" pitchFamily="49" charset="0"/>
-              </a:rPr>
-              <a:t>(method = cv))</a:t>
-            </a:r>
-          </a:p>
-          <a:p>
-            <a:pPr marL="457200" lvl="1" indent="0">
-              <a:buNone/>
-            </a:pPr>
-            <a:r>
-              <a:rPr lang="en-US" altLang="ja-JP" sz="1600" dirty="0">
-                <a:solidFill>
-                  <a:schemeClr val="bg1"/>
-                </a:solidFill>
-                <a:latin typeface="Lucida Console" panose="020B0609040504020204" pitchFamily="49" charset="0"/>
-              </a:rPr>
-              <a:t># “.”</a:t>
-            </a:r>
-            <a:r>
-              <a:rPr lang="ja-JP" altLang="en-US" sz="1600" dirty="0">
-                <a:solidFill>
-                  <a:schemeClr val="bg1"/>
-                </a:solidFill>
-                <a:latin typeface="Lucida Console" panose="020B0609040504020204" pitchFamily="49" charset="0"/>
-              </a:rPr>
-              <a:t>で「データフレーム内のすべての特徴量」を指定できる．</a:t>
-            </a:r>
-            <a:endParaRPr lang="en-US" altLang="ja-JP" sz="1600" dirty="0">
-              <a:solidFill>
-                <a:schemeClr val="bg1"/>
-              </a:solidFill>
-              <a:latin typeface="Lucida Console" panose="020B0609040504020204" pitchFamily="49" charset="0"/>
-            </a:endParaRPr>
-          </a:p>
-          <a:p>
-            <a:pPr marL="457200" lvl="1" indent="0">
-              <a:buNone/>
-            </a:pPr>
-            <a:r>
-              <a:rPr lang="en-US" altLang="ja-JP" sz="1600" dirty="0">
-                <a:solidFill>
-                  <a:schemeClr val="bg1"/>
-                </a:solidFill>
-                <a:latin typeface="Lucida Console" panose="020B0609040504020204" pitchFamily="49" charset="0"/>
-              </a:rPr>
-              <a:t># </a:t>
-            </a:r>
-            <a:r>
-              <a:rPr lang="en-US" altLang="ja-JP" sz="1600" dirty="0" err="1">
-                <a:solidFill>
-                  <a:srgbClr val="00B0F0"/>
-                </a:solidFill>
-                <a:latin typeface="Lucida Console" panose="020B0609040504020204" pitchFamily="49" charset="0"/>
-              </a:rPr>
-              <a:t>trainControl</a:t>
-            </a:r>
-            <a:r>
-              <a:rPr lang="en-US" altLang="ja-JP" sz="1600" dirty="0">
-                <a:solidFill>
-                  <a:schemeClr val="bg1"/>
-                </a:solidFill>
-                <a:latin typeface="Lucida Console" panose="020B0609040504020204" pitchFamily="49" charset="0"/>
-              </a:rPr>
-              <a:t>()</a:t>
-            </a:r>
-            <a:r>
-              <a:rPr lang="ja-JP" altLang="en-US" sz="1600" dirty="0">
-                <a:solidFill>
-                  <a:schemeClr val="bg1"/>
-                </a:solidFill>
-                <a:latin typeface="Lucida Console" panose="020B0609040504020204" pitchFamily="49" charset="0"/>
-              </a:rPr>
-              <a:t>関数で交差検証も実行してくれる</a:t>
-            </a:r>
-            <a:r>
-              <a:rPr lang="en-US" altLang="ja-JP" sz="1600" dirty="0">
-                <a:solidFill>
-                  <a:schemeClr val="bg1"/>
-                </a:solidFill>
-                <a:latin typeface="Lucida Console" panose="020B0609040504020204" pitchFamily="49" charset="0"/>
-              </a:rPr>
-              <a:t>.</a:t>
-            </a:r>
-          </a:p>
-          <a:p>
-            <a:pPr marL="457200" lvl="1" indent="0">
-              <a:buNone/>
-            </a:pPr>
-            <a:r>
-              <a:rPr lang="en-US" altLang="ja-JP" sz="1600" dirty="0">
-                <a:solidFill>
-                  <a:schemeClr val="bg1"/>
-                </a:solidFill>
-                <a:latin typeface="Lucida Console" panose="020B0609040504020204" pitchFamily="49" charset="0"/>
-              </a:rPr>
-              <a:t># </a:t>
-            </a:r>
-            <a:r>
-              <a:rPr lang="ja-JP" altLang="en-US" sz="1600" dirty="0">
-                <a:solidFill>
-                  <a:schemeClr val="bg1"/>
-                </a:solidFill>
-                <a:latin typeface="Lucida Console" panose="020B0609040504020204" pitchFamily="49" charset="0"/>
-              </a:rPr>
-              <a:t>ハイパーパラメータのチューニングも</a:t>
-            </a:r>
-            <a:r>
-              <a:rPr lang="en-US" altLang="ja-JP" sz="1600" dirty="0" err="1">
-                <a:solidFill>
-                  <a:schemeClr val="bg1"/>
-                </a:solidFill>
-                <a:latin typeface="Lucida Console" panose="020B0609040504020204" pitchFamily="49" charset="0"/>
-              </a:rPr>
-              <a:t>tuneLength</a:t>
-            </a:r>
-            <a:r>
-              <a:rPr lang="ja-JP" altLang="en-US" sz="1600" dirty="0">
-                <a:solidFill>
-                  <a:schemeClr val="bg1"/>
-                </a:solidFill>
-                <a:latin typeface="Lucida Console" panose="020B0609040504020204" pitchFamily="49" charset="0"/>
-              </a:rPr>
-              <a:t>や</a:t>
-            </a:r>
-            <a:r>
-              <a:rPr lang="en-US" altLang="ja-JP" sz="1600" dirty="0" err="1">
-                <a:solidFill>
-                  <a:schemeClr val="bg1"/>
-                </a:solidFill>
-                <a:latin typeface="Lucida Console" panose="020B0609040504020204" pitchFamily="49" charset="0"/>
-              </a:rPr>
-              <a:t>tuneGrid</a:t>
-            </a:r>
-            <a:r>
-              <a:rPr lang="ja-JP" altLang="en-US" sz="1600" dirty="0">
-                <a:solidFill>
-                  <a:schemeClr val="bg1"/>
-                </a:solidFill>
-                <a:latin typeface="Lucida Console" panose="020B0609040504020204" pitchFamily="49" charset="0"/>
-              </a:rPr>
-              <a:t>を引数にして設定可能</a:t>
-            </a:r>
-            <a:endParaRPr lang="en-US" altLang="ja-JP" sz="1600" dirty="0">
-              <a:solidFill>
-                <a:schemeClr val="bg1"/>
-              </a:solidFill>
-              <a:latin typeface="Lucida Console" panose="020B0609040504020204" pitchFamily="49" charset="0"/>
-            </a:endParaRPr>
-          </a:p>
-          <a:p>
-            <a:pPr marL="457200" lvl="1" indent="0">
-              <a:buNone/>
-            </a:pPr>
-            <a:r>
-              <a:rPr lang="en-US" altLang="ja-JP" sz="1600" dirty="0">
-                <a:solidFill>
-                  <a:schemeClr val="bg1"/>
-                </a:solidFill>
-                <a:latin typeface="Lucida Console" panose="020B0609040504020204" pitchFamily="49" charset="0"/>
-              </a:rPr>
-              <a:t># </a:t>
-            </a:r>
-            <a:r>
-              <a:rPr lang="ja-JP" altLang="en-US" sz="1600" dirty="0">
-                <a:solidFill>
-                  <a:schemeClr val="bg1"/>
-                </a:solidFill>
-                <a:latin typeface="Lucida Console" panose="020B0609040504020204" pitchFamily="49" charset="0"/>
-              </a:rPr>
-              <a:t>構造が全部一緒なので，データフレームを統一して方法別の予測結果の比較が簡単</a:t>
-            </a:r>
-            <a:endParaRPr lang="en-US" altLang="ja-JP" sz="1600" dirty="0">
-              <a:solidFill>
-                <a:schemeClr val="bg1"/>
-              </a:solidFill>
-              <a:latin typeface="Lucida Console" panose="020B0609040504020204" pitchFamily="49" charset="0"/>
-            </a:endParaRPr>
-          </a:p>
-          <a:p>
-            <a:endParaRPr kumimoji="1" lang="en-US" altLang="ja-JP" sz="2000" dirty="0">
-              <a:solidFill>
-                <a:schemeClr val="bg1"/>
-              </a:solidFill>
-              <a:latin typeface="Lucida Console" panose="020B0609040504020204" pitchFamily="49" charset="0"/>
-            </a:endParaRPr>
-          </a:p>
-          <a:p>
-            <a:r>
-              <a:rPr lang="en-US" altLang="ja-JP" sz="2000" dirty="0">
-                <a:solidFill>
-                  <a:schemeClr val="bg1"/>
-                </a:solidFill>
-                <a:latin typeface="Lucida Console" panose="020B0609040504020204" pitchFamily="49" charset="0"/>
-              </a:rPr>
-              <a:t>Method</a:t>
-            </a:r>
-            <a:r>
-              <a:rPr lang="ja-JP" altLang="en-US" sz="2000" dirty="0" err="1">
-                <a:solidFill>
-                  <a:schemeClr val="bg1"/>
-                </a:solidFill>
-                <a:latin typeface="Lucida Console" panose="020B0609040504020204" pitchFamily="49" charset="0"/>
-              </a:rPr>
-              <a:t>には</a:t>
-            </a:r>
-            <a:r>
-              <a:rPr lang="ja-JP" altLang="en-US" sz="2000" dirty="0">
-                <a:solidFill>
-                  <a:schemeClr val="bg1"/>
-                </a:solidFill>
-                <a:latin typeface="Lucida Console" panose="020B0609040504020204" pitchFamily="49" charset="0"/>
-              </a:rPr>
-              <a:t>いろいろな方法が使えたりする．</a:t>
-            </a:r>
-            <a:endParaRPr lang="en-US" altLang="ja-JP" sz="2000" dirty="0">
-              <a:solidFill>
-                <a:schemeClr val="bg1"/>
-              </a:solidFill>
-              <a:latin typeface="Lucida Console" panose="020B0609040504020204" pitchFamily="49" charset="0"/>
-            </a:endParaRPr>
-          </a:p>
-          <a:p>
-            <a:pPr marL="457200" lvl="1" indent="0">
-              <a:buNone/>
-            </a:pPr>
-            <a:r>
-              <a:rPr lang="en-US" altLang="ja-JP" sz="1600" dirty="0">
-                <a:solidFill>
-                  <a:schemeClr val="bg1"/>
-                </a:solidFill>
-                <a:latin typeface="Lucida Console" panose="020B0609040504020204" pitchFamily="49" charset="0"/>
-              </a:rPr>
-              <a:t># </a:t>
-            </a:r>
-            <a:r>
-              <a:rPr lang="en-US" altLang="ja-JP" sz="1600" dirty="0" err="1">
-                <a:solidFill>
-                  <a:schemeClr val="bg1"/>
-                </a:solidFill>
-                <a:latin typeface="Lucida Console" panose="020B0609040504020204" pitchFamily="49" charset="0"/>
-              </a:rPr>
-              <a:t>xgboost</a:t>
-            </a:r>
-            <a:r>
-              <a:rPr lang="en-US" altLang="ja-JP" sz="1600">
-                <a:solidFill>
-                  <a:schemeClr val="bg1"/>
-                </a:solidFill>
-                <a:latin typeface="Lucida Console" panose="020B0609040504020204" pitchFamily="49" charset="0"/>
-              </a:rPr>
-              <a:t>(Tree</a:t>
-            </a:r>
-            <a:r>
-              <a:rPr lang="ja-JP" altLang="en-US" sz="1600" dirty="0">
-                <a:solidFill>
-                  <a:schemeClr val="bg1"/>
-                </a:solidFill>
-                <a:latin typeface="Lucida Console" panose="020B0609040504020204" pitchFamily="49" charset="0"/>
-              </a:rPr>
-              <a:t>・</a:t>
-            </a:r>
-            <a:r>
-              <a:rPr lang="en-US" altLang="ja-JP" sz="1600" dirty="0">
-                <a:solidFill>
-                  <a:schemeClr val="bg1"/>
-                </a:solidFill>
-                <a:latin typeface="Lucida Console" panose="020B0609040504020204" pitchFamily="49" charset="0"/>
-              </a:rPr>
-              <a:t>Linear</a:t>
-            </a:r>
-            <a:r>
-              <a:rPr lang="ja-JP" altLang="en-US" sz="1600" dirty="0">
-                <a:solidFill>
-                  <a:schemeClr val="bg1"/>
-                </a:solidFill>
-                <a:latin typeface="Lucida Console" panose="020B0609040504020204" pitchFamily="49" charset="0"/>
-              </a:rPr>
-              <a:t>で指定する名前が違う</a:t>
-            </a:r>
-            <a:r>
-              <a:rPr lang="en-US" altLang="ja-JP" sz="1600" dirty="0">
-                <a:solidFill>
-                  <a:schemeClr val="bg1"/>
-                </a:solidFill>
-                <a:latin typeface="Lucida Console" panose="020B0609040504020204" pitchFamily="49" charset="0"/>
-              </a:rPr>
-              <a:t>), </a:t>
-            </a:r>
-            <a:r>
-              <a:rPr lang="en-US" altLang="ja-JP" sz="1600" dirty="0" err="1">
-                <a:solidFill>
-                  <a:schemeClr val="bg1"/>
-                </a:solidFill>
-                <a:latin typeface="Lucida Console" panose="020B0609040504020204" pitchFamily="49" charset="0"/>
-              </a:rPr>
-              <a:t>randomForest</a:t>
-            </a:r>
-            <a:endParaRPr lang="en-US" altLang="ja-JP" sz="1600" dirty="0">
-              <a:solidFill>
-                <a:schemeClr val="bg1"/>
-              </a:solidFill>
-              <a:latin typeface="Lucida Console" panose="020B0609040504020204" pitchFamily="49" charset="0"/>
-            </a:endParaRPr>
-          </a:p>
-          <a:p>
-            <a:pPr marL="457200" lvl="1" indent="0">
-              <a:buNone/>
-            </a:pPr>
-            <a:r>
-              <a:rPr lang="en-US" altLang="ja-JP" sz="1600" dirty="0">
-                <a:solidFill>
-                  <a:schemeClr val="bg1"/>
-                </a:solidFill>
-                <a:latin typeface="Lucida Console" panose="020B0609040504020204" pitchFamily="49" charset="0"/>
-              </a:rPr>
-              <a:t># L1, L2</a:t>
-            </a:r>
-            <a:r>
-              <a:rPr lang="ja-JP" altLang="en-US" sz="1600" dirty="0">
-                <a:solidFill>
-                  <a:schemeClr val="bg1"/>
-                </a:solidFill>
-                <a:latin typeface="Lucida Console" panose="020B0609040504020204" pitchFamily="49" charset="0"/>
-              </a:rPr>
-              <a:t>正則化回帰もできる</a:t>
-            </a:r>
-            <a:endParaRPr lang="en-US" altLang="ja-JP" sz="1600" dirty="0">
-              <a:solidFill>
-                <a:schemeClr val="bg1"/>
-              </a:solidFill>
-              <a:latin typeface="Lucida Console" panose="020B0609040504020204" pitchFamily="49" charset="0"/>
-            </a:endParaRPr>
-          </a:p>
-          <a:p>
-            <a:pPr marL="457200" lvl="1" indent="0">
-              <a:buNone/>
-            </a:pPr>
-            <a:r>
-              <a:rPr lang="en-US" altLang="ja-JP" sz="1600" dirty="0">
-                <a:solidFill>
-                  <a:schemeClr val="bg1"/>
-                </a:solidFill>
-                <a:latin typeface="Lucida Console" panose="020B0609040504020204" pitchFamily="49" charset="0"/>
-              </a:rPr>
-              <a:t># </a:t>
-            </a:r>
-            <a:r>
-              <a:rPr lang="ja-JP" altLang="en-US" sz="1600" dirty="0">
-                <a:solidFill>
-                  <a:schemeClr val="bg1"/>
-                </a:solidFill>
-                <a:latin typeface="Lucida Console" panose="020B0609040504020204" pitchFamily="49" charset="0"/>
-              </a:rPr>
-              <a:t>その他の方法は</a:t>
-            </a:r>
-            <a:r>
-              <a:rPr lang="en-US" altLang="ja-JP" sz="1600" dirty="0">
-                <a:solidFill>
-                  <a:schemeClr val="bg1"/>
-                </a:solidFill>
-                <a:latin typeface="Lucida Console" panose="020B0609040504020204" pitchFamily="49" charset="0"/>
-                <a:hlinkClick r:id="rId2"/>
-              </a:rPr>
-              <a:t>http://topepo.github.io/caret/train-models-by-tag.html</a:t>
-            </a:r>
-            <a:r>
-              <a:rPr lang="ja-JP" altLang="en-US" sz="1600" dirty="0">
-                <a:solidFill>
-                  <a:schemeClr val="bg1"/>
-                </a:solidFill>
-                <a:latin typeface="Lucida Console" panose="020B0609040504020204" pitchFamily="49" charset="0"/>
-              </a:rPr>
-              <a:t>を参照．</a:t>
-            </a:r>
-            <a:endParaRPr lang="en-US" altLang="ja-JP" sz="1600" dirty="0">
-              <a:solidFill>
-                <a:schemeClr val="bg1"/>
-              </a:solidFill>
-              <a:latin typeface="Lucida Console" panose="020B0609040504020204" pitchFamily="49" charset="0"/>
-            </a:endParaRPr>
+        <p:spPr/>
+        <p:txBody>
+          <a:bodyPr/>
+          <a:lstStyle/>
+          <a:p>
+            <a:r>
+              <a:rPr kumimoji="1" lang="ja-JP" altLang="en-US" strike="sngStrike" dirty="0"/>
+              <a:t>実はよく知らない</a:t>
+            </a:r>
+            <a:r>
+              <a:rPr lang="en-US" altLang="ja-JP" dirty="0" err="1"/>
+              <a:t>eXtreme</a:t>
+            </a:r>
+            <a:r>
+              <a:rPr lang="en-US" altLang="ja-JP" dirty="0"/>
+              <a:t> Gradient Boost</a:t>
+            </a:r>
+            <a:endParaRPr kumimoji="1" lang="en-US" altLang="ja-JP" strike="sngStrike" dirty="0"/>
+          </a:p>
+          <a:p>
+            <a:r>
+              <a:rPr lang="en-US" altLang="ja-JP" dirty="0"/>
+              <a:t>Random Forest</a:t>
+            </a:r>
+            <a:r>
+              <a:rPr lang="ja-JP" altLang="en-US" dirty="0"/>
+              <a:t>と勾配</a:t>
+            </a:r>
+            <a:r>
+              <a:rPr lang="en-US" altLang="ja-JP" dirty="0"/>
+              <a:t>Boosting</a:t>
+            </a:r>
+            <a:r>
+              <a:rPr lang="ja-JP" altLang="en-US" dirty="0"/>
+              <a:t>の合わせ技</a:t>
+            </a:r>
+            <a:endParaRPr lang="en-US" altLang="ja-JP" dirty="0"/>
           </a:p>
           <a:p>
             <a:pPr lvl="1"/>
-            <a:endParaRPr lang="en-US" altLang="ja-JP" sz="1600" dirty="0">
-              <a:solidFill>
-                <a:schemeClr val="bg1"/>
-              </a:solidFill>
-              <a:latin typeface="Lucida Console" panose="020B0609040504020204" pitchFamily="49" charset="0"/>
-            </a:endParaRPr>
-          </a:p>
-          <a:p>
-            <a:r>
-              <a:rPr lang="ja-JP" altLang="en-US" sz="2000" dirty="0">
-                <a:solidFill>
-                  <a:schemeClr val="bg1"/>
-                </a:solidFill>
-                <a:latin typeface="Lucida Console" panose="020B0609040504020204" pitchFamily="49" charset="0"/>
-              </a:rPr>
-              <a:t>予測は</a:t>
-            </a:r>
-            <a:r>
-              <a:rPr lang="en-US" altLang="ja-JP" sz="2000" dirty="0">
-                <a:solidFill>
-                  <a:srgbClr val="00B0F0"/>
-                </a:solidFill>
-                <a:latin typeface="Lucida Console" panose="020B0609040504020204" pitchFamily="49" charset="0"/>
-              </a:rPr>
-              <a:t>predict</a:t>
-            </a:r>
-            <a:r>
-              <a:rPr lang="en-US" altLang="ja-JP" sz="2000" dirty="0">
-                <a:solidFill>
-                  <a:schemeClr val="bg1"/>
-                </a:solidFill>
-                <a:latin typeface="Lucida Console" panose="020B0609040504020204" pitchFamily="49" charset="0"/>
-              </a:rPr>
-              <a:t>(model, </a:t>
-            </a:r>
-            <a:r>
-              <a:rPr lang="en-US" altLang="ja-JP" sz="2000" dirty="0" err="1">
-                <a:solidFill>
-                  <a:schemeClr val="bg1"/>
-                </a:solidFill>
-                <a:latin typeface="Lucida Console" panose="020B0609040504020204" pitchFamily="49" charset="0"/>
-              </a:rPr>
-              <a:t>newdata</a:t>
-            </a:r>
-            <a:r>
-              <a:rPr lang="en-US" altLang="ja-JP" sz="2000" dirty="0">
-                <a:solidFill>
-                  <a:schemeClr val="bg1"/>
-                </a:solidFill>
-                <a:latin typeface="Lucida Console" panose="020B0609040504020204" pitchFamily="49" charset="0"/>
-              </a:rPr>
-              <a:t> = </a:t>
-            </a:r>
-            <a:r>
-              <a:rPr lang="en-US" altLang="ja-JP" sz="2000" dirty="0" err="1">
-                <a:solidFill>
-                  <a:schemeClr val="bg1"/>
-                </a:solidFill>
-                <a:latin typeface="Lucida Console" panose="020B0609040504020204" pitchFamily="49" charset="0"/>
-              </a:rPr>
-              <a:t>TestData</a:t>
-            </a:r>
-            <a:r>
-              <a:rPr lang="en-US" altLang="ja-JP" sz="2000" dirty="0">
-                <a:solidFill>
-                  <a:schemeClr val="bg1"/>
-                </a:solidFill>
-                <a:latin typeface="Lucida Console" panose="020B0609040504020204" pitchFamily="49" charset="0"/>
-              </a:rPr>
+            <a:r>
+              <a:rPr lang="ja-JP" altLang="en-US" dirty="0"/>
+              <a:t>機械学習の合わせ技で生まれた手法を「アンサンブル学習」という</a:t>
+            </a:r>
+            <a:endParaRPr lang="en-US" altLang="ja-JP" dirty="0"/>
+          </a:p>
+          <a:p>
+            <a:pPr lvl="1"/>
+            <a:r>
+              <a:rPr lang="en-US" altLang="ja-JP" dirty="0"/>
+              <a:t>Random Forest</a:t>
+            </a:r>
+            <a:r>
+              <a:rPr lang="ja-JP" altLang="en-US" dirty="0" err="1"/>
+              <a:t>は過</a:t>
+            </a:r>
+            <a:r>
+              <a:rPr lang="ja-JP" altLang="en-US" dirty="0"/>
+              <a:t>学習になりやすい</a:t>
+            </a:r>
+            <a:r>
+              <a:rPr lang="en-US" altLang="ja-JP" dirty="0"/>
+              <a:t>(</a:t>
+            </a:r>
+            <a:r>
+              <a:rPr lang="ja-JP" altLang="en-US" dirty="0"/>
+              <a:t>チューニングがないため</a:t>
+            </a:r>
+            <a:r>
+              <a:rPr lang="en-US" altLang="ja-JP" dirty="0"/>
               <a:t>)</a:t>
             </a:r>
-            <a:endParaRPr kumimoji="1" lang="ja-JP" altLang="en-US" sz="2000" dirty="0">
-              <a:solidFill>
-                <a:schemeClr val="bg1"/>
-              </a:solidFill>
-              <a:latin typeface="Lucida Console" panose="020B0609040504020204" pitchFamily="49" charset="0"/>
-            </a:endParaRPr>
+          </a:p>
+          <a:p>
+            <a:pPr lvl="1"/>
+            <a:r>
+              <a:rPr lang="ja-JP" altLang="en-US" dirty="0"/>
+              <a:t>勾配</a:t>
+            </a:r>
+            <a:r>
+              <a:rPr lang="en-US" altLang="ja-JP" dirty="0"/>
+              <a:t>Boosting</a:t>
+            </a:r>
+            <a:r>
+              <a:rPr lang="ja-JP" altLang="en-US" dirty="0"/>
+              <a:t>は予測が正確だけどパラメタチューニングがしんどい</a:t>
+            </a:r>
+            <a:endParaRPr lang="en-US" altLang="ja-JP" dirty="0"/>
+          </a:p>
+          <a:p>
+            <a:pPr lvl="1"/>
+            <a:endParaRPr lang="en-US" altLang="ja-JP" dirty="0"/>
+          </a:p>
+          <a:p>
+            <a:r>
+              <a:rPr lang="en-US" altLang="ja-JP" dirty="0" err="1"/>
+              <a:t>XGBoost</a:t>
+            </a:r>
+            <a:r>
+              <a:rPr lang="en-US" altLang="ja-JP" dirty="0"/>
+              <a:t>	</a:t>
+            </a:r>
+          </a:p>
+          <a:p>
+            <a:pPr lvl="1"/>
+            <a:r>
+              <a:rPr lang="ja-JP" altLang="en-US" dirty="0"/>
+              <a:t>スパースデータに強い</a:t>
+            </a:r>
+            <a:endParaRPr lang="en-US" altLang="ja-JP" dirty="0"/>
+          </a:p>
+          <a:p>
+            <a:pPr lvl="1"/>
+            <a:r>
+              <a:rPr lang="ja-JP" altLang="en-US" dirty="0"/>
+              <a:t>計算が速い</a:t>
+            </a:r>
+            <a:endParaRPr lang="en-US" altLang="ja-JP" dirty="0"/>
           </a:p>
         </p:txBody>
       </p:sp>
     </p:spTree>
     <p:extLst>
       <p:ext uri="{BB962C8B-B14F-4D97-AF65-F5344CB8AC3E}">
-        <p14:creationId xmlns:p14="http://schemas.microsoft.com/office/powerpoint/2010/main" val="294830899"/>
+        <p14:creationId xmlns:p14="http://schemas.microsoft.com/office/powerpoint/2010/main" val="3741952175"/>
       </p:ext>
     </p:extLst>
   </p:cSld>
@@ -7383,7 +6846,7 @@
           <p:cNvPr id="2" name="タイトル 1">
             <a:extLst>
               <a:ext uri="{FF2B5EF4-FFF2-40B4-BE49-F238E27FC236}">
-                <a16:creationId xmlns:a16="http://schemas.microsoft.com/office/drawing/2014/main" id="{59B1D5F8-C984-4937-AE7A-D6E3C2A80AE0}"/>
+                <a16:creationId xmlns:a16="http://schemas.microsoft.com/office/drawing/2014/main" id="{1B121C75-323C-46E8-82C4-1A70A9AF1EFB}"/>
               </a:ext>
             </a:extLst>
           </p:cNvPr>
@@ -7401,12 +6864,21 @@
           <a:p>
             <a:r>
               <a:rPr kumimoji="1" lang="en-US" altLang="ja-JP" dirty="0"/>
-              <a:t>caret</a:t>
+              <a:t>R</a:t>
             </a:r>
             <a:r>
               <a:rPr kumimoji="1" lang="ja-JP" altLang="en-US" dirty="0"/>
-              <a:t>パッケージによる実装</a:t>
-            </a:r>
+              <a:t>で</a:t>
+            </a:r>
+            <a:r>
+              <a:rPr lang="en-US" altLang="ja-JP" dirty="0" err="1"/>
+              <a:t>XGBoost</a:t>
+            </a:r>
+            <a:r>
+              <a:rPr lang="ja-JP" altLang="en-US" dirty="0"/>
+              <a:t>したいとき</a:t>
+            </a:r>
+            <a:endParaRPr kumimoji="1" lang="ja-JP" altLang="en-US" dirty="0"/>
           </a:p>
         </p:txBody>
       </p:sp>
@@ -7415,7 +6887,7 @@
           <p:cNvPr id="3" name="コンテンツ プレースホルダー 2">
             <a:extLst>
               <a:ext uri="{FF2B5EF4-FFF2-40B4-BE49-F238E27FC236}">
-                <a16:creationId xmlns:a16="http://schemas.microsoft.com/office/drawing/2014/main" id="{6EA5C827-EF9B-4B32-91B3-3D1ABA44CBD5}"/>
+                <a16:creationId xmlns:a16="http://schemas.microsoft.com/office/drawing/2014/main" id="{7AC89A91-70F9-4965-BA9F-DEDE01C4B4A4}"/>
               </a:ext>
             </a:extLst>
           </p:cNvPr>
@@ -7427,7 +6899,10 @@
           </p:nvPr>
         </p:nvSpPr>
         <p:spPr>
-          <a:noFill/>
+          <a:xfrm>
+            <a:off x="838200" y="1825624"/>
+            <a:ext cx="10515600" cy="5134733"/>
+          </a:xfrm>
         </p:spPr>
         <p:txBody>
           <a:bodyPr>
@@ -7436,208 +6911,194 @@
           <a:lstStyle/>
           <a:p>
             <a:r>
-              <a:rPr kumimoji="1" lang="ja-JP" altLang="en-US" dirty="0">
-                <a:latin typeface="+mj-lt"/>
-              </a:rPr>
-              <a:t>計算量が多いと実行が終わらない</a:t>
-            </a:r>
-            <a:r>
-              <a:rPr kumimoji="1" lang="en-US" altLang="ja-JP" dirty="0">
-                <a:latin typeface="+mj-lt"/>
-              </a:rPr>
-              <a:t>(</a:t>
-            </a:r>
-            <a:r>
-              <a:rPr kumimoji="1" lang="ja-JP" altLang="en-US" dirty="0">
-                <a:latin typeface="+mj-lt"/>
-              </a:rPr>
-              <a:t>計算</a:t>
-            </a:r>
-            <a:r>
-              <a:rPr kumimoji="1" lang="en-US" altLang="ja-JP" dirty="0">
-                <a:latin typeface="+mj-lt"/>
-              </a:rPr>
-              <a:t>……</a:t>
-            </a:r>
-            <a:r>
-              <a:rPr kumimoji="1" lang="ja-JP" altLang="en-US" dirty="0">
-                <a:latin typeface="+mj-lt"/>
-              </a:rPr>
-              <a:t>速いか？</a:t>
-            </a:r>
-            <a:r>
-              <a:rPr kumimoji="1" lang="en-US" altLang="ja-JP" dirty="0">
-                <a:latin typeface="+mj-lt"/>
-              </a:rPr>
-              <a:t>)</a:t>
-            </a:r>
+              <a:rPr kumimoji="1" lang="en-US" altLang="ja-JP" dirty="0" err="1"/>
+              <a:t>xgboost</a:t>
+            </a:r>
+            <a:r>
+              <a:rPr kumimoji="1" lang="ja-JP" altLang="en-US" dirty="0"/>
+              <a:t>パッケージがある</a:t>
+            </a:r>
+            <a:endParaRPr kumimoji="1" lang="en-US" altLang="ja-JP" dirty="0"/>
           </a:p>
           <a:p>
             <a:pPr lvl="1"/>
             <a:r>
-              <a:rPr lang="ja-JP" altLang="en-US" dirty="0" err="1">
-                <a:latin typeface="+mj-lt"/>
-              </a:rPr>
+              <a:rPr lang="ja-JP" altLang="en-US" dirty="0"/>
+              <a:t>分析するデータは</a:t>
+            </a:r>
+            <a:r>
+              <a:rPr lang="en-US" altLang="ja-JP" dirty="0"/>
+              <a:t>matrix</a:t>
+            </a:r>
+            <a:r>
+              <a:rPr lang="ja-JP" altLang="en-US" dirty="0"/>
+              <a:t>型を求められる</a:t>
+            </a:r>
+            <a:endParaRPr lang="en-US" altLang="ja-JP" dirty="0"/>
+          </a:p>
+          <a:p>
+            <a:pPr lvl="2"/>
+            <a:r>
+              <a:rPr lang="ja-JP" altLang="en-US" dirty="0"/>
+              <a:t>大きなデータを扱う場合</a:t>
+            </a:r>
+            <a:r>
+              <a:rPr lang="en-US" altLang="ja-JP" dirty="0"/>
+              <a:t>matrix</a:t>
+            </a:r>
+            <a:r>
+              <a:rPr lang="ja-JP" altLang="en-US" dirty="0"/>
+              <a:t>型は都合がいい</a:t>
+            </a:r>
+            <a:endParaRPr lang="en-US" altLang="ja-JP" dirty="0"/>
+          </a:p>
+          <a:p>
+            <a:pPr lvl="2"/>
+            <a:r>
+              <a:rPr lang="ja-JP" altLang="en-US" dirty="0"/>
+              <a:t>「機械学習」「ビッグデータ」「えーあい」という文脈ではこのフォーマットはアリ</a:t>
+            </a:r>
+            <a:endParaRPr lang="en-US" altLang="ja-JP" dirty="0"/>
+          </a:p>
+          <a:p>
+            <a:pPr lvl="2"/>
+            <a:endParaRPr lang="en-US" altLang="ja-JP" dirty="0"/>
+          </a:p>
+          <a:p>
+            <a:pPr lvl="1"/>
+            <a:r>
+              <a:rPr lang="en-US" altLang="ja-JP" dirty="0" err="1"/>
+              <a:t>lm</a:t>
+            </a:r>
+            <a:r>
+              <a:rPr lang="en-US" altLang="ja-JP" dirty="0"/>
+              <a:t>()</a:t>
+            </a:r>
+            <a:r>
+              <a:rPr lang="ja-JP" altLang="en-US" dirty="0"/>
+              <a:t>関数及び</a:t>
+            </a:r>
+            <a:r>
+              <a:rPr lang="en-US" altLang="ja-JP" dirty="0" err="1"/>
+              <a:t>glm</a:t>
+            </a:r>
+            <a:r>
+              <a:rPr lang="en-US" altLang="ja-JP" dirty="0"/>
+              <a:t>()</a:t>
+            </a:r>
+            <a:r>
+              <a:rPr lang="ja-JP" altLang="en-US" dirty="0"/>
+              <a:t>関数による回帰</a:t>
+            </a:r>
+            <a:r>
+              <a:rPr lang="en-US" altLang="ja-JP" dirty="0"/>
+              <a:t>: </a:t>
+            </a:r>
+            <a:r>
+              <a:rPr lang="en-US" altLang="ja-JP" dirty="0" err="1"/>
+              <a:t>data.frame</a:t>
+            </a:r>
+            <a:r>
+              <a:rPr lang="ja-JP" altLang="en-US" dirty="0"/>
+              <a:t>型</a:t>
+            </a:r>
+            <a:endParaRPr lang="en-US" altLang="ja-JP" dirty="0"/>
+          </a:p>
+          <a:p>
+            <a:pPr lvl="1"/>
+            <a:r>
+              <a:rPr lang="en-US" altLang="ja-JP" dirty="0" err="1"/>
+              <a:t>randomForest</a:t>
+            </a:r>
+            <a:r>
+              <a:rPr lang="ja-JP" altLang="en-US" dirty="0"/>
+              <a:t>パッケージ　　　   </a:t>
+            </a:r>
+            <a:r>
+              <a:rPr lang="en-US" altLang="ja-JP" dirty="0"/>
+              <a:t>: </a:t>
+            </a:r>
+            <a:r>
+              <a:rPr lang="en-US" altLang="ja-JP" dirty="0" err="1"/>
+              <a:t>data.frame</a:t>
+            </a:r>
+            <a:r>
+              <a:rPr lang="ja-JP" altLang="en-US" dirty="0"/>
+              <a:t>型</a:t>
+            </a:r>
+            <a:endParaRPr lang="en-US" altLang="ja-JP" dirty="0"/>
+          </a:p>
+          <a:p>
+            <a:pPr lvl="1"/>
+            <a:r>
+              <a:rPr kumimoji="1" lang="ja-JP" altLang="en-US" dirty="0" err="1"/>
               <a:t>きぬ</a:t>
             </a:r>
             <a:r>
-              <a:rPr lang="ja-JP" altLang="en-US" dirty="0">
-                <a:latin typeface="+mj-lt"/>
-              </a:rPr>
-              <a:t>いと環境</a:t>
-            </a:r>
-            <a:r>
-              <a:rPr lang="en-US" altLang="ja-JP" dirty="0">
-                <a:latin typeface="+mj-lt"/>
-              </a:rPr>
-              <a:t>(Memory: 8GB</a:t>
-            </a:r>
-            <a:r>
-              <a:rPr lang="ja-JP" altLang="en-US" dirty="0">
-                <a:latin typeface="+mj-lt"/>
-              </a:rPr>
-              <a:t> </a:t>
-            </a:r>
-            <a:r>
-              <a:rPr lang="en-US" altLang="ja-JP" dirty="0">
-                <a:latin typeface="+mj-lt"/>
-              </a:rPr>
-              <a:t>CPU: Core</a:t>
-            </a:r>
-            <a:r>
-              <a:rPr lang="ja-JP" altLang="en-US" dirty="0">
-                <a:latin typeface="+mj-lt"/>
-              </a:rPr>
-              <a:t> </a:t>
-            </a:r>
-            <a:r>
-              <a:rPr lang="en-US" altLang="ja-JP" dirty="0">
-                <a:latin typeface="+mj-lt"/>
-              </a:rPr>
-              <a:t>i5)</a:t>
-            </a:r>
-            <a:r>
-              <a:rPr lang="ja-JP" altLang="en-US" dirty="0">
-                <a:latin typeface="+mj-lt"/>
-              </a:rPr>
-              <a:t>だと交差検証つき</a:t>
-            </a:r>
-            <a:r>
-              <a:rPr lang="en-US" altLang="ja-JP" dirty="0" err="1">
-                <a:latin typeface="+mj-lt"/>
-              </a:rPr>
-              <a:t>xgboost</a:t>
-            </a:r>
-            <a:r>
-              <a:rPr lang="ja-JP" altLang="en-US" dirty="0">
-                <a:latin typeface="+mj-lt"/>
-              </a:rPr>
-              <a:t>に</a:t>
-            </a:r>
-            <a:r>
-              <a:rPr lang="en-US" altLang="ja-JP" dirty="0">
-                <a:latin typeface="+mj-lt"/>
-              </a:rPr>
-              <a:t>5</a:t>
-            </a:r>
-            <a:r>
-              <a:rPr lang="ja-JP" altLang="en-US" dirty="0">
-                <a:latin typeface="+mj-lt"/>
-              </a:rPr>
-              <a:t>時間かかる</a:t>
-            </a:r>
-            <a:endParaRPr lang="en-US" altLang="ja-JP" dirty="0">
-              <a:latin typeface="+mj-lt"/>
-            </a:endParaRPr>
-          </a:p>
-          <a:p>
-            <a:pPr lvl="1"/>
-            <a:r>
-              <a:rPr lang="en-US" altLang="ja-JP" dirty="0">
-                <a:latin typeface="+mj-lt"/>
-              </a:rPr>
-              <a:t>PC</a:t>
-            </a:r>
-            <a:r>
-              <a:rPr lang="ja-JP" altLang="en-US" dirty="0">
-                <a:latin typeface="+mj-lt"/>
-              </a:rPr>
-              <a:t>の買い替え </a:t>
-            </a:r>
-            <a:r>
-              <a:rPr lang="en-US" altLang="ja-JP" dirty="0">
-                <a:latin typeface="+mj-lt"/>
-              </a:rPr>
-              <a:t>or </a:t>
-            </a:r>
-            <a:r>
-              <a:rPr lang="en-US" altLang="ja-JP" dirty="0" err="1">
-                <a:latin typeface="+mj-lt"/>
-              </a:rPr>
-              <a:t>doParallel</a:t>
-            </a:r>
-            <a:r>
-              <a:rPr lang="ja-JP" altLang="en-US" dirty="0">
-                <a:latin typeface="+mj-lt"/>
-              </a:rPr>
-              <a:t>パッケージによる並列計算で乗り切れ</a:t>
-            </a:r>
-            <a:endParaRPr lang="en-US" altLang="ja-JP" dirty="0">
-              <a:latin typeface="+mj-lt"/>
-            </a:endParaRPr>
-          </a:p>
-          <a:p>
-            <a:pPr lvl="1"/>
-            <a:endParaRPr lang="en-US" altLang="ja-JP" dirty="0">
-              <a:latin typeface="+mj-lt"/>
-            </a:endParaRPr>
-          </a:p>
-          <a:p>
-            <a:r>
-              <a:rPr lang="en-US" altLang="ja-JP" dirty="0" err="1">
-                <a:latin typeface="+mj-lt"/>
-              </a:rPr>
-              <a:t>xgboost</a:t>
-            </a:r>
-            <a:r>
-              <a:rPr lang="ja-JP" altLang="en-US" dirty="0">
-                <a:latin typeface="+mj-lt"/>
-              </a:rPr>
-              <a:t>パッケージと結果がちょっと変わる？</a:t>
-            </a:r>
-            <a:endParaRPr lang="en-US" altLang="ja-JP" dirty="0">
-              <a:latin typeface="+mj-lt"/>
-            </a:endParaRPr>
-          </a:p>
-          <a:p>
-            <a:pPr lvl="1"/>
-            <a:r>
-              <a:rPr lang="en-US" altLang="ja-JP" dirty="0" err="1">
-                <a:latin typeface="+mj-lt"/>
-              </a:rPr>
-              <a:t>xgboost</a:t>
-            </a:r>
-            <a:r>
-              <a:rPr lang="ja-JP" altLang="en-US" dirty="0">
-                <a:latin typeface="+mj-lt"/>
-              </a:rPr>
-              <a:t>パッケージ未体験なので風の噂レベル</a:t>
-            </a:r>
-            <a:endParaRPr lang="en-US" altLang="ja-JP" dirty="0">
-              <a:latin typeface="+mj-lt"/>
-            </a:endParaRPr>
-          </a:p>
-          <a:p>
-            <a:endParaRPr kumimoji="1" lang="ja-JP" altLang="en-US" dirty="0">
-              <a:latin typeface="+mj-lt"/>
-            </a:endParaRPr>
+              <a:rPr kumimoji="1" lang="ja-JP" altLang="en-US" dirty="0"/>
+              <a:t>いとが使い慣れている　　　 </a:t>
+            </a:r>
+            <a:r>
+              <a:rPr kumimoji="1" lang="en-US" altLang="ja-JP" dirty="0"/>
+              <a:t>: </a:t>
+            </a:r>
+            <a:r>
+              <a:rPr kumimoji="1" lang="en-US" altLang="ja-JP" dirty="0" err="1"/>
+              <a:t>data.frame</a:t>
+            </a:r>
+            <a:r>
+              <a:rPr kumimoji="1" lang="ja-JP" altLang="en-US" dirty="0"/>
+              <a:t>型</a:t>
+            </a:r>
+            <a:endParaRPr kumimoji="1" lang="en-US" altLang="ja-JP" dirty="0"/>
+          </a:p>
+          <a:p>
+            <a:endParaRPr lang="en-US" altLang="ja-JP" dirty="0"/>
+          </a:p>
+          <a:p>
+            <a:pPr marL="0" indent="0" algn="ctr">
+              <a:buNone/>
+            </a:pPr>
+            <a:r>
+              <a:rPr kumimoji="1" lang="ja-JP" altLang="en-US" sz="3200" dirty="0"/>
+              <a:t>モデル別に比較とかしてみたいし</a:t>
+            </a:r>
+            <a:endParaRPr kumimoji="1" lang="en-US" altLang="ja-JP" sz="3200" dirty="0"/>
+          </a:p>
+          <a:p>
+            <a:pPr marL="0" indent="0" algn="ctr">
+              <a:buNone/>
+            </a:pPr>
+            <a:r>
+              <a:rPr lang="en-US" altLang="ja-JP" sz="3200" dirty="0" err="1"/>
+              <a:t>data.frame</a:t>
+            </a:r>
+            <a:r>
+              <a:rPr lang="ja-JP" altLang="en-US" sz="3200" dirty="0"/>
+              <a:t>型で</a:t>
+            </a:r>
+            <a:r>
+              <a:rPr lang="en-US" altLang="ja-JP" sz="3200" dirty="0" err="1"/>
+              <a:t>XGBoost</a:t>
+            </a:r>
+            <a:r>
+              <a:rPr lang="ja-JP" altLang="en-US" sz="3200" dirty="0"/>
+              <a:t>実装できたりしない？</a:t>
+            </a:r>
+            <a:endParaRPr kumimoji="1" lang="en-US" altLang="ja-JP" sz="3200" dirty="0"/>
+          </a:p>
+          <a:p>
+            <a:endParaRPr lang="en-US" altLang="ja-JP" dirty="0"/>
+          </a:p>
+          <a:p>
+            <a:endParaRPr kumimoji="1" lang="ja-JP" altLang="en-US" dirty="0"/>
           </a:p>
         </p:txBody>
       </p:sp>
     </p:spTree>
     <p:extLst>
       <p:ext uri="{BB962C8B-B14F-4D97-AF65-F5344CB8AC3E}">
-        <p14:creationId xmlns:p14="http://schemas.microsoft.com/office/powerpoint/2010/main" val="349532007"/>
+        <p14:creationId xmlns:p14="http://schemas.microsoft.com/office/powerpoint/2010/main" val="70788854"/>
       </p:ext>
     </p:extLst>
   </p:cSld>
@@ -7669,7 +7130,7 @@
           <p:cNvPr id="2" name="タイトル 1">
             <a:extLst>
               <a:ext uri="{FF2B5EF4-FFF2-40B4-BE49-F238E27FC236}">
-                <a16:creationId xmlns:a16="http://schemas.microsoft.com/office/drawing/2014/main" id="{EFC91B52-1AC0-4ED3-9116-C8A8A3044F51}"/>
+                <a16:creationId xmlns:a16="http://schemas.microsoft.com/office/drawing/2014/main" id="{59B1D5F8-C984-4937-AE7A-D6E3C2A80AE0}"/>
               </a:ext>
             </a:extLst>
           </p:cNvPr>
@@ -7686,52 +7147,136 @@
           <a:lstStyle/>
           <a:p>
             <a:r>
-              <a:rPr lang="ja-JP" altLang="en-US" dirty="0"/>
-              <a:t>きぬいとの結果</a:t>
+              <a:rPr kumimoji="1" lang="en-US" altLang="ja-JP" dirty="0"/>
+              <a:t>caret</a:t>
+            </a:r>
+            <a:r>
+              <a:rPr kumimoji="1" lang="ja-JP" altLang="en-US" dirty="0"/>
+              <a:t>パッケージによる実装</a:t>
+            </a:r>
+          </a:p>
+        </p:txBody>
+      </p:sp>
+      <p:sp>
+        <p:nvSpPr>
+          <p:cNvPr id="3" name="コンテンツ プレースホルダー 2">
+            <a:extLst>
+              <a:ext uri="{FF2B5EF4-FFF2-40B4-BE49-F238E27FC236}">
+                <a16:creationId xmlns:a16="http://schemas.microsoft.com/office/drawing/2014/main" id="{6EA5C827-EF9B-4B32-91B3-3D1ABA44CBD5}"/>
+              </a:ext>
+            </a:extLst>
+          </p:cNvPr>
+          <p:cNvSpPr>
+            <a:spLocks noGrp="1"/>
+          </p:cNvSpPr>
+          <p:nvPr>
+            <p:ph idx="1"/>
+          </p:nvPr>
+        </p:nvSpPr>
+        <p:spPr/>
+        <p:txBody>
+          <a:bodyPr/>
+          <a:lstStyle/>
+          <a:p>
+            <a:r>
+              <a:rPr kumimoji="1" lang="en-US" altLang="ja-JP" dirty="0"/>
+              <a:t>caret</a:t>
+            </a:r>
+            <a:r>
+              <a:rPr kumimoji="1" lang="ja-JP" altLang="en-US" dirty="0"/>
+              <a:t>パッケージ？</a:t>
+            </a:r>
+            <a:endParaRPr kumimoji="1" lang="en-US" altLang="ja-JP" dirty="0"/>
+          </a:p>
+          <a:p>
+            <a:pPr lvl="1"/>
+            <a:r>
+              <a:rPr kumimoji="1" lang="ja-JP" altLang="en-US" dirty="0"/>
+              <a:t>機械学習の手法を</a:t>
+            </a:r>
+            <a:r>
+              <a:rPr kumimoji="1" lang="ja-JP" altLang="en-US" b="1" dirty="0"/>
+              <a:t>統一的</a:t>
+            </a:r>
+            <a:r>
+              <a:rPr kumimoji="1" lang="ja-JP" altLang="en-US" dirty="0"/>
+              <a:t>に扱うことができる</a:t>
+            </a:r>
+            <a:endParaRPr kumimoji="1" lang="en-US" altLang="ja-JP" dirty="0"/>
+          </a:p>
+          <a:p>
+            <a:pPr lvl="2"/>
+            <a:r>
+              <a:rPr lang="ja-JP" altLang="en-US" dirty="0"/>
+              <a:t>指定する引数</a:t>
+            </a:r>
+            <a:r>
+              <a:rPr kumimoji="1" lang="ja-JP" altLang="en-US" dirty="0"/>
+              <a:t>のフォーマットが一貫している</a:t>
+            </a:r>
+            <a:endParaRPr kumimoji="1" lang="en-US" altLang="ja-JP" dirty="0"/>
+          </a:p>
+          <a:p>
+            <a:pPr lvl="2"/>
+            <a:r>
+              <a:rPr lang="ja-JP" altLang="en-US" dirty="0"/>
+              <a:t>目的変数と特徴量を</a:t>
+            </a:r>
+            <a:r>
+              <a:rPr lang="en-US" altLang="ja-JP" dirty="0"/>
+              <a:t>formula</a:t>
+            </a:r>
+            <a:r>
+              <a:rPr lang="ja-JP" altLang="en-US" dirty="0"/>
+              <a:t>型で実装できる</a:t>
+            </a:r>
+            <a:endParaRPr kumimoji="1" lang="en-US" altLang="ja-JP" dirty="0"/>
+          </a:p>
+          <a:p>
+            <a:pPr lvl="2"/>
+            <a:r>
+              <a:rPr lang="ja-JP" altLang="en-US" dirty="0"/>
+              <a:t>方法は</a:t>
+            </a:r>
+            <a:r>
+              <a:rPr lang="en-US" altLang="ja-JP" dirty="0">
+                <a:solidFill>
+                  <a:schemeClr val="bg1"/>
+                </a:solidFill>
+                <a:highlight>
+                  <a:srgbClr val="000000"/>
+                </a:highlight>
+                <a:latin typeface="Lucida Console" panose="020B0609040504020204" pitchFamily="49" charset="0"/>
+              </a:rPr>
+              <a:t>method</a:t>
+            </a:r>
+            <a:r>
+              <a:rPr lang="ja-JP" altLang="en-US" dirty="0"/>
+              <a:t>引数で指定できる</a:t>
+            </a:r>
+            <a:endParaRPr lang="en-US" altLang="ja-JP" dirty="0"/>
+          </a:p>
+          <a:p>
+            <a:pPr lvl="1"/>
+            <a:endParaRPr lang="en-US" altLang="ja-JP" dirty="0"/>
+          </a:p>
+          <a:p>
+            <a:r>
+              <a:rPr lang="ja-JP" altLang="en-US" dirty="0"/>
+              <a:t>どう使う？→</a:t>
+            </a:r>
+            <a:r>
+              <a:rPr lang="en-US" altLang="ja-JP" dirty="0"/>
+              <a:t>caret::train()</a:t>
             </a:r>
             <a:endParaRPr kumimoji="1" lang="ja-JP" altLang="en-US" dirty="0"/>
           </a:p>
         </p:txBody>
       </p:sp>
-      <p:pic>
-        <p:nvPicPr>
-          <p:cNvPr id="6" name="コンテンツ プレースホルダー 5">
-            <a:extLst>
-              <a:ext uri="{FF2B5EF4-FFF2-40B4-BE49-F238E27FC236}">
-                <a16:creationId xmlns:a16="http://schemas.microsoft.com/office/drawing/2014/main" id="{776312E4-90F8-491A-B2FF-6CBEF1A3BA09}"/>
-              </a:ext>
-            </a:extLst>
-          </p:cNvPr>
-          <p:cNvPicPr>
-            <a:picLocks noGrp="1" noChangeAspect="1"/>
-          </p:cNvPicPr>
-          <p:nvPr>
-            <p:ph idx="1"/>
-          </p:nvPr>
-        </p:nvPicPr>
-        <p:blipFill>
-          <a:blip r:embed="rId2">
-            <a:extLst>
-              <a:ext uri="{28A0092B-C50C-407E-A947-70E740481C1C}">
-                <a14:useLocalDpi xmlns:a14="http://schemas.microsoft.com/office/drawing/2010/main" val="0"/>
-              </a:ext>
-            </a:extLst>
-          </a:blip>
-          <a:stretch>
-            <a:fillRect/>
-          </a:stretch>
-        </p:blipFill>
-        <p:spPr>
-          <a:xfrm>
-            <a:off x="248780" y="2659950"/>
-            <a:ext cx="11694439" cy="1538100"/>
-          </a:xfrm>
-        </p:spPr>
-      </p:pic>
     </p:spTree>
     <p:extLst>
       <p:ext uri="{BB962C8B-B14F-4D97-AF65-F5344CB8AC3E}">
-        <p14:creationId xmlns:p14="http://schemas.microsoft.com/office/powerpoint/2010/main" val="3404170882"/>
+        <p14:creationId xmlns:p14="http://schemas.microsoft.com/office/powerpoint/2010/main" val="2655447739"/>
       </p:ext>
     </p:extLst>
   </p:cSld>
@@ -7763,7 +7308,7 @@
           <p:cNvPr id="2" name="タイトル 1">
             <a:extLst>
               <a:ext uri="{FF2B5EF4-FFF2-40B4-BE49-F238E27FC236}">
-                <a16:creationId xmlns:a16="http://schemas.microsoft.com/office/drawing/2014/main" id="{4A5480D8-FBAC-4C37-B4EC-8178DE22B6B4}"/>
+                <a16:creationId xmlns:a16="http://schemas.microsoft.com/office/drawing/2014/main" id="{59B1D5F8-C984-4937-AE7A-D6E3C2A80AE0}"/>
               </a:ext>
             </a:extLst>
           </p:cNvPr>
@@ -7780,52 +7325,674 @@
           <a:lstStyle/>
           <a:p>
             <a:r>
-              <a:rPr lang="ja-JP" altLang="en-US" dirty="0"/>
-              <a:t>きぬいとの結果</a:t>
-            </a:r>
-            <a:endParaRPr kumimoji="1" lang="ja-JP" altLang="en-US" dirty="0"/>
-          </a:p>
-        </p:txBody>
-      </p:sp>
-      <p:pic>
-        <p:nvPicPr>
-          <p:cNvPr id="5" name="コンテンツ プレースホルダー 4">
-            <a:extLst>
-              <a:ext uri="{FF2B5EF4-FFF2-40B4-BE49-F238E27FC236}">
-                <a16:creationId xmlns:a16="http://schemas.microsoft.com/office/drawing/2014/main" id="{E142784B-BB06-449B-872C-685DC47A0D84}"/>
-              </a:ext>
-            </a:extLst>
-          </p:cNvPr>
-          <p:cNvPicPr>
-            <a:picLocks noGrp="1" noChangeAspect="1"/>
-          </p:cNvPicPr>
+              <a:rPr kumimoji="1" lang="en-US" altLang="ja-JP" dirty="0"/>
+              <a:t>caret</a:t>
+            </a:r>
+            <a:r>
+              <a:rPr kumimoji="1" lang="ja-JP" altLang="en-US" dirty="0"/>
+              <a:t>パッケージによる実装</a:t>
+            </a:r>
+          </a:p>
+        </p:txBody>
+      </p:sp>
+      <p:sp>
+        <p:nvSpPr>
+          <p:cNvPr id="3" name="コンテンツ プレースホルダー 2">
+            <a:extLst>
+              <a:ext uri="{FF2B5EF4-FFF2-40B4-BE49-F238E27FC236}">
+                <a16:creationId xmlns:a16="http://schemas.microsoft.com/office/drawing/2014/main" id="{6EA5C827-EF9B-4B32-91B3-3D1ABA44CBD5}"/>
+              </a:ext>
+            </a:extLst>
+          </p:cNvPr>
+          <p:cNvSpPr>
+            <a:spLocks noGrp="1"/>
+          </p:cNvSpPr>
           <p:nvPr>
             <p:ph idx="1"/>
           </p:nvPr>
-        </p:nvPicPr>
-        <p:blipFill>
-          <a:blip r:embed="rId2">
-            <a:extLst>
-              <a:ext uri="{28A0092B-C50C-407E-A947-70E740481C1C}">
-                <a14:useLocalDpi xmlns:a14="http://schemas.microsoft.com/office/drawing/2010/main" val="0"/>
-              </a:ext>
-            </a:extLst>
-          </a:blip>
-          <a:stretch>
-            <a:fillRect/>
-          </a:stretch>
-        </p:blipFill>
+        </p:nvSpPr>
         <p:spPr>
           <a:xfrm>
-            <a:off x="3757684" y="1662978"/>
-            <a:ext cx="4676632" cy="4676632"/>
+            <a:off x="838200" y="1825624"/>
+            <a:ext cx="10515600" cy="5032375"/>
           </a:xfrm>
+          <a:solidFill>
+            <a:schemeClr val="tx1">
+              <a:lumMod val="85000"/>
+              <a:lumOff val="15000"/>
+            </a:schemeClr>
+          </a:solidFill>
         </p:spPr>
-      </p:pic>
+        <p:txBody>
+          <a:bodyPr>
+            <a:normAutofit/>
+          </a:bodyPr>
+          <a:lstStyle/>
+          <a:p>
+            <a:r>
+              <a:rPr kumimoji="1" lang="en-US" altLang="ja-JP" sz="2000" dirty="0">
+                <a:solidFill>
+                  <a:schemeClr val="bg1"/>
+                </a:solidFill>
+                <a:latin typeface="Lucida Console" panose="020B0609040504020204" pitchFamily="49" charset="0"/>
+              </a:rPr>
+              <a:t>data = </a:t>
+            </a:r>
+            <a:r>
+              <a:rPr kumimoji="1" lang="en-US" altLang="ja-JP" sz="2000" dirty="0" err="1">
+                <a:solidFill>
+                  <a:schemeClr val="bg1"/>
+                </a:solidFill>
+                <a:latin typeface="Lucida Console" panose="020B0609040504020204" pitchFamily="49" charset="0"/>
+              </a:rPr>
+              <a:t>UseData</a:t>
+            </a:r>
+            <a:r>
+              <a:rPr kumimoji="1" lang="en-US" altLang="ja-JP" sz="2000" dirty="0">
+                <a:solidFill>
+                  <a:schemeClr val="bg1"/>
+                </a:solidFill>
+                <a:latin typeface="Lucida Console" panose="020B0609040504020204" pitchFamily="49" charset="0"/>
+              </a:rPr>
+              <a:t> #</a:t>
+            </a:r>
+            <a:r>
+              <a:rPr kumimoji="1" lang="ja-JP" altLang="en-US" sz="2000" dirty="0">
+                <a:solidFill>
+                  <a:schemeClr val="bg1"/>
+                </a:solidFill>
+                <a:latin typeface="Lucida Console" panose="020B0609040504020204" pitchFamily="49" charset="0"/>
+              </a:rPr>
+              <a:t>学習データ</a:t>
+            </a:r>
+            <a:endParaRPr kumimoji="1" lang="en-US" altLang="ja-JP" sz="2000" dirty="0">
+              <a:solidFill>
+                <a:schemeClr val="bg1"/>
+              </a:solidFill>
+              <a:latin typeface="Lucida Console" panose="020B0609040504020204" pitchFamily="49" charset="0"/>
+            </a:endParaRPr>
+          </a:p>
+          <a:p>
+            <a:r>
+              <a:rPr kumimoji="1" lang="en-US" altLang="ja-JP" sz="2000" dirty="0">
+                <a:solidFill>
+                  <a:srgbClr val="00B0F0"/>
+                </a:solidFill>
+                <a:latin typeface="Lucida Console" panose="020B0609040504020204" pitchFamily="49" charset="0"/>
+              </a:rPr>
+              <a:t>caret</a:t>
+            </a:r>
+            <a:r>
+              <a:rPr lang="en-US" altLang="ja-JP" sz="2000" dirty="0">
+                <a:solidFill>
+                  <a:srgbClr val="00B0F0"/>
+                </a:solidFill>
+                <a:latin typeface="Lucida Console" panose="020B0609040504020204" pitchFamily="49" charset="0"/>
+              </a:rPr>
+              <a:t>::train</a:t>
+            </a:r>
+            <a:r>
+              <a:rPr lang="en-US" altLang="ja-JP" sz="2000" dirty="0">
+                <a:solidFill>
+                  <a:schemeClr val="bg1"/>
+                </a:solidFill>
+                <a:latin typeface="Lucida Console" panose="020B0609040504020204" pitchFamily="49" charset="0"/>
+              </a:rPr>
+              <a:t>(target ~. , method = </a:t>
+            </a:r>
+            <a:r>
+              <a:rPr lang="en-US" altLang="ja-JP" sz="2000" dirty="0">
+                <a:solidFill>
+                  <a:srgbClr val="FFFF00"/>
+                </a:solidFill>
+                <a:latin typeface="Lucida Console" panose="020B0609040504020204" pitchFamily="49" charset="0"/>
+              </a:rPr>
+              <a:t>“</a:t>
+            </a:r>
+            <a:r>
+              <a:rPr lang="en-US" altLang="ja-JP" sz="2000" dirty="0" err="1">
+                <a:solidFill>
+                  <a:srgbClr val="FFFF00"/>
+                </a:solidFill>
+                <a:latin typeface="Lucida Console" panose="020B0609040504020204" pitchFamily="49" charset="0"/>
+              </a:rPr>
+              <a:t>xgbTree</a:t>
+            </a:r>
+            <a:r>
+              <a:rPr lang="en-US" altLang="ja-JP" sz="2000" dirty="0">
+                <a:solidFill>
+                  <a:srgbClr val="FFFF00"/>
+                </a:solidFill>
+                <a:latin typeface="Lucida Console" panose="020B0609040504020204" pitchFamily="49" charset="0"/>
+              </a:rPr>
+              <a:t>”</a:t>
+            </a:r>
+            <a:r>
+              <a:rPr lang="en-US" altLang="ja-JP" sz="2000" dirty="0">
+                <a:solidFill>
+                  <a:schemeClr val="bg1"/>
+                </a:solidFill>
+                <a:latin typeface="Lucida Console" panose="020B0609040504020204" pitchFamily="49" charset="0"/>
+              </a:rPr>
+              <a:t>, data = </a:t>
+            </a:r>
+            <a:r>
+              <a:rPr lang="en-US" altLang="ja-JP" sz="2000" dirty="0" err="1">
+                <a:solidFill>
+                  <a:schemeClr val="bg1"/>
+                </a:solidFill>
+                <a:latin typeface="Lucida Console" panose="020B0609040504020204" pitchFamily="49" charset="0"/>
+              </a:rPr>
+              <a:t>UseData</a:t>
+            </a:r>
+            <a:r>
+              <a:rPr lang="en-US" altLang="ja-JP" sz="2000" dirty="0">
+                <a:solidFill>
+                  <a:schemeClr val="bg1"/>
+                </a:solidFill>
+                <a:latin typeface="Lucida Console" panose="020B0609040504020204" pitchFamily="49" charset="0"/>
+              </a:rPr>
+              <a:t>, </a:t>
+            </a:r>
+            <a:r>
+              <a:rPr lang="en-US" altLang="ja-JP" sz="2000" dirty="0" err="1">
+                <a:solidFill>
+                  <a:schemeClr val="bg1"/>
+                </a:solidFill>
+                <a:latin typeface="Lucida Console" panose="020B0609040504020204" pitchFamily="49" charset="0"/>
+              </a:rPr>
+              <a:t>trControl</a:t>
+            </a:r>
+            <a:r>
+              <a:rPr lang="en-US" altLang="ja-JP" sz="2000" dirty="0">
+                <a:solidFill>
+                  <a:schemeClr val="bg1"/>
+                </a:solidFill>
+                <a:latin typeface="Lucida Console" panose="020B0609040504020204" pitchFamily="49" charset="0"/>
+              </a:rPr>
+              <a:t> = </a:t>
+            </a:r>
+            <a:r>
+              <a:rPr lang="en-US" altLang="ja-JP" sz="2000" dirty="0" err="1">
+                <a:solidFill>
+                  <a:srgbClr val="00B0F0"/>
+                </a:solidFill>
+                <a:latin typeface="Lucida Console" panose="020B0609040504020204" pitchFamily="49" charset="0"/>
+              </a:rPr>
+              <a:t>trainControl</a:t>
+            </a:r>
+            <a:r>
+              <a:rPr lang="en-US" altLang="ja-JP" sz="2000" dirty="0">
+                <a:solidFill>
+                  <a:schemeClr val="bg1"/>
+                </a:solidFill>
+                <a:latin typeface="Lucida Console" panose="020B0609040504020204" pitchFamily="49" charset="0"/>
+              </a:rPr>
+              <a:t>(method = cv))</a:t>
+            </a:r>
+          </a:p>
+          <a:p>
+            <a:pPr marL="457200" lvl="1" indent="0">
+              <a:buNone/>
+            </a:pPr>
+            <a:r>
+              <a:rPr lang="en-US" altLang="ja-JP" sz="1600" dirty="0">
+                <a:solidFill>
+                  <a:schemeClr val="bg1"/>
+                </a:solidFill>
+                <a:latin typeface="Lucida Console" panose="020B0609040504020204" pitchFamily="49" charset="0"/>
+              </a:rPr>
+              <a:t># “.”</a:t>
+            </a:r>
+            <a:r>
+              <a:rPr lang="ja-JP" altLang="en-US" sz="1600" dirty="0">
+                <a:solidFill>
+                  <a:schemeClr val="bg1"/>
+                </a:solidFill>
+                <a:latin typeface="Lucida Console" panose="020B0609040504020204" pitchFamily="49" charset="0"/>
+              </a:rPr>
+              <a:t>で「データフレーム内のすべての特徴量」を指定できる．</a:t>
+            </a:r>
+            <a:endParaRPr lang="en-US" altLang="ja-JP" sz="1600" dirty="0">
+              <a:solidFill>
+                <a:schemeClr val="bg1"/>
+              </a:solidFill>
+              <a:latin typeface="Lucida Console" panose="020B0609040504020204" pitchFamily="49" charset="0"/>
+            </a:endParaRPr>
+          </a:p>
+          <a:p>
+            <a:pPr marL="457200" lvl="1" indent="0">
+              <a:buNone/>
+            </a:pPr>
+            <a:r>
+              <a:rPr lang="en-US" altLang="ja-JP" sz="1600" dirty="0">
+                <a:solidFill>
+                  <a:schemeClr val="bg1"/>
+                </a:solidFill>
+                <a:latin typeface="Lucida Console" panose="020B0609040504020204" pitchFamily="49" charset="0"/>
+              </a:rPr>
+              <a:t># </a:t>
+            </a:r>
+            <a:r>
+              <a:rPr lang="en-US" altLang="ja-JP" sz="1600" dirty="0" err="1">
+                <a:solidFill>
+                  <a:srgbClr val="00B0F0"/>
+                </a:solidFill>
+                <a:latin typeface="Lucida Console" panose="020B0609040504020204" pitchFamily="49" charset="0"/>
+              </a:rPr>
+              <a:t>trainControl</a:t>
+            </a:r>
+            <a:r>
+              <a:rPr lang="en-US" altLang="ja-JP" sz="1600" dirty="0">
+                <a:solidFill>
+                  <a:schemeClr val="bg1"/>
+                </a:solidFill>
+                <a:latin typeface="Lucida Console" panose="020B0609040504020204" pitchFamily="49" charset="0"/>
+              </a:rPr>
+              <a:t>()</a:t>
+            </a:r>
+            <a:r>
+              <a:rPr lang="ja-JP" altLang="en-US" sz="1600" dirty="0">
+                <a:solidFill>
+                  <a:schemeClr val="bg1"/>
+                </a:solidFill>
+                <a:latin typeface="Lucida Console" panose="020B0609040504020204" pitchFamily="49" charset="0"/>
+              </a:rPr>
+              <a:t>関数で交差検証も実行してくれる</a:t>
+            </a:r>
+            <a:r>
+              <a:rPr lang="en-US" altLang="ja-JP" sz="1600" dirty="0">
+                <a:solidFill>
+                  <a:schemeClr val="bg1"/>
+                </a:solidFill>
+                <a:latin typeface="Lucida Console" panose="020B0609040504020204" pitchFamily="49" charset="0"/>
+              </a:rPr>
+              <a:t>.</a:t>
+            </a:r>
+          </a:p>
+          <a:p>
+            <a:pPr marL="457200" lvl="1" indent="0">
+              <a:buNone/>
+            </a:pPr>
+            <a:r>
+              <a:rPr lang="en-US" altLang="ja-JP" sz="1600" dirty="0">
+                <a:solidFill>
+                  <a:schemeClr val="bg1"/>
+                </a:solidFill>
+                <a:latin typeface="Lucida Console" panose="020B0609040504020204" pitchFamily="49" charset="0"/>
+              </a:rPr>
+              <a:t># </a:t>
+            </a:r>
+            <a:r>
+              <a:rPr lang="ja-JP" altLang="en-US" sz="1600" dirty="0">
+                <a:solidFill>
+                  <a:schemeClr val="bg1"/>
+                </a:solidFill>
+                <a:latin typeface="Lucida Console" panose="020B0609040504020204" pitchFamily="49" charset="0"/>
+              </a:rPr>
+              <a:t>ハイパーパラメータのチューニングも</a:t>
+            </a:r>
+            <a:r>
+              <a:rPr lang="en-US" altLang="ja-JP" sz="1600" dirty="0" err="1">
+                <a:solidFill>
+                  <a:schemeClr val="bg1"/>
+                </a:solidFill>
+                <a:latin typeface="Lucida Console" panose="020B0609040504020204" pitchFamily="49" charset="0"/>
+              </a:rPr>
+              <a:t>tuneLength</a:t>
+            </a:r>
+            <a:r>
+              <a:rPr lang="ja-JP" altLang="en-US" sz="1600" dirty="0">
+                <a:solidFill>
+                  <a:schemeClr val="bg1"/>
+                </a:solidFill>
+                <a:latin typeface="Lucida Console" panose="020B0609040504020204" pitchFamily="49" charset="0"/>
+              </a:rPr>
+              <a:t>や</a:t>
+            </a:r>
+            <a:r>
+              <a:rPr lang="en-US" altLang="ja-JP" sz="1600" dirty="0" err="1">
+                <a:solidFill>
+                  <a:schemeClr val="bg1"/>
+                </a:solidFill>
+                <a:latin typeface="Lucida Console" panose="020B0609040504020204" pitchFamily="49" charset="0"/>
+              </a:rPr>
+              <a:t>tuneGrid</a:t>
+            </a:r>
+            <a:r>
+              <a:rPr lang="ja-JP" altLang="en-US" sz="1600" dirty="0">
+                <a:solidFill>
+                  <a:schemeClr val="bg1"/>
+                </a:solidFill>
+                <a:latin typeface="Lucida Console" panose="020B0609040504020204" pitchFamily="49" charset="0"/>
+              </a:rPr>
+              <a:t>を引数にして設定可能</a:t>
+            </a:r>
+            <a:endParaRPr lang="en-US" altLang="ja-JP" sz="1600" dirty="0">
+              <a:solidFill>
+                <a:schemeClr val="bg1"/>
+              </a:solidFill>
+              <a:latin typeface="Lucida Console" panose="020B0609040504020204" pitchFamily="49" charset="0"/>
+            </a:endParaRPr>
+          </a:p>
+          <a:p>
+            <a:pPr marL="457200" lvl="1" indent="0">
+              <a:buNone/>
+            </a:pPr>
+            <a:r>
+              <a:rPr lang="en-US" altLang="ja-JP" sz="1600" dirty="0">
+                <a:solidFill>
+                  <a:schemeClr val="bg1"/>
+                </a:solidFill>
+                <a:latin typeface="Lucida Console" panose="020B0609040504020204" pitchFamily="49" charset="0"/>
+              </a:rPr>
+              <a:t># </a:t>
+            </a:r>
+            <a:r>
+              <a:rPr lang="ja-JP" altLang="en-US" sz="1600" dirty="0">
+                <a:solidFill>
+                  <a:schemeClr val="bg1"/>
+                </a:solidFill>
+                <a:latin typeface="Lucida Console" panose="020B0609040504020204" pitchFamily="49" charset="0"/>
+              </a:rPr>
+              <a:t>構造が全部一緒なので，データフレームを統一して方法別の予測結果の比較が簡単</a:t>
+            </a:r>
+            <a:endParaRPr lang="en-US" altLang="ja-JP" sz="1600" dirty="0">
+              <a:solidFill>
+                <a:schemeClr val="bg1"/>
+              </a:solidFill>
+              <a:latin typeface="Lucida Console" panose="020B0609040504020204" pitchFamily="49" charset="0"/>
+            </a:endParaRPr>
+          </a:p>
+          <a:p>
+            <a:endParaRPr kumimoji="1" lang="en-US" altLang="ja-JP" sz="2000" dirty="0">
+              <a:solidFill>
+                <a:schemeClr val="bg1"/>
+              </a:solidFill>
+              <a:latin typeface="Lucida Console" panose="020B0609040504020204" pitchFamily="49" charset="0"/>
+            </a:endParaRPr>
+          </a:p>
+          <a:p>
+            <a:r>
+              <a:rPr lang="en-US" altLang="ja-JP" sz="2000" dirty="0">
+                <a:solidFill>
+                  <a:schemeClr val="bg1"/>
+                </a:solidFill>
+                <a:latin typeface="Lucida Console" panose="020B0609040504020204" pitchFamily="49" charset="0"/>
+              </a:rPr>
+              <a:t>Method</a:t>
+            </a:r>
+            <a:r>
+              <a:rPr lang="ja-JP" altLang="en-US" sz="2000" dirty="0" err="1">
+                <a:solidFill>
+                  <a:schemeClr val="bg1"/>
+                </a:solidFill>
+                <a:latin typeface="Lucida Console" panose="020B0609040504020204" pitchFamily="49" charset="0"/>
+              </a:rPr>
+              <a:t>には</a:t>
+            </a:r>
+            <a:r>
+              <a:rPr lang="ja-JP" altLang="en-US" sz="2000" dirty="0">
+                <a:solidFill>
+                  <a:schemeClr val="bg1"/>
+                </a:solidFill>
+                <a:latin typeface="Lucida Console" panose="020B0609040504020204" pitchFamily="49" charset="0"/>
+              </a:rPr>
+              <a:t>いろいろな方法が使えたりする．</a:t>
+            </a:r>
+            <a:endParaRPr lang="en-US" altLang="ja-JP" sz="2000" dirty="0">
+              <a:solidFill>
+                <a:schemeClr val="bg1"/>
+              </a:solidFill>
+              <a:latin typeface="Lucida Console" panose="020B0609040504020204" pitchFamily="49" charset="0"/>
+            </a:endParaRPr>
+          </a:p>
+          <a:p>
+            <a:pPr marL="457200" lvl="1" indent="0">
+              <a:buNone/>
+            </a:pPr>
+            <a:r>
+              <a:rPr lang="en-US" altLang="ja-JP" sz="1600" dirty="0">
+                <a:solidFill>
+                  <a:schemeClr val="bg1"/>
+                </a:solidFill>
+                <a:latin typeface="Lucida Console" panose="020B0609040504020204" pitchFamily="49" charset="0"/>
+              </a:rPr>
+              <a:t># </a:t>
+            </a:r>
+            <a:r>
+              <a:rPr lang="en-US" altLang="ja-JP" sz="1600" dirty="0" err="1">
+                <a:solidFill>
+                  <a:schemeClr val="bg1"/>
+                </a:solidFill>
+                <a:latin typeface="Lucida Console" panose="020B0609040504020204" pitchFamily="49" charset="0"/>
+              </a:rPr>
+              <a:t>xgboost</a:t>
+            </a:r>
+            <a:r>
+              <a:rPr lang="en-US" altLang="ja-JP" sz="1600">
+                <a:solidFill>
+                  <a:schemeClr val="bg1"/>
+                </a:solidFill>
+                <a:latin typeface="Lucida Console" panose="020B0609040504020204" pitchFamily="49" charset="0"/>
+              </a:rPr>
+              <a:t>(Tree</a:t>
+            </a:r>
+            <a:r>
+              <a:rPr lang="ja-JP" altLang="en-US" sz="1600" dirty="0">
+                <a:solidFill>
+                  <a:schemeClr val="bg1"/>
+                </a:solidFill>
+                <a:latin typeface="Lucida Console" panose="020B0609040504020204" pitchFamily="49" charset="0"/>
+              </a:rPr>
+              <a:t>・</a:t>
+            </a:r>
+            <a:r>
+              <a:rPr lang="en-US" altLang="ja-JP" sz="1600" dirty="0">
+                <a:solidFill>
+                  <a:schemeClr val="bg1"/>
+                </a:solidFill>
+                <a:latin typeface="Lucida Console" panose="020B0609040504020204" pitchFamily="49" charset="0"/>
+              </a:rPr>
+              <a:t>Linear</a:t>
+            </a:r>
+            <a:r>
+              <a:rPr lang="ja-JP" altLang="en-US" sz="1600" dirty="0">
+                <a:solidFill>
+                  <a:schemeClr val="bg1"/>
+                </a:solidFill>
+                <a:latin typeface="Lucida Console" panose="020B0609040504020204" pitchFamily="49" charset="0"/>
+              </a:rPr>
+              <a:t>で指定する名前が違う</a:t>
+            </a:r>
+            <a:r>
+              <a:rPr lang="en-US" altLang="ja-JP" sz="1600" dirty="0">
+                <a:solidFill>
+                  <a:schemeClr val="bg1"/>
+                </a:solidFill>
+                <a:latin typeface="Lucida Console" panose="020B0609040504020204" pitchFamily="49" charset="0"/>
+              </a:rPr>
+              <a:t>), </a:t>
+            </a:r>
+            <a:r>
+              <a:rPr lang="en-US" altLang="ja-JP" sz="1600" dirty="0" err="1">
+                <a:solidFill>
+                  <a:schemeClr val="bg1"/>
+                </a:solidFill>
+                <a:latin typeface="Lucida Console" panose="020B0609040504020204" pitchFamily="49" charset="0"/>
+              </a:rPr>
+              <a:t>randomForest</a:t>
+            </a:r>
+            <a:endParaRPr lang="en-US" altLang="ja-JP" sz="1600" dirty="0">
+              <a:solidFill>
+                <a:schemeClr val="bg1"/>
+              </a:solidFill>
+              <a:latin typeface="Lucida Console" panose="020B0609040504020204" pitchFamily="49" charset="0"/>
+            </a:endParaRPr>
+          </a:p>
+          <a:p>
+            <a:pPr marL="457200" lvl="1" indent="0">
+              <a:buNone/>
+            </a:pPr>
+            <a:r>
+              <a:rPr lang="en-US" altLang="ja-JP" sz="1600" dirty="0">
+                <a:solidFill>
+                  <a:schemeClr val="bg1"/>
+                </a:solidFill>
+                <a:latin typeface="Lucida Console" panose="020B0609040504020204" pitchFamily="49" charset="0"/>
+              </a:rPr>
+              <a:t># L1, L2</a:t>
+            </a:r>
+            <a:r>
+              <a:rPr lang="ja-JP" altLang="en-US" sz="1600" dirty="0">
+                <a:solidFill>
+                  <a:schemeClr val="bg1"/>
+                </a:solidFill>
+                <a:latin typeface="Lucida Console" panose="020B0609040504020204" pitchFamily="49" charset="0"/>
+              </a:rPr>
+              <a:t>正則化回帰もできる</a:t>
+            </a:r>
+            <a:endParaRPr lang="en-US" altLang="ja-JP" sz="1600" dirty="0">
+              <a:solidFill>
+                <a:schemeClr val="bg1"/>
+              </a:solidFill>
+              <a:latin typeface="Lucida Console" panose="020B0609040504020204" pitchFamily="49" charset="0"/>
+            </a:endParaRPr>
+          </a:p>
+          <a:p>
+            <a:pPr marL="457200" lvl="1" indent="0">
+              <a:buNone/>
+            </a:pPr>
+            <a:r>
+              <a:rPr lang="en-US" altLang="ja-JP" sz="1600" dirty="0">
+                <a:solidFill>
+                  <a:schemeClr val="bg1"/>
+                </a:solidFill>
+                <a:latin typeface="Lucida Console" panose="020B0609040504020204" pitchFamily="49" charset="0"/>
+              </a:rPr>
+              <a:t># </a:t>
+            </a:r>
+            <a:r>
+              <a:rPr lang="ja-JP" altLang="en-US" sz="1600" dirty="0">
+                <a:solidFill>
+                  <a:schemeClr val="bg1"/>
+                </a:solidFill>
+                <a:latin typeface="Lucida Console" panose="020B0609040504020204" pitchFamily="49" charset="0"/>
+              </a:rPr>
+              <a:t>その他の方法は</a:t>
+            </a:r>
+            <a:r>
+              <a:rPr lang="en-US" altLang="ja-JP" sz="1600" dirty="0">
+                <a:solidFill>
+                  <a:schemeClr val="bg1"/>
+                </a:solidFill>
+                <a:latin typeface="Lucida Console" panose="020B0609040504020204" pitchFamily="49" charset="0"/>
+                <a:hlinkClick r:id="rId2"/>
+              </a:rPr>
+              <a:t>http://topepo.github.io/caret/train-models-by-tag.html</a:t>
+            </a:r>
+            <a:r>
+              <a:rPr lang="ja-JP" altLang="en-US" sz="1600" dirty="0">
+                <a:solidFill>
+                  <a:schemeClr val="bg1"/>
+                </a:solidFill>
+                <a:latin typeface="Lucida Console" panose="020B0609040504020204" pitchFamily="49" charset="0"/>
+              </a:rPr>
+              <a:t>を参照．</a:t>
+            </a:r>
+            <a:endParaRPr lang="en-US" altLang="ja-JP" sz="1600" dirty="0">
+              <a:solidFill>
+                <a:schemeClr val="bg1"/>
+              </a:solidFill>
+              <a:latin typeface="Lucida Console" panose="020B0609040504020204" pitchFamily="49" charset="0"/>
+            </a:endParaRPr>
+          </a:p>
+          <a:p>
+            <a:pPr lvl="1"/>
+            <a:endParaRPr lang="en-US" altLang="ja-JP" sz="1600" dirty="0">
+              <a:solidFill>
+                <a:schemeClr val="bg1"/>
+              </a:solidFill>
+              <a:latin typeface="Lucida Console" panose="020B0609040504020204" pitchFamily="49" charset="0"/>
+            </a:endParaRPr>
+          </a:p>
+          <a:p>
+            <a:r>
+              <a:rPr lang="ja-JP" altLang="en-US" sz="2000" dirty="0">
+                <a:solidFill>
+                  <a:schemeClr val="bg1"/>
+                </a:solidFill>
+                <a:latin typeface="Lucida Console" panose="020B0609040504020204" pitchFamily="49" charset="0"/>
+              </a:rPr>
+              <a:t>予測は</a:t>
+            </a:r>
+            <a:r>
+              <a:rPr lang="en-US" altLang="ja-JP" sz="2000" dirty="0">
+                <a:solidFill>
+                  <a:srgbClr val="00B0F0"/>
+                </a:solidFill>
+                <a:latin typeface="Lucida Console" panose="020B0609040504020204" pitchFamily="49" charset="0"/>
+              </a:rPr>
+              <a:t>predict</a:t>
+            </a:r>
+            <a:r>
+              <a:rPr lang="en-US" altLang="ja-JP" sz="2000" dirty="0">
+                <a:solidFill>
+                  <a:schemeClr val="bg1"/>
+                </a:solidFill>
+                <a:latin typeface="Lucida Console" panose="020B0609040504020204" pitchFamily="49" charset="0"/>
+              </a:rPr>
+              <a:t>(model, </a:t>
+            </a:r>
+            <a:r>
+              <a:rPr lang="en-US" altLang="ja-JP" sz="2000" dirty="0" err="1">
+                <a:solidFill>
+                  <a:schemeClr val="bg1"/>
+                </a:solidFill>
+                <a:latin typeface="Lucida Console" panose="020B0609040504020204" pitchFamily="49" charset="0"/>
+              </a:rPr>
+              <a:t>newdata</a:t>
+            </a:r>
+            <a:r>
+              <a:rPr lang="en-US" altLang="ja-JP" sz="2000" dirty="0">
+                <a:solidFill>
+                  <a:schemeClr val="bg1"/>
+                </a:solidFill>
+                <a:latin typeface="Lucida Console" panose="020B0609040504020204" pitchFamily="49" charset="0"/>
+              </a:rPr>
+              <a:t> = </a:t>
+            </a:r>
+            <a:r>
+              <a:rPr lang="en-US" altLang="ja-JP" sz="2000" dirty="0" err="1">
+                <a:solidFill>
+                  <a:schemeClr val="bg1"/>
+                </a:solidFill>
+                <a:latin typeface="Lucida Console" panose="020B0609040504020204" pitchFamily="49" charset="0"/>
+              </a:rPr>
+              <a:t>TestData</a:t>
+            </a:r>
+            <a:r>
+              <a:rPr lang="en-US" altLang="ja-JP" sz="2000" dirty="0">
+                <a:solidFill>
+                  <a:schemeClr val="bg1"/>
+                </a:solidFill>
+                <a:latin typeface="Lucida Console" panose="020B0609040504020204" pitchFamily="49" charset="0"/>
+              </a:rPr>
+              <a:t>)</a:t>
+            </a:r>
+            <a:endParaRPr kumimoji="1" lang="ja-JP" altLang="en-US" sz="2000" dirty="0">
+              <a:solidFill>
+                <a:schemeClr val="bg1"/>
+              </a:solidFill>
+              <a:latin typeface="Lucida Console" panose="020B0609040504020204" pitchFamily="49" charset="0"/>
+            </a:endParaRPr>
+          </a:p>
+        </p:txBody>
+      </p:sp>
     </p:spTree>
     <p:extLst>
       <p:ext uri="{BB962C8B-B14F-4D97-AF65-F5344CB8AC3E}">
-        <p14:creationId xmlns:p14="http://schemas.microsoft.com/office/powerpoint/2010/main" val="804622375"/>
+        <p14:creationId xmlns:p14="http://schemas.microsoft.com/office/powerpoint/2010/main" val="294830899"/>
       </p:ext>
     </p:extLst>
   </p:cSld>
@@ -7857,7 +8024,7 @@
           <p:cNvPr id="2" name="タイトル 1">
             <a:extLst>
               <a:ext uri="{FF2B5EF4-FFF2-40B4-BE49-F238E27FC236}">
-                <a16:creationId xmlns:a16="http://schemas.microsoft.com/office/drawing/2014/main" id="{E6EE7905-7A85-4C7F-872B-ADE11F7CFDC4}"/>
+                <a16:creationId xmlns:a16="http://schemas.microsoft.com/office/drawing/2014/main" id="{59B1D5F8-C984-4937-AE7A-D6E3C2A80AE0}"/>
               </a:ext>
             </a:extLst>
           </p:cNvPr>
@@ -7874,18 +8041,22 @@
           <a:lstStyle/>
           <a:p>
             <a:r>
+              <a:rPr kumimoji="1" lang="en-US" altLang="ja-JP" dirty="0"/>
+              <a:t>caret</a:t>
+            </a:r>
+            <a:r>
               <a:rPr kumimoji="1" lang="ja-JP" altLang="en-US" dirty="0"/>
-              <a:t>伝えたいこと ③</a:t>
-            </a:r>
-          </a:p>
-        </p:txBody>
-      </p:sp>
-      <p:sp>
-        <p:nvSpPr>
-          <p:cNvPr id="4" name="コンテンツ プレースホルダー 2">
-            <a:extLst>
-              <a:ext uri="{FF2B5EF4-FFF2-40B4-BE49-F238E27FC236}">
-                <a16:creationId xmlns:a16="http://schemas.microsoft.com/office/drawing/2014/main" id="{B66DA3F1-627B-4397-BE2D-9718143713C6}"/>
+              <a:t>パッケージによる実装</a:t>
+            </a:r>
+          </a:p>
+        </p:txBody>
+      </p:sp>
+      <p:sp>
+        <p:nvSpPr>
+          <p:cNvPr id="3" name="コンテンツ プレースホルダー 2">
+            <a:extLst>
+              <a:ext uri="{FF2B5EF4-FFF2-40B4-BE49-F238E27FC236}">
+                <a16:creationId xmlns:a16="http://schemas.microsoft.com/office/drawing/2014/main" id="{6EA5C827-EF9B-4B32-91B3-3D1ABA44CBD5}"/>
               </a:ext>
             </a:extLst>
           </p:cNvPr>
@@ -7897,10 +8068,7 @@
           </p:nvPr>
         </p:nvSpPr>
         <p:spPr>
-          <a:xfrm>
-            <a:off x="838200" y="3429000"/>
-            <a:ext cx="10515600" cy="849336"/>
-          </a:xfrm>
+          <a:noFill/>
         </p:spPr>
         <p:txBody>
           <a:bodyPr>
@@ -7908,20 +8076,221 @@
           </a:bodyPr>
           <a:lstStyle/>
           <a:p>
-            <a:pPr marL="0" indent="0" algn="ctr">
-              <a:buNone/>
-            </a:pPr>
-            <a:r>
-              <a:rPr kumimoji="1" lang="ja-JP" altLang="en-US" sz="4800" dirty="0"/>
-              <a:t>身の程を知ろう！</a:t>
-            </a:r>
+            <a:r>
+              <a:rPr kumimoji="1" lang="ja-JP" altLang="en-US" dirty="0">
+                <a:latin typeface="+mj-lt"/>
+              </a:rPr>
+              <a:t>計算量が多いと実行が終わらない</a:t>
+            </a:r>
+            <a:r>
+              <a:rPr kumimoji="1" lang="en-US" altLang="ja-JP" dirty="0">
+                <a:latin typeface="+mj-lt"/>
+              </a:rPr>
+              <a:t>(</a:t>
+            </a:r>
+            <a:r>
+              <a:rPr kumimoji="1" lang="ja-JP" altLang="en-US" dirty="0">
+                <a:latin typeface="+mj-lt"/>
+              </a:rPr>
+              <a:t>計算</a:t>
+            </a:r>
+            <a:r>
+              <a:rPr kumimoji="1" lang="en-US" altLang="ja-JP" dirty="0">
+                <a:latin typeface="+mj-lt"/>
+              </a:rPr>
+              <a:t>……</a:t>
+            </a:r>
+            <a:r>
+              <a:rPr kumimoji="1" lang="ja-JP" altLang="en-US" dirty="0">
+                <a:latin typeface="+mj-lt"/>
+              </a:rPr>
+              <a:t>速いか？</a:t>
+            </a:r>
+            <a:r>
+              <a:rPr kumimoji="1" lang="en-US" altLang="ja-JP" dirty="0">
+                <a:latin typeface="+mj-lt"/>
+              </a:rPr>
+              <a:t>)</a:t>
+            </a:r>
+          </a:p>
+          <a:p>
+            <a:pPr lvl="1"/>
+            <a:r>
+              <a:rPr lang="ja-JP" altLang="en-US" dirty="0" err="1">
+                <a:latin typeface="+mj-lt"/>
+              </a:rPr>
+              <a:t>きぬ</a:t>
+            </a:r>
+            <a:r>
+              <a:rPr lang="ja-JP" altLang="en-US" dirty="0">
+                <a:latin typeface="+mj-lt"/>
+              </a:rPr>
+              <a:t>いと環境</a:t>
+            </a:r>
+            <a:r>
+              <a:rPr lang="en-US" altLang="ja-JP" dirty="0">
+                <a:latin typeface="+mj-lt"/>
+              </a:rPr>
+              <a:t>(Memory: 8GB</a:t>
+            </a:r>
+            <a:r>
+              <a:rPr lang="ja-JP" altLang="en-US" dirty="0">
+                <a:latin typeface="+mj-lt"/>
+              </a:rPr>
+              <a:t> </a:t>
+            </a:r>
+            <a:r>
+              <a:rPr lang="en-US" altLang="ja-JP" dirty="0">
+                <a:latin typeface="+mj-lt"/>
+              </a:rPr>
+              <a:t>CPU: Core</a:t>
+            </a:r>
+            <a:r>
+              <a:rPr lang="ja-JP" altLang="en-US" dirty="0">
+                <a:latin typeface="+mj-lt"/>
+              </a:rPr>
+              <a:t> </a:t>
+            </a:r>
+            <a:r>
+              <a:rPr lang="en-US" altLang="ja-JP" dirty="0">
+                <a:latin typeface="+mj-lt"/>
+              </a:rPr>
+              <a:t>i5)</a:t>
+            </a:r>
+            <a:r>
+              <a:rPr lang="ja-JP" altLang="en-US" dirty="0">
+                <a:latin typeface="+mj-lt"/>
+              </a:rPr>
+              <a:t>だと交差検証つき</a:t>
+            </a:r>
+            <a:r>
+              <a:rPr lang="en-US" altLang="ja-JP" dirty="0" err="1">
+                <a:latin typeface="+mj-lt"/>
+              </a:rPr>
+              <a:t>xgboost</a:t>
+            </a:r>
+            <a:r>
+              <a:rPr lang="ja-JP" altLang="en-US" dirty="0">
+                <a:latin typeface="+mj-lt"/>
+              </a:rPr>
+              <a:t>に</a:t>
+            </a:r>
+            <a:r>
+              <a:rPr lang="en-US" altLang="ja-JP" dirty="0">
+                <a:latin typeface="+mj-lt"/>
+              </a:rPr>
+              <a:t>5</a:t>
+            </a:r>
+            <a:r>
+              <a:rPr lang="ja-JP" altLang="en-US" dirty="0">
+                <a:latin typeface="+mj-lt"/>
+              </a:rPr>
+              <a:t>時間かかる</a:t>
+            </a:r>
+            <a:endParaRPr lang="en-US" altLang="ja-JP" dirty="0">
+              <a:latin typeface="+mj-lt"/>
+            </a:endParaRPr>
+          </a:p>
+          <a:p>
+            <a:pPr lvl="1"/>
+            <a:r>
+              <a:rPr lang="en-US" altLang="ja-JP" dirty="0">
+                <a:latin typeface="+mj-lt"/>
+              </a:rPr>
+              <a:t>PC</a:t>
+            </a:r>
+            <a:r>
+              <a:rPr lang="ja-JP" altLang="en-US" dirty="0">
+                <a:latin typeface="+mj-lt"/>
+              </a:rPr>
+              <a:t>の買い替え </a:t>
+            </a:r>
+            <a:r>
+              <a:rPr lang="en-US" altLang="ja-JP" dirty="0">
+                <a:latin typeface="+mj-lt"/>
+              </a:rPr>
+              <a:t>or </a:t>
+            </a:r>
+            <a:r>
+              <a:rPr lang="en-US" altLang="ja-JP" dirty="0" err="1">
+                <a:latin typeface="+mj-lt"/>
+              </a:rPr>
+              <a:t>doParallel</a:t>
+            </a:r>
+            <a:r>
+              <a:rPr lang="ja-JP" altLang="en-US" dirty="0">
+                <a:latin typeface="+mj-lt"/>
+              </a:rPr>
+              <a:t>パッケージによる並列計算で乗り切れ</a:t>
+            </a:r>
+            <a:endParaRPr lang="en-US" altLang="ja-JP" dirty="0">
+              <a:latin typeface="+mj-lt"/>
+            </a:endParaRPr>
+          </a:p>
+          <a:p>
+            <a:pPr lvl="1"/>
+            <a:r>
+              <a:rPr lang="ja-JP" altLang="en-US" dirty="0">
+                <a:latin typeface="+mj-lt"/>
+              </a:rPr>
+              <a:t>というかクラウドの力でねじ伏せろ</a:t>
+            </a:r>
+            <a:endParaRPr lang="en-US" altLang="ja-JP" dirty="0">
+              <a:latin typeface="+mj-lt"/>
+            </a:endParaRPr>
+          </a:p>
+          <a:p>
+            <a:pPr lvl="1"/>
+            <a:endParaRPr lang="en-US" altLang="ja-JP" dirty="0">
+              <a:latin typeface="+mj-lt"/>
+            </a:endParaRPr>
+          </a:p>
+          <a:p>
+            <a:r>
+              <a:rPr lang="en-US" altLang="ja-JP" dirty="0" err="1">
+                <a:latin typeface="+mj-lt"/>
+              </a:rPr>
+              <a:t>xgboost</a:t>
+            </a:r>
+            <a:r>
+              <a:rPr lang="ja-JP" altLang="en-US" dirty="0">
+                <a:latin typeface="+mj-lt"/>
+              </a:rPr>
+              <a:t>パッケージと結果がちょっと変わる？</a:t>
+            </a:r>
+            <a:endParaRPr lang="en-US" altLang="ja-JP" dirty="0">
+              <a:latin typeface="+mj-lt"/>
+            </a:endParaRPr>
+          </a:p>
+          <a:p>
+            <a:pPr lvl="1"/>
+            <a:r>
+              <a:rPr lang="en-US" altLang="ja-JP" dirty="0" err="1">
+                <a:latin typeface="+mj-lt"/>
+              </a:rPr>
+              <a:t>xgboost</a:t>
+            </a:r>
+            <a:r>
+              <a:rPr lang="ja-JP" altLang="en-US" dirty="0">
+                <a:latin typeface="+mj-lt"/>
+              </a:rPr>
+              <a:t>パッケージ未体験なので風の噂レベル</a:t>
+            </a:r>
+            <a:endParaRPr lang="en-US" altLang="ja-JP" dirty="0">
+              <a:latin typeface="+mj-lt"/>
+            </a:endParaRPr>
+          </a:p>
+          <a:p>
+            <a:endParaRPr kumimoji="1" lang="ja-JP" altLang="en-US" dirty="0">
+              <a:latin typeface="+mj-lt"/>
+            </a:endParaRPr>
           </a:p>
         </p:txBody>
       </p:sp>
     </p:spTree>
     <p:extLst>
       <p:ext uri="{BB962C8B-B14F-4D97-AF65-F5344CB8AC3E}">
-        <p14:creationId xmlns:p14="http://schemas.microsoft.com/office/powerpoint/2010/main" val="2781922293"/>
+        <p14:creationId xmlns:p14="http://schemas.microsoft.com/office/powerpoint/2010/main" val="349532007"/>
       </p:ext>
     </p:extLst>
   </p:cSld>
@@ -7953,7 +8322,7 @@
           <p:cNvPr id="2" name="タイトル 1">
             <a:extLst>
               <a:ext uri="{FF2B5EF4-FFF2-40B4-BE49-F238E27FC236}">
-                <a16:creationId xmlns:a16="http://schemas.microsoft.com/office/drawing/2014/main" id="{8FB2311D-21B2-4BB7-9124-D48C2A66EF82}"/>
+                <a16:creationId xmlns:a16="http://schemas.microsoft.com/office/drawing/2014/main" id="{EFC91B52-1AC0-4ED3-9116-C8A8A3044F51}"/>
               </a:ext>
             </a:extLst>
           </p:cNvPr>
@@ -7970,79 +8339,88 @@
           <a:lstStyle/>
           <a:p>
             <a:r>
-              <a:rPr kumimoji="1" lang="en-US" altLang="ja-JP" dirty="0"/>
-              <a:t>Next my</a:t>
-            </a:r>
-            <a:r>
-              <a:rPr kumimoji="1" lang="ja-JP" altLang="en-US" dirty="0"/>
-              <a:t> </a:t>
-            </a:r>
-            <a:r>
-              <a:rPr kumimoji="1" lang="en-US" altLang="ja-JP" dirty="0"/>
-              <a:t>LT is……</a:t>
+              <a:rPr lang="ja-JP" altLang="en-US" dirty="0"/>
+              <a:t>きぬいとの結果</a:t>
             </a:r>
             <a:endParaRPr kumimoji="1" lang="ja-JP" altLang="en-US" dirty="0"/>
           </a:p>
         </p:txBody>
       </p:sp>
-      <p:sp>
-        <p:nvSpPr>
-          <p:cNvPr id="3" name="コンテンツ プレースホルダー 2">
-            <a:extLst>
-              <a:ext uri="{FF2B5EF4-FFF2-40B4-BE49-F238E27FC236}">
-                <a16:creationId xmlns:a16="http://schemas.microsoft.com/office/drawing/2014/main" id="{9B3D7A4A-65C3-406B-9152-AB662E65BA02}"/>
-              </a:ext>
-            </a:extLst>
-          </p:cNvPr>
-          <p:cNvSpPr>
-            <a:spLocks noGrp="1"/>
-          </p:cNvSpPr>
+      <p:pic>
+        <p:nvPicPr>
+          <p:cNvPr id="6" name="コンテンツ プレースホルダー 5">
+            <a:extLst>
+              <a:ext uri="{FF2B5EF4-FFF2-40B4-BE49-F238E27FC236}">
+                <a16:creationId xmlns:a16="http://schemas.microsoft.com/office/drawing/2014/main" id="{776312E4-90F8-491A-B2FF-6CBEF1A3BA09}"/>
+              </a:ext>
+            </a:extLst>
+          </p:cNvPr>
+          <p:cNvPicPr>
+            <a:picLocks noGrp="1" noChangeAspect="1"/>
+          </p:cNvPicPr>
           <p:nvPr>
             <p:ph idx="1"/>
           </p:nvPr>
-        </p:nvSpPr>
-        <p:spPr/>
-        <p:txBody>
-          <a:bodyPr/>
-          <a:lstStyle/>
-          <a:p>
-            <a:r>
-              <a:rPr kumimoji="1" lang="ja-JP" altLang="en-US" dirty="0"/>
-              <a:t>なんか</a:t>
-            </a:r>
-            <a:r>
-              <a:rPr kumimoji="1" lang="en-US" altLang="ja-JP" dirty="0"/>
-              <a:t>Leakage</a:t>
-            </a:r>
-            <a:r>
-              <a:rPr lang="ja-JP" altLang="en-US" dirty="0"/>
-              <a:t>が興味深い問題っぽいので調べて次回報告します．</a:t>
-            </a:r>
-            <a:endParaRPr lang="en-US" altLang="ja-JP" dirty="0"/>
-          </a:p>
-          <a:p>
-            <a:endParaRPr kumimoji="1" lang="en-US" altLang="ja-JP" dirty="0"/>
-          </a:p>
-          <a:p>
-            <a:r>
-              <a:rPr lang="en-US" altLang="ja-JP" dirty="0"/>
-              <a:t>Twitter</a:t>
-            </a:r>
-            <a:r>
-              <a:rPr lang="ja-JP" altLang="en-US" dirty="0"/>
-              <a:t>で「進捗どうですか？」って言ってください．</a:t>
-            </a:r>
-            <a:endParaRPr lang="en-US" altLang="ja-JP" dirty="0"/>
-          </a:p>
-          <a:p>
-            <a:endParaRPr kumimoji="1" lang="ja-JP" altLang="en-US" dirty="0"/>
-          </a:p>
-        </p:txBody>
-      </p:sp>
+        </p:nvPicPr>
+        <p:blipFill>
+          <a:blip r:embed="rId2">
+            <a:extLst>
+              <a:ext uri="{28A0092B-C50C-407E-A947-70E740481C1C}">
+                <a14:useLocalDpi xmlns:a14="http://schemas.microsoft.com/office/drawing/2010/main" val="0"/>
+              </a:ext>
+            </a:extLst>
+          </a:blip>
+          <a:stretch>
+            <a:fillRect/>
+          </a:stretch>
+        </p:blipFill>
+        <p:spPr>
+          <a:xfrm>
+            <a:off x="248780" y="1404356"/>
+            <a:ext cx="11694439" cy="1538100"/>
+          </a:xfrm>
+        </p:spPr>
+      </p:pic>
+      <p:pic>
+        <p:nvPicPr>
+          <p:cNvPr id="4" name="図 3">
+            <a:extLst>
+              <a:ext uri="{FF2B5EF4-FFF2-40B4-BE49-F238E27FC236}">
+                <a16:creationId xmlns:a16="http://schemas.microsoft.com/office/drawing/2014/main" id="{09257F7D-D915-4240-8432-16C98CBC35D6}"/>
+              </a:ext>
+            </a:extLst>
+          </p:cNvPr>
+          <p:cNvPicPr>
+            <a:picLocks noChangeAspect="1"/>
+          </p:cNvPicPr>
+          <p:nvPr/>
+        </p:nvPicPr>
+        <p:blipFill>
+          <a:blip r:embed="rId3">
+            <a:extLst>
+              <a:ext uri="{28A0092B-C50C-407E-A947-70E740481C1C}">
+                <a14:useLocalDpi xmlns:a14="http://schemas.microsoft.com/office/drawing/2010/main" val="0"/>
+              </a:ext>
+            </a:extLst>
+          </a:blip>
+          <a:stretch>
+            <a:fillRect/>
+          </a:stretch>
+        </p:blipFill>
+        <p:spPr>
+          <a:xfrm>
+            <a:off x="4647997" y="3174723"/>
+            <a:ext cx="2896004" cy="3686689"/>
+          </a:xfrm>
+          <a:prstGeom prst="rect">
+            <a:avLst/>
+          </a:prstGeom>
+        </p:spPr>
+      </p:pic>
     </p:spTree>
     <p:extLst>
       <p:ext uri="{BB962C8B-B14F-4D97-AF65-F5344CB8AC3E}">
-        <p14:creationId xmlns:p14="http://schemas.microsoft.com/office/powerpoint/2010/main" val="1815235112"/>
+        <p14:creationId xmlns:p14="http://schemas.microsoft.com/office/powerpoint/2010/main" val="3404170882"/>
       </p:ext>
     </p:extLst>
   </p:cSld>
@@ -8071,46 +8449,72 @@
       </p:grpSpPr>
       <p:sp>
         <p:nvSpPr>
-          <p:cNvPr id="4" name="コンテンツ プレースホルダー 2">
-            <a:extLst>
-              <a:ext uri="{FF2B5EF4-FFF2-40B4-BE49-F238E27FC236}">
-                <a16:creationId xmlns:a16="http://schemas.microsoft.com/office/drawing/2014/main" id="{1FCEE7CE-FC4E-405D-96DC-5CDD8B785267}"/>
-              </a:ext>
-            </a:extLst>
-          </p:cNvPr>
-          <p:cNvSpPr>
-            <a:spLocks noGrp="1"/>
-          </p:cNvSpPr>
+          <p:cNvPr id="2" name="タイトル 1">
+            <a:extLst>
+              <a:ext uri="{FF2B5EF4-FFF2-40B4-BE49-F238E27FC236}">
+                <a16:creationId xmlns:a16="http://schemas.microsoft.com/office/drawing/2014/main" id="{4A5480D8-FBAC-4C37-B4EC-8178DE22B6B4}"/>
+              </a:ext>
+            </a:extLst>
+          </p:cNvPr>
+          <p:cNvSpPr>
+            <a:spLocks noGrp="1"/>
+          </p:cNvSpPr>
+          <p:nvPr>
+            <p:ph type="title"/>
+          </p:nvPr>
+        </p:nvSpPr>
+        <p:spPr/>
+        <p:txBody>
+          <a:bodyPr/>
+          <a:lstStyle/>
+          <a:p>
+            <a:r>
+              <a:rPr lang="ja-JP" altLang="en-US" dirty="0"/>
+              <a:t>きぬいとの結果</a:t>
+            </a:r>
+            <a:endParaRPr kumimoji="1" lang="ja-JP" altLang="en-US" dirty="0"/>
+          </a:p>
+        </p:txBody>
+      </p:sp>
+      <p:pic>
+        <p:nvPicPr>
+          <p:cNvPr id="5" name="コンテンツ プレースホルダー 4">
+            <a:extLst>
+              <a:ext uri="{FF2B5EF4-FFF2-40B4-BE49-F238E27FC236}">
+                <a16:creationId xmlns:a16="http://schemas.microsoft.com/office/drawing/2014/main" id="{E142784B-BB06-449B-872C-685DC47A0D84}"/>
+              </a:ext>
+            </a:extLst>
+          </p:cNvPr>
+          <p:cNvPicPr>
+            <a:picLocks noGrp="1" noChangeAspect="1"/>
+          </p:cNvPicPr>
           <p:nvPr>
             <p:ph idx="1"/>
           </p:nvPr>
-        </p:nvSpPr>
+        </p:nvPicPr>
+        <p:blipFill>
+          <a:blip r:embed="rId2">
+            <a:extLst>
+              <a:ext uri="{28A0092B-C50C-407E-A947-70E740481C1C}">
+                <a14:useLocalDpi xmlns:a14="http://schemas.microsoft.com/office/drawing/2010/main" val="0"/>
+              </a:ext>
+            </a:extLst>
+          </a:blip>
+          <a:stretch>
+            <a:fillRect/>
+          </a:stretch>
+        </p:blipFill>
         <p:spPr>
           <a:xfrm>
-            <a:off x="838200" y="3429000"/>
-            <a:ext cx="10515600" cy="849336"/>
+            <a:off x="3757684" y="1662978"/>
+            <a:ext cx="4676632" cy="4676632"/>
           </a:xfrm>
         </p:spPr>
-        <p:txBody>
-          <a:bodyPr>
-            <a:normAutofit/>
-          </a:bodyPr>
-          <a:lstStyle/>
-          <a:p>
-            <a:pPr marL="0" indent="0" algn="ctr">
-              <a:buNone/>
-            </a:pPr>
-            <a:r>
-              <a:rPr kumimoji="1" lang="ja-JP" altLang="en-US" sz="4800" dirty="0"/>
-              <a:t>えんじょい！</a:t>
-            </a:r>
-          </a:p>
-        </p:txBody>
-      </p:sp>
+      </p:pic>
     </p:spTree>
     <p:extLst>
       <p:ext uri="{BB962C8B-B14F-4D97-AF65-F5344CB8AC3E}">
-        <p14:creationId xmlns:p14="http://schemas.microsoft.com/office/powerpoint/2010/main" val="2723383035"/>
+        <p14:creationId xmlns:p14="http://schemas.microsoft.com/office/powerpoint/2010/main" val="804622375"/>
       </p:ext>
     </p:extLst>
   </p:cSld>
@@ -8121,7 +8525,7 @@
 </file>
 
 <file path=ppt/slides/slide29.xml><?xml version="1.0" encoding="utf-8"?>
-<p:sld xmlns:a="http://schemas.openxmlformats.org/drawingml/2006/main" xmlns:r="http://schemas.openxmlformats.org/officeDocument/2006/relationships" xmlns:p="http://schemas.openxmlformats.org/presentationml/2006/main" show="0">
+<p:sld xmlns:a="http://schemas.openxmlformats.org/drawingml/2006/main" xmlns:r="http://schemas.openxmlformats.org/officeDocument/2006/relationships" xmlns:p="http://schemas.openxmlformats.org/presentationml/2006/main">
   <p:cSld>
     <p:spTree>
       <p:nvGrpSpPr>
@@ -8142,7 +8546,7 @@
           <p:cNvPr id="2" name="タイトル 1">
             <a:extLst>
               <a:ext uri="{FF2B5EF4-FFF2-40B4-BE49-F238E27FC236}">
-                <a16:creationId xmlns:a16="http://schemas.microsoft.com/office/drawing/2014/main" id="{9537C136-C7F9-413D-A821-4D7BF752D200}"/>
+                <a16:creationId xmlns:a16="http://schemas.microsoft.com/office/drawing/2014/main" id="{E6EE7905-7A85-4C7F-872B-ADE11F7CFDC4}"/>
               </a:ext>
             </a:extLst>
           </p:cNvPr>
@@ -8159,39 +8563,18 @@
           <a:lstStyle/>
           <a:p>
             <a:r>
-              <a:rPr lang="en-US" altLang="ja-JP" dirty="0" err="1"/>
-              <a:t>XGBoost</a:t>
-            </a:r>
-            <a:r>
-              <a:rPr lang="ja-JP" altLang="en-US" dirty="0"/>
-              <a:t>　</a:t>
-            </a:r>
-            <a:r>
-              <a:rPr lang="en-US" altLang="ja-JP" u="sng" dirty="0">
-                <a:solidFill>
-                  <a:schemeClr val="accent1"/>
-                </a:solidFill>
-              </a:rPr>
-              <a:t>#</a:t>
-            </a:r>
-            <a:r>
-              <a:rPr lang="ja-JP" altLang="en-US" u="sng" dirty="0">
-                <a:solidFill>
-                  <a:schemeClr val="accent1"/>
-                </a:solidFill>
-              </a:rPr>
-              <a:t>とは</a:t>
-            </a:r>
-            <a:endParaRPr kumimoji="1" lang="ja-JP" altLang="en-US" dirty="0"/>
-          </a:p>
-        </p:txBody>
-      </p:sp>
-      <p:sp>
-        <p:nvSpPr>
-          <p:cNvPr id="3" name="コンテンツ プレースホルダー 2">
-            <a:extLst>
-              <a:ext uri="{FF2B5EF4-FFF2-40B4-BE49-F238E27FC236}">
-                <a16:creationId xmlns:a16="http://schemas.microsoft.com/office/drawing/2014/main" id="{2A51D2F8-1DAD-46DC-B800-89B342C3579B}"/>
+              <a:rPr kumimoji="1" lang="ja-JP" altLang="en-US" dirty="0"/>
+              <a:t>伝えたいこと ③</a:t>
+            </a:r>
+          </a:p>
+        </p:txBody>
+      </p:sp>
+      <p:sp>
+        <p:nvSpPr>
+          <p:cNvPr id="4" name="コンテンツ プレースホルダー 2">
+            <a:extLst>
+              <a:ext uri="{FF2B5EF4-FFF2-40B4-BE49-F238E27FC236}">
+                <a16:creationId xmlns:a16="http://schemas.microsoft.com/office/drawing/2014/main" id="{B66DA3F1-627B-4397-BE2D-9718143713C6}"/>
               </a:ext>
             </a:extLst>
           </p:cNvPr>
@@ -8202,26 +8585,33 @@
             <p:ph idx="1"/>
           </p:nvPr>
         </p:nvSpPr>
-        <p:spPr/>
-        <p:txBody>
-          <a:bodyPr/>
-          <a:lstStyle/>
-          <a:p>
-            <a:r>
-              <a:rPr kumimoji="1" lang="ja-JP" altLang="en-US">
-                <a:solidFill>
-                  <a:srgbClr val="FF0000"/>
-                </a:solidFill>
-              </a:rPr>
-              <a:t>数式含めた説明</a:t>
-            </a:r>
+        <p:spPr>
+          <a:xfrm>
+            <a:off x="70514" y="3429000"/>
+            <a:ext cx="12050972" cy="1001404"/>
+          </a:xfrm>
+        </p:spPr>
+        <p:txBody>
+          <a:bodyPr>
+            <a:normAutofit/>
+          </a:bodyPr>
+          <a:lstStyle/>
+          <a:p>
+            <a:pPr marL="0" indent="0" algn="ctr">
+              <a:buNone/>
+            </a:pPr>
+            <a:r>
+              <a:rPr kumimoji="1" lang="ja-JP" altLang="en-US" sz="4400" dirty="0"/>
+              <a:t>ただ実装しただけでは半分にしかいけない</a:t>
+            </a:r>
+            <a:endParaRPr kumimoji="1" lang="en-US" altLang="ja-JP" sz="4400" dirty="0"/>
           </a:p>
         </p:txBody>
       </p:sp>
     </p:spTree>
     <p:extLst>
       <p:ext uri="{BB962C8B-B14F-4D97-AF65-F5344CB8AC3E}">
-        <p14:creationId xmlns:p14="http://schemas.microsoft.com/office/powerpoint/2010/main" val="816231524"/>
+        <p14:creationId xmlns:p14="http://schemas.microsoft.com/office/powerpoint/2010/main" val="2781922293"/>
       </p:ext>
     </p:extLst>
   </p:cSld>
@@ -8253,7 +8643,7 @@
           <p:cNvPr id="2" name="タイトル 1">
             <a:extLst>
               <a:ext uri="{FF2B5EF4-FFF2-40B4-BE49-F238E27FC236}">
-                <a16:creationId xmlns:a16="http://schemas.microsoft.com/office/drawing/2014/main" id="{72DD46EE-8E36-43EB-9EA0-69F501CF3ADD}"/>
+                <a16:creationId xmlns:a16="http://schemas.microsoft.com/office/drawing/2014/main" id="{6B70544A-6868-48A1-BAF6-91E9CBFEB99F}"/>
               </a:ext>
             </a:extLst>
           </p:cNvPr>
@@ -8271,7 +8661,7 @@
           <a:p>
             <a:r>
               <a:rPr kumimoji="1" lang="ja-JP" altLang="en-US" dirty="0"/>
-              <a:t>今日伝わったら嬉しいこと</a:t>
+              <a:t>　　　　 ←　誰？</a:t>
             </a:r>
           </a:p>
         </p:txBody>
@@ -8281,7 +8671,7 @@
           <p:cNvPr id="3" name="コンテンツ プレースホルダー 2">
             <a:extLst>
               <a:ext uri="{FF2B5EF4-FFF2-40B4-BE49-F238E27FC236}">
-                <a16:creationId xmlns:a16="http://schemas.microsoft.com/office/drawing/2014/main" id="{6DA1E416-4905-4B87-AFC6-F64D22136F9D}"/>
+                <a16:creationId xmlns:a16="http://schemas.microsoft.com/office/drawing/2014/main" id="{E501AFCB-C103-4119-818D-82AC867C104F}"/>
               </a:ext>
             </a:extLst>
           </p:cNvPr>
@@ -8294,162 +8684,661 @@
         </p:nvSpPr>
         <p:spPr/>
         <p:txBody>
-          <a:bodyPr/>
-          <a:lstStyle/>
-          <a:p>
+          <a:bodyPr>
+            <a:normAutofit/>
+          </a:bodyPr>
+          <a:lstStyle/>
+          <a:p>
+            <a:r>
+              <a:rPr kumimoji="1" lang="en-US" altLang="ja-JP" dirty="0" err="1"/>
+              <a:t>Kien</a:t>
+            </a:r>
+            <a:r>
+              <a:rPr kumimoji="1" lang="en-US" altLang="ja-JP" dirty="0"/>
+              <a:t>. Y. Knot(</a:t>
+            </a:r>
+            <a:r>
+              <a:rPr kumimoji="1" lang="ja-JP" altLang="en-US" dirty="0" err="1"/>
+              <a:t>きぬ</a:t>
+            </a:r>
             <a:r>
               <a:rPr kumimoji="1" lang="ja-JP" altLang="en-US" dirty="0"/>
-              <a:t>みんなも</a:t>
+              <a:t>いと</a:t>
             </a:r>
             <a:r>
               <a:rPr kumimoji="1" lang="en-US" altLang="ja-JP" dirty="0"/>
-              <a:t>Kaggle</a:t>
-            </a:r>
-            <a:r>
-              <a:rPr kumimoji="1" lang="ja-JP" altLang="en-US" dirty="0"/>
-              <a:t>に</a:t>
-            </a:r>
+              <a:t>)</a:t>
+            </a:r>
+          </a:p>
+          <a:p>
+            <a:pPr lvl="1"/>
+            <a:r>
+              <a:rPr lang="en-US" altLang="ja-JP" dirty="0"/>
+              <a:t>Twitter</a:t>
+            </a:r>
+            <a:r>
+              <a:rPr lang="ja-JP" altLang="en-US" dirty="0"/>
+              <a:t>ではいつもやかましくしております</a:t>
+            </a:r>
+            <a:endParaRPr lang="en-US" altLang="ja-JP" dirty="0"/>
+          </a:p>
+          <a:p>
+            <a:pPr lvl="1"/>
+            <a:endParaRPr kumimoji="1" lang="en-US" altLang="ja-JP" dirty="0"/>
+          </a:p>
+          <a:p>
+            <a:r>
+              <a:rPr lang="en-US" altLang="ja-JP" dirty="0"/>
+              <a:t>Twitter</a:t>
+            </a:r>
+            <a:r>
+              <a:rPr lang="ja-JP" altLang="en-US" dirty="0"/>
+              <a:t>歴</a:t>
+            </a:r>
+            <a:r>
+              <a:rPr lang="en-US" altLang="ja-JP" dirty="0"/>
+              <a:t>(9</a:t>
+            </a:r>
+            <a:r>
+              <a:rPr lang="ja-JP" altLang="en-US" dirty="0"/>
+              <a:t>年</a:t>
+            </a:r>
+            <a:r>
+              <a:rPr lang="en-US" altLang="ja-JP" dirty="0"/>
+              <a:t>)</a:t>
+            </a:r>
+            <a:r>
+              <a:rPr lang="ja-JP" altLang="en-US" dirty="0"/>
+              <a:t>と</a:t>
+            </a:r>
+            <a:r>
+              <a:rPr lang="en-US" altLang="ja-JP" dirty="0"/>
+              <a:t>R</a:t>
+            </a:r>
+            <a:r>
+              <a:rPr lang="ja-JP" altLang="en-US" dirty="0"/>
+              <a:t>歴</a:t>
+            </a:r>
+            <a:r>
+              <a:rPr lang="en-US" altLang="ja-JP" dirty="0"/>
+              <a:t>(6</a:t>
+            </a:r>
+            <a:r>
+              <a:rPr lang="ja-JP" altLang="en-US" dirty="0"/>
+              <a:t>年</a:t>
+            </a:r>
+            <a:r>
+              <a:rPr lang="en-US" altLang="ja-JP" dirty="0"/>
+              <a:t>)</a:t>
+            </a:r>
+            <a:r>
+              <a:rPr lang="ja-JP" altLang="en-US" dirty="0" err="1"/>
+              <a:t>だけは</a:t>
+            </a:r>
+            <a:r>
+              <a:rPr lang="ja-JP" altLang="en-US" dirty="0"/>
+              <a:t>露骨に長い</a:t>
+            </a:r>
+            <a:endParaRPr lang="en-US" altLang="ja-JP" dirty="0"/>
+          </a:p>
+          <a:p>
+            <a:pPr lvl="1"/>
+            <a:r>
+              <a:rPr lang="ja-JP" altLang="en-US" dirty="0"/>
+              <a:t>時間と実力は比例しない　←　重要</a:t>
+            </a:r>
+            <a:endParaRPr lang="en-US" altLang="ja-JP" dirty="0"/>
+          </a:p>
+          <a:p>
+            <a:endParaRPr lang="en-US" altLang="ja-JP" dirty="0"/>
+          </a:p>
+          <a:p>
+            <a:r>
+              <a:rPr lang="ja-JP" altLang="en-US" dirty="0"/>
+              <a:t>調査会社のアナリスト</a:t>
+            </a:r>
+            <a:endParaRPr lang="en-US" altLang="ja-JP" dirty="0"/>
+          </a:p>
+          <a:p>
+            <a:pPr lvl="1"/>
+            <a:r>
+              <a:rPr lang="ja-JP" altLang="en-US" dirty="0"/>
+              <a:t>大体エクセル職人</a:t>
+            </a:r>
+            <a:endParaRPr lang="en-US" altLang="ja-JP" dirty="0"/>
+          </a:p>
+          <a:p>
+            <a:pPr lvl="1"/>
             <a:r>
               <a:rPr kumimoji="1" lang="en-US" altLang="ja-JP" dirty="0"/>
               <a:t>R</a:t>
             </a:r>
             <a:r>
               <a:rPr kumimoji="1" lang="ja-JP" altLang="en-US" dirty="0"/>
-              <a:t>で参加しよう←これ</a:t>
+              <a:t>や</a:t>
             </a:r>
             <a:r>
               <a:rPr kumimoji="1" lang="en-US" altLang="ja-JP" dirty="0"/>
-              <a:t>9</a:t>
+              <a:t>Python</a:t>
             </a:r>
             <a:r>
               <a:rPr kumimoji="1" lang="ja-JP" altLang="en-US" dirty="0"/>
-              <a:t>割</a:t>
-            </a:r>
-            <a:endParaRPr lang="en-US" altLang="ja-JP" dirty="0"/>
-          </a:p>
-          <a:p>
-            <a:endParaRPr lang="en-US" altLang="ja-JP" dirty="0"/>
-          </a:p>
-          <a:p>
-            <a:r>
-              <a:rPr lang="ja-JP" altLang="en-US" dirty="0"/>
-              <a:t>機械学習</a:t>
-            </a:r>
-            <a:r>
-              <a:rPr lang="en-US" altLang="ja-JP" dirty="0"/>
-              <a:t>&gt;</a:t>
-            </a:r>
-            <a:r>
-              <a:rPr lang="ja-JP" altLang="en-US" dirty="0"/>
-              <a:t>予測</a:t>
-            </a:r>
-            <a:r>
-              <a:rPr lang="en-US" altLang="ja-JP" dirty="0"/>
-              <a:t>&gt;</a:t>
-            </a:r>
-            <a:r>
-              <a:rPr lang="ja-JP" altLang="en-US" dirty="0"/>
-              <a:t>アンサンブル学習</a:t>
-            </a:r>
-            <a:r>
-              <a:rPr lang="en-US" altLang="ja-JP" dirty="0"/>
-              <a:t>&gt;Boosting&gt;</a:t>
-            </a:r>
-            <a:r>
-              <a:rPr lang="en-US" altLang="ja-JP" dirty="0" err="1"/>
-              <a:t>XGBoost</a:t>
-            </a:r>
-            <a:endParaRPr lang="en-US" altLang="ja-JP" dirty="0"/>
-          </a:p>
-          <a:p>
-            <a:endParaRPr lang="ja-JP" altLang="en-US" dirty="0"/>
-          </a:p>
-          <a:p>
-            <a:r>
-              <a:rPr lang="en-US" altLang="ja-JP" dirty="0" err="1"/>
-              <a:t>xgboost</a:t>
-            </a:r>
-            <a:r>
-              <a:rPr lang="ja-JP" altLang="en-US" dirty="0"/>
-              <a:t>パッケージはあるものの</a:t>
-            </a:r>
-            <a:r>
-              <a:rPr lang="en-US" altLang="ja-JP" dirty="0"/>
-              <a:t>……</a:t>
-            </a:r>
-          </a:p>
-          <a:p>
-            <a:pPr lvl="1"/>
-            <a:r>
-              <a:rPr lang="ja-JP" altLang="en-US" dirty="0"/>
-              <a:t>多変量解析畑から上がってきた僕「</a:t>
-            </a:r>
-            <a:r>
-              <a:rPr lang="en-US" altLang="ja-JP" dirty="0"/>
-              <a:t>formula</a:t>
-            </a:r>
-            <a:r>
-              <a:rPr lang="ja-JP" altLang="en-US" dirty="0"/>
-              <a:t>形式じゃないと</a:t>
-            </a:r>
-            <a:r>
-              <a:rPr lang="ja-JP" altLang="en-US" dirty="0" err="1"/>
-              <a:t>やだ</a:t>
-            </a:r>
-            <a:r>
-              <a:rPr lang="ja-JP" altLang="en-US" dirty="0"/>
-              <a:t>」</a:t>
-            </a:r>
-            <a:endParaRPr lang="en-US" altLang="ja-JP" dirty="0"/>
-          </a:p>
-          <a:p>
-            <a:pPr lvl="1"/>
-            <a:r>
-              <a:rPr kumimoji="1" lang="en-US" altLang="ja-JP" dirty="0"/>
-              <a:t>???</a:t>
-            </a:r>
-            <a:r>
-              <a:rPr kumimoji="1" lang="ja-JP" altLang="en-US" dirty="0"/>
-              <a:t>「</a:t>
-            </a:r>
-            <a:r>
-              <a:rPr kumimoji="1" lang="en-US" altLang="ja-JP" dirty="0"/>
-              <a:t>caret</a:t>
-            </a:r>
-            <a:r>
-              <a:rPr lang="ja-JP" altLang="en-US" dirty="0"/>
-              <a:t>パッケージを使え</a:t>
-            </a:r>
-            <a:r>
-              <a:rPr lang="en-US" altLang="ja-JP" dirty="0"/>
-              <a:t>……</a:t>
-            </a:r>
-            <a:r>
-              <a:rPr kumimoji="1" lang="ja-JP" altLang="en-US" dirty="0"/>
-              <a:t>」</a:t>
-            </a:r>
-            <a:endParaRPr kumimoji="1" lang="en-US" altLang="ja-JP" dirty="0"/>
-          </a:p>
-          <a:p>
-            <a:pPr lvl="1"/>
-            <a:endParaRPr lang="en-US" altLang="ja-JP" dirty="0"/>
-          </a:p>
-          <a:p>
-            <a:r>
-              <a:rPr kumimoji="1" lang="en-US" altLang="ja-JP" dirty="0"/>
-              <a:t>caret</a:t>
-            </a:r>
-            <a:r>
-              <a:rPr kumimoji="1" lang="ja-JP" altLang="en-US" dirty="0"/>
-              <a:t>パッケージで機械学習を実装してみた</a:t>
-            </a:r>
-          </a:p>
-        </p:txBody>
-      </p:sp>
+              <a:t>を使って楽しいことがしたい人生だった</a:t>
+            </a:r>
+          </a:p>
+        </p:txBody>
+      </p:sp>
+      <p:pic>
+        <p:nvPicPr>
+          <p:cNvPr id="4" name="図 3">
+            <a:extLst>
+              <a:ext uri="{FF2B5EF4-FFF2-40B4-BE49-F238E27FC236}">
+                <a16:creationId xmlns:a16="http://schemas.microsoft.com/office/drawing/2014/main" id="{2BE33ABF-289F-4EF2-96A0-2B735A9A4C17}"/>
+              </a:ext>
+            </a:extLst>
+          </p:cNvPr>
+          <p:cNvPicPr>
+            <a:picLocks noChangeAspect="1"/>
+          </p:cNvPicPr>
+          <p:nvPr/>
+        </p:nvPicPr>
+        <p:blipFill>
+          <a:blip r:embed="rId2">
+            <a:extLst>
+              <a:ext uri="{28A0092B-C50C-407E-A947-70E740481C1C}">
+                <a14:useLocalDpi xmlns:a14="http://schemas.microsoft.com/office/drawing/2010/main" val="0"/>
+              </a:ext>
+            </a:extLst>
+          </a:blip>
+          <a:stretch>
+            <a:fillRect/>
+          </a:stretch>
+        </p:blipFill>
+        <p:spPr>
+          <a:xfrm>
+            <a:off x="968991" y="0"/>
+            <a:ext cx="1825625" cy="1825625"/>
+          </a:xfrm>
+          <a:prstGeom prst="rect">
+            <a:avLst/>
+          </a:prstGeom>
+        </p:spPr>
+      </p:pic>
     </p:spTree>
     <p:extLst>
       <p:ext uri="{BB962C8B-B14F-4D97-AF65-F5344CB8AC3E}">
-        <p14:creationId xmlns:p14="http://schemas.microsoft.com/office/powerpoint/2010/main" val="1849414829"/>
+        <p14:creationId xmlns:p14="http://schemas.microsoft.com/office/powerpoint/2010/main" val="4037509654"/>
+      </p:ext>
+    </p:extLst>
+  </p:cSld>
+  <p:clrMapOvr>
+    <a:masterClrMapping/>
+  </p:clrMapOvr>
+</p:sld>
+</file>
+
+<file path=ppt/slides/slide30.xml><?xml version="1.0" encoding="utf-8"?>
+<p:sld xmlns:a="http://schemas.openxmlformats.org/drawingml/2006/main" xmlns:r="http://schemas.openxmlformats.org/officeDocument/2006/relationships" xmlns:p="http://schemas.openxmlformats.org/presentationml/2006/main">
+  <p:cSld>
+    <p:spTree>
+      <p:nvGrpSpPr>
+        <p:cNvPr id="1" name=""/>
+        <p:cNvGrpSpPr/>
+        <p:nvPr/>
+      </p:nvGrpSpPr>
+      <p:grpSpPr>
+        <a:xfrm>
+          <a:off x="0" y="0"/>
+          <a:ext cx="0" cy="0"/>
+          <a:chOff x="0" y="0"/>
+          <a:chExt cx="0" cy="0"/>
+        </a:xfrm>
+      </p:grpSpPr>
+      <p:sp>
+        <p:nvSpPr>
+          <p:cNvPr id="2" name="タイトル 1">
+            <a:extLst>
+              <a:ext uri="{FF2B5EF4-FFF2-40B4-BE49-F238E27FC236}">
+                <a16:creationId xmlns:a16="http://schemas.microsoft.com/office/drawing/2014/main" id="{E6EE7905-7A85-4C7F-872B-ADE11F7CFDC4}"/>
+              </a:ext>
+            </a:extLst>
+          </p:cNvPr>
+          <p:cNvSpPr>
+            <a:spLocks noGrp="1"/>
+          </p:cNvSpPr>
+          <p:nvPr>
+            <p:ph type="title"/>
+          </p:nvPr>
+        </p:nvSpPr>
+        <p:spPr/>
+        <p:txBody>
+          <a:bodyPr/>
+          <a:lstStyle/>
+          <a:p>
+            <a:r>
+              <a:rPr kumimoji="1" lang="ja-JP" altLang="en-US" dirty="0"/>
+              <a:t>伝えたいこと ③</a:t>
+            </a:r>
+            <a:r>
+              <a:rPr kumimoji="1" lang="en-US" altLang="ja-JP" dirty="0"/>
+              <a:t>’</a:t>
+            </a:r>
+            <a:endParaRPr kumimoji="1" lang="ja-JP" altLang="en-US" dirty="0"/>
+          </a:p>
+        </p:txBody>
+      </p:sp>
+      <p:sp>
+        <p:nvSpPr>
+          <p:cNvPr id="4" name="コンテンツ プレースホルダー 2">
+            <a:extLst>
+              <a:ext uri="{FF2B5EF4-FFF2-40B4-BE49-F238E27FC236}">
+                <a16:creationId xmlns:a16="http://schemas.microsoft.com/office/drawing/2014/main" id="{B66DA3F1-627B-4397-BE2D-9718143713C6}"/>
+              </a:ext>
+            </a:extLst>
+          </p:cNvPr>
+          <p:cNvSpPr>
+            <a:spLocks noGrp="1"/>
+          </p:cNvSpPr>
+          <p:nvPr>
+            <p:ph idx="1"/>
+          </p:nvPr>
+        </p:nvSpPr>
+        <p:spPr>
+          <a:xfrm>
+            <a:off x="70514" y="3429000"/>
+            <a:ext cx="12050972" cy="2071048"/>
+          </a:xfrm>
+        </p:spPr>
+        <p:txBody>
+          <a:bodyPr>
+            <a:normAutofit/>
+          </a:bodyPr>
+          <a:lstStyle/>
+          <a:p>
+            <a:pPr marL="0" indent="0" algn="ctr">
+              <a:buNone/>
+            </a:pPr>
+            <a:r>
+              <a:rPr kumimoji="1" lang="ja-JP" altLang="en-US" sz="4400" b="1" dirty="0"/>
+              <a:t>ただ実装するだけで半分まではいけてしまう</a:t>
+            </a:r>
+            <a:endParaRPr kumimoji="1" lang="en-US" altLang="ja-JP" sz="4400" b="1" dirty="0"/>
+          </a:p>
+          <a:p>
+            <a:pPr marL="0" indent="0" algn="ctr">
+              <a:buNone/>
+            </a:pPr>
+            <a:r>
+              <a:rPr lang="ja-JP" altLang="en-US" sz="2400" b="1" dirty="0"/>
+              <a:t>怖くない？</a:t>
+            </a:r>
+            <a:endParaRPr kumimoji="1" lang="en-US" altLang="ja-JP" sz="2400" b="1" dirty="0"/>
+          </a:p>
+        </p:txBody>
+      </p:sp>
+    </p:spTree>
+    <p:extLst>
+      <p:ext uri="{BB962C8B-B14F-4D97-AF65-F5344CB8AC3E}">
+        <p14:creationId xmlns:p14="http://schemas.microsoft.com/office/powerpoint/2010/main" val="1467064288"/>
+      </p:ext>
+    </p:extLst>
+  </p:cSld>
+  <p:clrMapOvr>
+    <a:masterClrMapping/>
+  </p:clrMapOvr>
+</p:sld>
+</file>
+
+<file path=ppt/slides/slide31.xml><?xml version="1.0" encoding="utf-8"?>
+<p:sld xmlns:a="http://schemas.openxmlformats.org/drawingml/2006/main" xmlns:r="http://schemas.openxmlformats.org/officeDocument/2006/relationships" xmlns:p="http://schemas.openxmlformats.org/presentationml/2006/main">
+  <p:cSld>
+    <p:spTree>
+      <p:nvGrpSpPr>
+        <p:cNvPr id="1" name=""/>
+        <p:cNvGrpSpPr/>
+        <p:nvPr/>
+      </p:nvGrpSpPr>
+      <p:grpSpPr>
+        <a:xfrm>
+          <a:off x="0" y="0"/>
+          <a:ext cx="0" cy="0"/>
+          <a:chOff x="0" y="0"/>
+          <a:chExt cx="0" cy="0"/>
+        </a:xfrm>
+      </p:grpSpPr>
+      <p:sp>
+        <p:nvSpPr>
+          <p:cNvPr id="2" name="タイトル 1">
+            <a:extLst>
+              <a:ext uri="{FF2B5EF4-FFF2-40B4-BE49-F238E27FC236}">
+                <a16:creationId xmlns:a16="http://schemas.microsoft.com/office/drawing/2014/main" id="{8FB2311D-21B2-4BB7-9124-D48C2A66EF82}"/>
+              </a:ext>
+            </a:extLst>
+          </p:cNvPr>
+          <p:cNvSpPr>
+            <a:spLocks noGrp="1"/>
+          </p:cNvSpPr>
+          <p:nvPr>
+            <p:ph type="title"/>
+          </p:nvPr>
+        </p:nvSpPr>
+        <p:spPr/>
+        <p:txBody>
+          <a:bodyPr/>
+          <a:lstStyle/>
+          <a:p>
+            <a:r>
+              <a:rPr kumimoji="1" lang="en-US" altLang="ja-JP" dirty="0"/>
+              <a:t>Next my</a:t>
+            </a:r>
+            <a:r>
+              <a:rPr kumimoji="1" lang="ja-JP" altLang="en-US" dirty="0"/>
+              <a:t> </a:t>
+            </a:r>
+            <a:r>
+              <a:rPr kumimoji="1" lang="en-US" altLang="ja-JP" dirty="0"/>
+              <a:t>LT is……</a:t>
+            </a:r>
+            <a:endParaRPr kumimoji="1" lang="ja-JP" altLang="en-US" dirty="0"/>
+          </a:p>
+        </p:txBody>
+      </p:sp>
+      <p:sp>
+        <p:nvSpPr>
+          <p:cNvPr id="3" name="コンテンツ プレースホルダー 2">
+            <a:extLst>
+              <a:ext uri="{FF2B5EF4-FFF2-40B4-BE49-F238E27FC236}">
+                <a16:creationId xmlns:a16="http://schemas.microsoft.com/office/drawing/2014/main" id="{9B3D7A4A-65C3-406B-9152-AB662E65BA02}"/>
+              </a:ext>
+            </a:extLst>
+          </p:cNvPr>
+          <p:cNvSpPr>
+            <a:spLocks noGrp="1"/>
+          </p:cNvSpPr>
+          <p:nvPr>
+            <p:ph idx="1"/>
+          </p:nvPr>
+        </p:nvSpPr>
+        <p:spPr/>
+        <p:txBody>
+          <a:bodyPr/>
+          <a:lstStyle/>
+          <a:p>
+            <a:r>
+              <a:rPr lang="ja-JP" altLang="en-US" dirty="0"/>
+              <a:t>「プレゼンスキルとデータ分析スキル上げるための</a:t>
+            </a:r>
+            <a:r>
+              <a:rPr lang="en-US" altLang="ja-JP" dirty="0"/>
+              <a:t>LT</a:t>
+            </a:r>
+            <a:r>
+              <a:rPr lang="ja-JP" altLang="en-US" dirty="0"/>
+              <a:t>毎回参加するキャンペーン」開催</a:t>
+            </a:r>
+            <a:endParaRPr kumimoji="1" lang="en-US" altLang="ja-JP" dirty="0"/>
+          </a:p>
+          <a:p>
+            <a:endParaRPr kumimoji="1" lang="en-US" altLang="ja-JP" dirty="0"/>
+          </a:p>
+          <a:p>
+            <a:r>
+              <a:rPr lang="ja-JP" altLang="en-US" dirty="0"/>
+              <a:t>テーマは未定</a:t>
+            </a:r>
+            <a:r>
+              <a:rPr lang="en-US" altLang="ja-JP" dirty="0"/>
+              <a:t>(</a:t>
+            </a:r>
+            <a:r>
+              <a:rPr lang="ja-JP" altLang="en-US" dirty="0"/>
+              <a:t>方法？理論？パッケージ？</a:t>
+            </a:r>
+            <a:r>
+              <a:rPr lang="en-US" altLang="ja-JP" dirty="0"/>
+              <a:t>)</a:t>
+            </a:r>
+            <a:endParaRPr kumimoji="1" lang="en-US" altLang="ja-JP" dirty="0"/>
+          </a:p>
+          <a:p>
+            <a:endParaRPr kumimoji="1" lang="en-US" altLang="ja-JP" dirty="0"/>
+          </a:p>
+          <a:p>
+            <a:r>
+              <a:rPr lang="en-US" altLang="ja-JP" dirty="0"/>
+              <a:t>Twitter</a:t>
+            </a:r>
+            <a:r>
+              <a:rPr lang="ja-JP" altLang="en-US" dirty="0"/>
+              <a:t>でアニメとか見てるとき「進捗どうですか？」って言ってください．</a:t>
+            </a:r>
+            <a:endParaRPr lang="en-US" altLang="ja-JP" dirty="0"/>
+          </a:p>
+          <a:p>
+            <a:endParaRPr kumimoji="1" lang="ja-JP" altLang="en-US" dirty="0"/>
+          </a:p>
+        </p:txBody>
+      </p:sp>
+    </p:spTree>
+    <p:extLst>
+      <p:ext uri="{BB962C8B-B14F-4D97-AF65-F5344CB8AC3E}">
+        <p14:creationId xmlns:p14="http://schemas.microsoft.com/office/powerpoint/2010/main" val="1815235112"/>
+      </p:ext>
+    </p:extLst>
+  </p:cSld>
+  <p:clrMapOvr>
+    <a:masterClrMapping/>
+  </p:clrMapOvr>
+</p:sld>
+</file>
+
+<file path=ppt/slides/slide32.xml><?xml version="1.0" encoding="utf-8"?>
+<p:sld xmlns:a="http://schemas.openxmlformats.org/drawingml/2006/main" xmlns:r="http://schemas.openxmlformats.org/officeDocument/2006/relationships" xmlns:p="http://schemas.openxmlformats.org/presentationml/2006/main">
+  <p:cSld>
+    <p:spTree>
+      <p:nvGrpSpPr>
+        <p:cNvPr id="1" name=""/>
+        <p:cNvGrpSpPr/>
+        <p:nvPr/>
+      </p:nvGrpSpPr>
+      <p:grpSpPr>
+        <a:xfrm>
+          <a:off x="0" y="0"/>
+          <a:ext cx="0" cy="0"/>
+          <a:chOff x="0" y="0"/>
+          <a:chExt cx="0" cy="0"/>
+        </a:xfrm>
+      </p:grpSpPr>
+      <p:sp>
+        <p:nvSpPr>
+          <p:cNvPr id="4" name="コンテンツ プレースホルダー 2">
+            <a:extLst>
+              <a:ext uri="{FF2B5EF4-FFF2-40B4-BE49-F238E27FC236}">
+                <a16:creationId xmlns:a16="http://schemas.microsoft.com/office/drawing/2014/main" id="{1FCEE7CE-FC4E-405D-96DC-5CDD8B785267}"/>
+              </a:ext>
+            </a:extLst>
+          </p:cNvPr>
+          <p:cNvSpPr>
+            <a:spLocks noGrp="1"/>
+          </p:cNvSpPr>
+          <p:nvPr>
+            <p:ph idx="1"/>
+          </p:nvPr>
+        </p:nvSpPr>
+        <p:spPr>
+          <a:xfrm>
+            <a:off x="838200" y="3429000"/>
+            <a:ext cx="10515600" cy="849336"/>
+          </a:xfrm>
+        </p:spPr>
+        <p:txBody>
+          <a:bodyPr>
+            <a:normAutofit/>
+          </a:bodyPr>
+          <a:lstStyle/>
+          <a:p>
+            <a:pPr marL="0" indent="0" algn="ctr">
+              <a:buNone/>
+            </a:pPr>
+            <a:r>
+              <a:rPr kumimoji="1" lang="en-US" altLang="ja-JP" sz="4800" dirty="0"/>
+              <a:t>Enjoy!</a:t>
+            </a:r>
+            <a:endParaRPr kumimoji="1" lang="ja-JP" altLang="en-US" sz="4800" dirty="0"/>
+          </a:p>
+        </p:txBody>
+      </p:sp>
+      <p:pic>
+        <p:nvPicPr>
+          <p:cNvPr id="6" name="図 5">
+            <a:extLst>
+              <a:ext uri="{FF2B5EF4-FFF2-40B4-BE49-F238E27FC236}">
+                <a16:creationId xmlns:a16="http://schemas.microsoft.com/office/drawing/2014/main" id="{68EC2540-AE04-4E3F-BFA8-EB0B9A70FBF4}"/>
+              </a:ext>
+            </a:extLst>
+          </p:cNvPr>
+          <p:cNvPicPr>
+            <a:picLocks noChangeAspect="1"/>
+          </p:cNvPicPr>
+          <p:nvPr/>
+        </p:nvPicPr>
+        <p:blipFill>
+          <a:blip r:embed="rId2">
+            <a:extLst>
+              <a:ext uri="{28A0092B-C50C-407E-A947-70E740481C1C}">
+                <a14:useLocalDpi xmlns:a14="http://schemas.microsoft.com/office/drawing/2010/main" val="0"/>
+              </a:ext>
+            </a:extLst>
+          </a:blip>
+          <a:stretch>
+            <a:fillRect/>
+          </a:stretch>
+        </p:blipFill>
+        <p:spPr>
+          <a:xfrm>
+            <a:off x="10840872" y="0"/>
+            <a:ext cx="1351128" cy="1351128"/>
+          </a:xfrm>
+          <a:prstGeom prst="rect">
+            <a:avLst/>
+          </a:prstGeom>
+        </p:spPr>
+      </p:pic>
+    </p:spTree>
+    <p:extLst>
+      <p:ext uri="{BB962C8B-B14F-4D97-AF65-F5344CB8AC3E}">
+        <p14:creationId xmlns:p14="http://schemas.microsoft.com/office/powerpoint/2010/main" val="2723383035"/>
+      </p:ext>
+    </p:extLst>
+  </p:cSld>
+  <p:clrMapOvr>
+    <a:masterClrMapping/>
+  </p:clrMapOvr>
+</p:sld>
+</file>
+
+<file path=ppt/slides/slide33.xml><?xml version="1.0" encoding="utf-8"?>
+<p:sld xmlns:a="http://schemas.openxmlformats.org/drawingml/2006/main" xmlns:r="http://schemas.openxmlformats.org/officeDocument/2006/relationships" xmlns:p="http://schemas.openxmlformats.org/presentationml/2006/main" show="0">
+  <p:cSld>
+    <p:spTree>
+      <p:nvGrpSpPr>
+        <p:cNvPr id="1" name=""/>
+        <p:cNvGrpSpPr/>
+        <p:nvPr/>
+      </p:nvGrpSpPr>
+      <p:grpSpPr>
+        <a:xfrm>
+          <a:off x="0" y="0"/>
+          <a:ext cx="0" cy="0"/>
+          <a:chOff x="0" y="0"/>
+          <a:chExt cx="0" cy="0"/>
+        </a:xfrm>
+      </p:grpSpPr>
+      <p:sp>
+        <p:nvSpPr>
+          <p:cNvPr id="2" name="タイトル 1">
+            <a:extLst>
+              <a:ext uri="{FF2B5EF4-FFF2-40B4-BE49-F238E27FC236}">
+                <a16:creationId xmlns:a16="http://schemas.microsoft.com/office/drawing/2014/main" id="{9537C136-C7F9-413D-A821-4D7BF752D200}"/>
+              </a:ext>
+            </a:extLst>
+          </p:cNvPr>
+          <p:cNvSpPr>
+            <a:spLocks noGrp="1"/>
+          </p:cNvSpPr>
+          <p:nvPr>
+            <p:ph type="title"/>
+          </p:nvPr>
+        </p:nvSpPr>
+        <p:spPr/>
+        <p:txBody>
+          <a:bodyPr/>
+          <a:lstStyle/>
+          <a:p>
+            <a:r>
+              <a:rPr lang="en-US" altLang="ja-JP" dirty="0" err="1"/>
+              <a:t>XGBoost</a:t>
+            </a:r>
+            <a:r>
+              <a:rPr lang="ja-JP" altLang="en-US" dirty="0"/>
+              <a:t>　</a:t>
+            </a:r>
+            <a:r>
+              <a:rPr lang="en-US" altLang="ja-JP" u="sng" dirty="0">
+                <a:solidFill>
+                  <a:schemeClr val="accent1"/>
+                </a:solidFill>
+              </a:rPr>
+              <a:t>#</a:t>
+            </a:r>
+            <a:r>
+              <a:rPr lang="ja-JP" altLang="en-US" u="sng" dirty="0">
+                <a:solidFill>
+                  <a:schemeClr val="accent1"/>
+                </a:solidFill>
+              </a:rPr>
+              <a:t>とは</a:t>
+            </a:r>
+            <a:endParaRPr kumimoji="1" lang="ja-JP" altLang="en-US" dirty="0"/>
+          </a:p>
+        </p:txBody>
+      </p:sp>
+      <p:sp>
+        <p:nvSpPr>
+          <p:cNvPr id="3" name="コンテンツ プレースホルダー 2">
+            <a:extLst>
+              <a:ext uri="{FF2B5EF4-FFF2-40B4-BE49-F238E27FC236}">
+                <a16:creationId xmlns:a16="http://schemas.microsoft.com/office/drawing/2014/main" id="{2A51D2F8-1DAD-46DC-B800-89B342C3579B}"/>
+              </a:ext>
+            </a:extLst>
+          </p:cNvPr>
+          <p:cNvSpPr>
+            <a:spLocks noGrp="1"/>
+          </p:cNvSpPr>
+          <p:nvPr>
+            <p:ph idx="1"/>
+          </p:nvPr>
+        </p:nvSpPr>
+        <p:spPr/>
+        <p:txBody>
+          <a:bodyPr/>
+          <a:lstStyle/>
+          <a:p>
+            <a:r>
+              <a:rPr kumimoji="1" lang="ja-JP" altLang="en-US">
+                <a:solidFill>
+                  <a:srgbClr val="FF0000"/>
+                </a:solidFill>
+              </a:rPr>
+              <a:t>数式含めた説明</a:t>
+            </a:r>
+          </a:p>
+        </p:txBody>
+      </p:sp>
+    </p:spTree>
+    <p:extLst>
+      <p:ext uri="{BB962C8B-B14F-4D97-AF65-F5344CB8AC3E}">
+        <p14:creationId xmlns:p14="http://schemas.microsoft.com/office/powerpoint/2010/main" val="816231524"/>
       </p:ext>
     </p:extLst>
   </p:cSld>
@@ -8481,7 +9370,7 @@
           <p:cNvPr id="2" name="タイトル 1">
             <a:extLst>
               <a:ext uri="{FF2B5EF4-FFF2-40B4-BE49-F238E27FC236}">
-                <a16:creationId xmlns:a16="http://schemas.microsoft.com/office/drawing/2014/main" id="{C9BB1703-B0D9-456E-9BA6-8E1E1DCB990A}"/>
+                <a16:creationId xmlns:a16="http://schemas.microsoft.com/office/drawing/2014/main" id="{72DD46EE-8E36-43EB-9EA0-69F501CF3ADD}"/>
               </a:ext>
             </a:extLst>
           </p:cNvPr>
@@ -8497,174 +9386,187 @@
           <a:bodyPr/>
           <a:lstStyle/>
           <a:p>
+            <a:r>
+              <a:rPr kumimoji="1" lang="ja-JP" altLang="en-US" dirty="0"/>
+              <a:t>今日伝わったら嬉しいこと</a:t>
+            </a:r>
+          </a:p>
+        </p:txBody>
+      </p:sp>
+      <p:sp>
+        <p:nvSpPr>
+          <p:cNvPr id="3" name="コンテンツ プレースホルダー 2">
+            <a:extLst>
+              <a:ext uri="{FF2B5EF4-FFF2-40B4-BE49-F238E27FC236}">
+                <a16:creationId xmlns:a16="http://schemas.microsoft.com/office/drawing/2014/main" id="{6DA1E416-4905-4B87-AFC6-F64D22136F9D}"/>
+              </a:ext>
+            </a:extLst>
+          </p:cNvPr>
+          <p:cNvSpPr>
+            <a:spLocks noGrp="1"/>
+          </p:cNvSpPr>
+          <p:nvPr>
+            <p:ph idx="1"/>
+          </p:nvPr>
+        </p:nvSpPr>
+        <p:spPr/>
+        <p:txBody>
+          <a:bodyPr/>
+          <a:lstStyle/>
+          <a:p>
+            <a:r>
+              <a:rPr kumimoji="1" lang="ja-JP" altLang="en-US" dirty="0"/>
+              <a:t>みんなも</a:t>
+            </a:r>
             <a:r>
               <a:rPr kumimoji="1" lang="en-US" altLang="ja-JP" dirty="0"/>
               <a:t>Kaggle</a:t>
             </a:r>
             <a:r>
               <a:rPr kumimoji="1" lang="ja-JP" altLang="en-US" dirty="0"/>
-              <a:t> </a:t>
-            </a:r>
-            <a:r>
-              <a:rPr kumimoji="1" lang="en-US" altLang="ja-JP" u="sng" dirty="0">
-                <a:solidFill>
-                  <a:schemeClr val="accent1"/>
-                </a:solidFill>
-              </a:rPr>
-              <a:t>#</a:t>
-            </a:r>
-            <a:r>
-              <a:rPr kumimoji="1" lang="ja-JP" altLang="en-US" u="sng" dirty="0">
-                <a:solidFill>
-                  <a:schemeClr val="accent1"/>
-                </a:solidFill>
-              </a:rPr>
-              <a:t>とは</a:t>
-            </a:r>
-          </a:p>
-        </p:txBody>
-      </p:sp>
-      <p:sp>
-        <p:nvSpPr>
-          <p:cNvPr id="3" name="コンテンツ プレースホルダー 2">
-            <a:extLst>
-              <a:ext uri="{FF2B5EF4-FFF2-40B4-BE49-F238E27FC236}">
-                <a16:creationId xmlns:a16="http://schemas.microsoft.com/office/drawing/2014/main" id="{EFBB82B4-23BA-4CB1-AEC1-A3C41CF45CCB}"/>
-              </a:ext>
-            </a:extLst>
-          </p:cNvPr>
-          <p:cNvSpPr>
-            <a:spLocks noGrp="1"/>
-          </p:cNvSpPr>
-          <p:nvPr>
-            <p:ph idx="1"/>
-          </p:nvPr>
-        </p:nvSpPr>
-        <p:spPr/>
-        <p:txBody>
-          <a:bodyPr/>
-          <a:lstStyle/>
-          <a:p>
+              <a:t>に</a:t>
+            </a:r>
+            <a:r>
+              <a:rPr kumimoji="1" lang="en-US" altLang="ja-JP" dirty="0"/>
+              <a:t>R</a:t>
+            </a:r>
             <a:r>
               <a:rPr kumimoji="1" lang="ja-JP" altLang="en-US" dirty="0"/>
-              <a:t>「データサイエンスのコンペティション」のコミュニティ</a:t>
+              <a:t>で参加しよう←これ</a:t>
+            </a:r>
+            <a:r>
+              <a:rPr kumimoji="1" lang="en-US" altLang="ja-JP" dirty="0"/>
+              <a:t>9</a:t>
+            </a:r>
+            <a:r>
+              <a:rPr kumimoji="1" lang="ja-JP" altLang="en-US" dirty="0"/>
+              <a:t>割</a:t>
+            </a:r>
+            <a:endParaRPr lang="en-US" altLang="ja-JP" dirty="0"/>
+          </a:p>
+          <a:p>
+            <a:endParaRPr lang="en-US" altLang="ja-JP" dirty="0"/>
+          </a:p>
+          <a:p>
+            <a:r>
+              <a:rPr lang="ja-JP" altLang="en-US" dirty="0"/>
+              <a:t>機械学習</a:t>
+            </a:r>
+            <a:r>
+              <a:rPr lang="en-US" altLang="ja-JP" dirty="0"/>
+              <a:t>&gt;</a:t>
+            </a:r>
+            <a:r>
+              <a:rPr lang="ja-JP" altLang="en-US" dirty="0"/>
+              <a:t>予測</a:t>
+            </a:r>
+            <a:r>
+              <a:rPr lang="en-US" altLang="ja-JP" dirty="0"/>
+              <a:t>&gt;</a:t>
+            </a:r>
+            <a:r>
+              <a:rPr lang="ja-JP" altLang="en-US" dirty="0"/>
+              <a:t>アンサンブル学習</a:t>
+            </a:r>
+            <a:r>
+              <a:rPr lang="en-US" altLang="ja-JP" dirty="0"/>
+              <a:t>&gt;</a:t>
+            </a:r>
+            <a:r>
+              <a:rPr lang="en-US" altLang="ja-JP" dirty="0" err="1"/>
+              <a:t>XGBoost</a:t>
+            </a:r>
+            <a:endParaRPr lang="en-US" altLang="ja-JP" dirty="0"/>
+          </a:p>
+          <a:p>
+            <a:endParaRPr lang="ja-JP" altLang="en-US" dirty="0"/>
+          </a:p>
+          <a:p>
+            <a:r>
+              <a:rPr lang="en-US" altLang="ja-JP" dirty="0" err="1"/>
+              <a:t>xgboost</a:t>
+            </a:r>
+            <a:r>
+              <a:rPr lang="ja-JP" altLang="en-US" dirty="0"/>
+              <a:t>パッケージはあるものの</a:t>
+            </a:r>
+            <a:r>
+              <a:rPr lang="en-US" altLang="ja-JP" dirty="0"/>
+              <a:t>……</a:t>
+            </a:r>
+          </a:p>
+          <a:p>
+            <a:pPr lvl="1"/>
+            <a:r>
+              <a:rPr lang="ja-JP" altLang="en-US" dirty="0"/>
+              <a:t>多変量解析畑から上がってきた僕「</a:t>
+            </a:r>
+            <a:r>
+              <a:rPr lang="en-US" altLang="ja-JP" dirty="0"/>
+              <a:t>formula</a:t>
+            </a:r>
+            <a:r>
+              <a:rPr lang="ja-JP" altLang="en-US" dirty="0"/>
+              <a:t>形式じゃないと</a:t>
+            </a:r>
+            <a:r>
+              <a:rPr lang="ja-JP" altLang="en-US" dirty="0" err="1"/>
+              <a:t>やだ</a:t>
+            </a:r>
+            <a:r>
+              <a:rPr lang="ja-JP" altLang="en-US" dirty="0"/>
+              <a:t>」</a:t>
+            </a:r>
+            <a:endParaRPr lang="en-US" altLang="ja-JP" dirty="0"/>
+          </a:p>
+          <a:p>
+            <a:pPr lvl="1"/>
+            <a:r>
+              <a:rPr kumimoji="1" lang="en-US" altLang="ja-JP" dirty="0"/>
+              <a:t>???</a:t>
+            </a:r>
+            <a:r>
+              <a:rPr kumimoji="1" lang="ja-JP" altLang="en-US" dirty="0"/>
+              <a:t>「</a:t>
+            </a:r>
+            <a:r>
+              <a:rPr kumimoji="1" lang="en-US" altLang="ja-JP" dirty="0"/>
+              <a:t>caret</a:t>
+            </a:r>
+            <a:r>
+              <a:rPr lang="ja-JP" altLang="en-US" dirty="0"/>
+              <a:t>パッケージを使え</a:t>
+            </a:r>
+            <a:r>
+              <a:rPr lang="en-US" altLang="ja-JP" dirty="0"/>
+              <a:t>……</a:t>
+            </a:r>
+            <a:r>
+              <a:rPr kumimoji="1" lang="ja-JP" altLang="en-US" dirty="0"/>
+              <a:t>」</a:t>
             </a:r>
             <a:endParaRPr kumimoji="1" lang="en-US" altLang="ja-JP" dirty="0"/>
           </a:p>
           <a:p>
             <a:pPr lvl="1"/>
-            <a:r>
-              <a:rPr lang="ja-JP" altLang="en-US" dirty="0"/>
-              <a:t>企業・法人がデータを提供</a:t>
-            </a:r>
             <a:endParaRPr lang="en-US" altLang="ja-JP" dirty="0"/>
           </a:p>
           <a:p>
-            <a:pPr lvl="1"/>
-            <a:r>
-              <a:rPr lang="ja-JP" altLang="en-US" dirty="0"/>
-              <a:t>「精度の高い予測」や「いい感じの分類」などが課題となり，腕に自信のあるデータ野郎がこぞって競う</a:t>
-            </a:r>
-            <a:endParaRPr lang="en-US" altLang="ja-JP" dirty="0"/>
-          </a:p>
-          <a:p>
-            <a:pPr lvl="2"/>
-            <a:r>
-              <a:rPr lang="ja-JP" altLang="en-US" dirty="0"/>
-              <a:t>自信がなくても手を出せ</a:t>
-            </a:r>
-            <a:endParaRPr lang="en-US" altLang="ja-JP" dirty="0"/>
-          </a:p>
-          <a:p>
-            <a:endParaRPr lang="en-US" altLang="ja-JP" dirty="0"/>
-          </a:p>
-          <a:p>
-            <a:r>
-              <a:rPr lang="ja-JP" altLang="en-US" dirty="0"/>
-              <a:t>大体は</a:t>
-            </a:r>
-            <a:r>
-              <a:rPr lang="en-US" altLang="ja-JP" dirty="0"/>
-              <a:t>train.csv</a:t>
-            </a:r>
-            <a:r>
-              <a:rPr lang="ja-JP" altLang="en-US" dirty="0"/>
-              <a:t>を使って学習し</a:t>
-            </a:r>
-            <a:r>
-              <a:rPr lang="en-US" altLang="ja-JP" dirty="0"/>
-              <a:t>test.csv</a:t>
-            </a:r>
-            <a:r>
-              <a:rPr lang="ja-JP" altLang="en-US" dirty="0"/>
-              <a:t>で予測する形式</a:t>
-            </a:r>
-            <a:endParaRPr lang="en-US" altLang="ja-JP" dirty="0"/>
-          </a:p>
-          <a:p>
-            <a:pPr lvl="1"/>
-            <a:r>
-              <a:rPr lang="en-US" altLang="ja-JP" dirty="0"/>
-              <a:t>.csv</a:t>
-            </a:r>
-            <a:r>
-              <a:rPr lang="ja-JP" altLang="en-US" dirty="0"/>
-              <a:t>が</a:t>
-            </a:r>
-            <a:r>
-              <a:rPr lang="en-US" altLang="ja-JP" dirty="0"/>
-              <a:t>.json</a:t>
-            </a:r>
-            <a:r>
-              <a:rPr lang="ja-JP" altLang="en-US" dirty="0" err="1"/>
-              <a:t>だっ</a:t>
-            </a:r>
-            <a:r>
-              <a:rPr lang="ja-JP" altLang="en-US" dirty="0"/>
-              <a:t>たり</a:t>
-            </a:r>
-            <a:r>
-              <a:rPr lang="en-US" altLang="ja-JP" dirty="0"/>
-              <a:t>.</a:t>
-            </a:r>
-            <a:r>
-              <a:rPr lang="en-US" altLang="ja-JP" dirty="0" err="1"/>
-              <a:t>tsv</a:t>
-            </a:r>
-            <a:r>
-              <a:rPr lang="ja-JP" altLang="en-US" dirty="0" err="1"/>
-              <a:t>だっ</a:t>
-            </a:r>
-            <a:r>
-              <a:rPr lang="ja-JP" altLang="en-US" dirty="0"/>
-              <a:t>たりすることもある</a:t>
-            </a:r>
-            <a:endParaRPr lang="en-US" altLang="ja-JP" dirty="0"/>
-          </a:p>
-          <a:p>
-            <a:endParaRPr kumimoji="1" lang="en-US" altLang="ja-JP" dirty="0"/>
-          </a:p>
-          <a:p>
-            <a:endParaRPr lang="en-US" altLang="ja-JP" dirty="0"/>
-          </a:p>
-          <a:p>
-            <a:endParaRPr kumimoji="1" lang="en-US" altLang="ja-JP" dirty="0"/>
-          </a:p>
-          <a:p>
-            <a:endParaRPr lang="en-US" altLang="ja-JP" dirty="0"/>
-          </a:p>
-          <a:p>
-            <a:endParaRPr kumimoji="1" lang="en-US" altLang="ja-JP" dirty="0"/>
-          </a:p>
-          <a:p>
-            <a:endParaRPr kumimoji="1" lang="ja-JP" altLang="en-US" dirty="0"/>
+            <a:r>
+              <a:rPr kumimoji="1" lang="en-US" altLang="ja-JP" dirty="0"/>
+              <a:t>caret</a:t>
+            </a:r>
+            <a:r>
+              <a:rPr kumimoji="1" lang="ja-JP" altLang="en-US" dirty="0"/>
+              <a:t>パッケージで機械学習を実装してみた</a:t>
+            </a:r>
           </a:p>
         </p:txBody>
       </p:sp>
     </p:spTree>
     <p:extLst>
       <p:ext uri="{BB962C8B-B14F-4D97-AF65-F5344CB8AC3E}">
-        <p14:creationId xmlns:p14="http://schemas.microsoft.com/office/powerpoint/2010/main" val="2783997976"/>
+        <p14:creationId xmlns:p14="http://schemas.microsoft.com/office/powerpoint/2010/main" val="1849414829"/>
       </p:ext>
     </p:extLst>
   </p:cSld>
@@ -8696,6 +9598,378 @@
           <p:cNvPr id="2" name="タイトル 1">
             <a:extLst>
               <a:ext uri="{FF2B5EF4-FFF2-40B4-BE49-F238E27FC236}">
+                <a16:creationId xmlns:a16="http://schemas.microsoft.com/office/drawing/2014/main" id="{D3E9E90E-36D9-4D79-8025-B7FD111F4EA4}"/>
+              </a:ext>
+            </a:extLst>
+          </p:cNvPr>
+          <p:cNvSpPr>
+            <a:spLocks noGrp="1"/>
+          </p:cNvSpPr>
+          <p:nvPr>
+            <p:ph type="title"/>
+          </p:nvPr>
+        </p:nvSpPr>
+        <p:spPr/>
+        <p:txBody>
+          <a:bodyPr/>
+          <a:lstStyle/>
+          <a:p>
+            <a:r>
+              <a:rPr kumimoji="1" lang="ja-JP" altLang="en-US" dirty="0"/>
+              <a:t>前処理</a:t>
+            </a:r>
+          </a:p>
+        </p:txBody>
+      </p:sp>
+      <p:sp>
+        <p:nvSpPr>
+          <p:cNvPr id="3" name="コンテンツ プレースホルダー 2">
+            <a:extLst>
+              <a:ext uri="{FF2B5EF4-FFF2-40B4-BE49-F238E27FC236}">
+                <a16:creationId xmlns:a16="http://schemas.microsoft.com/office/drawing/2014/main" id="{44712C7C-6434-429F-9254-A0E0F470449F}"/>
+              </a:ext>
+            </a:extLst>
+          </p:cNvPr>
+          <p:cNvSpPr>
+            <a:spLocks noGrp="1"/>
+          </p:cNvSpPr>
+          <p:nvPr>
+            <p:ph idx="1"/>
+          </p:nvPr>
+        </p:nvSpPr>
+        <p:spPr/>
+        <p:txBody>
+          <a:bodyPr/>
+          <a:lstStyle/>
+          <a:p>
+            <a:r>
+              <a:rPr kumimoji="1" lang="ja-JP" altLang="en-US" dirty="0"/>
+              <a:t>機械学習の理論について詳しくは語りません</a:t>
+            </a:r>
+            <a:endParaRPr kumimoji="1" lang="en-US" altLang="ja-JP" dirty="0"/>
+          </a:p>
+          <a:p>
+            <a:pPr lvl="1"/>
+            <a:r>
+              <a:rPr lang="ja-JP" altLang="en-US" dirty="0"/>
+              <a:t>語れません</a:t>
+            </a:r>
+            <a:endParaRPr lang="en-US" altLang="ja-JP" dirty="0"/>
+          </a:p>
+          <a:p>
+            <a:pPr lvl="1"/>
+            <a:r>
+              <a:rPr lang="ja-JP" altLang="en-US" dirty="0"/>
+              <a:t>訓練データで「学習」→テストデータで「予測」のフレーム</a:t>
+            </a:r>
+            <a:endParaRPr kumimoji="1" lang="en-US" altLang="ja-JP" dirty="0"/>
+          </a:p>
+          <a:p>
+            <a:endParaRPr kumimoji="1" lang="en-US" altLang="ja-JP" dirty="0"/>
+          </a:p>
+          <a:p>
+            <a:r>
+              <a:rPr kumimoji="1" lang="ja-JP" altLang="en-US" dirty="0"/>
+              <a:t>前処理についても多くは語りません</a:t>
+            </a:r>
+            <a:endParaRPr kumimoji="1" lang="en-US" altLang="ja-JP" dirty="0"/>
+          </a:p>
+          <a:p>
+            <a:pPr lvl="1"/>
+            <a:r>
+              <a:rPr lang="ja-JP" altLang="en-US" dirty="0"/>
+              <a:t>いつかセッションを担当するときに</a:t>
+            </a:r>
+            <a:endParaRPr kumimoji="1" lang="en-US" altLang="ja-JP" dirty="0"/>
+          </a:p>
+        </p:txBody>
+      </p:sp>
+    </p:spTree>
+    <p:extLst>
+      <p:ext uri="{BB962C8B-B14F-4D97-AF65-F5344CB8AC3E}">
+        <p14:creationId xmlns:p14="http://schemas.microsoft.com/office/powerpoint/2010/main" val="3611952455"/>
+      </p:ext>
+    </p:extLst>
+  </p:cSld>
+  <p:clrMapOvr>
+    <a:masterClrMapping/>
+  </p:clrMapOvr>
+</p:sld>
+</file>
+
+<file path=ppt/slides/slide6.xml><?xml version="1.0" encoding="utf-8"?>
+<p:sld xmlns:a="http://schemas.openxmlformats.org/drawingml/2006/main" xmlns:r="http://schemas.openxmlformats.org/officeDocument/2006/relationships" xmlns:p="http://schemas.openxmlformats.org/presentationml/2006/main">
+  <p:cSld>
+    <p:spTree>
+      <p:nvGrpSpPr>
+        <p:cNvPr id="1" name=""/>
+        <p:cNvGrpSpPr/>
+        <p:nvPr/>
+      </p:nvGrpSpPr>
+      <p:grpSpPr>
+        <a:xfrm>
+          <a:off x="0" y="0"/>
+          <a:ext cx="0" cy="0"/>
+          <a:chOff x="0" y="0"/>
+          <a:chExt cx="0" cy="0"/>
+        </a:xfrm>
+      </p:grpSpPr>
+      <p:sp>
+        <p:nvSpPr>
+          <p:cNvPr id="2" name="タイトル 1">
+            <a:extLst>
+              <a:ext uri="{FF2B5EF4-FFF2-40B4-BE49-F238E27FC236}">
+                <a16:creationId xmlns:a16="http://schemas.microsoft.com/office/drawing/2014/main" id="{C9BB1703-B0D9-456E-9BA6-8E1E1DCB990A}"/>
+              </a:ext>
+            </a:extLst>
+          </p:cNvPr>
+          <p:cNvSpPr>
+            <a:spLocks noGrp="1"/>
+          </p:cNvSpPr>
+          <p:nvPr>
+            <p:ph type="title"/>
+          </p:nvPr>
+        </p:nvSpPr>
+        <p:spPr/>
+        <p:txBody>
+          <a:bodyPr/>
+          <a:lstStyle/>
+          <a:p>
+            <a:r>
+              <a:rPr kumimoji="1" lang="en-US" altLang="ja-JP" dirty="0"/>
+              <a:t>Kaggle</a:t>
+            </a:r>
+            <a:r>
+              <a:rPr kumimoji="1" lang="ja-JP" altLang="en-US" dirty="0"/>
+              <a:t> </a:t>
+            </a:r>
+            <a:r>
+              <a:rPr kumimoji="1" lang="en-US" altLang="ja-JP" u="sng" dirty="0">
+                <a:solidFill>
+                  <a:schemeClr val="accent1"/>
+                </a:solidFill>
+              </a:rPr>
+              <a:t>#</a:t>
+            </a:r>
+            <a:r>
+              <a:rPr kumimoji="1" lang="ja-JP" altLang="en-US" u="sng" dirty="0">
+                <a:solidFill>
+                  <a:schemeClr val="accent1"/>
+                </a:solidFill>
+              </a:rPr>
+              <a:t>とは</a:t>
+            </a:r>
+          </a:p>
+        </p:txBody>
+      </p:sp>
+      <p:sp>
+        <p:nvSpPr>
+          <p:cNvPr id="3" name="コンテンツ プレースホルダー 2">
+            <a:extLst>
+              <a:ext uri="{FF2B5EF4-FFF2-40B4-BE49-F238E27FC236}">
+                <a16:creationId xmlns:a16="http://schemas.microsoft.com/office/drawing/2014/main" id="{EFBB82B4-23BA-4CB1-AEC1-A3C41CF45CCB}"/>
+              </a:ext>
+            </a:extLst>
+          </p:cNvPr>
+          <p:cNvSpPr>
+            <a:spLocks noGrp="1"/>
+          </p:cNvSpPr>
+          <p:nvPr>
+            <p:ph idx="1"/>
+          </p:nvPr>
+        </p:nvSpPr>
+        <p:spPr/>
+        <p:txBody>
+          <a:bodyPr/>
+          <a:lstStyle/>
+          <a:p>
+            <a:r>
+              <a:rPr kumimoji="1" lang="ja-JP" altLang="en-US" dirty="0"/>
+              <a:t>「データサイエンスのコンペティション」のコミュニティ</a:t>
+            </a:r>
+            <a:endParaRPr kumimoji="1" lang="en-US" altLang="ja-JP" dirty="0"/>
+          </a:p>
+          <a:p>
+            <a:pPr lvl="1"/>
+            <a:r>
+              <a:rPr lang="ja-JP" altLang="en-US" dirty="0"/>
+              <a:t>企業・法人がデータを提供</a:t>
+            </a:r>
+            <a:endParaRPr lang="en-US" altLang="ja-JP" dirty="0"/>
+          </a:p>
+          <a:p>
+            <a:pPr lvl="1"/>
+            <a:r>
+              <a:rPr lang="ja-JP" altLang="en-US" dirty="0"/>
+              <a:t>「精度の高い予測」や「いい感じの分類」などが課題となり，腕に自信のあるデータ野郎がこぞって競う</a:t>
+            </a:r>
+            <a:endParaRPr lang="en-US" altLang="ja-JP" dirty="0"/>
+          </a:p>
+          <a:p>
+            <a:pPr lvl="2"/>
+            <a:r>
+              <a:rPr lang="ja-JP" altLang="en-US" dirty="0"/>
+              <a:t>自信がなくても手を出せる．そこにデータがあるから</a:t>
+            </a:r>
+            <a:endParaRPr lang="en-US" altLang="ja-JP" dirty="0"/>
+          </a:p>
+          <a:p>
+            <a:endParaRPr lang="en-US" altLang="ja-JP" dirty="0"/>
+          </a:p>
+          <a:p>
+            <a:r>
+              <a:rPr lang="ja-JP" altLang="en-US" dirty="0"/>
+              <a:t>大体は</a:t>
+            </a:r>
+            <a:r>
+              <a:rPr lang="en-US" altLang="ja-JP" dirty="0"/>
+              <a:t>train.csv</a:t>
+            </a:r>
+            <a:r>
+              <a:rPr lang="ja-JP" altLang="en-US" dirty="0"/>
+              <a:t>を使って学習し</a:t>
+            </a:r>
+            <a:r>
+              <a:rPr lang="en-US" altLang="ja-JP" dirty="0"/>
+              <a:t>test.csv</a:t>
+            </a:r>
+            <a:r>
+              <a:rPr lang="ja-JP" altLang="en-US" dirty="0"/>
+              <a:t>で予測する形式</a:t>
+            </a:r>
+            <a:endParaRPr lang="en-US" altLang="ja-JP" dirty="0"/>
+          </a:p>
+          <a:p>
+            <a:pPr lvl="1"/>
+            <a:r>
+              <a:rPr lang="en-US" altLang="ja-JP" dirty="0"/>
+              <a:t>.csv</a:t>
+            </a:r>
+            <a:r>
+              <a:rPr lang="ja-JP" altLang="en-US" dirty="0"/>
+              <a:t>が</a:t>
+            </a:r>
+            <a:r>
+              <a:rPr lang="en-US" altLang="ja-JP" dirty="0"/>
+              <a:t>.json</a:t>
+            </a:r>
+            <a:r>
+              <a:rPr lang="ja-JP" altLang="en-US" dirty="0" err="1"/>
+              <a:t>だっ</a:t>
+            </a:r>
+            <a:r>
+              <a:rPr lang="ja-JP" altLang="en-US" dirty="0"/>
+              <a:t>たり</a:t>
+            </a:r>
+            <a:r>
+              <a:rPr lang="en-US" altLang="ja-JP" dirty="0"/>
+              <a:t>.</a:t>
+            </a:r>
+            <a:r>
+              <a:rPr lang="en-US" altLang="ja-JP" dirty="0" err="1"/>
+              <a:t>tsv</a:t>
+            </a:r>
+            <a:r>
+              <a:rPr lang="ja-JP" altLang="en-US" dirty="0" err="1"/>
+              <a:t>だっ</a:t>
+            </a:r>
+            <a:r>
+              <a:rPr lang="ja-JP" altLang="en-US" dirty="0"/>
+              <a:t>たりすることもある</a:t>
+            </a:r>
+            <a:endParaRPr lang="en-US" altLang="ja-JP" dirty="0"/>
+          </a:p>
+          <a:p>
+            <a:endParaRPr kumimoji="1" lang="en-US" altLang="ja-JP" dirty="0"/>
+          </a:p>
+          <a:p>
+            <a:endParaRPr lang="en-US" altLang="ja-JP" dirty="0"/>
+          </a:p>
+          <a:p>
+            <a:endParaRPr kumimoji="1" lang="en-US" altLang="ja-JP" dirty="0"/>
+          </a:p>
+          <a:p>
+            <a:endParaRPr lang="en-US" altLang="ja-JP" dirty="0"/>
+          </a:p>
+          <a:p>
+            <a:endParaRPr kumimoji="1" lang="en-US" altLang="ja-JP" dirty="0"/>
+          </a:p>
+          <a:p>
+            <a:endParaRPr kumimoji="1" lang="ja-JP" altLang="en-US" dirty="0"/>
+          </a:p>
+        </p:txBody>
+      </p:sp>
+      <p:pic>
+        <p:nvPicPr>
+          <p:cNvPr id="5" name="図 4">
+            <a:extLst>
+              <a:ext uri="{FF2B5EF4-FFF2-40B4-BE49-F238E27FC236}">
+                <a16:creationId xmlns:a16="http://schemas.microsoft.com/office/drawing/2014/main" id="{8C76DB74-50BF-446C-BE06-47CCD66F220D}"/>
+              </a:ext>
+            </a:extLst>
+          </p:cNvPr>
+          <p:cNvPicPr>
+            <a:picLocks noChangeAspect="1"/>
+          </p:cNvPicPr>
+          <p:nvPr/>
+        </p:nvPicPr>
+        <p:blipFill>
+          <a:blip r:embed="rId2">
+            <a:extLst>
+              <a:ext uri="{28A0092B-C50C-407E-A947-70E740481C1C}">
+                <a14:useLocalDpi xmlns:a14="http://schemas.microsoft.com/office/drawing/2010/main" val="0"/>
+              </a:ext>
+            </a:extLst>
+          </a:blip>
+          <a:stretch>
+            <a:fillRect/>
+          </a:stretch>
+        </p:blipFill>
+        <p:spPr>
+          <a:xfrm>
+            <a:off x="9067800" y="365125"/>
+            <a:ext cx="2286000" cy="819150"/>
+          </a:xfrm>
+          <a:prstGeom prst="rect">
+            <a:avLst/>
+          </a:prstGeom>
+        </p:spPr>
+      </p:pic>
+    </p:spTree>
+    <p:extLst>
+      <p:ext uri="{BB962C8B-B14F-4D97-AF65-F5344CB8AC3E}">
+        <p14:creationId xmlns:p14="http://schemas.microsoft.com/office/powerpoint/2010/main" val="2783997976"/>
+      </p:ext>
+    </p:extLst>
+  </p:cSld>
+  <p:clrMapOvr>
+    <a:masterClrMapping/>
+  </p:clrMapOvr>
+</p:sld>
+</file>
+
+<file path=ppt/slides/slide7.xml><?xml version="1.0" encoding="utf-8"?>
+<p:sld xmlns:a="http://schemas.openxmlformats.org/drawingml/2006/main" xmlns:r="http://schemas.openxmlformats.org/officeDocument/2006/relationships" xmlns:p="http://schemas.openxmlformats.org/presentationml/2006/main">
+  <p:cSld>
+    <p:spTree>
+      <p:nvGrpSpPr>
+        <p:cNvPr id="1" name=""/>
+        <p:cNvGrpSpPr/>
+        <p:nvPr/>
+      </p:nvGrpSpPr>
+      <p:grpSpPr>
+        <a:xfrm>
+          <a:off x="0" y="0"/>
+          <a:ext cx="0" cy="0"/>
+          <a:chOff x="0" y="0"/>
+          <a:chExt cx="0" cy="0"/>
+        </a:xfrm>
+      </p:grpSpPr>
+      <p:sp>
+        <p:nvSpPr>
+          <p:cNvPr id="2" name="タイトル 1">
+            <a:extLst>
+              <a:ext uri="{FF2B5EF4-FFF2-40B4-BE49-F238E27FC236}">
                 <a16:creationId xmlns:a16="http://schemas.microsoft.com/office/drawing/2014/main" id="{86C6A104-7D3B-4003-8D3E-53D9850AC49F}"/>
               </a:ext>
             </a:extLst>
@@ -8832,6 +10106,42 @@
           </a:p>
         </p:txBody>
       </p:sp>
+      <p:pic>
+        <p:nvPicPr>
+          <p:cNvPr id="4" name="図 3">
+            <a:extLst>
+              <a:ext uri="{FF2B5EF4-FFF2-40B4-BE49-F238E27FC236}">
+                <a16:creationId xmlns:a16="http://schemas.microsoft.com/office/drawing/2014/main" id="{821D4FDA-7BAF-4734-96BE-0AA387B150D0}"/>
+              </a:ext>
+            </a:extLst>
+          </p:cNvPr>
+          <p:cNvPicPr>
+            <a:picLocks noChangeAspect="1"/>
+          </p:cNvPicPr>
+          <p:nvPr/>
+        </p:nvPicPr>
+        <p:blipFill>
+          <a:blip r:embed="rId2">
+            <a:extLst>
+              <a:ext uri="{28A0092B-C50C-407E-A947-70E740481C1C}">
+                <a14:useLocalDpi xmlns:a14="http://schemas.microsoft.com/office/drawing/2010/main" val="0"/>
+              </a:ext>
+            </a:extLst>
+          </a:blip>
+          <a:stretch>
+            <a:fillRect/>
+          </a:stretch>
+        </p:blipFill>
+        <p:spPr>
+          <a:xfrm>
+            <a:off x="9067800" y="392421"/>
+            <a:ext cx="2286000" cy="819150"/>
+          </a:xfrm>
+          <a:prstGeom prst="rect">
+            <a:avLst/>
+          </a:prstGeom>
+        </p:spPr>
+      </p:pic>
     </p:spTree>
     <p:extLst>
       <p:ext uri="{BB962C8B-B14F-4D97-AF65-F5344CB8AC3E}">
@@ -8845,7 +10155,7 @@
 </p:sld>
 </file>
 
-<file path=ppt/slides/slide6.xml><?xml version="1.0" encoding="utf-8"?>
+<file path=ppt/slides/slide8.xml><?xml version="1.0" encoding="utf-8"?>
 <p:sld xmlns:a="http://schemas.openxmlformats.org/drawingml/2006/main" xmlns:r="http://schemas.openxmlformats.org/officeDocument/2006/relationships" xmlns:p="http://schemas.openxmlformats.org/presentationml/2006/main">
   <p:cSld>
     <p:spTree>
@@ -9067,42 +10377,12 @@
           </a:p>
         </p:txBody>
       </p:sp>
-    </p:spTree>
-    <p:extLst>
-      <p:ext uri="{BB962C8B-B14F-4D97-AF65-F5344CB8AC3E}">
-        <p14:creationId xmlns:p14="http://schemas.microsoft.com/office/powerpoint/2010/main" val="1945125682"/>
-      </p:ext>
-    </p:extLst>
-  </p:cSld>
-  <p:clrMapOvr>
-    <a:masterClrMapping/>
-  </p:clrMapOvr>
-</p:sld>
-</file>
-
-<file path=ppt/slides/slide7.xml><?xml version="1.0" encoding="utf-8"?>
-<p:sld xmlns:a="http://schemas.openxmlformats.org/drawingml/2006/main" xmlns:r="http://schemas.openxmlformats.org/officeDocument/2006/relationships" xmlns:p="http://schemas.openxmlformats.org/presentationml/2006/main">
-  <p:cSld>
-    <p:spTree>
-      <p:nvGrpSpPr>
-        <p:cNvPr id="1" name=""/>
-        <p:cNvGrpSpPr/>
-        <p:nvPr/>
-      </p:nvGrpSpPr>
-      <p:grpSpPr>
-        <a:xfrm>
-          <a:off x="0" y="0"/>
-          <a:ext cx="0" cy="0"/>
-          <a:chOff x="0" y="0"/>
-          <a:chExt cx="0" cy="0"/>
-        </a:xfrm>
-      </p:grpSpPr>
       <p:pic>
         <p:nvPicPr>
-          <p:cNvPr id="6" name="図 5">
-            <a:extLst>
-              <a:ext uri="{FF2B5EF4-FFF2-40B4-BE49-F238E27FC236}">
-                <a16:creationId xmlns:a16="http://schemas.microsoft.com/office/drawing/2014/main" id="{E3D7A6AB-9B35-4496-BEAF-2F4DE034E884}"/>
+          <p:cNvPr id="7" name="図 6">
+            <a:extLst>
+              <a:ext uri="{FF2B5EF4-FFF2-40B4-BE49-F238E27FC236}">
+                <a16:creationId xmlns:a16="http://schemas.microsoft.com/office/drawing/2014/main" id="{7D335F9C-0D4F-4442-86C6-DF5003145071}"/>
               </a:ext>
             </a:extLst>
           </p:cNvPr>
@@ -9112,7 +10392,7 @@
           <p:nvPr/>
         </p:nvPicPr>
         <p:blipFill>
-          <a:blip r:embed="rId2">
+          <a:blip r:embed="rId4">
             <a:extLst>
               <a:ext uri="{28A0092B-C50C-407E-A947-70E740481C1C}">
                 <a14:useLocalDpi xmlns:a14="http://schemas.microsoft.com/office/drawing/2010/main" val="0"/>
@@ -9125,334 +10405,18 @@
         </p:blipFill>
         <p:spPr>
           <a:xfrm>
-            <a:off x="6339384" y="3060368"/>
-            <a:ext cx="1092146" cy="955628"/>
+            <a:off x="9067800" y="365125"/>
+            <a:ext cx="2286000" cy="819150"/>
           </a:xfrm>
           <a:prstGeom prst="rect">
             <a:avLst/>
           </a:prstGeom>
         </p:spPr>
       </p:pic>
-      <p:sp>
-        <p:nvSpPr>
-          <p:cNvPr id="2" name="タイトル 1">
-            <a:extLst>
-              <a:ext uri="{FF2B5EF4-FFF2-40B4-BE49-F238E27FC236}">
-                <a16:creationId xmlns:a16="http://schemas.microsoft.com/office/drawing/2014/main" id="{FAEA5366-5B87-44BB-B290-505038D616E2}"/>
-              </a:ext>
-            </a:extLst>
-          </p:cNvPr>
-          <p:cNvSpPr>
-            <a:spLocks noGrp="1"/>
-          </p:cNvSpPr>
-          <p:nvPr>
-            <p:ph type="title"/>
-          </p:nvPr>
-        </p:nvSpPr>
-        <p:spPr/>
-        <p:txBody>
-          <a:bodyPr/>
-          <a:lstStyle/>
-          <a:p>
-            <a:r>
-              <a:rPr kumimoji="1" lang="ja-JP" altLang="en-US" dirty="0"/>
-              <a:t>伝えたいこと①</a:t>
-            </a:r>
-          </a:p>
-        </p:txBody>
-      </p:sp>
-      <p:sp>
-        <p:nvSpPr>
-          <p:cNvPr id="3" name="コンテンツ プレースホルダー 2">
-            <a:extLst>
-              <a:ext uri="{FF2B5EF4-FFF2-40B4-BE49-F238E27FC236}">
-                <a16:creationId xmlns:a16="http://schemas.microsoft.com/office/drawing/2014/main" id="{6D317725-F234-4FB9-A428-613D4C3D5065}"/>
-              </a:ext>
-            </a:extLst>
-          </p:cNvPr>
-          <p:cNvSpPr>
-            <a:spLocks noGrp="1"/>
-          </p:cNvSpPr>
-          <p:nvPr>
-            <p:ph idx="1"/>
-          </p:nvPr>
-        </p:nvSpPr>
-        <p:spPr>
-          <a:xfrm>
-            <a:off x="838200" y="3429000"/>
-            <a:ext cx="10515600" cy="849336"/>
-          </a:xfrm>
-        </p:spPr>
-        <p:txBody>
-          <a:bodyPr>
-            <a:normAutofit/>
-          </a:bodyPr>
-          <a:lstStyle/>
-          <a:p>
-            <a:pPr marL="0" indent="0" algn="ctr">
-              <a:buNone/>
-            </a:pPr>
-            <a:r>
-              <a:rPr kumimoji="1" lang="ja-JP" altLang="en-US" sz="4800" dirty="0"/>
-              <a:t>みんなも</a:t>
-            </a:r>
-            <a:r>
-              <a:rPr kumimoji="1" lang="en-US" altLang="ja-JP" sz="4800" dirty="0"/>
-              <a:t>Kaggle</a:t>
-            </a:r>
-            <a:r>
-              <a:rPr kumimoji="1" lang="ja-JP" altLang="en-US" sz="4800" dirty="0"/>
-              <a:t>　になろう</a:t>
-            </a:r>
-          </a:p>
-        </p:txBody>
-      </p:sp>
     </p:spTree>
     <p:extLst>
       <p:ext uri="{BB962C8B-B14F-4D97-AF65-F5344CB8AC3E}">
-        <p14:creationId xmlns:p14="http://schemas.microsoft.com/office/powerpoint/2010/main" val="4107256323"/>
-      </p:ext>
-    </p:extLst>
-  </p:cSld>
-  <p:clrMapOvr>
-    <a:masterClrMapping/>
-  </p:clrMapOvr>
-</p:sld>
-</file>
-
-<file path=ppt/slides/slide8.xml><?xml version="1.0" encoding="utf-8"?>
-<p:sld xmlns:a="http://schemas.openxmlformats.org/drawingml/2006/main" xmlns:r="http://schemas.openxmlformats.org/officeDocument/2006/relationships" xmlns:p="http://schemas.openxmlformats.org/presentationml/2006/main">
-  <p:cSld>
-    <p:spTree>
-      <p:nvGrpSpPr>
-        <p:cNvPr id="1" name=""/>
-        <p:cNvGrpSpPr/>
-        <p:nvPr/>
-      </p:nvGrpSpPr>
-      <p:grpSpPr>
-        <a:xfrm>
-          <a:off x="0" y="0"/>
-          <a:ext cx="0" cy="0"/>
-          <a:chOff x="0" y="0"/>
-          <a:chExt cx="0" cy="0"/>
-        </a:xfrm>
-      </p:grpSpPr>
-      <p:sp>
-        <p:nvSpPr>
-          <p:cNvPr id="2" name="タイトル 1">
-            <a:extLst>
-              <a:ext uri="{FF2B5EF4-FFF2-40B4-BE49-F238E27FC236}">
-                <a16:creationId xmlns:a16="http://schemas.microsoft.com/office/drawing/2014/main" id="{B942817F-E73A-4FCA-B05B-5E4595DF0722}"/>
-              </a:ext>
-            </a:extLst>
-          </p:cNvPr>
-          <p:cNvSpPr>
-            <a:spLocks noGrp="1"/>
-          </p:cNvSpPr>
-          <p:nvPr>
-            <p:ph type="title"/>
-          </p:nvPr>
-        </p:nvSpPr>
-        <p:spPr/>
-        <p:txBody>
-          <a:bodyPr/>
-          <a:lstStyle/>
-          <a:p>
-            <a:r>
-              <a:rPr kumimoji="1" lang="en-US" altLang="ja-JP" dirty="0"/>
-              <a:t>Santander</a:t>
-            </a:r>
-            <a:r>
-              <a:rPr kumimoji="1" lang="ja-JP" altLang="en-US" dirty="0"/>
-              <a:t> </a:t>
-            </a:r>
-            <a:r>
-              <a:rPr kumimoji="1" lang="en-US" altLang="ja-JP" u="sng" dirty="0">
-                <a:solidFill>
-                  <a:schemeClr val="accent1"/>
-                </a:solidFill>
-              </a:rPr>
-              <a:t>#</a:t>
-            </a:r>
-            <a:r>
-              <a:rPr kumimoji="1" lang="ja-JP" altLang="en-US" u="sng" dirty="0">
-                <a:solidFill>
-                  <a:schemeClr val="accent1"/>
-                </a:solidFill>
-              </a:rPr>
-              <a:t>とは</a:t>
-            </a:r>
-          </a:p>
-        </p:txBody>
-      </p:sp>
-      <p:sp>
-        <p:nvSpPr>
-          <p:cNvPr id="3" name="コンテンツ プレースホルダー 2">
-            <a:extLst>
-              <a:ext uri="{FF2B5EF4-FFF2-40B4-BE49-F238E27FC236}">
-                <a16:creationId xmlns:a16="http://schemas.microsoft.com/office/drawing/2014/main" id="{0F44ADD1-307A-4171-B41D-8C51FF129C26}"/>
-              </a:ext>
-            </a:extLst>
-          </p:cNvPr>
-          <p:cNvSpPr>
-            <a:spLocks noGrp="1"/>
-          </p:cNvSpPr>
-          <p:nvPr>
-            <p:ph idx="1"/>
-          </p:nvPr>
-        </p:nvSpPr>
-        <p:spPr/>
-        <p:txBody>
-          <a:bodyPr>
-            <a:normAutofit/>
-          </a:bodyPr>
-          <a:lstStyle/>
-          <a:p>
-            <a:r>
-              <a:rPr kumimoji="1" lang="ja-JP" altLang="en-US" dirty="0"/>
-              <a:t>匿名化された提供データを使って「ターゲットスコア」を予測する</a:t>
-            </a:r>
-            <a:endParaRPr kumimoji="1" lang="en-US" altLang="ja-JP" dirty="0"/>
-          </a:p>
-          <a:p>
-            <a:pPr lvl="1"/>
-            <a:r>
-              <a:rPr kumimoji="1" lang="ja-JP" altLang="en-US" dirty="0"/>
-              <a:t>回帰分析</a:t>
-            </a:r>
-            <a:endParaRPr kumimoji="1" lang="en-US" altLang="ja-JP" dirty="0"/>
-          </a:p>
-          <a:p>
-            <a:pPr lvl="1"/>
-            <a:r>
-              <a:rPr kumimoji="1" lang="ja-JP" altLang="en-US" dirty="0"/>
-              <a:t>画像認識や複数のデータマージなどのないシンプルな課題</a:t>
-            </a:r>
-            <a:endParaRPr kumimoji="1" lang="en-US" altLang="ja-JP" dirty="0"/>
-          </a:p>
-          <a:p>
-            <a:pPr lvl="1"/>
-            <a:r>
-              <a:rPr lang="ja-JP" altLang="en-US" dirty="0"/>
-              <a:t>ポンコツ</a:t>
-            </a:r>
-            <a:r>
-              <a:rPr lang="en-US" altLang="ja-JP" dirty="0"/>
-              <a:t>PC</a:t>
-            </a:r>
-            <a:r>
-              <a:rPr lang="ja-JP" altLang="en-US" dirty="0"/>
-              <a:t>でも</a:t>
-            </a:r>
-            <a:r>
-              <a:rPr lang="en-US" altLang="ja-JP" dirty="0"/>
-              <a:t>(</a:t>
-            </a:r>
-            <a:r>
-              <a:rPr lang="ja-JP" altLang="en-US" dirty="0"/>
-              <a:t>ギリ</a:t>
-            </a:r>
-            <a:r>
-              <a:rPr lang="en-US" altLang="ja-JP" dirty="0"/>
-              <a:t>)</a:t>
-            </a:r>
-            <a:r>
-              <a:rPr lang="ja-JP" altLang="en-US" dirty="0"/>
-              <a:t>やっていける</a:t>
-            </a:r>
-            <a:endParaRPr kumimoji="1" lang="en-US" altLang="ja-JP" dirty="0"/>
-          </a:p>
-          <a:p>
-            <a:pPr lvl="2"/>
-            <a:r>
-              <a:rPr lang="ja-JP" altLang="en-US" dirty="0"/>
-              <a:t>別コンペの</a:t>
-            </a:r>
-            <a:r>
-              <a:rPr lang="en-US" altLang="ja-JP" dirty="0"/>
-              <a:t>Home Credit</a:t>
-            </a:r>
-            <a:r>
-              <a:rPr lang="ja-JP" altLang="en-US" dirty="0" err="1"/>
-              <a:t>はメ</a:t>
-            </a:r>
-            <a:r>
-              <a:rPr lang="ja-JP" altLang="en-US" dirty="0"/>
-              <a:t>モリが足りなくて断念しました</a:t>
-            </a:r>
-            <a:endParaRPr lang="en-US" altLang="ja-JP" dirty="0"/>
-          </a:p>
-          <a:p>
-            <a:pPr lvl="2"/>
-            <a:r>
-              <a:rPr lang="ja-JP" altLang="en-US" dirty="0"/>
-              <a:t>そんなときは</a:t>
-            </a:r>
-            <a:r>
-              <a:rPr lang="en-US" altLang="ja-JP" dirty="0"/>
-              <a:t>AWS</a:t>
-            </a:r>
-            <a:r>
-              <a:rPr lang="ja-JP" altLang="en-US" dirty="0"/>
-              <a:t>とか</a:t>
-            </a:r>
-            <a:r>
-              <a:rPr lang="en-US" altLang="ja-JP" dirty="0"/>
-              <a:t>GCP</a:t>
-            </a:r>
-            <a:r>
-              <a:rPr lang="ja-JP" altLang="en-US" dirty="0"/>
-              <a:t>とか使おう，勉強した上で．</a:t>
-            </a:r>
-            <a:endParaRPr lang="en-US" altLang="ja-JP" dirty="0"/>
-          </a:p>
-          <a:p>
-            <a:pPr lvl="2"/>
-            <a:endParaRPr lang="en-US" altLang="ja-JP" dirty="0"/>
-          </a:p>
-          <a:p>
-            <a:r>
-              <a:rPr kumimoji="1" lang="en-US" altLang="ja-JP" dirty="0"/>
-              <a:t>4000×4000</a:t>
-            </a:r>
-            <a:r>
-              <a:rPr kumimoji="1" lang="ja-JP" altLang="en-US" dirty="0"/>
-              <a:t>の規模のスパースなデータ構造</a:t>
-            </a:r>
-            <a:endParaRPr kumimoji="1" lang="en-US" altLang="ja-JP" dirty="0"/>
-          </a:p>
-          <a:p>
-            <a:pPr lvl="1"/>
-            <a:r>
-              <a:rPr lang="ja-JP" altLang="en-US" dirty="0"/>
-              <a:t>スパース</a:t>
-            </a:r>
-            <a:r>
-              <a:rPr lang="en-US" altLang="ja-JP" dirty="0"/>
-              <a:t>:</a:t>
-            </a:r>
-            <a:r>
-              <a:rPr lang="ja-JP" altLang="en-US" dirty="0"/>
-              <a:t> データの値がほとんど</a:t>
-            </a:r>
-            <a:r>
-              <a:rPr lang="en-US" altLang="ja-JP" dirty="0"/>
-              <a:t>0</a:t>
-            </a:r>
-          </a:p>
-          <a:p>
-            <a:pPr lvl="1"/>
-            <a:r>
-              <a:rPr kumimoji="1" lang="ja-JP" altLang="en-US" dirty="0"/>
-              <a:t>「意味のある」データを見つけ出す必要がある</a:t>
-            </a:r>
-          </a:p>
-        </p:txBody>
-      </p:sp>
-    </p:spTree>
-    <p:extLst>
-      <p:ext uri="{BB962C8B-B14F-4D97-AF65-F5344CB8AC3E}">
-        <p14:creationId xmlns:p14="http://schemas.microsoft.com/office/powerpoint/2010/main" val="3991080685"/>
+        <p14:creationId xmlns:p14="http://schemas.microsoft.com/office/powerpoint/2010/main" val="1945125682"/>
       </p:ext>
     </p:extLst>
   </p:cSld>
@@ -9479,106 +10443,12 @@
           <a:chExt cx="0" cy="0"/>
         </a:xfrm>
       </p:grpSpPr>
-      <p:sp>
-        <p:nvSpPr>
-          <p:cNvPr id="2" name="タイトル 1">
-            <a:extLst>
-              <a:ext uri="{FF2B5EF4-FFF2-40B4-BE49-F238E27FC236}">
-                <a16:creationId xmlns:a16="http://schemas.microsoft.com/office/drawing/2014/main" id="{90B749DB-F9AD-4C68-9297-F707F6B90637}"/>
-              </a:ext>
-            </a:extLst>
-          </p:cNvPr>
-          <p:cNvSpPr>
-            <a:spLocks noGrp="1"/>
-          </p:cNvSpPr>
-          <p:nvPr>
-            <p:ph type="title"/>
-          </p:nvPr>
-        </p:nvSpPr>
-        <p:spPr/>
-        <p:txBody>
-          <a:bodyPr/>
-          <a:lstStyle/>
-          <a:p>
-            <a:r>
-              <a:rPr lang="en-US" altLang="ja-JP" dirty="0"/>
-              <a:t>Santander</a:t>
-            </a:r>
-            <a:r>
-              <a:rPr lang="ja-JP" altLang="en-US" dirty="0"/>
-              <a:t> </a:t>
-            </a:r>
-            <a:r>
-              <a:rPr lang="en-US" altLang="ja-JP" u="sng" dirty="0">
-                <a:solidFill>
-                  <a:schemeClr val="accent1"/>
-                </a:solidFill>
-              </a:rPr>
-              <a:t>#</a:t>
-            </a:r>
-            <a:r>
-              <a:rPr lang="ja-JP" altLang="en-US" u="sng" dirty="0">
-                <a:solidFill>
-                  <a:schemeClr val="accent1"/>
-                </a:solidFill>
-              </a:rPr>
-              <a:t>とは</a:t>
-            </a:r>
-            <a:endParaRPr kumimoji="1" lang="ja-JP" altLang="en-US" dirty="0"/>
-          </a:p>
-        </p:txBody>
-      </p:sp>
-      <p:sp>
-        <p:nvSpPr>
-          <p:cNvPr id="3" name="コンテンツ プレースホルダー 2">
-            <a:extLst>
-              <a:ext uri="{FF2B5EF4-FFF2-40B4-BE49-F238E27FC236}">
-                <a16:creationId xmlns:a16="http://schemas.microsoft.com/office/drawing/2014/main" id="{DD13A690-D736-4950-82A8-26D551BACBA3}"/>
-              </a:ext>
-            </a:extLst>
-          </p:cNvPr>
-          <p:cNvSpPr>
-            <a:spLocks noGrp="1"/>
-          </p:cNvSpPr>
-          <p:nvPr>
-            <p:ph idx="1"/>
-          </p:nvPr>
-        </p:nvSpPr>
-        <p:spPr>
-          <a:xfrm>
-            <a:off x="838201" y="1825625"/>
-            <a:ext cx="4429836" cy="1054053"/>
-          </a:xfrm>
-        </p:spPr>
-        <p:txBody>
-          <a:bodyPr/>
-          <a:lstStyle/>
-          <a:p>
-            <a:r>
-              <a:rPr kumimoji="1" lang="ja-JP" altLang="en-US" dirty="0"/>
-              <a:t>本当にスパースなのか？</a:t>
-            </a:r>
-            <a:endParaRPr kumimoji="1" lang="en-US" altLang="ja-JP" dirty="0"/>
-          </a:p>
-          <a:p>
-            <a:pPr lvl="1"/>
-            <a:r>
-              <a:rPr kumimoji="1" lang="en-US" altLang="ja-JP" dirty="0"/>
-              <a:t>0</a:t>
-            </a:r>
-            <a:r>
-              <a:rPr kumimoji="1" lang="ja-JP" altLang="en-US" dirty="0"/>
-              <a:t>が多そう</a:t>
-            </a:r>
-          </a:p>
-        </p:txBody>
-      </p:sp>
       <p:pic>
         <p:nvPicPr>
-          <p:cNvPr id="4" name="図 3">
-            <a:extLst>
-              <a:ext uri="{FF2B5EF4-FFF2-40B4-BE49-F238E27FC236}">
-                <a16:creationId xmlns:a16="http://schemas.microsoft.com/office/drawing/2014/main" id="{21E7B457-0B3B-4A88-A234-A5DFABBE4504}"/>
+          <p:cNvPr id="6" name="図 5">
+            <a:extLst>
+              <a:ext uri="{FF2B5EF4-FFF2-40B4-BE49-F238E27FC236}">
+                <a16:creationId xmlns:a16="http://schemas.microsoft.com/office/drawing/2014/main" id="{E3D7A6AB-9B35-4496-BEAF-2F4DE034E884}"/>
               </a:ext>
             </a:extLst>
           </p:cNvPr>
@@ -9601,20 +10471,94 @@
         </p:blipFill>
         <p:spPr>
           <a:xfrm>
-            <a:off x="750379" y="2879676"/>
-            <a:ext cx="3768852" cy="2385572"/>
+            <a:off x="6339384" y="3060368"/>
+            <a:ext cx="1092146" cy="955628"/>
           </a:xfrm>
           <a:prstGeom prst="rect">
             <a:avLst/>
           </a:prstGeom>
         </p:spPr>
       </p:pic>
+      <p:sp>
+        <p:nvSpPr>
+          <p:cNvPr id="2" name="タイトル 1">
+            <a:extLst>
+              <a:ext uri="{FF2B5EF4-FFF2-40B4-BE49-F238E27FC236}">
+                <a16:creationId xmlns:a16="http://schemas.microsoft.com/office/drawing/2014/main" id="{FAEA5366-5B87-44BB-B290-505038D616E2}"/>
+              </a:ext>
+            </a:extLst>
+          </p:cNvPr>
+          <p:cNvSpPr>
+            <a:spLocks noGrp="1"/>
+          </p:cNvSpPr>
+          <p:nvPr>
+            <p:ph type="title"/>
+          </p:nvPr>
+        </p:nvSpPr>
+        <p:spPr/>
+        <p:txBody>
+          <a:bodyPr/>
+          <a:lstStyle/>
+          <a:p>
+            <a:r>
+              <a:rPr kumimoji="1" lang="ja-JP" altLang="en-US" dirty="0"/>
+              <a:t>伝えたいこと①</a:t>
+            </a:r>
+          </a:p>
+        </p:txBody>
+      </p:sp>
+      <p:sp>
+        <p:nvSpPr>
+          <p:cNvPr id="3" name="コンテンツ プレースホルダー 2">
+            <a:extLst>
+              <a:ext uri="{FF2B5EF4-FFF2-40B4-BE49-F238E27FC236}">
+                <a16:creationId xmlns:a16="http://schemas.microsoft.com/office/drawing/2014/main" id="{6D317725-F234-4FB9-A428-613D4C3D5065}"/>
+              </a:ext>
+            </a:extLst>
+          </p:cNvPr>
+          <p:cNvSpPr>
+            <a:spLocks noGrp="1"/>
+          </p:cNvSpPr>
+          <p:nvPr>
+            <p:ph idx="1"/>
+          </p:nvPr>
+        </p:nvSpPr>
+        <p:spPr>
+          <a:xfrm>
+            <a:off x="838200" y="3429000"/>
+            <a:ext cx="10515600" cy="849336"/>
+          </a:xfrm>
+        </p:spPr>
+        <p:txBody>
+          <a:bodyPr>
+            <a:normAutofit/>
+          </a:bodyPr>
+          <a:lstStyle/>
+          <a:p>
+            <a:pPr marL="0" indent="0" algn="ctr">
+              <a:buNone/>
+            </a:pPr>
+            <a:r>
+              <a:rPr kumimoji="1" lang="ja-JP" altLang="en-US" sz="4800" dirty="0"/>
+              <a:t>みんなも</a:t>
+            </a:r>
+            <a:r>
+              <a:rPr kumimoji="1" lang="en-US" altLang="ja-JP" sz="4800" dirty="0"/>
+              <a:t>Kaggle</a:t>
+            </a:r>
+            <a:r>
+              <a:rPr kumimoji="1" lang="ja-JP" altLang="en-US" sz="4800" dirty="0"/>
+              <a:t>　になろう</a:t>
+            </a:r>
+          </a:p>
+        </p:txBody>
+      </p:sp>
       <p:pic>
         <p:nvPicPr>
-          <p:cNvPr id="6" name="図 5">
-            <a:extLst>
-              <a:ext uri="{FF2B5EF4-FFF2-40B4-BE49-F238E27FC236}">
-                <a16:creationId xmlns:a16="http://schemas.microsoft.com/office/drawing/2014/main" id="{86715F06-E464-4C19-A147-9824CD3A869D}"/>
+          <p:cNvPr id="5" name="図 4">
+            <a:extLst>
+              <a:ext uri="{FF2B5EF4-FFF2-40B4-BE49-F238E27FC236}">
+                <a16:creationId xmlns:a16="http://schemas.microsoft.com/office/drawing/2014/main" id="{20A05BE6-2907-438A-979F-6380922C549E}"/>
               </a:ext>
             </a:extLst>
           </p:cNvPr>
@@ -9637,189 +10581,18 @@
         </p:blipFill>
         <p:spPr>
           <a:xfrm>
-            <a:off x="4603538" y="2875882"/>
-            <a:ext cx="3768851" cy="2385571"/>
+            <a:off x="9067800" y="365125"/>
+            <a:ext cx="2286000" cy="819150"/>
           </a:xfrm>
           <a:prstGeom prst="rect">
             <a:avLst/>
           </a:prstGeom>
         </p:spPr>
       </p:pic>
-      <p:pic>
-        <p:nvPicPr>
-          <p:cNvPr id="8" name="図 7">
-            <a:extLst>
-              <a:ext uri="{FF2B5EF4-FFF2-40B4-BE49-F238E27FC236}">
-                <a16:creationId xmlns:a16="http://schemas.microsoft.com/office/drawing/2014/main" id="{A407D86B-4730-4AB4-A8ED-60939DA1880A}"/>
-              </a:ext>
-            </a:extLst>
-          </p:cNvPr>
-          <p:cNvPicPr>
-            <a:picLocks noChangeAspect="1"/>
-          </p:cNvPicPr>
-          <p:nvPr/>
-        </p:nvPicPr>
-        <p:blipFill>
-          <a:blip r:embed="rId4">
-            <a:extLst>
-              <a:ext uri="{28A0092B-C50C-407E-A947-70E740481C1C}">
-                <a14:useLocalDpi xmlns:a14="http://schemas.microsoft.com/office/drawing/2010/main" val="0"/>
-              </a:ext>
-            </a:extLst>
-          </a:blip>
-          <a:stretch>
-            <a:fillRect/>
-          </a:stretch>
-        </p:blipFill>
-        <p:spPr>
-          <a:xfrm>
-            <a:off x="8423148" y="2875882"/>
-            <a:ext cx="3768851" cy="2385571"/>
-          </a:xfrm>
-          <a:prstGeom prst="rect">
-            <a:avLst/>
-          </a:prstGeom>
-        </p:spPr>
-      </p:pic>
-      <p:sp>
-        <p:nvSpPr>
-          <p:cNvPr id="9" name="テキスト ボックス 8">
-            <a:extLst>
-              <a:ext uri="{FF2B5EF4-FFF2-40B4-BE49-F238E27FC236}">
-                <a16:creationId xmlns:a16="http://schemas.microsoft.com/office/drawing/2014/main" id="{CB269DCA-2655-480E-9E6C-BB12EF2871C3}"/>
-              </a:ext>
-            </a:extLst>
-          </p:cNvPr>
-          <p:cNvSpPr txBox="1"/>
-          <p:nvPr/>
-        </p:nvSpPr>
-        <p:spPr>
-          <a:xfrm>
-            <a:off x="1822379" y="5265250"/>
-            <a:ext cx="1800493" cy="369332"/>
-          </a:xfrm>
-          <a:prstGeom prst="rect">
-            <a:avLst/>
-          </a:prstGeom>
-          <a:noFill/>
-        </p:spPr>
-        <p:txBody>
-          <a:bodyPr wrap="none" rtlCol="0">
-            <a:spAutoFit/>
-          </a:bodyPr>
-          <a:lstStyle/>
-          <a:p>
-            <a:r>
-              <a:rPr kumimoji="1" lang="ja-JP" altLang="en-US" dirty="0"/>
-              <a:t>今回の目的変数</a:t>
-            </a:r>
-          </a:p>
-        </p:txBody>
-      </p:sp>
-      <p:sp>
-        <p:nvSpPr>
-          <p:cNvPr id="10" name="テキスト ボックス 9">
-            <a:extLst>
-              <a:ext uri="{FF2B5EF4-FFF2-40B4-BE49-F238E27FC236}">
-                <a16:creationId xmlns:a16="http://schemas.microsoft.com/office/drawing/2014/main" id="{17D336D4-B5B5-4E92-8BFC-F716CAA3AA65}"/>
-              </a:ext>
-            </a:extLst>
-          </p:cNvPr>
-          <p:cNvSpPr txBox="1"/>
-          <p:nvPr/>
-        </p:nvSpPr>
-        <p:spPr>
-          <a:xfrm>
-            <a:off x="7668883" y="5265250"/>
-            <a:ext cx="2672526" cy="369332"/>
-          </a:xfrm>
-          <a:prstGeom prst="rect">
-            <a:avLst/>
-          </a:prstGeom>
-          <a:noFill/>
-        </p:spPr>
-        <p:txBody>
-          <a:bodyPr wrap="none" rtlCol="0">
-            <a:spAutoFit/>
-          </a:bodyPr>
-          <a:lstStyle/>
-          <a:p>
-            <a:r>
-              <a:rPr kumimoji="1" lang="ja-JP" altLang="en-US" dirty="0"/>
-              <a:t>今回の説明変数</a:t>
-            </a:r>
-            <a:r>
-              <a:rPr kumimoji="1" lang="en-US" altLang="ja-JP" dirty="0"/>
-              <a:t>(</a:t>
-            </a:r>
-            <a:r>
-              <a:rPr kumimoji="1" lang="ja-JP" altLang="en-US" dirty="0"/>
-              <a:t>の一部</a:t>
-            </a:r>
-            <a:r>
-              <a:rPr kumimoji="1" lang="en-US" altLang="ja-JP" dirty="0"/>
-              <a:t>)</a:t>
-            </a:r>
-            <a:endParaRPr kumimoji="1" lang="ja-JP" altLang="en-US" dirty="0"/>
-          </a:p>
-        </p:txBody>
-      </p:sp>
-      <p:sp>
-        <p:nvSpPr>
-          <p:cNvPr id="11" name="正方形/長方形 10">
-            <a:extLst>
-              <a:ext uri="{FF2B5EF4-FFF2-40B4-BE49-F238E27FC236}">
-                <a16:creationId xmlns:a16="http://schemas.microsoft.com/office/drawing/2014/main" id="{F2F2BB01-A2FB-4B17-A33C-B5DD4C74EB49}"/>
-              </a:ext>
-            </a:extLst>
-          </p:cNvPr>
-          <p:cNvSpPr/>
-          <p:nvPr/>
-        </p:nvSpPr>
-        <p:spPr>
-          <a:xfrm>
-            <a:off x="4657810" y="2879678"/>
-            <a:ext cx="7534189" cy="2385570"/>
-          </a:xfrm>
-          <a:prstGeom prst="rect">
-            <a:avLst/>
-          </a:prstGeom>
-          <a:noFill/>
-          <a:ln>
-            <a:solidFill>
-              <a:srgbClr val="FF0000"/>
-            </a:solidFill>
-          </a:ln>
-        </p:spPr>
-        <p:style>
-          <a:lnRef idx="2">
-            <a:schemeClr val="accent1">
-              <a:shade val="50000"/>
-            </a:schemeClr>
-          </a:lnRef>
-          <a:fillRef idx="1">
-            <a:schemeClr val="accent1"/>
-          </a:fillRef>
-          <a:effectRef idx="0">
-            <a:schemeClr val="accent1"/>
-          </a:effectRef>
-          <a:fontRef idx="minor">
-            <a:schemeClr val="lt1"/>
-          </a:fontRef>
-        </p:style>
-        <p:txBody>
-          <a:bodyPr rtlCol="0" anchor="ctr"/>
-          <a:lstStyle/>
-          <a:p>
-            <a:pPr algn="ctr"/>
-            <a:endParaRPr kumimoji="1" lang="ja-JP" altLang="en-US"/>
-          </a:p>
-        </p:txBody>
-      </p:sp>
     </p:spTree>
     <p:extLst>
       <p:ext uri="{BB962C8B-B14F-4D97-AF65-F5344CB8AC3E}">
-        <p14:creationId xmlns:p14="http://schemas.microsoft.com/office/powerpoint/2010/main" val="976237417"/>
+        <p14:creationId xmlns:p14="http://schemas.microsoft.com/office/powerpoint/2010/main" val="4107256323"/>
       </p:ext>
     </p:extLst>
   </p:cSld>

--- a/Santander/output/caretパッケージを使ったXGBoostのformula型.pptx
+++ b/Santander/output/caretパッケージを使ったXGBoostのformula型.pptx
@@ -6224,9 +6224,25 @@
             <a:off x="4603845" y="1122363"/>
             <a:ext cx="2984310" cy="2984310"/>
           </a:xfrm>
-          <a:prstGeom prst="rect">
+          <a:prstGeom prst="ellipse">
             <a:avLst/>
           </a:prstGeom>
+          <a:ln w="63500" cap="rnd">
+            <a:noFill/>
+          </a:ln>
+          <a:effectLst/>
+          <a:scene3d>
+            <a:camera prst="orthographicFront"/>
+            <a:lightRig rig="contrasting" dir="t">
+              <a:rot lat="0" lon="0" rev="3000000"/>
+            </a:lightRig>
+          </a:scene3d>
+          <a:sp3d contourW="7620">
+            <a:bevelT w="95250" h="31750"/>
+            <a:contourClr>
+              <a:srgbClr val="333333"/>
+            </a:contourClr>
+          </a:sp3d>
         </p:spPr>
       </p:pic>
       <p:sp>
@@ -8682,7 +8698,12 @@
             <p:ph idx="1"/>
           </p:nvPr>
         </p:nvSpPr>
-        <p:spPr/>
+        <p:spPr>
+          <a:xfrm>
+            <a:off x="838200" y="1825624"/>
+            <a:ext cx="10515600" cy="4965771"/>
+          </a:xfrm>
+        </p:spPr>
         <p:txBody>
           <a:bodyPr>
             <a:normAutofit/>
@@ -8698,6 +8719,18 @@
               <a:t>. Y. Knot(</a:t>
             </a:r>
             <a:r>
+              <a:rPr kumimoji="1" lang="en-US" altLang="ja-JP" dirty="0" err="1"/>
+              <a:t>TwitterName</a:t>
+            </a:r>
+            <a:r>
+              <a:rPr kumimoji="1" lang="en-US" altLang="ja-JP" dirty="0"/>
+              <a:t>:</a:t>
+            </a:r>
+            <a:r>
+              <a:rPr kumimoji="1" lang="ja-JP" altLang="en-US" dirty="0"/>
+              <a:t> </a:t>
+            </a:r>
+            <a:r>
               <a:rPr kumimoji="1" lang="ja-JP" altLang="en-US" dirty="0" err="1"/>
               <a:t>きぬ</a:t>
             </a:r>
@@ -8790,22 +8823,55 @@
             <a:endParaRPr lang="en-US" altLang="ja-JP" dirty="0"/>
           </a:p>
           <a:p>
+            <a:pPr lvl="1"/>
+            <a:r>
+              <a:rPr lang="en-US" altLang="ja-JP" b="1" dirty="0"/>
+              <a:t>R</a:t>
+            </a:r>
+            <a:r>
+              <a:rPr lang="ja-JP" altLang="en-US" b="1" dirty="0"/>
+              <a:t>言語と同い年</a:t>
+            </a:r>
+            <a:endParaRPr lang="en-US" altLang="ja-JP" b="1" dirty="0"/>
+          </a:p>
+          <a:p>
+            <a:pPr lvl="1"/>
             <a:endParaRPr lang="en-US" altLang="ja-JP" dirty="0"/>
           </a:p>
           <a:p>
             <a:r>
               <a:rPr lang="ja-JP" altLang="en-US" dirty="0"/>
-              <a:t>調査会社のアナリスト</a:t>
-            </a:r>
-            <a:endParaRPr lang="en-US" altLang="ja-JP" dirty="0"/>
+              <a:t>調査会社の</a:t>
+            </a:r>
+            <a:r>
+              <a:rPr lang="ja-JP" altLang="en-US" b="1" u="sng" dirty="0">
+                <a:latin typeface="HG創英角ﾎﾟｯﾌﾟ体" panose="040B0A09000000000000" pitchFamily="49" charset="-128"/>
+                <a:ea typeface="HG創英角ﾎﾟｯﾌﾟ体" panose="040B0A09000000000000" pitchFamily="49" charset="-128"/>
+              </a:rPr>
+              <a:t>★データアナリスト★</a:t>
+            </a:r>
+            <a:endParaRPr lang="en-US" altLang="ja-JP" b="1" u="sng" dirty="0">
+              <a:latin typeface="HG創英角ﾎﾟｯﾌﾟ体" panose="040B0A09000000000000" pitchFamily="49" charset="-128"/>
+              <a:ea typeface="HG創英角ﾎﾟｯﾌﾟ体" panose="040B0A09000000000000" pitchFamily="49" charset="-128"/>
+            </a:endParaRPr>
           </a:p>
           <a:p>
             <a:pPr lvl="1"/>
             <a:r>
               <a:rPr lang="ja-JP" altLang="en-US" dirty="0"/>
-              <a:t>大体エクセル職人</a:t>
-            </a:r>
-            <a:endParaRPr lang="en-US" altLang="ja-JP" dirty="0"/>
+              <a:t>実態は</a:t>
+            </a:r>
+            <a:r>
+              <a:rPr lang="ja-JP" altLang="en-US" dirty="0">
+                <a:latin typeface="HG創英角ﾎﾟｯﾌﾟ体" panose="040B0A09000000000000" pitchFamily="49" charset="-128"/>
+                <a:ea typeface="HG創英角ﾎﾟｯﾌﾟ体" panose="040B0A09000000000000" pitchFamily="49" charset="-128"/>
+              </a:rPr>
+              <a:t>★エクセル職人★</a:t>
+            </a:r>
+            <a:endParaRPr lang="en-US" altLang="ja-JP" dirty="0">
+              <a:latin typeface="HG創英角ﾎﾟｯﾌﾟ体" panose="040B0A09000000000000" pitchFamily="49" charset="-128"/>
+              <a:ea typeface="HG創英角ﾎﾟｯﾌﾟ体" panose="040B0A09000000000000" pitchFamily="49" charset="-128"/>
+            </a:endParaRPr>
           </a:p>
           <a:p>
             <a:pPr lvl="1"/>
@@ -8824,6 +8890,38 @@
             <a:r>
               <a:rPr kumimoji="1" lang="ja-JP" altLang="en-US" dirty="0"/>
               <a:t>を使って楽しいことがしたい人生だった</a:t>
+            </a:r>
+            <a:endParaRPr kumimoji="1" lang="en-US" altLang="ja-JP" dirty="0"/>
+          </a:p>
+          <a:p>
+            <a:pPr lvl="1"/>
+            <a:r>
+              <a:rPr kumimoji="1" lang="ja-JP" altLang="en-US" dirty="0"/>
+              <a:t>じゃあ </a:t>
+            </a:r>
+            <a:r>
+              <a:rPr kumimoji="1" lang="en-US" altLang="ja-JP" u="sng" dirty="0">
+                <a:solidFill>
+                  <a:schemeClr val="accent1"/>
+                </a:solidFill>
+              </a:rPr>
+              <a:t>#</a:t>
+            </a:r>
+            <a:r>
+              <a:rPr kumimoji="1" lang="en-US" altLang="ja-JP" u="sng" dirty="0" err="1">
+                <a:solidFill>
+                  <a:schemeClr val="accent1"/>
+                </a:solidFill>
+              </a:rPr>
+              <a:t>TokyoR</a:t>
+            </a:r>
+            <a:r>
+              <a:rPr kumimoji="1" lang="en-US" altLang="ja-JP" dirty="0"/>
+              <a:t> </a:t>
+            </a:r>
+            <a:r>
+              <a:rPr kumimoji="1" lang="ja-JP" altLang="en-US" dirty="0"/>
+              <a:t>活動できるじゃない！</a:t>
             </a:r>
           </a:p>
         </p:txBody>
@@ -8856,12 +8954,28 @@
         </p:blipFill>
         <p:spPr>
           <a:xfrm>
-            <a:off x="968991" y="0"/>
-            <a:ext cx="1825625" cy="1825625"/>
+            <a:off x="1282891" y="66604"/>
+            <a:ext cx="1624084" cy="1624084"/>
           </a:xfrm>
-          <a:prstGeom prst="rect">
+          <a:prstGeom prst="ellipse">
             <a:avLst/>
           </a:prstGeom>
+          <a:ln w="63500" cap="rnd">
+            <a:noFill/>
+          </a:ln>
+          <a:effectLst/>
+          <a:scene3d>
+            <a:camera prst="orthographicFront"/>
+            <a:lightRig rig="contrasting" dir="t">
+              <a:rot lat="0" lon="0" rev="3000000"/>
+            </a:lightRig>
+          </a:scene3d>
+          <a:sp3d contourW="7620">
+            <a:bevelT w="95250" h="31750"/>
+            <a:contourClr>
+              <a:srgbClr val="333333"/>
+            </a:contourClr>
+          </a:sp3d>
         </p:spPr>
       </p:pic>
     </p:spTree>
@@ -10188,7 +10302,12 @@
             <p:ph type="title"/>
           </p:nvPr>
         </p:nvSpPr>
-        <p:spPr/>
+        <p:spPr>
+          <a:xfrm>
+            <a:off x="851848" y="365125"/>
+            <a:ext cx="10515600" cy="1325563"/>
+          </a:xfrm>
+        </p:spPr>
         <p:txBody>
           <a:bodyPr/>
           <a:lstStyle/>
@@ -10218,7 +10337,7 @@
         </p:nvSpPr>
         <p:spPr>
           <a:xfrm>
-            <a:off x="838200" y="1825625"/>
+            <a:off x="838200" y="1253052"/>
             <a:ext cx="10515600" cy="849336"/>
           </a:xfrm>
         </p:spPr>
@@ -10281,7 +10400,7 @@
         </p:blipFill>
         <p:spPr>
           <a:xfrm>
-            <a:off x="1059927" y="2224584"/>
+            <a:off x="964393" y="1719693"/>
             <a:ext cx="10072146" cy="5094351"/>
           </a:xfrm>
           <a:prstGeom prst="rect">
@@ -10317,8 +10436,8 @@
         </p:blipFill>
         <p:spPr>
           <a:xfrm>
-            <a:off x="2943216" y="3139939"/>
-            <a:ext cx="3934810" cy="3632132"/>
+            <a:off x="2806739" y="2850506"/>
+            <a:ext cx="4331040" cy="3997883"/>
           </a:xfrm>
           <a:prstGeom prst="rect">
             <a:avLst/>
@@ -10339,8 +10458,8 @@
         </p:nvSpPr>
         <p:spPr>
           <a:xfrm>
-            <a:off x="8907591" y="3330054"/>
-            <a:ext cx="259307" cy="3527946"/>
+            <a:off x="8720919" y="2860117"/>
+            <a:ext cx="445979" cy="3997883"/>
           </a:xfrm>
           <a:prstGeom prst="rect">
             <a:avLst/>

--- a/Santander/output/caretパッケージを使ったXGBoostのformula型.pptx
+++ b/Santander/output/caretパッケージを使ったXGBoostのformula型.pptx
@@ -3665,7 +3665,7 @@
         <p:spPr/>
         <p:txBody>
           <a:bodyPr>
-            <a:normAutofit/>
+            <a:normAutofit fontScale="90000"/>
           </a:bodyPr>
           <a:lstStyle/>
           <a:p>
@@ -3675,7 +3675,7 @@
             </a:r>
             <a:r>
               <a:rPr kumimoji="1" lang="ja-JP" altLang="en-US" dirty="0"/>
-              <a:t>パッケージを使った</a:t>
+              <a:t>パッケージを使って</a:t>
             </a:r>
             <a:r>
               <a:rPr kumimoji="1" lang="en-US" altLang="ja-JP" dirty="0" err="1"/>
@@ -3683,15 +3683,22 @@
             </a:r>
             <a:r>
               <a:rPr kumimoji="1" lang="ja-JP" altLang="en-US" dirty="0"/>
-              <a:t>の</a:t>
-            </a:r>
-            <a:r>
+              <a:t>を</a:t>
+            </a:r>
+            <a:r>
+              <a:rPr kumimoji="1" lang="en-US" altLang="ja-JP" dirty="0" err="1"/>
+              <a:t>kaggle</a:t>
+            </a:r>
+            <a:r>
+              <a:rPr kumimoji="1" lang="ja-JP" altLang="en-US" dirty="0"/>
+              <a:t>コンペで</a:t>
+            </a:r>
+            <a:br>
               <a:rPr kumimoji="1" lang="en-US" altLang="ja-JP" dirty="0"/>
-              <a:t>formula</a:t>
-            </a:r>
+            </a:br>
             <a:r>
               <a:rPr kumimoji="1" lang="ja-JP" altLang="en-US" dirty="0"/>
-              <a:t>型実装</a:t>
+              <a:t>実装してみた</a:t>
             </a:r>
           </a:p>
         </p:txBody>
@@ -6060,92 +6067,6 @@
       </p:grpSpPr>
       <p:sp>
         <p:nvSpPr>
-          <p:cNvPr id="2" name="タイトル 1">
-            <a:extLst>
-              <a:ext uri="{FF2B5EF4-FFF2-40B4-BE49-F238E27FC236}">
-                <a16:creationId xmlns:a16="http://schemas.microsoft.com/office/drawing/2014/main" id="{A9131580-9D30-4F40-989B-AECE41CEDF28}"/>
-              </a:ext>
-            </a:extLst>
-          </p:cNvPr>
-          <p:cNvSpPr>
-            <a:spLocks noGrp="1"/>
-          </p:cNvSpPr>
-          <p:nvPr>
-            <p:ph type="ctrTitle"/>
-          </p:nvPr>
-        </p:nvSpPr>
-        <p:spPr/>
-        <p:txBody>
-          <a:bodyPr>
-            <a:normAutofit/>
-          </a:bodyPr>
-          <a:lstStyle/>
-          <a:p>
-            <a:r>
-              <a:rPr kumimoji="1" lang="en-US" altLang="ja-JP" dirty="0">
-                <a:solidFill>
-                  <a:schemeClr val="bg1">
-                    <a:lumMod val="85000"/>
-                  </a:schemeClr>
-                </a:solidFill>
-              </a:rPr>
-              <a:t>caret</a:t>
-            </a:r>
-            <a:r>
-              <a:rPr kumimoji="1" lang="ja-JP" altLang="en-US" dirty="0">
-                <a:solidFill>
-                  <a:schemeClr val="bg1">
-                    <a:lumMod val="85000"/>
-                  </a:schemeClr>
-                </a:solidFill>
-              </a:rPr>
-              <a:t>パッケージを使った</a:t>
-            </a:r>
-            <a:r>
-              <a:rPr kumimoji="1" lang="en-US" altLang="ja-JP" dirty="0" err="1">
-                <a:solidFill>
-                  <a:schemeClr val="bg1">
-                    <a:lumMod val="85000"/>
-                  </a:schemeClr>
-                </a:solidFill>
-              </a:rPr>
-              <a:t>XGBoost</a:t>
-            </a:r>
-            <a:r>
-              <a:rPr kumimoji="1" lang="ja-JP" altLang="en-US" dirty="0">
-                <a:solidFill>
-                  <a:schemeClr val="bg1">
-                    <a:lumMod val="85000"/>
-                  </a:schemeClr>
-                </a:solidFill>
-              </a:rPr>
-              <a:t>の</a:t>
-            </a:r>
-            <a:r>
-              <a:rPr kumimoji="1" lang="en-US" altLang="ja-JP" dirty="0">
-                <a:solidFill>
-                  <a:schemeClr val="bg1">
-                    <a:lumMod val="85000"/>
-                  </a:schemeClr>
-                </a:solidFill>
-              </a:rPr>
-              <a:t>formula</a:t>
-            </a:r>
-            <a:r>
-              <a:rPr kumimoji="1" lang="ja-JP" altLang="en-US" dirty="0">
-                <a:solidFill>
-                  <a:schemeClr val="bg1">
-                    <a:lumMod val="85000"/>
-                  </a:schemeClr>
-                </a:solidFill>
-              </a:rPr>
-              <a:t>型実装</a:t>
-            </a:r>
-          </a:p>
-        </p:txBody>
-      </p:sp>
-      <p:sp>
-        <p:nvSpPr>
           <p:cNvPr id="3" name="字幕 2">
             <a:extLst>
               <a:ext uri="{FF2B5EF4-FFF2-40B4-BE49-F238E27FC236}">
@@ -6189,6 +6110,152 @@
                 </a:solidFill>
               </a:rPr>
               <a:t> Y. Knot(@0_u0)</a:t>
+            </a:r>
+          </a:p>
+        </p:txBody>
+      </p:sp>
+      <p:sp>
+        <p:nvSpPr>
+          <p:cNvPr id="5" name="テキスト ボックス 4">
+            <a:extLst>
+              <a:ext uri="{FF2B5EF4-FFF2-40B4-BE49-F238E27FC236}">
+                <a16:creationId xmlns:a16="http://schemas.microsoft.com/office/drawing/2014/main" id="{5CB515DF-4529-4AB7-B232-C0A64B36B524}"/>
+              </a:ext>
+            </a:extLst>
+          </p:cNvPr>
+          <p:cNvSpPr txBox="1"/>
+          <p:nvPr/>
+        </p:nvSpPr>
+        <p:spPr>
+          <a:xfrm>
+            <a:off x="5157281" y="4198748"/>
+            <a:ext cx="1877437" cy="1107996"/>
+          </a:xfrm>
+          <a:prstGeom prst="rect">
+            <a:avLst/>
+          </a:prstGeom>
+          <a:noFill/>
+        </p:spPr>
+        <p:txBody>
+          <a:bodyPr wrap="none" rtlCol="0">
+            <a:spAutoFit/>
+          </a:bodyPr>
+          <a:lstStyle/>
+          <a:p>
+            <a:r>
+              <a:rPr lang="ja-JP" altLang="en-US" sz="6600" dirty="0"/>
+              <a:t>誰？</a:t>
+            </a:r>
+            <a:endParaRPr kumimoji="1" lang="ja-JP" altLang="en-US" sz="6600" dirty="0"/>
+          </a:p>
+        </p:txBody>
+      </p:sp>
+      <p:sp>
+        <p:nvSpPr>
+          <p:cNvPr id="9" name="タイトル 1">
+            <a:extLst>
+              <a:ext uri="{FF2B5EF4-FFF2-40B4-BE49-F238E27FC236}">
+                <a16:creationId xmlns:a16="http://schemas.microsoft.com/office/drawing/2014/main" id="{A71FF145-278F-4D01-8F0B-7E1C3BF9C391}"/>
+              </a:ext>
+            </a:extLst>
+          </p:cNvPr>
+          <p:cNvSpPr>
+            <a:spLocks noGrp="1"/>
+          </p:cNvSpPr>
+          <p:nvPr>
+            <p:ph type="ctrTitle"/>
+          </p:nvPr>
+        </p:nvSpPr>
+        <p:spPr>
+          <a:xfrm>
+            <a:off x="1524000" y="1122363"/>
+            <a:ext cx="9144000" cy="2387600"/>
+          </a:xfrm>
+        </p:spPr>
+        <p:txBody>
+          <a:bodyPr>
+            <a:normAutofit fontScale="90000"/>
+          </a:bodyPr>
+          <a:lstStyle/>
+          <a:p>
+            <a:r>
+              <a:rPr kumimoji="1" lang="en-US" altLang="ja-JP" dirty="0">
+                <a:solidFill>
+                  <a:schemeClr val="bg1">
+                    <a:lumMod val="85000"/>
+                  </a:schemeClr>
+                </a:solidFill>
+              </a:rPr>
+              <a:t>caret</a:t>
+            </a:r>
+            <a:r>
+              <a:rPr kumimoji="1" lang="ja-JP" altLang="en-US" dirty="0">
+                <a:solidFill>
+                  <a:schemeClr val="bg1">
+                    <a:lumMod val="85000"/>
+                  </a:schemeClr>
+                </a:solidFill>
+              </a:rPr>
+              <a:t>パッケージを使って</a:t>
+            </a:r>
+            <a:r>
+              <a:rPr kumimoji="1" lang="en-US" altLang="ja-JP" dirty="0" err="1">
+                <a:solidFill>
+                  <a:schemeClr val="bg1">
+                    <a:lumMod val="85000"/>
+                  </a:schemeClr>
+                </a:solidFill>
+              </a:rPr>
+              <a:t>XGBoost</a:t>
+            </a:r>
+            <a:r>
+              <a:rPr kumimoji="1" lang="ja-JP" altLang="en-US" dirty="0">
+                <a:solidFill>
+                  <a:schemeClr val="bg1">
+                    <a:lumMod val="85000"/>
+                  </a:schemeClr>
+                </a:solidFill>
+              </a:rPr>
+              <a:t>を</a:t>
+            </a:r>
+            <a:r>
+              <a:rPr kumimoji="1" lang="en-US" altLang="ja-JP" dirty="0" err="1">
+                <a:solidFill>
+                  <a:schemeClr val="bg1">
+                    <a:lumMod val="85000"/>
+                  </a:schemeClr>
+                </a:solidFill>
+              </a:rPr>
+              <a:t>kaggle</a:t>
+            </a:r>
+            <a:r>
+              <a:rPr kumimoji="1" lang="ja-JP" altLang="en-US" dirty="0">
+                <a:solidFill>
+                  <a:schemeClr val="bg1">
+                    <a:lumMod val="85000"/>
+                  </a:schemeClr>
+                </a:solidFill>
+              </a:rPr>
+              <a:t>コンペで</a:t>
+            </a:r>
+            <a:br>
+              <a:rPr kumimoji="1" lang="en-US" altLang="ja-JP" dirty="0">
+                <a:solidFill>
+                  <a:schemeClr val="bg1">
+                    <a:lumMod val="85000"/>
+                  </a:schemeClr>
+                </a:solidFill>
+              </a:rPr>
+            </a:br>
+            <a:r>
+              <a:rPr kumimoji="1" lang="ja-JP" altLang="en-US" dirty="0">
+                <a:solidFill>
+                  <a:schemeClr val="bg1">
+                    <a:lumMod val="85000"/>
+                  </a:schemeClr>
+                </a:solidFill>
+              </a:rPr>
+              <a:t>実装してみた</a:t>
             </a:r>
           </a:p>
         </p:txBody>
@@ -6245,42 +6312,6 @@
           </a:sp3d>
         </p:spPr>
       </p:pic>
-      <p:sp>
-        <p:nvSpPr>
-          <p:cNvPr id="5" name="テキスト ボックス 4">
-            <a:extLst>
-              <a:ext uri="{FF2B5EF4-FFF2-40B4-BE49-F238E27FC236}">
-                <a16:creationId xmlns:a16="http://schemas.microsoft.com/office/drawing/2014/main" id="{5CB515DF-4529-4AB7-B232-C0A64B36B524}"/>
-              </a:ext>
-            </a:extLst>
-          </p:cNvPr>
-          <p:cNvSpPr txBox="1"/>
-          <p:nvPr/>
-        </p:nvSpPr>
-        <p:spPr>
-          <a:xfrm>
-            <a:off x="5157281" y="4198748"/>
-            <a:ext cx="1877437" cy="1107996"/>
-          </a:xfrm>
-          <a:prstGeom prst="rect">
-            <a:avLst/>
-          </a:prstGeom>
-          <a:noFill/>
-        </p:spPr>
-        <p:txBody>
-          <a:bodyPr wrap="none" rtlCol="0">
-            <a:spAutoFit/>
-          </a:bodyPr>
-          <a:lstStyle/>
-          <a:p>
-            <a:r>
-              <a:rPr lang="ja-JP" altLang="en-US" sz="6600" dirty="0"/>
-              <a:t>誰？</a:t>
-            </a:r>
-            <a:endParaRPr kumimoji="1" lang="ja-JP" altLang="en-US" sz="6600" dirty="0"/>
-          </a:p>
-        </p:txBody>
-      </p:sp>
     </p:spTree>
     <p:extLst>
       <p:ext uri="{BB962C8B-B14F-4D97-AF65-F5344CB8AC3E}">

--- a/Santander/output/caretパッケージを使ったXGBoostのformula型.pptx
+++ b/Santander/output/caretパッケージを使ったXGBoostのformula型.pptx
@@ -3103,6 +3103,9 @@
               <a:rPr kumimoji="1" lang="ja-JP" altLang="en-US" dirty="0"/>
               <a:t>に気軽に参加してみようという話と</a:t>
             </a:r>
+            <a:endParaRPr kumimoji="1" lang="en-US" altLang="ja-JP" dirty="0"/>
+          </a:p>
+          <a:p>
             <a:endParaRPr kumimoji="1" lang="en-US" altLang="ja-JP" dirty="0"/>
           </a:p>
           <a:p>
@@ -9914,7 +9917,7 @@
             </a:r>
             <a:r>
               <a:rPr lang="ja-JP" altLang="en-US" dirty="0"/>
-              <a:t>       </a:t>
+              <a:t>     </a:t>
             </a:r>
             <a:r>
               <a:rPr lang="en-US" altLang="ja-JP" dirty="0"/>
@@ -10046,7 +10049,7 @@
           <a:p>
             <a:r>
               <a:rPr lang="ja-JP" altLang="en-US" sz="6600" dirty="0"/>
-              <a:t>↑誰？</a:t>
+              <a:t>⇧誰？</a:t>
             </a:r>
             <a:endParaRPr kumimoji="1" lang="ja-JP" altLang="en-US" sz="6600" dirty="0"/>
           </a:p>
@@ -11098,8 +11101,8 @@
         </p:nvSpPr>
         <p:spPr>
           <a:xfrm>
-            <a:off x="838200" y="1371600"/>
-            <a:ext cx="10515600" cy="5486400"/>
+            <a:off x="0" y="1371600"/>
+            <a:ext cx="12192000" cy="5486400"/>
           </a:xfrm>
           <a:solidFill>
             <a:schemeClr val="tx1">
@@ -11159,7 +11162,7 @@
           </a:p>
           <a:p>
             <a:r>
-              <a:rPr kumimoji="1" lang="en-US" altLang="ja-JP" sz="2000" dirty="0">
+              <a:rPr kumimoji="1" lang="en-US" altLang="ja-JP" sz="2400" dirty="0">
                 <a:solidFill>
                   <a:srgbClr val="00B0F0"/>
                 </a:solidFill>
@@ -11168,7 +11171,7 @@
               <a:t>model &lt;- caret</a:t>
             </a:r>
             <a:r>
-              <a:rPr lang="en-US" altLang="ja-JP" sz="2000" dirty="0">
+              <a:rPr lang="en-US" altLang="ja-JP" sz="2400" dirty="0">
                 <a:solidFill>
                   <a:srgbClr val="00B0F0"/>
                 </a:solidFill>
@@ -11177,7 +11180,7 @@
               <a:t>::train</a:t>
             </a:r>
             <a:r>
-              <a:rPr lang="en-US" altLang="ja-JP" sz="2000" dirty="0">
+              <a:rPr lang="en-US" altLang="ja-JP" sz="2400" dirty="0">
                 <a:solidFill>
                   <a:schemeClr val="bg1"/>
                 </a:solidFill>
@@ -11191,7 +11194,7 @@
               <a:buNone/>
             </a:pPr>
             <a:r>
-              <a:rPr lang="en-US" altLang="ja-JP" sz="2000" dirty="0">
+              <a:rPr lang="en-US" altLang="ja-JP" sz="2400" dirty="0">
                 <a:solidFill>
                   <a:schemeClr val="bg1"/>
                 </a:solidFill>
@@ -11200,7 +11203,7 @@
               <a:t>				 method = </a:t>
             </a:r>
             <a:r>
-              <a:rPr lang="en-US" altLang="ja-JP" sz="2000" dirty="0">
+              <a:rPr lang="en-US" altLang="ja-JP" sz="2400" dirty="0">
                 <a:solidFill>
                   <a:srgbClr val="FFFF00"/>
                 </a:solidFill>
@@ -11209,7 +11212,7 @@
               <a:t>“</a:t>
             </a:r>
             <a:r>
-              <a:rPr lang="en-US" altLang="ja-JP" sz="2000" dirty="0" err="1">
+              <a:rPr lang="en-US" altLang="ja-JP" sz="2400" dirty="0" err="1">
                 <a:solidFill>
                   <a:srgbClr val="FFFF00"/>
                 </a:solidFill>
@@ -11218,7 +11221,7 @@
               <a:t>xgbTree</a:t>
             </a:r>
             <a:r>
-              <a:rPr lang="en-US" altLang="ja-JP" sz="2000" dirty="0">
+              <a:rPr lang="en-US" altLang="ja-JP" sz="2400" dirty="0">
                 <a:solidFill>
                   <a:srgbClr val="FFFF00"/>
                 </a:solidFill>
@@ -11227,7 +11230,7 @@
               <a:t>”</a:t>
             </a:r>
             <a:r>
-              <a:rPr lang="en-US" altLang="ja-JP" sz="2000" dirty="0">
+              <a:rPr lang="en-US" altLang="ja-JP" sz="2400" dirty="0">
                 <a:solidFill>
                   <a:schemeClr val="bg1"/>
                 </a:solidFill>
@@ -11241,7 +11244,7 @@
               <a:buNone/>
             </a:pPr>
             <a:r>
-              <a:rPr lang="en-US" altLang="ja-JP" sz="2000" dirty="0">
+              <a:rPr lang="en-US" altLang="ja-JP" sz="2400" dirty="0">
                 <a:solidFill>
                   <a:schemeClr val="bg1"/>
                 </a:solidFill>
@@ -11250,7 +11253,7 @@
               <a:t>				 data = </a:t>
             </a:r>
             <a:r>
-              <a:rPr lang="en-US" altLang="ja-JP" sz="2000" dirty="0" err="1">
+              <a:rPr lang="en-US" altLang="ja-JP" sz="2400" dirty="0" err="1">
                 <a:solidFill>
                   <a:schemeClr val="bg1"/>
                 </a:solidFill>
@@ -11259,7 +11262,7 @@
               <a:t>UseData</a:t>
             </a:r>
             <a:r>
-              <a:rPr lang="en-US" altLang="ja-JP" sz="2000" dirty="0">
+              <a:rPr lang="en-US" altLang="ja-JP" sz="2400" dirty="0">
                 <a:solidFill>
                   <a:schemeClr val="bg1"/>
                 </a:solidFill>
@@ -11273,7 +11276,7 @@
               <a:buNone/>
             </a:pPr>
             <a:r>
-              <a:rPr lang="en-US" altLang="ja-JP" sz="2000" dirty="0">
+              <a:rPr lang="en-US" altLang="ja-JP" sz="2400" dirty="0">
                 <a:solidFill>
                   <a:schemeClr val="bg1"/>
                 </a:solidFill>
@@ -11282,7 +11285,7 @@
               <a:t>				 </a:t>
             </a:r>
             <a:r>
-              <a:rPr lang="en-US" altLang="ja-JP" sz="2000" dirty="0" err="1">
+              <a:rPr lang="en-US" altLang="ja-JP" sz="2400" dirty="0" err="1">
                 <a:solidFill>
                   <a:schemeClr val="bg1"/>
                 </a:solidFill>
@@ -11291,7 +11294,7 @@
               <a:t>trControl</a:t>
             </a:r>
             <a:r>
-              <a:rPr lang="en-US" altLang="ja-JP" sz="2000" dirty="0">
+              <a:rPr lang="en-US" altLang="ja-JP" sz="2400" dirty="0">
                 <a:solidFill>
                   <a:schemeClr val="bg1"/>
                 </a:solidFill>
@@ -11300,7 +11303,7 @@
               <a:t> = </a:t>
             </a:r>
             <a:r>
-              <a:rPr lang="en-US" altLang="ja-JP" sz="2000" dirty="0" err="1">
+              <a:rPr lang="en-US" altLang="ja-JP" sz="2400" dirty="0" err="1">
                 <a:solidFill>
                   <a:srgbClr val="00B0F0"/>
                 </a:solidFill>
@@ -11309,7 +11312,7 @@
               <a:t>trainControl</a:t>
             </a:r>
             <a:r>
-              <a:rPr lang="en-US" altLang="ja-JP" sz="2000" dirty="0">
+              <a:rPr lang="en-US" altLang="ja-JP" sz="2400" dirty="0">
                 <a:solidFill>
                   <a:schemeClr val="bg1"/>
                 </a:solidFill>
@@ -11688,7 +11691,7 @@
           </a:p>
           <a:p>
             <a:r>
-              <a:rPr lang="ja-JP" altLang="en-US" sz="2000" dirty="0">
+              <a:rPr lang="ja-JP" altLang="en-US" sz="2400" dirty="0">
                 <a:solidFill>
                   <a:schemeClr val="bg1"/>
                 </a:solidFill>
@@ -11697,7 +11700,7 @@
               <a:t>予測は</a:t>
             </a:r>
             <a:r>
-              <a:rPr lang="en-US" altLang="ja-JP" sz="2000" dirty="0">
+              <a:rPr lang="en-US" altLang="ja-JP" sz="2400" dirty="0">
                 <a:solidFill>
                   <a:srgbClr val="00B0F0"/>
                 </a:solidFill>
@@ -11706,7 +11709,7 @@
               <a:t>predict</a:t>
             </a:r>
             <a:r>
-              <a:rPr lang="en-US" altLang="ja-JP" sz="2000" dirty="0">
+              <a:rPr lang="en-US" altLang="ja-JP" sz="2400" dirty="0">
                 <a:solidFill>
                   <a:schemeClr val="bg1"/>
                 </a:solidFill>
@@ -11715,7 +11718,7 @@
               <a:t>(model, </a:t>
             </a:r>
             <a:r>
-              <a:rPr lang="en-US" altLang="ja-JP" sz="2000" dirty="0" err="1">
+              <a:rPr lang="en-US" altLang="ja-JP" sz="2400" dirty="0" err="1">
                 <a:solidFill>
                   <a:schemeClr val="bg1"/>
                 </a:solidFill>
@@ -11724,7 +11727,7 @@
               <a:t>newdata</a:t>
             </a:r>
             <a:r>
-              <a:rPr lang="en-US" altLang="ja-JP" sz="2000" dirty="0">
+              <a:rPr lang="en-US" altLang="ja-JP" sz="2400" dirty="0">
                 <a:solidFill>
                   <a:schemeClr val="bg1"/>
                 </a:solidFill>
@@ -11733,7 +11736,7 @@
               <a:t> = </a:t>
             </a:r>
             <a:r>
-              <a:rPr lang="en-US" altLang="ja-JP" sz="2000" dirty="0" err="1">
+              <a:rPr lang="en-US" altLang="ja-JP" sz="2400" dirty="0" err="1">
                 <a:solidFill>
                   <a:schemeClr val="bg1"/>
                 </a:solidFill>
@@ -11742,7 +11745,7 @@
               <a:t>TestData</a:t>
             </a:r>
             <a:r>
-              <a:rPr lang="en-US" altLang="ja-JP" sz="2000" dirty="0">
+              <a:rPr lang="en-US" altLang="ja-JP" sz="2400" dirty="0">
                 <a:solidFill>
                   <a:schemeClr val="bg1"/>
                 </a:solidFill>
@@ -11750,7 +11753,7 @@
               </a:rPr>
               <a:t>)</a:t>
             </a:r>
-            <a:endParaRPr kumimoji="1" lang="ja-JP" altLang="en-US" sz="2000" dirty="0">
+            <a:endParaRPr kumimoji="1" lang="ja-JP" altLang="en-US" sz="2400" dirty="0">
               <a:solidFill>
                 <a:schemeClr val="bg1"/>
               </a:solidFill>
@@ -12000,13 +12003,22 @@
           <a:p>
             <a:pPr lvl="1"/>
             <a:r>
-              <a:rPr lang="ja-JP" altLang="en-US" sz="3200" b="1" dirty="0" err="1">
+              <a:rPr lang="ja-JP" altLang="en-US" sz="3200" b="1" dirty="0">
                 <a:solidFill>
                   <a:srgbClr val="FF0000"/>
                 </a:solidFill>
                 <a:latin typeface="+mj-lt"/>
               </a:rPr>
-              <a:t>つか</a:t>
+              <a:t>ビッグデータはクラウドと</a:t>
+            </a:r>
+            <a:r>
+              <a:rPr lang="en-US" altLang="ja-JP" sz="3200" b="1" dirty="0">
+                <a:solidFill>
+                  <a:srgbClr val="FF0000"/>
+                </a:solidFill>
+                <a:latin typeface="+mj-lt"/>
+              </a:rPr>
+              <a:t>Spark</a:t>
             </a:r>
             <a:r>
               <a:rPr lang="ja-JP" altLang="en-US" sz="3200" b="1" dirty="0">
@@ -12015,25 +12027,7 @@
                 </a:solidFill>
                 <a:latin typeface="+mj-lt"/>
               </a:rPr>
-              <a:t>ビッグデータはクラウドと</a:t>
-            </a:r>
-            <a:r>
-              <a:rPr lang="en-US" altLang="ja-JP" sz="3200" b="1" dirty="0">
-                <a:solidFill>
-                  <a:srgbClr val="FF0000"/>
-                </a:solidFill>
-                <a:latin typeface="+mj-lt"/>
-              </a:rPr>
-              <a:t>Spark</a:t>
-            </a:r>
-            <a:r>
-              <a:rPr lang="ja-JP" altLang="en-US" sz="3200" b="1" dirty="0">
-                <a:solidFill>
-                  <a:srgbClr val="FF0000"/>
-                </a:solidFill>
-                <a:latin typeface="+mj-lt"/>
-              </a:rPr>
-              <a:t>でねじ伏せろ</a:t>
+              <a:t>でねじ伏せる？</a:t>
             </a:r>
             <a:endParaRPr lang="en-US" altLang="ja-JP" sz="2800" b="1" dirty="0">
               <a:solidFill>
@@ -12658,7 +12652,12 @@
             <p:ph idx="1"/>
           </p:nvPr>
         </p:nvSpPr>
-        <p:spPr/>
+        <p:spPr>
+          <a:xfrm>
+            <a:off x="838200" y="1825625"/>
+            <a:ext cx="10515600" cy="4351338"/>
+          </a:xfrm>
+        </p:spPr>
         <p:txBody>
           <a:bodyPr/>
           <a:lstStyle/>
@@ -12673,7 +12672,7 @@
             </a:r>
             <a:r>
               <a:rPr lang="ja-JP" altLang="en-US" dirty="0"/>
-              <a:t>毎回参加するキャンペーン」開催</a:t>
+              <a:t>毎回参加する運動」を開催</a:t>
             </a:r>
             <a:endParaRPr kumimoji="1" lang="en-US" altLang="ja-JP" dirty="0"/>
           </a:p>
@@ -12702,21 +12701,38 @@
           <a:p>
             <a:pPr lvl="1"/>
             <a:r>
-              <a:rPr kumimoji="1" lang="ja-JP" altLang="en-US" dirty="0"/>
-              <a:t>ファジィクラスタリングとか面白そうだな</a:t>
-            </a:r>
+              <a:rPr lang="ja-JP" altLang="en-US" dirty="0"/>
+              <a:t>スパースモデリングは楽しいと思う</a:t>
+            </a:r>
+            <a:endParaRPr lang="en-US" altLang="ja-JP" dirty="0"/>
+          </a:p>
+          <a:p>
+            <a:pPr lvl="1"/>
             <a:r>
               <a:rPr kumimoji="1" lang="en-US" altLang="ja-JP" dirty="0"/>
-              <a:t>(Topic model</a:t>
-            </a:r>
-            <a:r>
-              <a:rPr kumimoji="1" lang="ja-JP" altLang="en-US" dirty="0"/>
-              <a:t>を応用したり</a:t>
+              <a:t>Topic</a:t>
+            </a:r>
+            <a:r>
+              <a:rPr kumimoji="1" lang="ja-JP" altLang="en-US" dirty="0"/>
+              <a:t> </a:t>
             </a:r>
             <a:r>
               <a:rPr kumimoji="1" lang="en-US" altLang="ja-JP" dirty="0"/>
-              <a:t>)</a:t>
-            </a:r>
+              <a:t>Model</a:t>
+            </a:r>
+            <a:r>
+              <a:rPr kumimoji="1" lang="ja-JP" altLang="en-US" dirty="0"/>
+              <a:t>を応用した顧客の購買行動の分析</a:t>
+            </a:r>
+            <a:endParaRPr kumimoji="1" lang="en-US" altLang="ja-JP" dirty="0"/>
+          </a:p>
+          <a:p>
+            <a:pPr lvl="2"/>
+            <a:r>
+              <a:rPr lang="ja-JP" altLang="en-US" dirty="0"/>
+              <a:t>文章ではなく「顧客」と「商品」のファジィクラスタリング</a:t>
+            </a:r>
+            <a:endParaRPr kumimoji="1" lang="en-US" altLang="ja-JP" dirty="0"/>
           </a:p>
           <a:p>
             <a:pPr lvl="1"/>
@@ -12863,8 +12879,8 @@
         </p:nvSpPr>
         <p:spPr>
           <a:xfrm>
-            <a:off x="838200" y="1825624"/>
-            <a:ext cx="8345557" cy="4965771"/>
+            <a:off x="838200" y="1451114"/>
+            <a:ext cx="8603974" cy="5340282"/>
           </a:xfrm>
         </p:spPr>
         <p:txBody>
@@ -12897,23 +12913,53 @@
           <a:p>
             <a:pPr lvl="1"/>
             <a:r>
+              <a:rPr lang="ja-JP" altLang="en-US" dirty="0"/>
+              <a:t>文系大学院出身</a:t>
+            </a:r>
+            <a:r>
+              <a:rPr lang="en-US" altLang="ja-JP" dirty="0"/>
+              <a:t>(</a:t>
+            </a:r>
+            <a:r>
+              <a:rPr lang="ja-JP" altLang="en-US" dirty="0"/>
+              <a:t>人に関わる統計学</a:t>
+            </a:r>
+            <a:r>
+              <a:rPr lang="en-US" altLang="ja-JP" dirty="0"/>
+              <a:t>)</a:t>
+            </a:r>
+          </a:p>
+          <a:p>
+            <a:endParaRPr lang="en-US" altLang="ja-JP" dirty="0"/>
+          </a:p>
+          <a:p>
+            <a:r>
               <a:rPr lang="en-US" altLang="ja-JP" dirty="0"/>
               <a:t>Twitter</a:t>
             </a:r>
             <a:r>
               <a:rPr lang="ja-JP" altLang="en-US" dirty="0"/>
-              <a:t>ではいつもやかましくしております</a:t>
-            </a:r>
-            <a:endParaRPr lang="en-US" altLang="ja-JP" dirty="0"/>
-          </a:p>
-          <a:p>
-            <a:pPr lvl="1"/>
-            <a:endParaRPr kumimoji="1" lang="en-US" altLang="ja-JP" dirty="0"/>
-          </a:p>
-          <a:p>
+              <a:t>歴</a:t>
+            </a:r>
             <a:r>
               <a:rPr lang="en-US" altLang="ja-JP" dirty="0"/>
-              <a:t>Twitter</a:t>
+              <a:t>(9</a:t>
+            </a:r>
+            <a:r>
+              <a:rPr lang="ja-JP" altLang="en-US" dirty="0"/>
+              <a:t>年</a:t>
+            </a:r>
+            <a:r>
+              <a:rPr lang="en-US" altLang="ja-JP" dirty="0"/>
+              <a:t>)</a:t>
+            </a:r>
+            <a:r>
+              <a:rPr lang="ja-JP" altLang="en-US" dirty="0"/>
+              <a:t>と</a:t>
+            </a:r>
+            <a:r>
+              <a:rPr lang="en-US" altLang="ja-JP" dirty="0"/>
+              <a:t>R</a:t>
             </a:r>
             <a:r>
               <a:rPr lang="ja-JP" altLang="en-US" dirty="0"/>
@@ -12921,45 +12967,21 @@
             </a:r>
             <a:r>
               <a:rPr lang="en-US" altLang="ja-JP" dirty="0"/>
-              <a:t>(9</a:t>
+              <a:t>(7</a:t>
             </a:r>
             <a:r>
               <a:rPr lang="ja-JP" altLang="en-US" dirty="0"/>
               <a:t>年</a:t>
             </a:r>
             <a:r>
+              <a:rPr lang="ja-JP" altLang="en-US" dirty="0" err="1"/>
+              <a:t>め</a:t>
+            </a:r>
+            <a:r>
               <a:rPr lang="en-US" altLang="ja-JP" dirty="0"/>
               <a:t>)</a:t>
             </a:r>
             <a:r>
-              <a:rPr lang="ja-JP" altLang="en-US" dirty="0"/>
-              <a:t>と</a:t>
-            </a:r>
-            <a:r>
-              <a:rPr lang="en-US" altLang="ja-JP" dirty="0"/>
-              <a:t>R</a:t>
-            </a:r>
-            <a:r>
-              <a:rPr lang="ja-JP" altLang="en-US" dirty="0"/>
-              <a:t>歴</a:t>
-            </a:r>
-            <a:r>
-              <a:rPr lang="en-US" altLang="ja-JP" dirty="0"/>
-              <a:t>(7</a:t>
-            </a:r>
-            <a:r>
-              <a:rPr lang="ja-JP" altLang="en-US" dirty="0"/>
-              <a:t>年</a:t>
-            </a:r>
-            <a:r>
-              <a:rPr lang="ja-JP" altLang="en-US" dirty="0" err="1"/>
-              <a:t>め</a:t>
-            </a:r>
-            <a:r>
-              <a:rPr lang="en-US" altLang="ja-JP" dirty="0"/>
-              <a:t>)</a:t>
-            </a:r>
-            <a:r>
               <a:rPr lang="ja-JP" altLang="en-US" dirty="0" err="1"/>
               <a:t>だけは</a:t>
             </a:r>
@@ -12972,7 +12994,7 @@
           <a:p>
             <a:pPr lvl="1"/>
             <a:r>
-              <a:rPr lang="ja-JP" altLang="en-US" sz="3200" b="1" dirty="0"/>
+              <a:rPr lang="ja-JP" altLang="en-US" sz="3200" dirty="0"/>
               <a:t>時間と実力は比例しない</a:t>
             </a:r>
             <a:r>
@@ -12984,7 +13006,7 @@
           <a:p>
             <a:pPr lvl="1"/>
             <a:r>
-              <a:rPr lang="en-US" altLang="ja-JP" b="1" dirty="0">
+              <a:rPr lang="en-US" altLang="ja-JP" dirty="0">
                 <a:solidFill>
                   <a:srgbClr val="FF0000"/>
                 </a:solidFill>
@@ -12992,29 +13014,18 @@
               <a:t>R</a:t>
             </a:r>
             <a:r>
-              <a:rPr lang="ja-JP" altLang="en-US" b="1" dirty="0">
+              <a:rPr lang="ja-JP" altLang="en-US" dirty="0">
                 <a:solidFill>
                   <a:srgbClr val="FF0000"/>
                 </a:solidFill>
               </a:rPr>
-              <a:t>言語と同い年　←　</a:t>
-            </a:r>
-            <a:r>
-              <a:rPr lang="ja-JP" altLang="en-US" b="1" strike="sngStrike" dirty="0">
-                <a:solidFill>
-                  <a:srgbClr val="FF0000"/>
-                </a:solidFill>
-              </a:rPr>
-              <a:t>これを言うための</a:t>
-            </a:r>
-            <a:r>
-              <a:rPr lang="en-US" altLang="ja-JP" b="1" strike="sngStrike" dirty="0">
-                <a:solidFill>
-                  <a:srgbClr val="FF0000"/>
-                </a:solidFill>
-              </a:rPr>
-              <a:t>LT</a:t>
-            </a:r>
+              <a:t>言語と同い年</a:t>
+            </a:r>
+            <a:endParaRPr lang="en-US" altLang="ja-JP" dirty="0">
+              <a:solidFill>
+                <a:srgbClr val="FF0000"/>
+              </a:solidFill>
+            </a:endParaRPr>
           </a:p>
           <a:p>
             <a:pPr lvl="1"/>
@@ -13025,7 +13036,7 @@
               <a:rPr lang="ja-JP" altLang="en-US" dirty="0">
                 <a:latin typeface="+mj-lt"/>
               </a:rPr>
-              <a:t>調査会社のデータアナリスト</a:t>
+              <a:t>調査会社の新人データアナリスト</a:t>
             </a:r>
             <a:endParaRPr lang="en-US" altLang="ja-JP" dirty="0">
               <a:latin typeface="+mj-lt"/>
@@ -13093,13 +13104,28 @@
               <a:rPr kumimoji="1" lang="ja-JP" altLang="en-US" dirty="0"/>
               <a:t>を使って楽しいことがしたい人生だった</a:t>
             </a:r>
-            <a:endParaRPr kumimoji="1" lang="en-US" altLang="ja-JP" dirty="0"/>
+            <a:r>
+              <a:rPr kumimoji="1" lang="en-US" altLang="ja-JP" dirty="0"/>
+              <a:t>(</a:t>
+            </a:r>
+            <a:r>
+              <a:rPr kumimoji="1" lang="ja-JP" altLang="en-US" dirty="0"/>
+              <a:t>穴</a:t>
+            </a:r>
+            <a:r>
+              <a:rPr kumimoji="1" lang="en-US" altLang="ja-JP" dirty="0"/>
+              <a:t>)</a:t>
+            </a:r>
           </a:p>
           <a:p>
             <a:pPr lvl="1"/>
             <a:r>
-              <a:rPr kumimoji="1" lang="ja-JP" altLang="en-US" dirty="0"/>
-              <a:t>じゃあ </a:t>
+              <a:rPr lang="ja-JP" altLang="en-US" dirty="0"/>
+              <a:t>心の穴を</a:t>
+            </a:r>
+            <a:r>
+              <a:rPr kumimoji="1" lang="ja-JP" altLang="en-US" dirty="0"/>
+              <a:t> </a:t>
             </a:r>
             <a:r>
               <a:rPr kumimoji="1" lang="en-US" altLang="ja-JP" u="sng" dirty="0">
@@ -13122,9 +13148,10 @@
               <a:t> </a:t>
             </a:r>
             <a:r>
-              <a:rPr kumimoji="1" lang="ja-JP" altLang="en-US" dirty="0"/>
-              <a:t>活動できるじゃない！</a:t>
-            </a:r>
+              <a:rPr lang="ja-JP" altLang="en-US" dirty="0"/>
+              <a:t>で埋めに来ました</a:t>
+            </a:r>
+            <a:endParaRPr kumimoji="1" lang="ja-JP" altLang="en-US" dirty="0"/>
           </a:p>
         </p:txBody>
       </p:sp>
@@ -13228,8 +13255,8 @@
         </p:nvSpPr>
         <p:spPr>
           <a:xfrm>
-            <a:off x="838200" y="3429000"/>
-            <a:ext cx="10515600" cy="849336"/>
+            <a:off x="838200" y="3428999"/>
+            <a:ext cx="10515600" cy="1520687"/>
           </a:xfrm>
         </p:spPr>
         <p:txBody>
@@ -13243,9 +13270,13 @@
             </a:pPr>
             <a:r>
               <a:rPr kumimoji="1" lang="en-US" altLang="ja-JP" sz="4800" dirty="0"/>
-              <a:t>Enjoy!</a:t>
-            </a:r>
-            <a:endParaRPr kumimoji="1" lang="ja-JP" altLang="en-US" sz="4800" dirty="0"/>
+              <a:t>Enjoy</a:t>
+            </a:r>
+            <a:r>
+              <a:rPr lang="en-US" altLang="ja-JP" sz="4800" dirty="0"/>
+              <a:t>!</a:t>
+            </a:r>
+            <a:endParaRPr kumimoji="1" lang="en-US" altLang="ja-JP" sz="4800" dirty="0"/>
           </a:p>
         </p:txBody>
       </p:sp>
@@ -14313,10 +14344,32 @@
           <a:p>
             <a:pPr lvl="1"/>
             <a:r>
-              <a:rPr kumimoji="1" lang="ja-JP" altLang="en-US" dirty="0"/>
+              <a:rPr kumimoji="1" lang="ja-JP" altLang="en-US" dirty="0">
+                <a:ln>
+                  <a:solidFill>
+                    <a:schemeClr val="accent1">
+                      <a:lumMod val="75000"/>
+                    </a:schemeClr>
+                  </a:solidFill>
+                </a:ln>
+                <a:solidFill>
+                  <a:srgbClr val="0070C0"/>
+                </a:solidFill>
+              </a:rPr>
               <a:t>風のデータもあるかもしれない</a:t>
             </a:r>
-            <a:endParaRPr kumimoji="1" lang="en-US" altLang="ja-JP" dirty="0"/>
+            <a:endParaRPr kumimoji="1" lang="en-US" altLang="ja-JP" dirty="0">
+              <a:ln>
+                <a:solidFill>
+                  <a:schemeClr val="accent1">
+                    <a:lumMod val="75000"/>
+                  </a:schemeClr>
+                </a:solidFill>
+              </a:ln>
+              <a:solidFill>
+                <a:srgbClr val="0070C0"/>
+              </a:solidFill>
+            </a:endParaRPr>
           </a:p>
           <a:p>
             <a:pPr lvl="1"/>
@@ -14987,7 +15040,35 @@
               <a:rPr kumimoji="1" lang="ja-JP" altLang="en-US" dirty="0"/>
               <a:t>っぽいフレームワーク</a:t>
             </a:r>
-            <a:endParaRPr kumimoji="1" lang="en-US" altLang="ja-JP" dirty="0"/>
+            <a:r>
+              <a:rPr kumimoji="1" lang="en-US" altLang="ja-JP" sz="3600" dirty="0">
+                <a:solidFill>
+                  <a:srgbClr val="FF0000"/>
+                </a:solidFill>
+              </a:rPr>
+              <a:t>(</a:t>
+            </a:r>
+            <a:r>
+              <a:rPr kumimoji="1" lang="ja-JP" altLang="en-US" sz="3600" dirty="0">
+                <a:solidFill>
+                  <a:srgbClr val="FF0000"/>
+                </a:solidFill>
+              </a:rPr>
+              <a:t>教師あり学習</a:t>
+            </a:r>
+            <a:r>
+              <a:rPr kumimoji="1" lang="en-US" altLang="ja-JP" sz="3600" dirty="0">
+                <a:solidFill>
+                  <a:srgbClr val="FF0000"/>
+                </a:solidFill>
+              </a:rPr>
+              <a:t>)</a:t>
+            </a:r>
+            <a:endParaRPr kumimoji="1" lang="en-US" altLang="ja-JP" dirty="0">
+              <a:solidFill>
+                <a:srgbClr val="FF0000"/>
+              </a:solidFill>
+            </a:endParaRPr>
           </a:p>
           <a:p>
             <a:pPr lvl="1"/>
